--- a/70 Praesentation/20 StarGreg Jan.pptx
+++ b/70 Praesentation/20 StarGreg Jan.pptx
@@ -5,21 +5,24 @@
     <p:sldMasterId id="2147483660" r:id="rId1"/>
   </p:sldMasterIdLst>
   <p:notesMasterIdLst>
-    <p:notesMasterId r:id="rId11"/>
+    <p:notesMasterId r:id="rId14"/>
   </p:notesMasterIdLst>
   <p:handoutMasterIdLst>
-    <p:handoutMasterId r:id="rId12"/>
+    <p:handoutMasterId r:id="rId15"/>
   </p:handoutMasterIdLst>
   <p:sldIdLst>
     <p:sldId id="256" r:id="rId2"/>
     <p:sldId id="257" r:id="rId3"/>
     <p:sldId id="258" r:id="rId4"/>
-    <p:sldId id="262" r:id="rId5"/>
-    <p:sldId id="259" r:id="rId6"/>
-    <p:sldId id="263" r:id="rId7"/>
-    <p:sldId id="260" r:id="rId8"/>
-    <p:sldId id="264" r:id="rId9"/>
-    <p:sldId id="261" r:id="rId10"/>
+    <p:sldId id="267" r:id="rId5"/>
+    <p:sldId id="268" r:id="rId6"/>
+    <p:sldId id="265" r:id="rId7"/>
+    <p:sldId id="266" r:id="rId8"/>
+    <p:sldId id="259" r:id="rId9"/>
+    <p:sldId id="263" r:id="rId10"/>
+    <p:sldId id="260" r:id="rId11"/>
+    <p:sldId id="264" r:id="rId12"/>
+    <p:sldId id="261" r:id="rId13"/>
   </p:sldIdLst>
   <p:sldSz cx="9144000" cy="6858000" type="screen4x3"/>
   <p:notesSz cx="6858000" cy="9144000"/>
@@ -121,6 +124,574 @@
 </p:presentation>
 </file>
 
+<file path=ppt/charts/chart1.xml><?xml version="1.0" encoding="utf-8"?>
+<c:chartSpace xmlns:c="http://schemas.openxmlformats.org/drawingml/2006/chart" xmlns:a="http://schemas.openxmlformats.org/drawingml/2006/main" xmlns:r="http://schemas.openxmlformats.org/officeDocument/2006/relationships">
+  <c:date1904 val="1"/>
+  <c:lang val="de-DE"/>
+  <c:style val="26"/>
+  <c:chart>
+    <c:plotArea>
+      <c:layout>
+        <c:manualLayout>
+          <c:layoutTarget val="inner"/>
+          <c:xMode val="edge"/>
+          <c:yMode val="edge"/>
+          <c:x val="6.0224920824536149E-2"/>
+          <c:y val="9.8342591307763197E-2"/>
+          <c:w val="0.63794015307256424"/>
+          <c:h val="0.57951831004715459"/>
+        </c:manualLayout>
+      </c:layout>
+      <c:lineChart>
+        <c:grouping val="standard"/>
+        <c:ser>
+          <c:idx val="0"/>
+          <c:order val="0"/>
+          <c:tx>
+            <c:strRef>
+              <c:f>Tabelle1!$A$5</c:f>
+              <c:strCache>
+                <c:ptCount val="1"/>
+                <c:pt idx="0">
+                  <c:v>Kriegsschiffe</c:v>
+                </c:pt>
+              </c:strCache>
+            </c:strRef>
+          </c:tx>
+          <c:marker>
+            <c:symbol val="none"/>
+          </c:marker>
+          <c:cat>
+            <c:strRef>
+              <c:f>Tabelle1!$B$3:$K$3</c:f>
+              <c:strCache>
+                <c:ptCount val="10"/>
+                <c:pt idx="0">
+                  <c:v>Periode 1</c:v>
+                </c:pt>
+                <c:pt idx="1">
+                  <c:v>Periode 2</c:v>
+                </c:pt>
+                <c:pt idx="2">
+                  <c:v>Periode 3</c:v>
+                </c:pt>
+                <c:pt idx="3">
+                  <c:v>Periode 4</c:v>
+                </c:pt>
+                <c:pt idx="4">
+                  <c:v>Periode 5</c:v>
+                </c:pt>
+                <c:pt idx="5">
+                  <c:v>Periode 6</c:v>
+                </c:pt>
+                <c:pt idx="6">
+                  <c:v>Periode 7</c:v>
+                </c:pt>
+                <c:pt idx="7">
+                  <c:v>Periode 8</c:v>
+                </c:pt>
+                <c:pt idx="8">
+                  <c:v>Periode 9</c:v>
+                </c:pt>
+                <c:pt idx="9">
+                  <c:v>Periode 10</c:v>
+                </c:pt>
+              </c:strCache>
+            </c:strRef>
+          </c:cat>
+          <c:val>
+            <c:numRef>
+              <c:f>Tabelle1!$B$5:$K$5</c:f>
+              <c:numCache>
+                <c:formatCode>General</c:formatCode>
+                <c:ptCount val="10"/>
+                <c:pt idx="0">
+                  <c:v>60</c:v>
+                </c:pt>
+                <c:pt idx="1">
+                  <c:v>66</c:v>
+                </c:pt>
+                <c:pt idx="2">
+                  <c:v>72</c:v>
+                </c:pt>
+                <c:pt idx="3">
+                  <c:v>66</c:v>
+                </c:pt>
+                <c:pt idx="4">
+                  <c:v>78</c:v>
+                </c:pt>
+                <c:pt idx="5">
+                  <c:v>78</c:v>
+                </c:pt>
+                <c:pt idx="6">
+                  <c:v>84</c:v>
+                </c:pt>
+                <c:pt idx="7">
+                  <c:v>84</c:v>
+                </c:pt>
+                <c:pt idx="8">
+                  <c:v>96</c:v>
+                </c:pt>
+                <c:pt idx="9">
+                  <c:v>90</c:v>
+                </c:pt>
+              </c:numCache>
+            </c:numRef>
+          </c:val>
+        </c:ser>
+        <c:ser>
+          <c:idx val="1"/>
+          <c:order val="1"/>
+          <c:tx>
+            <c:strRef>
+              <c:f>Tabelle1!$A$6</c:f>
+              <c:strCache>
+                <c:ptCount val="1"/>
+                <c:pt idx="0">
+                  <c:v>Handelsschiffe</c:v>
+                </c:pt>
+              </c:strCache>
+            </c:strRef>
+          </c:tx>
+          <c:marker>
+            <c:symbol val="none"/>
+          </c:marker>
+          <c:cat>
+            <c:strRef>
+              <c:f>Tabelle1!$B$3:$K$3</c:f>
+              <c:strCache>
+                <c:ptCount val="10"/>
+                <c:pt idx="0">
+                  <c:v>Periode 1</c:v>
+                </c:pt>
+                <c:pt idx="1">
+                  <c:v>Periode 2</c:v>
+                </c:pt>
+                <c:pt idx="2">
+                  <c:v>Periode 3</c:v>
+                </c:pt>
+                <c:pt idx="3">
+                  <c:v>Periode 4</c:v>
+                </c:pt>
+                <c:pt idx="4">
+                  <c:v>Periode 5</c:v>
+                </c:pt>
+                <c:pt idx="5">
+                  <c:v>Periode 6</c:v>
+                </c:pt>
+                <c:pt idx="6">
+                  <c:v>Periode 7</c:v>
+                </c:pt>
+                <c:pt idx="7">
+                  <c:v>Periode 8</c:v>
+                </c:pt>
+                <c:pt idx="8">
+                  <c:v>Periode 9</c:v>
+                </c:pt>
+                <c:pt idx="9">
+                  <c:v>Periode 10</c:v>
+                </c:pt>
+              </c:strCache>
+            </c:strRef>
+          </c:cat>
+          <c:val>
+            <c:numRef>
+              <c:f>Tabelle1!$B$6:$K$6</c:f>
+              <c:numCache>
+                <c:formatCode>General</c:formatCode>
+                <c:ptCount val="10"/>
+                <c:pt idx="0">
+                  <c:v>30</c:v>
+                </c:pt>
+                <c:pt idx="1">
+                  <c:v>30</c:v>
+                </c:pt>
+                <c:pt idx="2">
+                  <c:v>27</c:v>
+                </c:pt>
+                <c:pt idx="3">
+                  <c:v>27</c:v>
+                </c:pt>
+                <c:pt idx="4">
+                  <c:v>36</c:v>
+                </c:pt>
+                <c:pt idx="5">
+                  <c:v>36</c:v>
+                </c:pt>
+                <c:pt idx="6">
+                  <c:v>48</c:v>
+                </c:pt>
+                <c:pt idx="7">
+                  <c:v>48</c:v>
+                </c:pt>
+                <c:pt idx="8">
+                  <c:v>39</c:v>
+                </c:pt>
+                <c:pt idx="9">
+                  <c:v>39</c:v>
+                </c:pt>
+              </c:numCache>
+            </c:numRef>
+          </c:val>
+        </c:ser>
+        <c:ser>
+          <c:idx val="2"/>
+          <c:order val="2"/>
+          <c:tx>
+            <c:strRef>
+              <c:f>Tabelle1!$A$7</c:f>
+              <c:strCache>
+                <c:ptCount val="1"/>
+                <c:pt idx="0">
+                  <c:v>Forschungsschiffe</c:v>
+                </c:pt>
+              </c:strCache>
+            </c:strRef>
+          </c:tx>
+          <c:marker>
+            <c:symbol val="none"/>
+          </c:marker>
+          <c:cat>
+            <c:strRef>
+              <c:f>Tabelle1!$B$3:$K$3</c:f>
+              <c:strCache>
+                <c:ptCount val="10"/>
+                <c:pt idx="0">
+                  <c:v>Periode 1</c:v>
+                </c:pt>
+                <c:pt idx="1">
+                  <c:v>Periode 2</c:v>
+                </c:pt>
+                <c:pt idx="2">
+                  <c:v>Periode 3</c:v>
+                </c:pt>
+                <c:pt idx="3">
+                  <c:v>Periode 4</c:v>
+                </c:pt>
+                <c:pt idx="4">
+                  <c:v>Periode 5</c:v>
+                </c:pt>
+                <c:pt idx="5">
+                  <c:v>Periode 6</c:v>
+                </c:pt>
+                <c:pt idx="6">
+                  <c:v>Periode 7</c:v>
+                </c:pt>
+                <c:pt idx="7">
+                  <c:v>Periode 8</c:v>
+                </c:pt>
+                <c:pt idx="8">
+                  <c:v>Periode 9</c:v>
+                </c:pt>
+                <c:pt idx="9">
+                  <c:v>Periode 10</c:v>
+                </c:pt>
+              </c:strCache>
+            </c:strRef>
+          </c:cat>
+          <c:val>
+            <c:numRef>
+              <c:f>Tabelle1!$B$7:$K$7</c:f>
+              <c:numCache>
+                <c:formatCode>General</c:formatCode>
+                <c:ptCount val="10"/>
+                <c:pt idx="0">
+                  <c:v>20</c:v>
+                </c:pt>
+                <c:pt idx="1">
+                  <c:v>24</c:v>
+                </c:pt>
+                <c:pt idx="2">
+                  <c:v>24</c:v>
+                </c:pt>
+                <c:pt idx="3">
+                  <c:v>24</c:v>
+                </c:pt>
+                <c:pt idx="4">
+                  <c:v>28</c:v>
+                </c:pt>
+                <c:pt idx="5">
+                  <c:v>28</c:v>
+                </c:pt>
+                <c:pt idx="6">
+                  <c:v>28</c:v>
+                </c:pt>
+                <c:pt idx="7">
+                  <c:v>28</c:v>
+                </c:pt>
+                <c:pt idx="8">
+                  <c:v>22</c:v>
+                </c:pt>
+                <c:pt idx="9">
+                  <c:v>24</c:v>
+                </c:pt>
+              </c:numCache>
+            </c:numRef>
+          </c:val>
+        </c:ser>
+        <c:ser>
+          <c:idx val="3"/>
+          <c:order val="3"/>
+          <c:tx>
+            <c:strRef>
+              <c:f>Tabelle1!$A$8</c:f>
+              <c:strCache>
+                <c:ptCount val="1"/>
+                <c:pt idx="0">
+                  <c:v>ohne Warp</c:v>
+                </c:pt>
+              </c:strCache>
+            </c:strRef>
+          </c:tx>
+          <c:spPr>
+            <a:ln>
+              <a:solidFill>
+                <a:schemeClr val="accent1">
+                  <a:lumMod val="75000"/>
+                </a:schemeClr>
+              </a:solidFill>
+              <a:prstDash val="dash"/>
+            </a:ln>
+          </c:spPr>
+          <c:marker>
+            <c:symbol val="none"/>
+          </c:marker>
+          <c:cat>
+            <c:strRef>
+              <c:f>Tabelle1!$B$3:$K$3</c:f>
+              <c:strCache>
+                <c:ptCount val="10"/>
+                <c:pt idx="0">
+                  <c:v>Periode 1</c:v>
+                </c:pt>
+                <c:pt idx="1">
+                  <c:v>Periode 2</c:v>
+                </c:pt>
+                <c:pt idx="2">
+                  <c:v>Periode 3</c:v>
+                </c:pt>
+                <c:pt idx="3">
+                  <c:v>Periode 4</c:v>
+                </c:pt>
+                <c:pt idx="4">
+                  <c:v>Periode 5</c:v>
+                </c:pt>
+                <c:pt idx="5">
+                  <c:v>Periode 6</c:v>
+                </c:pt>
+                <c:pt idx="6">
+                  <c:v>Periode 7</c:v>
+                </c:pt>
+                <c:pt idx="7">
+                  <c:v>Periode 8</c:v>
+                </c:pt>
+                <c:pt idx="8">
+                  <c:v>Periode 9</c:v>
+                </c:pt>
+                <c:pt idx="9">
+                  <c:v>Periode 10</c:v>
+                </c:pt>
+              </c:strCache>
+            </c:strRef>
+          </c:cat>
+          <c:val>
+            <c:numRef>
+              <c:f>Tabelle1!$B$8:$K$8</c:f>
+              <c:numCache>
+                <c:formatCode>General</c:formatCode>
+                <c:ptCount val="10"/>
+              </c:numCache>
+            </c:numRef>
+          </c:val>
+        </c:ser>
+        <c:ser>
+          <c:idx val="4"/>
+          <c:order val="4"/>
+          <c:tx>
+            <c:strRef>
+              <c:f>Tabelle1!$A$9</c:f>
+              <c:strCache>
+                <c:ptCount val="1"/>
+                <c:pt idx="0">
+                  <c:v>ohne Warp</c:v>
+                </c:pt>
+              </c:strCache>
+            </c:strRef>
+          </c:tx>
+          <c:spPr>
+            <a:ln>
+              <a:solidFill>
+                <a:schemeClr val="accent2">
+                  <a:lumMod val="75000"/>
+                </a:schemeClr>
+              </a:solidFill>
+              <a:prstDash val="dash"/>
+            </a:ln>
+          </c:spPr>
+          <c:marker>
+            <c:symbol val="none"/>
+          </c:marker>
+          <c:cat>
+            <c:strRef>
+              <c:f>Tabelle1!$B$3:$K$3</c:f>
+              <c:strCache>
+                <c:ptCount val="10"/>
+                <c:pt idx="0">
+                  <c:v>Periode 1</c:v>
+                </c:pt>
+                <c:pt idx="1">
+                  <c:v>Periode 2</c:v>
+                </c:pt>
+                <c:pt idx="2">
+                  <c:v>Periode 3</c:v>
+                </c:pt>
+                <c:pt idx="3">
+                  <c:v>Periode 4</c:v>
+                </c:pt>
+                <c:pt idx="4">
+                  <c:v>Periode 5</c:v>
+                </c:pt>
+                <c:pt idx="5">
+                  <c:v>Periode 6</c:v>
+                </c:pt>
+                <c:pt idx="6">
+                  <c:v>Periode 7</c:v>
+                </c:pt>
+                <c:pt idx="7">
+                  <c:v>Periode 8</c:v>
+                </c:pt>
+                <c:pt idx="8">
+                  <c:v>Periode 9</c:v>
+                </c:pt>
+                <c:pt idx="9">
+                  <c:v>Periode 10</c:v>
+                </c:pt>
+              </c:strCache>
+            </c:strRef>
+          </c:cat>
+          <c:val>
+            <c:numRef>
+              <c:f>Tabelle1!$B$9:$K$9</c:f>
+              <c:numCache>
+                <c:formatCode>General</c:formatCode>
+                <c:ptCount val="10"/>
+              </c:numCache>
+            </c:numRef>
+          </c:val>
+        </c:ser>
+        <c:ser>
+          <c:idx val="5"/>
+          <c:order val="5"/>
+          <c:tx>
+            <c:strRef>
+              <c:f>Tabelle1!$A$10</c:f>
+              <c:strCache>
+                <c:ptCount val="1"/>
+                <c:pt idx="0">
+                  <c:v>ohne Warp</c:v>
+                </c:pt>
+              </c:strCache>
+            </c:strRef>
+          </c:tx>
+          <c:spPr>
+            <a:ln>
+              <a:solidFill>
+                <a:schemeClr val="accent3">
+                  <a:lumMod val="75000"/>
+                </a:schemeClr>
+              </a:solidFill>
+              <a:prstDash val="dash"/>
+            </a:ln>
+          </c:spPr>
+          <c:marker>
+            <c:symbol val="none"/>
+          </c:marker>
+          <c:cat>
+            <c:strRef>
+              <c:f>Tabelle1!$B$3:$K$3</c:f>
+              <c:strCache>
+                <c:ptCount val="10"/>
+                <c:pt idx="0">
+                  <c:v>Periode 1</c:v>
+                </c:pt>
+                <c:pt idx="1">
+                  <c:v>Periode 2</c:v>
+                </c:pt>
+                <c:pt idx="2">
+                  <c:v>Periode 3</c:v>
+                </c:pt>
+                <c:pt idx="3">
+                  <c:v>Periode 4</c:v>
+                </c:pt>
+                <c:pt idx="4">
+                  <c:v>Periode 5</c:v>
+                </c:pt>
+                <c:pt idx="5">
+                  <c:v>Periode 6</c:v>
+                </c:pt>
+                <c:pt idx="6">
+                  <c:v>Periode 7</c:v>
+                </c:pt>
+                <c:pt idx="7">
+                  <c:v>Periode 8</c:v>
+                </c:pt>
+                <c:pt idx="8">
+                  <c:v>Periode 9</c:v>
+                </c:pt>
+                <c:pt idx="9">
+                  <c:v>Periode 10</c:v>
+                </c:pt>
+              </c:strCache>
+            </c:strRef>
+          </c:cat>
+          <c:val>
+            <c:numRef>
+              <c:f>Tabelle1!$B$10:$K$10</c:f>
+              <c:numCache>
+                <c:formatCode>General</c:formatCode>
+                <c:ptCount val="10"/>
+              </c:numCache>
+            </c:numRef>
+          </c:val>
+        </c:ser>
+        <c:marker val="1"/>
+        <c:axId val="149637376"/>
+        <c:axId val="151531904"/>
+      </c:lineChart>
+      <c:catAx>
+        <c:axId val="149637376"/>
+        <c:scaling>
+          <c:orientation val="minMax"/>
+        </c:scaling>
+        <c:axPos val="b"/>
+        <c:tickLblPos val="nextTo"/>
+        <c:crossAx val="151531904"/>
+        <c:crosses val="autoZero"/>
+        <c:auto val="1"/>
+        <c:lblAlgn val="ctr"/>
+        <c:lblOffset val="100"/>
+      </c:catAx>
+      <c:valAx>
+        <c:axId val="151531904"/>
+        <c:scaling>
+          <c:orientation val="minMax"/>
+        </c:scaling>
+        <c:axPos val="l"/>
+        <c:majorGridlines/>
+        <c:numFmt formatCode="General" sourceLinked="1"/>
+        <c:tickLblPos val="nextTo"/>
+        <c:crossAx val="149637376"/>
+        <c:crosses val="autoZero"/>
+        <c:crossBetween val="between"/>
+      </c:valAx>
+    </c:plotArea>
+    <c:plotVisOnly val="1"/>
+    <c:dispBlanksAs val="gap"/>
+  </c:chart>
+  <c:externalData r:id="rId1"/>
+</c:chartSpace>
+</file>
+
 <file path=ppt/diagrams/colors1.xml><?xml version="1.0" encoding="utf-8"?>
 <dgm:colorsDef xmlns:dgm="http://schemas.openxmlformats.org/drawingml/2006/diagram" xmlns:a="http://schemas.openxmlformats.org/drawingml/2006/main" uniqueId="urn:microsoft.com/office/officeart/2005/8/colors/accent3_5">
   <dgm:title val=""/>
@@ -968,6 +1539,1504 @@
     <dgm:fillClrLst meth="repeat">
       <a:schemeClr val="accent3">
         <a:tint val="40000"/>
+      </a:schemeClr>
+    </dgm:fillClrLst>
+    <dgm:linClrLst meth="repeat">
+      <a:schemeClr val="lt1"/>
+    </dgm:linClrLst>
+    <dgm:effectClrLst/>
+    <dgm:txLinClrLst/>
+    <dgm:txFillClrLst meth="repeat">
+      <a:schemeClr val="dk1"/>
+    </dgm:txFillClrLst>
+    <dgm:txEffectClrLst/>
+  </dgm:styleLbl>
+  <dgm:styleLbl name="revTx">
+    <dgm:fillClrLst meth="repeat">
+      <a:schemeClr val="lt1">
+        <a:alpha val="0"/>
+      </a:schemeClr>
+    </dgm:fillClrLst>
+    <dgm:linClrLst meth="repeat">
+      <a:schemeClr val="dk1">
+        <a:alpha val="0"/>
+      </a:schemeClr>
+    </dgm:linClrLst>
+    <dgm:effectClrLst/>
+    <dgm:txLinClrLst/>
+    <dgm:txFillClrLst meth="repeat">
+      <a:schemeClr val="tx1"/>
+    </dgm:txFillClrLst>
+    <dgm:txEffectClrLst/>
+  </dgm:styleLbl>
+</dgm:colorsDef>
+</file>
+
+<file path=ppt/diagrams/colors2.xml><?xml version="1.0" encoding="utf-8"?>
+<dgm:colorsDef xmlns:dgm="http://schemas.openxmlformats.org/drawingml/2006/diagram" xmlns:a="http://schemas.openxmlformats.org/drawingml/2006/main" uniqueId="urn:microsoft.com/office/officeart/2005/8/colors/accent0_3">
+  <dgm:title val=""/>
+  <dgm:desc val=""/>
+  <dgm:catLst>
+    <dgm:cat type="mainScheme" pri="10300"/>
+  </dgm:catLst>
+  <dgm:styleLbl name="node0">
+    <dgm:fillClrLst meth="repeat">
+      <a:schemeClr val="dk2"/>
+    </dgm:fillClrLst>
+    <dgm:linClrLst meth="repeat">
+      <a:schemeClr val="lt2"/>
+    </dgm:linClrLst>
+    <dgm:effectClrLst/>
+    <dgm:txLinClrLst/>
+    <dgm:txFillClrLst/>
+    <dgm:txEffectClrLst/>
+  </dgm:styleLbl>
+  <dgm:styleLbl name="alignNode1">
+    <dgm:fillClrLst meth="repeat">
+      <a:schemeClr val="dk2"/>
+    </dgm:fillClrLst>
+    <dgm:linClrLst meth="repeat">
+      <a:schemeClr val="dk2"/>
+    </dgm:linClrLst>
+    <dgm:effectClrLst/>
+    <dgm:txLinClrLst/>
+    <dgm:txFillClrLst/>
+    <dgm:txEffectClrLst/>
+  </dgm:styleLbl>
+  <dgm:styleLbl name="node1">
+    <dgm:fillClrLst meth="repeat">
+      <a:schemeClr val="dk2"/>
+    </dgm:fillClrLst>
+    <dgm:linClrLst meth="repeat">
+      <a:schemeClr val="lt2"/>
+    </dgm:linClrLst>
+    <dgm:effectClrLst/>
+    <dgm:txLinClrLst/>
+    <dgm:txFillClrLst/>
+    <dgm:txEffectClrLst/>
+  </dgm:styleLbl>
+  <dgm:styleLbl name="lnNode1">
+    <dgm:fillClrLst meth="repeat">
+      <a:schemeClr val="dk2"/>
+    </dgm:fillClrLst>
+    <dgm:linClrLst meth="repeat">
+      <a:schemeClr val="lt2"/>
+    </dgm:linClrLst>
+    <dgm:effectClrLst/>
+    <dgm:txLinClrLst/>
+    <dgm:txFillClrLst/>
+    <dgm:txEffectClrLst/>
+  </dgm:styleLbl>
+  <dgm:styleLbl name="vennNode1">
+    <dgm:fillClrLst meth="repeat">
+      <a:schemeClr val="dk2">
+        <a:alpha val="50000"/>
+      </a:schemeClr>
+    </dgm:fillClrLst>
+    <dgm:linClrLst meth="repeat">
+      <a:schemeClr val="lt2"/>
+    </dgm:linClrLst>
+    <dgm:effectClrLst/>
+    <dgm:txLinClrLst/>
+    <dgm:txFillClrLst/>
+    <dgm:txEffectClrLst/>
+  </dgm:styleLbl>
+  <dgm:styleLbl name="node2">
+    <dgm:fillClrLst meth="repeat">
+      <a:schemeClr val="dk2"/>
+    </dgm:fillClrLst>
+    <dgm:linClrLst meth="repeat">
+      <a:schemeClr val="lt2"/>
+    </dgm:linClrLst>
+    <dgm:effectClrLst/>
+    <dgm:txLinClrLst/>
+    <dgm:txFillClrLst/>
+    <dgm:txEffectClrLst/>
+  </dgm:styleLbl>
+  <dgm:styleLbl name="node3">
+    <dgm:fillClrLst meth="repeat">
+      <a:schemeClr val="dk2"/>
+    </dgm:fillClrLst>
+    <dgm:linClrLst meth="repeat">
+      <a:schemeClr val="lt2"/>
+    </dgm:linClrLst>
+    <dgm:effectClrLst/>
+    <dgm:txLinClrLst/>
+    <dgm:txFillClrLst/>
+    <dgm:txEffectClrLst/>
+  </dgm:styleLbl>
+  <dgm:styleLbl name="node4">
+    <dgm:fillClrLst meth="repeat">
+      <a:schemeClr val="dk2"/>
+    </dgm:fillClrLst>
+    <dgm:linClrLst meth="repeat">
+      <a:schemeClr val="lt2"/>
+    </dgm:linClrLst>
+    <dgm:effectClrLst/>
+    <dgm:txLinClrLst/>
+    <dgm:txFillClrLst/>
+    <dgm:txEffectClrLst/>
+  </dgm:styleLbl>
+  <dgm:styleLbl name="fgImgPlace1">
+    <dgm:fillClrLst meth="repeat">
+      <a:schemeClr val="dk2">
+        <a:tint val="50000"/>
+      </a:schemeClr>
+    </dgm:fillClrLst>
+    <dgm:linClrLst meth="repeat">
+      <a:schemeClr val="lt2"/>
+    </dgm:linClrLst>
+    <dgm:effectClrLst/>
+    <dgm:txLinClrLst/>
+    <dgm:txFillClrLst meth="repeat">
+      <a:schemeClr val="lt2"/>
+    </dgm:txFillClrLst>
+    <dgm:txEffectClrLst/>
+  </dgm:styleLbl>
+  <dgm:styleLbl name="alignImgPlace1">
+    <dgm:fillClrLst meth="repeat">
+      <a:schemeClr val="dk2">
+        <a:tint val="50000"/>
+      </a:schemeClr>
+    </dgm:fillClrLst>
+    <dgm:linClrLst meth="repeat">
+      <a:schemeClr val="dk2">
+        <a:shade val="80000"/>
+      </a:schemeClr>
+    </dgm:linClrLst>
+    <dgm:effectClrLst/>
+    <dgm:txLinClrLst/>
+    <dgm:txFillClrLst meth="repeat">
+      <a:schemeClr val="lt2"/>
+    </dgm:txFillClrLst>
+    <dgm:txEffectClrLst/>
+  </dgm:styleLbl>
+  <dgm:styleLbl name="bgImgPlace1">
+    <dgm:fillClrLst meth="repeat">
+      <a:schemeClr val="dk2">
+        <a:tint val="50000"/>
+      </a:schemeClr>
+    </dgm:fillClrLst>
+    <dgm:linClrLst meth="repeat">
+      <a:schemeClr val="dk2">
+        <a:shade val="80000"/>
+      </a:schemeClr>
+    </dgm:linClrLst>
+    <dgm:effectClrLst/>
+    <dgm:txLinClrLst/>
+    <dgm:txFillClrLst meth="repeat">
+      <a:schemeClr val="lt2"/>
+    </dgm:txFillClrLst>
+    <dgm:txEffectClrLst/>
+  </dgm:styleLbl>
+  <dgm:styleLbl name="sibTrans2D1">
+    <dgm:fillClrLst meth="repeat">
+      <a:schemeClr val="dk2">
+        <a:tint val="60000"/>
+      </a:schemeClr>
+    </dgm:fillClrLst>
+    <dgm:linClrLst meth="repeat">
+      <a:schemeClr val="dk2">
+        <a:tint val="60000"/>
+      </a:schemeClr>
+    </dgm:linClrLst>
+    <dgm:effectClrLst/>
+    <dgm:txLinClrLst/>
+    <dgm:txFillClrLst/>
+    <dgm:txEffectClrLst/>
+  </dgm:styleLbl>
+  <dgm:styleLbl name="fgSibTrans2D1">
+    <dgm:fillClrLst meth="repeat">
+      <a:schemeClr val="dk2">
+        <a:tint val="60000"/>
+      </a:schemeClr>
+    </dgm:fillClrLst>
+    <dgm:linClrLst meth="repeat">
+      <a:schemeClr val="dk2">
+        <a:tint val="60000"/>
+      </a:schemeClr>
+    </dgm:linClrLst>
+    <dgm:effectClrLst/>
+    <dgm:txLinClrLst/>
+    <dgm:txFillClrLst/>
+    <dgm:txEffectClrLst/>
+  </dgm:styleLbl>
+  <dgm:styleLbl name="bgSibTrans2D1">
+    <dgm:fillClrLst meth="repeat">
+      <a:schemeClr val="dk2">
+        <a:tint val="60000"/>
+      </a:schemeClr>
+    </dgm:fillClrLst>
+    <dgm:linClrLst meth="repeat">
+      <a:schemeClr val="dk2">
+        <a:tint val="60000"/>
+      </a:schemeClr>
+    </dgm:linClrLst>
+    <dgm:effectClrLst/>
+    <dgm:txLinClrLst/>
+    <dgm:txFillClrLst/>
+    <dgm:txEffectClrLst/>
+  </dgm:styleLbl>
+  <dgm:styleLbl name="sibTrans1D1">
+    <dgm:fillClrLst meth="repeat">
+      <a:schemeClr val="dk2"/>
+    </dgm:fillClrLst>
+    <dgm:linClrLst meth="repeat">
+      <a:schemeClr val="dk2"/>
+    </dgm:linClrLst>
+    <dgm:effectClrLst/>
+    <dgm:txLinClrLst/>
+    <dgm:txFillClrLst meth="repeat">
+      <a:schemeClr val="lt2"/>
+    </dgm:txFillClrLst>
+    <dgm:txEffectClrLst/>
+  </dgm:styleLbl>
+  <dgm:styleLbl name="callout">
+    <dgm:fillClrLst meth="repeat">
+      <a:schemeClr val="dk2"/>
+    </dgm:fillClrLst>
+    <dgm:linClrLst meth="repeat">
+      <a:schemeClr val="dk2">
+        <a:tint val="50000"/>
+      </a:schemeClr>
+    </dgm:linClrLst>
+    <dgm:effectClrLst/>
+    <dgm:txLinClrLst/>
+    <dgm:txFillClrLst meth="repeat">
+      <a:schemeClr val="lt2"/>
+    </dgm:txFillClrLst>
+    <dgm:txEffectClrLst/>
+  </dgm:styleLbl>
+  <dgm:styleLbl name="asst0">
+    <dgm:fillClrLst meth="repeat">
+      <a:schemeClr val="dk2"/>
+    </dgm:fillClrLst>
+    <dgm:linClrLst meth="repeat">
+      <a:schemeClr val="lt2"/>
+    </dgm:linClrLst>
+    <dgm:effectClrLst/>
+    <dgm:txLinClrLst/>
+    <dgm:txFillClrLst/>
+    <dgm:txEffectClrLst/>
+  </dgm:styleLbl>
+  <dgm:styleLbl name="asst1">
+    <dgm:fillClrLst meth="repeat">
+      <a:schemeClr val="dk2"/>
+    </dgm:fillClrLst>
+    <dgm:linClrLst meth="repeat">
+      <a:schemeClr val="lt2"/>
+    </dgm:linClrLst>
+    <dgm:effectClrLst/>
+    <dgm:txLinClrLst/>
+    <dgm:txFillClrLst/>
+    <dgm:txEffectClrLst/>
+  </dgm:styleLbl>
+  <dgm:styleLbl name="asst2">
+    <dgm:fillClrLst meth="repeat">
+      <a:schemeClr val="dk2"/>
+    </dgm:fillClrLst>
+    <dgm:linClrLst meth="repeat">
+      <a:schemeClr val="lt2"/>
+    </dgm:linClrLst>
+    <dgm:effectClrLst/>
+    <dgm:txLinClrLst/>
+    <dgm:txFillClrLst/>
+    <dgm:txEffectClrLst/>
+  </dgm:styleLbl>
+  <dgm:styleLbl name="asst3">
+    <dgm:fillClrLst meth="repeat">
+      <a:schemeClr val="dk2"/>
+    </dgm:fillClrLst>
+    <dgm:linClrLst meth="repeat">
+      <a:schemeClr val="lt2"/>
+    </dgm:linClrLst>
+    <dgm:effectClrLst/>
+    <dgm:txLinClrLst/>
+    <dgm:txFillClrLst/>
+    <dgm:txEffectClrLst/>
+  </dgm:styleLbl>
+  <dgm:styleLbl name="asst4">
+    <dgm:fillClrLst meth="repeat">
+      <a:schemeClr val="dk2"/>
+    </dgm:fillClrLst>
+    <dgm:linClrLst meth="repeat">
+      <a:schemeClr val="lt2"/>
+    </dgm:linClrLst>
+    <dgm:effectClrLst/>
+    <dgm:txLinClrLst/>
+    <dgm:txFillClrLst/>
+    <dgm:txEffectClrLst/>
+  </dgm:styleLbl>
+  <dgm:styleLbl name="parChTrans2D1">
+    <dgm:fillClrLst meth="repeat">
+      <a:schemeClr val="dk2">
+        <a:tint val="60000"/>
+      </a:schemeClr>
+    </dgm:fillClrLst>
+    <dgm:linClrLst meth="repeat">
+      <a:schemeClr val="dk2">
+        <a:tint val="60000"/>
+      </a:schemeClr>
+    </dgm:linClrLst>
+    <dgm:effectClrLst/>
+    <dgm:txLinClrLst/>
+    <dgm:txFillClrLst meth="repeat">
+      <a:schemeClr val="lt2"/>
+    </dgm:txFillClrLst>
+    <dgm:txEffectClrLst/>
+  </dgm:styleLbl>
+  <dgm:styleLbl name="parChTrans2D2">
+    <dgm:fillClrLst meth="repeat">
+      <a:schemeClr val="dk2"/>
+    </dgm:fillClrLst>
+    <dgm:linClrLst meth="repeat">
+      <a:schemeClr val="dk2"/>
+    </dgm:linClrLst>
+    <dgm:effectClrLst/>
+    <dgm:txLinClrLst/>
+    <dgm:txFillClrLst meth="repeat">
+      <a:schemeClr val="lt2"/>
+    </dgm:txFillClrLst>
+    <dgm:txEffectClrLst/>
+  </dgm:styleLbl>
+  <dgm:styleLbl name="parChTrans2D3">
+    <dgm:fillClrLst meth="repeat">
+      <a:schemeClr val="dk2"/>
+    </dgm:fillClrLst>
+    <dgm:linClrLst meth="repeat">
+      <a:schemeClr val="dk2"/>
+    </dgm:linClrLst>
+    <dgm:effectClrLst/>
+    <dgm:txLinClrLst/>
+    <dgm:txFillClrLst meth="repeat">
+      <a:schemeClr val="lt2"/>
+    </dgm:txFillClrLst>
+    <dgm:txEffectClrLst/>
+  </dgm:styleLbl>
+  <dgm:styleLbl name="parChTrans2D4">
+    <dgm:fillClrLst meth="repeat">
+      <a:schemeClr val="dk2"/>
+    </dgm:fillClrLst>
+    <dgm:linClrLst meth="repeat">
+      <a:schemeClr val="dk2"/>
+    </dgm:linClrLst>
+    <dgm:effectClrLst/>
+    <dgm:txLinClrLst/>
+    <dgm:txFillClrLst meth="repeat">
+      <a:schemeClr val="lt2"/>
+    </dgm:txFillClrLst>
+    <dgm:txEffectClrLst/>
+  </dgm:styleLbl>
+  <dgm:styleLbl name="parChTrans1D1">
+    <dgm:fillClrLst meth="repeat">
+      <a:schemeClr val="dk2"/>
+    </dgm:fillClrLst>
+    <dgm:linClrLst meth="repeat">
+      <a:schemeClr val="dk2">
+        <a:shade val="60000"/>
+      </a:schemeClr>
+    </dgm:linClrLst>
+    <dgm:effectClrLst/>
+    <dgm:txLinClrLst/>
+    <dgm:txFillClrLst meth="repeat">
+      <a:schemeClr val="tx1"/>
+    </dgm:txFillClrLst>
+    <dgm:txEffectClrLst/>
+  </dgm:styleLbl>
+  <dgm:styleLbl name="parChTrans1D2">
+    <dgm:fillClrLst meth="repeat">
+      <a:schemeClr val="dk2"/>
+    </dgm:fillClrLst>
+    <dgm:linClrLst meth="repeat">
+      <a:schemeClr val="dk2">
+        <a:shade val="60000"/>
+      </a:schemeClr>
+    </dgm:linClrLst>
+    <dgm:effectClrLst/>
+    <dgm:txLinClrLst/>
+    <dgm:txFillClrLst meth="repeat">
+      <a:schemeClr val="tx1"/>
+    </dgm:txFillClrLst>
+    <dgm:txEffectClrLst/>
+  </dgm:styleLbl>
+  <dgm:styleLbl name="parChTrans1D3">
+    <dgm:fillClrLst meth="repeat">
+      <a:schemeClr val="dk2"/>
+    </dgm:fillClrLst>
+    <dgm:linClrLst meth="repeat">
+      <a:schemeClr val="dk2">
+        <a:shade val="80000"/>
+      </a:schemeClr>
+    </dgm:linClrLst>
+    <dgm:effectClrLst/>
+    <dgm:txLinClrLst/>
+    <dgm:txFillClrLst meth="repeat">
+      <a:schemeClr val="tx1"/>
+    </dgm:txFillClrLst>
+    <dgm:txEffectClrLst/>
+  </dgm:styleLbl>
+  <dgm:styleLbl name="parChTrans1D4">
+    <dgm:fillClrLst meth="repeat">
+      <a:schemeClr val="dk2"/>
+    </dgm:fillClrLst>
+    <dgm:linClrLst meth="repeat">
+      <a:schemeClr val="dk2">
+        <a:shade val="80000"/>
+      </a:schemeClr>
+    </dgm:linClrLst>
+    <dgm:effectClrLst/>
+    <dgm:txLinClrLst/>
+    <dgm:txFillClrLst meth="repeat">
+      <a:schemeClr val="tx1"/>
+    </dgm:txFillClrLst>
+    <dgm:txEffectClrLst/>
+  </dgm:styleLbl>
+  <dgm:styleLbl name="fgAcc1">
+    <dgm:fillClrLst meth="repeat">
+      <a:schemeClr val="lt2">
+        <a:alpha val="90000"/>
+      </a:schemeClr>
+    </dgm:fillClrLst>
+    <dgm:linClrLst meth="repeat">
+      <a:schemeClr val="dk2"/>
+    </dgm:linClrLst>
+    <dgm:effectClrLst/>
+    <dgm:txLinClrLst/>
+    <dgm:txFillClrLst meth="repeat">
+      <a:schemeClr val="dk1"/>
+    </dgm:txFillClrLst>
+    <dgm:txEffectClrLst/>
+  </dgm:styleLbl>
+  <dgm:styleLbl name="conFgAcc1">
+    <dgm:fillClrLst meth="repeat">
+      <a:schemeClr val="lt2">
+        <a:alpha val="90000"/>
+      </a:schemeClr>
+    </dgm:fillClrLst>
+    <dgm:linClrLst meth="repeat">
+      <a:schemeClr val="dk2"/>
+    </dgm:linClrLst>
+    <dgm:effectClrLst/>
+    <dgm:txLinClrLst/>
+    <dgm:txFillClrLst meth="repeat">
+      <a:schemeClr val="dk1"/>
+    </dgm:txFillClrLst>
+    <dgm:txEffectClrLst/>
+  </dgm:styleLbl>
+  <dgm:styleLbl name="alignAcc1">
+    <dgm:fillClrLst meth="repeat">
+      <a:schemeClr val="lt2">
+        <a:alpha val="90000"/>
+      </a:schemeClr>
+    </dgm:fillClrLst>
+    <dgm:linClrLst meth="repeat">
+      <a:schemeClr val="dk2"/>
+    </dgm:linClrLst>
+    <dgm:effectClrLst/>
+    <dgm:txLinClrLst/>
+    <dgm:txFillClrLst meth="repeat">
+      <a:schemeClr val="dk1"/>
+    </dgm:txFillClrLst>
+    <dgm:txEffectClrLst/>
+  </dgm:styleLbl>
+  <dgm:styleLbl name="trAlignAcc1">
+    <dgm:fillClrLst meth="repeat">
+      <a:schemeClr val="lt2">
+        <a:alpha val="40000"/>
+      </a:schemeClr>
+    </dgm:fillClrLst>
+    <dgm:linClrLst meth="repeat">
+      <a:schemeClr val="dk2"/>
+    </dgm:linClrLst>
+    <dgm:effectClrLst/>
+    <dgm:txLinClrLst/>
+    <dgm:txFillClrLst meth="repeat">
+      <a:schemeClr val="dk1"/>
+    </dgm:txFillClrLst>
+    <dgm:txEffectClrLst/>
+  </dgm:styleLbl>
+  <dgm:styleLbl name="bgAcc1">
+    <dgm:fillClrLst meth="repeat">
+      <a:schemeClr val="lt2">
+        <a:alpha val="90000"/>
+      </a:schemeClr>
+    </dgm:fillClrLst>
+    <dgm:linClrLst meth="repeat">
+      <a:schemeClr val="dk2"/>
+    </dgm:linClrLst>
+    <dgm:effectClrLst/>
+    <dgm:txLinClrLst/>
+    <dgm:txFillClrLst meth="repeat">
+      <a:schemeClr val="dk1"/>
+    </dgm:txFillClrLst>
+    <dgm:txEffectClrLst/>
+  </dgm:styleLbl>
+  <dgm:styleLbl name="solidFgAcc1">
+    <dgm:fillClrLst meth="repeat">
+      <a:schemeClr val="lt2"/>
+    </dgm:fillClrLst>
+    <dgm:linClrLst meth="repeat">
+      <a:schemeClr val="dk2"/>
+    </dgm:linClrLst>
+    <dgm:effectClrLst/>
+    <dgm:txLinClrLst/>
+    <dgm:txFillClrLst meth="repeat">
+      <a:schemeClr val="dk1"/>
+    </dgm:txFillClrLst>
+    <dgm:txEffectClrLst/>
+  </dgm:styleLbl>
+  <dgm:styleLbl name="solidAlignAcc1">
+    <dgm:fillClrLst meth="repeat">
+      <a:schemeClr val="lt2"/>
+    </dgm:fillClrLst>
+    <dgm:linClrLst meth="repeat">
+      <a:schemeClr val="dk2"/>
+    </dgm:linClrLst>
+    <dgm:effectClrLst/>
+    <dgm:txLinClrLst/>
+    <dgm:txFillClrLst meth="repeat">
+      <a:schemeClr val="dk1"/>
+    </dgm:txFillClrLst>
+    <dgm:txEffectClrLst/>
+  </dgm:styleLbl>
+  <dgm:styleLbl name="solidBgAcc1">
+    <dgm:fillClrLst meth="repeat">
+      <a:schemeClr val="lt2"/>
+    </dgm:fillClrLst>
+    <dgm:linClrLst meth="repeat">
+      <a:schemeClr val="dk2"/>
+    </dgm:linClrLst>
+    <dgm:effectClrLst/>
+    <dgm:txLinClrLst/>
+    <dgm:txFillClrLst meth="repeat">
+      <a:schemeClr val="dk1"/>
+    </dgm:txFillClrLst>
+    <dgm:txEffectClrLst/>
+  </dgm:styleLbl>
+  <dgm:styleLbl name="fgAccFollowNode1">
+    <dgm:fillClrLst meth="repeat">
+      <a:schemeClr val="dk2">
+        <a:alpha val="90000"/>
+        <a:tint val="40000"/>
+      </a:schemeClr>
+    </dgm:fillClrLst>
+    <dgm:linClrLst meth="repeat">
+      <a:schemeClr val="dk2">
+        <a:alpha val="90000"/>
+        <a:tint val="40000"/>
+      </a:schemeClr>
+    </dgm:linClrLst>
+    <dgm:effectClrLst/>
+    <dgm:txLinClrLst/>
+    <dgm:txFillClrLst meth="repeat">
+      <a:schemeClr val="dk1"/>
+    </dgm:txFillClrLst>
+    <dgm:txEffectClrLst/>
+  </dgm:styleLbl>
+  <dgm:styleLbl name="alignAccFollowNode1">
+    <dgm:fillClrLst meth="repeat">
+      <a:schemeClr val="dk2">
+        <a:alpha val="90000"/>
+        <a:tint val="40000"/>
+      </a:schemeClr>
+    </dgm:fillClrLst>
+    <dgm:linClrLst meth="repeat">
+      <a:schemeClr val="dk2">
+        <a:alpha val="90000"/>
+        <a:tint val="40000"/>
+      </a:schemeClr>
+    </dgm:linClrLst>
+    <dgm:effectClrLst/>
+    <dgm:txLinClrLst/>
+    <dgm:txFillClrLst meth="repeat">
+      <a:schemeClr val="dk1"/>
+    </dgm:txFillClrLst>
+    <dgm:txEffectClrLst/>
+  </dgm:styleLbl>
+  <dgm:styleLbl name="bgAccFollowNode1">
+    <dgm:fillClrLst meth="repeat">
+      <a:schemeClr val="dk2">
+        <a:alpha val="90000"/>
+        <a:tint val="40000"/>
+      </a:schemeClr>
+    </dgm:fillClrLst>
+    <dgm:linClrLst meth="repeat">
+      <a:schemeClr val="dk2">
+        <a:alpha val="90000"/>
+        <a:tint val="40000"/>
+      </a:schemeClr>
+    </dgm:linClrLst>
+    <dgm:effectClrLst/>
+    <dgm:txLinClrLst/>
+    <dgm:txFillClrLst meth="repeat">
+      <a:schemeClr val="dk1"/>
+    </dgm:txFillClrLst>
+    <dgm:txEffectClrLst/>
+  </dgm:styleLbl>
+  <dgm:styleLbl name="fgAcc0">
+    <dgm:fillClrLst meth="repeat">
+      <a:schemeClr val="lt2">
+        <a:alpha val="90000"/>
+      </a:schemeClr>
+    </dgm:fillClrLst>
+    <dgm:linClrLst meth="repeat">
+      <a:schemeClr val="dk2"/>
+    </dgm:linClrLst>
+    <dgm:effectClrLst/>
+    <dgm:txLinClrLst/>
+    <dgm:txFillClrLst meth="repeat">
+      <a:schemeClr val="dk1"/>
+    </dgm:txFillClrLst>
+    <dgm:txEffectClrLst/>
+  </dgm:styleLbl>
+  <dgm:styleLbl name="fgAcc2">
+    <dgm:fillClrLst meth="repeat">
+      <a:schemeClr val="lt2">
+        <a:alpha val="90000"/>
+      </a:schemeClr>
+    </dgm:fillClrLst>
+    <dgm:linClrLst meth="repeat">
+      <a:schemeClr val="dk2"/>
+    </dgm:linClrLst>
+    <dgm:effectClrLst/>
+    <dgm:txLinClrLst/>
+    <dgm:txFillClrLst meth="repeat">
+      <a:schemeClr val="dk1"/>
+    </dgm:txFillClrLst>
+    <dgm:txEffectClrLst/>
+  </dgm:styleLbl>
+  <dgm:styleLbl name="fgAcc3">
+    <dgm:fillClrLst meth="repeat">
+      <a:schemeClr val="lt2">
+        <a:alpha val="90000"/>
+      </a:schemeClr>
+    </dgm:fillClrLst>
+    <dgm:linClrLst meth="repeat">
+      <a:schemeClr val="dk2"/>
+    </dgm:linClrLst>
+    <dgm:effectClrLst/>
+    <dgm:txLinClrLst/>
+    <dgm:txFillClrLst meth="repeat">
+      <a:schemeClr val="dk1"/>
+    </dgm:txFillClrLst>
+    <dgm:txEffectClrLst/>
+  </dgm:styleLbl>
+  <dgm:styleLbl name="fgAcc4">
+    <dgm:fillClrLst meth="repeat">
+      <a:schemeClr val="lt2">
+        <a:alpha val="90000"/>
+      </a:schemeClr>
+    </dgm:fillClrLst>
+    <dgm:linClrLst meth="repeat">
+      <a:schemeClr val="dk2"/>
+    </dgm:linClrLst>
+    <dgm:effectClrLst/>
+    <dgm:txLinClrLst/>
+    <dgm:txFillClrLst meth="repeat">
+      <a:schemeClr val="dk1"/>
+    </dgm:txFillClrLst>
+    <dgm:txEffectClrLst/>
+  </dgm:styleLbl>
+  <dgm:styleLbl name="bgShp">
+    <dgm:fillClrLst meth="repeat">
+      <a:schemeClr val="dk2">
+        <a:tint val="40000"/>
+      </a:schemeClr>
+    </dgm:fillClrLst>
+    <dgm:linClrLst meth="repeat">
+      <a:schemeClr val="dk2"/>
+    </dgm:linClrLst>
+    <dgm:effectClrLst/>
+    <dgm:txLinClrLst/>
+    <dgm:txFillClrLst meth="repeat">
+      <a:schemeClr val="dk1"/>
+    </dgm:txFillClrLst>
+    <dgm:txEffectClrLst/>
+  </dgm:styleLbl>
+  <dgm:styleLbl name="dkBgShp">
+    <dgm:fillClrLst meth="repeat">
+      <a:schemeClr val="dk2">
+        <a:shade val="80000"/>
+      </a:schemeClr>
+    </dgm:fillClrLst>
+    <dgm:linClrLst meth="repeat">
+      <a:schemeClr val="dk2"/>
+    </dgm:linClrLst>
+    <dgm:effectClrLst/>
+    <dgm:txLinClrLst/>
+    <dgm:txFillClrLst meth="repeat">
+      <a:schemeClr val="lt1"/>
+    </dgm:txFillClrLst>
+    <dgm:txEffectClrLst/>
+  </dgm:styleLbl>
+  <dgm:styleLbl name="trBgShp">
+    <dgm:fillClrLst meth="repeat">
+      <a:schemeClr val="dk2">
+        <a:tint val="50000"/>
+        <a:alpha val="40000"/>
+      </a:schemeClr>
+    </dgm:fillClrLst>
+    <dgm:linClrLst meth="repeat">
+      <a:schemeClr val="dk2"/>
+    </dgm:linClrLst>
+    <dgm:effectClrLst/>
+    <dgm:txLinClrLst/>
+    <dgm:txFillClrLst meth="repeat">
+      <a:schemeClr val="lt1"/>
+    </dgm:txFillClrLst>
+    <dgm:txEffectClrLst/>
+  </dgm:styleLbl>
+  <dgm:styleLbl name="fgShp">
+    <dgm:fillClrLst meth="repeat">
+      <a:schemeClr val="dk2">
+        <a:tint val="60000"/>
+      </a:schemeClr>
+    </dgm:fillClrLst>
+    <dgm:linClrLst meth="repeat">
+      <a:schemeClr val="lt2"/>
+    </dgm:linClrLst>
+    <dgm:effectClrLst/>
+    <dgm:txLinClrLst/>
+    <dgm:txFillClrLst meth="repeat">
+      <a:schemeClr val="dk1"/>
+    </dgm:txFillClrLst>
+    <dgm:txEffectClrLst/>
+  </dgm:styleLbl>
+  <dgm:styleLbl name="revTx">
+    <dgm:fillClrLst meth="repeat">
+      <a:schemeClr val="lt2">
+        <a:alpha val="0"/>
+      </a:schemeClr>
+    </dgm:fillClrLst>
+    <dgm:linClrLst meth="repeat">
+      <a:schemeClr val="dk1">
+        <a:alpha val="0"/>
+      </a:schemeClr>
+    </dgm:linClrLst>
+    <dgm:effectClrLst/>
+    <dgm:txLinClrLst/>
+    <dgm:txFillClrLst meth="repeat">
+      <a:schemeClr val="tx1"/>
+    </dgm:txFillClrLst>
+    <dgm:txEffectClrLst/>
+  </dgm:styleLbl>
+</dgm:colorsDef>
+</file>
+
+<file path=ppt/diagrams/colors3.xml><?xml version="1.0" encoding="utf-8"?>
+<dgm:colorsDef xmlns:dgm="http://schemas.openxmlformats.org/drawingml/2006/diagram" xmlns:a="http://schemas.openxmlformats.org/drawingml/2006/main" uniqueId="urn:microsoft.com/office/officeart/2005/8/colors/accent5_2">
+  <dgm:title val=""/>
+  <dgm:desc val=""/>
+  <dgm:catLst>
+    <dgm:cat type="accent5" pri="11200"/>
+  </dgm:catLst>
+  <dgm:styleLbl name="node0">
+    <dgm:fillClrLst meth="repeat">
+      <a:schemeClr val="accent5"/>
+    </dgm:fillClrLst>
+    <dgm:linClrLst meth="repeat">
+      <a:schemeClr val="lt1"/>
+    </dgm:linClrLst>
+    <dgm:effectClrLst/>
+    <dgm:txLinClrLst/>
+    <dgm:txFillClrLst/>
+    <dgm:txEffectClrLst/>
+  </dgm:styleLbl>
+  <dgm:styleLbl name="node1">
+    <dgm:fillClrLst meth="repeat">
+      <a:schemeClr val="accent5"/>
+    </dgm:fillClrLst>
+    <dgm:linClrLst meth="repeat">
+      <a:schemeClr val="lt1"/>
+    </dgm:linClrLst>
+    <dgm:effectClrLst/>
+    <dgm:txLinClrLst/>
+    <dgm:txFillClrLst/>
+    <dgm:txEffectClrLst/>
+  </dgm:styleLbl>
+  <dgm:styleLbl name="alignNode1">
+    <dgm:fillClrLst meth="repeat">
+      <a:schemeClr val="accent5"/>
+    </dgm:fillClrLst>
+    <dgm:linClrLst meth="repeat">
+      <a:schemeClr val="accent5"/>
+    </dgm:linClrLst>
+    <dgm:effectClrLst/>
+    <dgm:txLinClrLst/>
+    <dgm:txFillClrLst/>
+    <dgm:txEffectClrLst/>
+  </dgm:styleLbl>
+  <dgm:styleLbl name="lnNode1">
+    <dgm:fillClrLst meth="repeat">
+      <a:schemeClr val="accent5"/>
+    </dgm:fillClrLst>
+    <dgm:linClrLst meth="repeat">
+      <a:schemeClr val="lt1"/>
+    </dgm:linClrLst>
+    <dgm:effectClrLst/>
+    <dgm:txLinClrLst/>
+    <dgm:txFillClrLst/>
+    <dgm:txEffectClrLst/>
+  </dgm:styleLbl>
+  <dgm:styleLbl name="vennNode1">
+    <dgm:fillClrLst meth="repeat">
+      <a:schemeClr val="accent5">
+        <a:alpha val="50000"/>
+      </a:schemeClr>
+    </dgm:fillClrLst>
+    <dgm:linClrLst meth="repeat">
+      <a:schemeClr val="lt1"/>
+    </dgm:linClrLst>
+    <dgm:effectClrLst/>
+    <dgm:txLinClrLst/>
+    <dgm:txFillClrLst/>
+    <dgm:txEffectClrLst/>
+  </dgm:styleLbl>
+  <dgm:styleLbl name="node2">
+    <dgm:fillClrLst meth="repeat">
+      <a:schemeClr val="accent5"/>
+    </dgm:fillClrLst>
+    <dgm:linClrLst meth="repeat">
+      <a:schemeClr val="lt1"/>
+    </dgm:linClrLst>
+    <dgm:effectClrLst/>
+    <dgm:txLinClrLst/>
+    <dgm:txFillClrLst/>
+    <dgm:txEffectClrLst/>
+  </dgm:styleLbl>
+  <dgm:styleLbl name="node3">
+    <dgm:fillClrLst meth="repeat">
+      <a:schemeClr val="accent5"/>
+    </dgm:fillClrLst>
+    <dgm:linClrLst meth="repeat">
+      <a:schemeClr val="lt1"/>
+    </dgm:linClrLst>
+    <dgm:effectClrLst/>
+    <dgm:txLinClrLst/>
+    <dgm:txFillClrLst/>
+    <dgm:txEffectClrLst/>
+  </dgm:styleLbl>
+  <dgm:styleLbl name="node4">
+    <dgm:fillClrLst meth="repeat">
+      <a:schemeClr val="accent5"/>
+    </dgm:fillClrLst>
+    <dgm:linClrLst meth="repeat">
+      <a:schemeClr val="lt1"/>
+    </dgm:linClrLst>
+    <dgm:effectClrLst/>
+    <dgm:txLinClrLst/>
+    <dgm:txFillClrLst/>
+    <dgm:txEffectClrLst/>
+  </dgm:styleLbl>
+  <dgm:styleLbl name="fgImgPlace1">
+    <dgm:fillClrLst meth="repeat">
+      <a:schemeClr val="accent5">
+        <a:tint val="50000"/>
+      </a:schemeClr>
+    </dgm:fillClrLst>
+    <dgm:linClrLst meth="repeat">
+      <a:schemeClr val="lt1"/>
+    </dgm:linClrLst>
+    <dgm:effectClrLst/>
+    <dgm:txLinClrLst/>
+    <dgm:txFillClrLst meth="repeat">
+      <a:schemeClr val="lt1"/>
+    </dgm:txFillClrLst>
+    <dgm:txEffectClrLst/>
+  </dgm:styleLbl>
+  <dgm:styleLbl name="alignImgPlace1">
+    <dgm:fillClrLst meth="repeat">
+      <a:schemeClr val="accent5">
+        <a:tint val="50000"/>
+      </a:schemeClr>
+    </dgm:fillClrLst>
+    <dgm:linClrLst meth="repeat">
+      <a:schemeClr val="lt1"/>
+    </dgm:linClrLst>
+    <dgm:effectClrLst/>
+    <dgm:txLinClrLst/>
+    <dgm:txFillClrLst meth="repeat">
+      <a:schemeClr val="lt1"/>
+    </dgm:txFillClrLst>
+    <dgm:txEffectClrLst/>
+  </dgm:styleLbl>
+  <dgm:styleLbl name="bgImgPlace1">
+    <dgm:fillClrLst meth="repeat">
+      <a:schemeClr val="accent5">
+        <a:tint val="50000"/>
+      </a:schemeClr>
+    </dgm:fillClrLst>
+    <dgm:linClrLst meth="repeat">
+      <a:schemeClr val="lt1"/>
+    </dgm:linClrLst>
+    <dgm:effectClrLst/>
+    <dgm:txLinClrLst/>
+    <dgm:txFillClrLst meth="repeat">
+      <a:schemeClr val="lt1"/>
+    </dgm:txFillClrLst>
+    <dgm:txEffectClrLst/>
+  </dgm:styleLbl>
+  <dgm:styleLbl name="sibTrans2D1">
+    <dgm:fillClrLst meth="repeat">
+      <a:schemeClr val="accent5">
+        <a:tint val="60000"/>
+      </a:schemeClr>
+    </dgm:fillClrLst>
+    <dgm:linClrLst meth="repeat">
+      <a:schemeClr val="accent5">
+        <a:tint val="60000"/>
+      </a:schemeClr>
+    </dgm:linClrLst>
+    <dgm:effectClrLst/>
+    <dgm:txLinClrLst/>
+    <dgm:txFillClrLst/>
+    <dgm:txEffectClrLst/>
+  </dgm:styleLbl>
+  <dgm:styleLbl name="fgSibTrans2D1">
+    <dgm:fillClrLst meth="repeat">
+      <a:schemeClr val="accent5">
+        <a:tint val="60000"/>
+      </a:schemeClr>
+    </dgm:fillClrLst>
+    <dgm:linClrLst meth="repeat">
+      <a:schemeClr val="accent5">
+        <a:tint val="60000"/>
+      </a:schemeClr>
+    </dgm:linClrLst>
+    <dgm:effectClrLst/>
+    <dgm:txLinClrLst/>
+    <dgm:txFillClrLst/>
+    <dgm:txEffectClrLst/>
+  </dgm:styleLbl>
+  <dgm:styleLbl name="bgSibTrans2D1">
+    <dgm:fillClrLst meth="repeat">
+      <a:schemeClr val="accent5">
+        <a:tint val="60000"/>
+      </a:schemeClr>
+    </dgm:fillClrLst>
+    <dgm:linClrLst meth="repeat">
+      <a:schemeClr val="accent5">
+        <a:tint val="60000"/>
+      </a:schemeClr>
+    </dgm:linClrLst>
+    <dgm:effectClrLst/>
+    <dgm:txLinClrLst/>
+    <dgm:txFillClrLst/>
+    <dgm:txEffectClrLst/>
+  </dgm:styleLbl>
+  <dgm:styleLbl name="sibTrans1D1">
+    <dgm:fillClrLst meth="repeat">
+      <a:schemeClr val="accent5"/>
+    </dgm:fillClrLst>
+    <dgm:linClrLst meth="repeat">
+      <a:schemeClr val="accent5"/>
+    </dgm:linClrLst>
+    <dgm:effectClrLst/>
+    <dgm:txLinClrLst/>
+    <dgm:txFillClrLst meth="repeat">
+      <a:schemeClr val="tx1"/>
+    </dgm:txFillClrLst>
+    <dgm:txEffectClrLst/>
+  </dgm:styleLbl>
+  <dgm:styleLbl name="callout">
+    <dgm:fillClrLst meth="repeat">
+      <a:schemeClr val="accent5"/>
+    </dgm:fillClrLst>
+    <dgm:linClrLst meth="repeat">
+      <a:schemeClr val="accent5">
+        <a:tint val="50000"/>
+      </a:schemeClr>
+    </dgm:linClrLst>
+    <dgm:effectClrLst/>
+    <dgm:txLinClrLst/>
+    <dgm:txFillClrLst meth="repeat">
+      <a:schemeClr val="tx1"/>
+    </dgm:txFillClrLst>
+    <dgm:txEffectClrLst/>
+  </dgm:styleLbl>
+  <dgm:styleLbl name="asst0">
+    <dgm:fillClrLst meth="repeat">
+      <a:schemeClr val="accent5"/>
+    </dgm:fillClrLst>
+    <dgm:linClrLst meth="repeat">
+      <a:schemeClr val="lt1"/>
+    </dgm:linClrLst>
+    <dgm:effectClrLst/>
+    <dgm:txLinClrLst/>
+    <dgm:txFillClrLst/>
+    <dgm:txEffectClrLst/>
+  </dgm:styleLbl>
+  <dgm:styleLbl name="asst1">
+    <dgm:fillClrLst meth="repeat">
+      <a:schemeClr val="accent5"/>
+    </dgm:fillClrLst>
+    <dgm:linClrLst meth="repeat">
+      <a:schemeClr val="lt1"/>
+    </dgm:linClrLst>
+    <dgm:effectClrLst/>
+    <dgm:txLinClrLst/>
+    <dgm:txFillClrLst/>
+    <dgm:txEffectClrLst/>
+  </dgm:styleLbl>
+  <dgm:styleLbl name="asst2">
+    <dgm:fillClrLst meth="repeat">
+      <a:schemeClr val="accent5"/>
+    </dgm:fillClrLst>
+    <dgm:linClrLst meth="repeat">
+      <a:schemeClr val="lt1"/>
+    </dgm:linClrLst>
+    <dgm:effectClrLst/>
+    <dgm:txLinClrLst/>
+    <dgm:txFillClrLst/>
+    <dgm:txEffectClrLst/>
+  </dgm:styleLbl>
+  <dgm:styleLbl name="asst3">
+    <dgm:fillClrLst meth="repeat">
+      <a:schemeClr val="accent5"/>
+    </dgm:fillClrLst>
+    <dgm:linClrLst meth="repeat">
+      <a:schemeClr val="lt1"/>
+    </dgm:linClrLst>
+    <dgm:effectClrLst/>
+    <dgm:txLinClrLst/>
+    <dgm:txFillClrLst/>
+    <dgm:txEffectClrLst/>
+  </dgm:styleLbl>
+  <dgm:styleLbl name="asst4">
+    <dgm:fillClrLst meth="repeat">
+      <a:schemeClr val="accent5"/>
+    </dgm:fillClrLst>
+    <dgm:linClrLst meth="repeat">
+      <a:schemeClr val="lt1"/>
+    </dgm:linClrLst>
+    <dgm:effectClrLst/>
+    <dgm:txLinClrLst/>
+    <dgm:txFillClrLst/>
+    <dgm:txEffectClrLst/>
+  </dgm:styleLbl>
+  <dgm:styleLbl name="parChTrans2D1">
+    <dgm:fillClrLst meth="repeat">
+      <a:schemeClr val="accent5">
+        <a:tint val="60000"/>
+      </a:schemeClr>
+    </dgm:fillClrLst>
+    <dgm:linClrLst meth="repeat">
+      <a:schemeClr val="accent5">
+        <a:tint val="60000"/>
+      </a:schemeClr>
+    </dgm:linClrLst>
+    <dgm:effectClrLst/>
+    <dgm:txLinClrLst/>
+    <dgm:txFillClrLst meth="repeat">
+      <a:schemeClr val="lt1"/>
+    </dgm:txFillClrLst>
+    <dgm:txEffectClrLst/>
+  </dgm:styleLbl>
+  <dgm:styleLbl name="parChTrans2D2">
+    <dgm:fillClrLst meth="repeat">
+      <a:schemeClr val="accent5"/>
+    </dgm:fillClrLst>
+    <dgm:linClrLst meth="repeat">
+      <a:schemeClr val="accent5"/>
+    </dgm:linClrLst>
+    <dgm:effectClrLst/>
+    <dgm:txLinClrLst/>
+    <dgm:txFillClrLst meth="repeat">
+      <a:schemeClr val="lt1"/>
+    </dgm:txFillClrLst>
+    <dgm:txEffectClrLst/>
+  </dgm:styleLbl>
+  <dgm:styleLbl name="parChTrans2D3">
+    <dgm:fillClrLst meth="repeat">
+      <a:schemeClr val="accent5"/>
+    </dgm:fillClrLst>
+    <dgm:linClrLst meth="repeat">
+      <a:schemeClr val="accent5"/>
+    </dgm:linClrLst>
+    <dgm:effectClrLst/>
+    <dgm:txLinClrLst/>
+    <dgm:txFillClrLst meth="repeat">
+      <a:schemeClr val="lt1"/>
+    </dgm:txFillClrLst>
+    <dgm:txEffectClrLst/>
+  </dgm:styleLbl>
+  <dgm:styleLbl name="parChTrans2D4">
+    <dgm:fillClrLst meth="repeat">
+      <a:schemeClr val="accent5"/>
+    </dgm:fillClrLst>
+    <dgm:linClrLst meth="repeat">
+      <a:schemeClr val="accent5"/>
+    </dgm:linClrLst>
+    <dgm:effectClrLst/>
+    <dgm:txLinClrLst/>
+    <dgm:txFillClrLst meth="repeat">
+      <a:schemeClr val="lt1"/>
+    </dgm:txFillClrLst>
+    <dgm:txEffectClrLst/>
+  </dgm:styleLbl>
+  <dgm:styleLbl name="parChTrans1D1">
+    <dgm:fillClrLst meth="repeat">
+      <a:schemeClr val="accent5"/>
+    </dgm:fillClrLst>
+    <dgm:linClrLst meth="repeat">
+      <a:schemeClr val="accent5">
+        <a:shade val="60000"/>
+      </a:schemeClr>
+    </dgm:linClrLst>
+    <dgm:effectClrLst/>
+    <dgm:txLinClrLst/>
+    <dgm:txFillClrLst meth="repeat">
+      <a:schemeClr val="tx1"/>
+    </dgm:txFillClrLst>
+    <dgm:txEffectClrLst/>
+  </dgm:styleLbl>
+  <dgm:styleLbl name="parChTrans1D2">
+    <dgm:fillClrLst meth="repeat">
+      <a:schemeClr val="accent5"/>
+    </dgm:fillClrLst>
+    <dgm:linClrLst meth="repeat">
+      <a:schemeClr val="accent5">
+        <a:shade val="60000"/>
+      </a:schemeClr>
+    </dgm:linClrLst>
+    <dgm:effectClrLst/>
+    <dgm:txLinClrLst/>
+    <dgm:txFillClrLst meth="repeat">
+      <a:schemeClr val="tx1"/>
+    </dgm:txFillClrLst>
+    <dgm:txEffectClrLst/>
+  </dgm:styleLbl>
+  <dgm:styleLbl name="parChTrans1D3">
+    <dgm:fillClrLst meth="repeat">
+      <a:schemeClr val="accent5"/>
+    </dgm:fillClrLst>
+    <dgm:linClrLst meth="repeat">
+      <a:schemeClr val="accent5">
+        <a:shade val="80000"/>
+      </a:schemeClr>
+    </dgm:linClrLst>
+    <dgm:effectClrLst/>
+    <dgm:txLinClrLst/>
+    <dgm:txFillClrLst meth="repeat">
+      <a:schemeClr val="tx1"/>
+    </dgm:txFillClrLst>
+    <dgm:txEffectClrLst/>
+  </dgm:styleLbl>
+  <dgm:styleLbl name="parChTrans1D4">
+    <dgm:fillClrLst meth="repeat">
+      <a:schemeClr val="accent5"/>
+    </dgm:fillClrLst>
+    <dgm:linClrLst meth="repeat">
+      <a:schemeClr val="accent5">
+        <a:shade val="80000"/>
+      </a:schemeClr>
+    </dgm:linClrLst>
+    <dgm:effectClrLst/>
+    <dgm:txLinClrLst/>
+    <dgm:txFillClrLst meth="repeat">
+      <a:schemeClr val="tx1"/>
+    </dgm:txFillClrLst>
+    <dgm:txEffectClrLst/>
+  </dgm:styleLbl>
+  <dgm:styleLbl name="fgAcc1">
+    <dgm:fillClrLst meth="repeat">
+      <a:schemeClr val="lt1">
+        <a:alpha val="90000"/>
+      </a:schemeClr>
+    </dgm:fillClrLst>
+    <dgm:linClrLst meth="repeat">
+      <a:schemeClr val="accent5"/>
+    </dgm:linClrLst>
+    <dgm:effectClrLst/>
+    <dgm:txLinClrLst/>
+    <dgm:txFillClrLst meth="repeat">
+      <a:schemeClr val="dk1"/>
+    </dgm:txFillClrLst>
+    <dgm:txEffectClrLst/>
+  </dgm:styleLbl>
+  <dgm:styleLbl name="conFgAcc1">
+    <dgm:fillClrLst meth="repeat">
+      <a:schemeClr val="lt1">
+        <a:alpha val="90000"/>
+      </a:schemeClr>
+    </dgm:fillClrLst>
+    <dgm:linClrLst meth="repeat">
+      <a:schemeClr val="accent5"/>
+    </dgm:linClrLst>
+    <dgm:effectClrLst/>
+    <dgm:txLinClrLst/>
+    <dgm:txFillClrLst meth="repeat">
+      <a:schemeClr val="dk1"/>
+    </dgm:txFillClrLst>
+    <dgm:txEffectClrLst/>
+  </dgm:styleLbl>
+  <dgm:styleLbl name="alignAcc1">
+    <dgm:fillClrLst meth="repeat">
+      <a:schemeClr val="lt1">
+        <a:alpha val="90000"/>
+      </a:schemeClr>
+    </dgm:fillClrLst>
+    <dgm:linClrLst meth="repeat">
+      <a:schemeClr val="accent5"/>
+    </dgm:linClrLst>
+    <dgm:effectClrLst/>
+    <dgm:txLinClrLst/>
+    <dgm:txFillClrLst meth="repeat">
+      <a:schemeClr val="dk1"/>
+    </dgm:txFillClrLst>
+    <dgm:txEffectClrLst/>
+  </dgm:styleLbl>
+  <dgm:styleLbl name="trAlignAcc1">
+    <dgm:fillClrLst meth="repeat">
+      <a:schemeClr val="lt1">
+        <a:alpha val="40000"/>
+      </a:schemeClr>
+    </dgm:fillClrLst>
+    <dgm:linClrLst meth="repeat">
+      <a:schemeClr val="accent5"/>
+    </dgm:linClrLst>
+    <dgm:effectClrLst/>
+    <dgm:txLinClrLst/>
+    <dgm:txFillClrLst meth="repeat">
+      <a:schemeClr val="dk1"/>
+    </dgm:txFillClrLst>
+    <dgm:txEffectClrLst/>
+  </dgm:styleLbl>
+  <dgm:styleLbl name="bgAcc1">
+    <dgm:fillClrLst meth="repeat">
+      <a:schemeClr val="lt1">
+        <a:alpha val="90000"/>
+      </a:schemeClr>
+    </dgm:fillClrLst>
+    <dgm:linClrLst meth="repeat">
+      <a:schemeClr val="accent5"/>
+    </dgm:linClrLst>
+    <dgm:effectClrLst/>
+    <dgm:txLinClrLst/>
+    <dgm:txFillClrLst meth="repeat">
+      <a:schemeClr val="dk1"/>
+    </dgm:txFillClrLst>
+    <dgm:txEffectClrLst/>
+  </dgm:styleLbl>
+  <dgm:styleLbl name="solidFgAcc1">
+    <dgm:fillClrLst meth="repeat">
+      <a:schemeClr val="lt1"/>
+    </dgm:fillClrLst>
+    <dgm:linClrLst meth="repeat">
+      <a:schemeClr val="accent5"/>
+    </dgm:linClrLst>
+    <dgm:effectClrLst/>
+    <dgm:txLinClrLst/>
+    <dgm:txFillClrLst meth="repeat">
+      <a:schemeClr val="dk1"/>
+    </dgm:txFillClrLst>
+    <dgm:txEffectClrLst/>
+  </dgm:styleLbl>
+  <dgm:styleLbl name="solidAlignAcc1">
+    <dgm:fillClrLst meth="repeat">
+      <a:schemeClr val="lt1"/>
+    </dgm:fillClrLst>
+    <dgm:linClrLst meth="repeat">
+      <a:schemeClr val="accent5"/>
+    </dgm:linClrLst>
+    <dgm:effectClrLst/>
+    <dgm:txLinClrLst/>
+    <dgm:txFillClrLst meth="repeat">
+      <a:schemeClr val="dk1"/>
+    </dgm:txFillClrLst>
+    <dgm:txEffectClrLst/>
+  </dgm:styleLbl>
+  <dgm:styleLbl name="solidBgAcc1">
+    <dgm:fillClrLst meth="repeat">
+      <a:schemeClr val="lt1"/>
+    </dgm:fillClrLst>
+    <dgm:linClrLst meth="repeat">
+      <a:schemeClr val="accent5"/>
+    </dgm:linClrLst>
+    <dgm:effectClrLst/>
+    <dgm:txLinClrLst/>
+    <dgm:txFillClrLst meth="repeat">
+      <a:schemeClr val="dk1"/>
+    </dgm:txFillClrLst>
+    <dgm:txEffectClrLst/>
+  </dgm:styleLbl>
+  <dgm:styleLbl name="fgAccFollowNode1">
+    <dgm:fillClrLst meth="repeat">
+      <a:schemeClr val="accent5">
+        <a:alpha val="90000"/>
+        <a:tint val="40000"/>
+      </a:schemeClr>
+    </dgm:fillClrLst>
+    <dgm:linClrLst meth="repeat">
+      <a:schemeClr val="accent5">
+        <a:alpha val="90000"/>
+        <a:tint val="40000"/>
+      </a:schemeClr>
+    </dgm:linClrLst>
+    <dgm:effectClrLst/>
+    <dgm:txLinClrLst/>
+    <dgm:txFillClrLst meth="repeat">
+      <a:schemeClr val="dk1"/>
+    </dgm:txFillClrLst>
+    <dgm:txEffectClrLst/>
+  </dgm:styleLbl>
+  <dgm:styleLbl name="alignAccFollowNode1">
+    <dgm:fillClrLst meth="repeat">
+      <a:schemeClr val="accent5">
+        <a:alpha val="90000"/>
+        <a:tint val="40000"/>
+      </a:schemeClr>
+    </dgm:fillClrLst>
+    <dgm:linClrLst meth="repeat">
+      <a:schemeClr val="accent5">
+        <a:alpha val="90000"/>
+        <a:tint val="40000"/>
+      </a:schemeClr>
+    </dgm:linClrLst>
+    <dgm:effectClrLst/>
+    <dgm:txLinClrLst/>
+    <dgm:txFillClrLst meth="repeat">
+      <a:schemeClr val="dk1"/>
+    </dgm:txFillClrLst>
+    <dgm:txEffectClrLst/>
+  </dgm:styleLbl>
+  <dgm:styleLbl name="bgAccFollowNode1">
+    <dgm:fillClrLst meth="repeat">
+      <a:schemeClr val="accent5">
+        <a:alpha val="90000"/>
+        <a:tint val="40000"/>
+      </a:schemeClr>
+    </dgm:fillClrLst>
+    <dgm:linClrLst meth="repeat">
+      <a:schemeClr val="accent5">
+        <a:alpha val="90000"/>
+        <a:tint val="40000"/>
+      </a:schemeClr>
+    </dgm:linClrLst>
+    <dgm:effectClrLst/>
+    <dgm:txLinClrLst/>
+    <dgm:txFillClrLst meth="repeat">
+      <a:schemeClr val="dk1"/>
+    </dgm:txFillClrLst>
+    <dgm:txEffectClrLst/>
+  </dgm:styleLbl>
+  <dgm:styleLbl name="fgAcc0">
+    <dgm:fillClrLst meth="repeat">
+      <a:schemeClr val="lt1">
+        <a:alpha val="90000"/>
+      </a:schemeClr>
+    </dgm:fillClrLst>
+    <dgm:linClrLst meth="repeat">
+      <a:schemeClr val="accent5"/>
+    </dgm:linClrLst>
+    <dgm:effectClrLst/>
+    <dgm:txLinClrLst/>
+    <dgm:txFillClrLst meth="repeat">
+      <a:schemeClr val="dk1"/>
+    </dgm:txFillClrLst>
+    <dgm:txEffectClrLst/>
+  </dgm:styleLbl>
+  <dgm:styleLbl name="fgAcc2">
+    <dgm:fillClrLst meth="repeat">
+      <a:schemeClr val="lt1">
+        <a:alpha val="90000"/>
+      </a:schemeClr>
+    </dgm:fillClrLst>
+    <dgm:linClrLst meth="repeat">
+      <a:schemeClr val="accent5"/>
+    </dgm:linClrLst>
+    <dgm:effectClrLst/>
+    <dgm:txLinClrLst/>
+    <dgm:txFillClrLst meth="repeat">
+      <a:schemeClr val="dk1"/>
+    </dgm:txFillClrLst>
+    <dgm:txEffectClrLst/>
+  </dgm:styleLbl>
+  <dgm:styleLbl name="fgAcc3">
+    <dgm:fillClrLst meth="repeat">
+      <a:schemeClr val="lt1">
+        <a:alpha val="90000"/>
+      </a:schemeClr>
+    </dgm:fillClrLst>
+    <dgm:linClrLst meth="repeat">
+      <a:schemeClr val="accent5"/>
+    </dgm:linClrLst>
+    <dgm:effectClrLst/>
+    <dgm:txLinClrLst/>
+    <dgm:txFillClrLst meth="repeat">
+      <a:schemeClr val="dk1"/>
+    </dgm:txFillClrLst>
+    <dgm:txEffectClrLst/>
+  </dgm:styleLbl>
+  <dgm:styleLbl name="fgAcc4">
+    <dgm:fillClrLst meth="repeat">
+      <a:schemeClr val="lt1">
+        <a:alpha val="90000"/>
+      </a:schemeClr>
+    </dgm:fillClrLst>
+    <dgm:linClrLst meth="repeat">
+      <a:schemeClr val="accent5"/>
+    </dgm:linClrLst>
+    <dgm:effectClrLst/>
+    <dgm:txLinClrLst/>
+    <dgm:txFillClrLst meth="repeat">
+      <a:schemeClr val="dk1"/>
+    </dgm:txFillClrLst>
+    <dgm:txEffectClrLst/>
+  </dgm:styleLbl>
+  <dgm:styleLbl name="bgShp">
+    <dgm:fillClrLst meth="repeat">
+      <a:schemeClr val="accent5">
+        <a:tint val="40000"/>
+      </a:schemeClr>
+    </dgm:fillClrLst>
+    <dgm:linClrLst meth="repeat">
+      <a:schemeClr val="accent5"/>
+    </dgm:linClrLst>
+    <dgm:effectClrLst/>
+    <dgm:txLinClrLst/>
+    <dgm:txFillClrLst meth="repeat">
+      <a:schemeClr val="dk1"/>
+    </dgm:txFillClrLst>
+    <dgm:txEffectClrLst/>
+  </dgm:styleLbl>
+  <dgm:styleLbl name="dkBgShp">
+    <dgm:fillClrLst meth="repeat">
+      <a:schemeClr val="accent5">
+        <a:shade val="80000"/>
+      </a:schemeClr>
+    </dgm:fillClrLst>
+    <dgm:linClrLst meth="repeat">
+      <a:schemeClr val="accent5"/>
+    </dgm:linClrLst>
+    <dgm:effectClrLst/>
+    <dgm:txLinClrLst/>
+    <dgm:txFillClrLst meth="repeat">
+      <a:schemeClr val="lt1"/>
+    </dgm:txFillClrLst>
+    <dgm:txEffectClrLst/>
+  </dgm:styleLbl>
+  <dgm:styleLbl name="trBgShp">
+    <dgm:fillClrLst meth="repeat">
+      <a:schemeClr val="accent5">
+        <a:tint val="50000"/>
+        <a:alpha val="40000"/>
+      </a:schemeClr>
+    </dgm:fillClrLst>
+    <dgm:linClrLst meth="repeat">
+      <a:schemeClr val="accent5"/>
+    </dgm:linClrLst>
+    <dgm:effectClrLst/>
+    <dgm:txLinClrLst/>
+    <dgm:txFillClrLst meth="repeat">
+      <a:schemeClr val="lt1"/>
+    </dgm:txFillClrLst>
+    <dgm:txEffectClrLst/>
+  </dgm:styleLbl>
+  <dgm:styleLbl name="fgShp">
+    <dgm:fillClrLst meth="repeat">
+      <a:schemeClr val="accent5">
+        <a:tint val="60000"/>
       </a:schemeClr>
     </dgm:fillClrLst>
     <dgm:linClrLst meth="repeat">
@@ -1267,12 +3336,12 @@
   </dgm:ptLst>
   <dgm:cxnLst>
     <dgm:cxn modelId="{AE59DFE4-B1B3-8044-85FB-51CBE4C98992}" srcId="{F08D3287-BEBD-9F49-BC56-22AD187AFEBB}" destId="{C2263D7D-121E-3943-8611-D0DD40743AA0}" srcOrd="0" destOrd="0" parTransId="{38628E3A-163C-F543-887F-FB54F4B94C17}" sibTransId="{C765178C-A35A-1343-8BF2-12A677415C8A}"/>
-    <dgm:cxn modelId="{192A8806-9A74-884D-9DD0-AED11ECB64E0}" type="presOf" srcId="{FC032F45-C702-F44F-A5DF-1AEC8E683657}" destId="{500B5B37-7E8D-1645-A380-08755AE3FE7A}" srcOrd="0" destOrd="0" presId="urn:microsoft.com/office/officeart/2005/8/layout/vList2"/>
+    <dgm:cxn modelId="{36A592D7-D430-4C49-BC10-6926B41BD2D5}" srcId="{F08D3287-BEBD-9F49-BC56-22AD187AFEBB}" destId="{A1F09EC1-832F-184B-B1A6-A9A846893F10}" srcOrd="1" destOrd="0" parTransId="{CC372A09-4011-5F47-9D2D-E05FFDE3A408}" sibTransId="{AA7B9C9B-066A-4B42-8225-3906CFD2532A}"/>
     <dgm:cxn modelId="{11755A5C-91DA-1349-9966-2ABCACDF3DF0}" srcId="{F08D3287-BEBD-9F49-BC56-22AD187AFEBB}" destId="{FC032F45-C702-F44F-A5DF-1AEC8E683657}" srcOrd="2" destOrd="0" parTransId="{BF19B1EF-E7DF-B444-8046-0DB109A0907B}" sibTransId="{355181BC-A1AE-6543-8895-AE024EC2E862}"/>
-    <dgm:cxn modelId="{F70472EF-E6EF-ED46-BFF1-F834B900499E}" type="presOf" srcId="{A1F09EC1-832F-184B-B1A6-A9A846893F10}" destId="{66D20C69-28B9-4F44-BA03-A32A664F4ABF}" srcOrd="0" destOrd="0" presId="urn:microsoft.com/office/officeart/2005/8/layout/vList2"/>
-    <dgm:cxn modelId="{36A592D7-D430-4C49-BC10-6926B41BD2D5}" srcId="{F08D3287-BEBD-9F49-BC56-22AD187AFEBB}" destId="{A1F09EC1-832F-184B-B1A6-A9A846893F10}" srcOrd="1" destOrd="0" parTransId="{CC372A09-4011-5F47-9D2D-E05FFDE3A408}" sibTransId="{AA7B9C9B-066A-4B42-8225-3906CFD2532A}"/>
     <dgm:cxn modelId="{79B8DE3D-7D12-C24D-BB4E-CD254E243203}" type="presOf" srcId="{F08D3287-BEBD-9F49-BC56-22AD187AFEBB}" destId="{C9042CC7-5625-D94C-B0F8-E78BAC8150C4}" srcOrd="0" destOrd="0" presId="urn:microsoft.com/office/officeart/2005/8/layout/vList2"/>
     <dgm:cxn modelId="{71452E47-9711-EE40-A9CD-7783F42D4227}" type="presOf" srcId="{C2263D7D-121E-3943-8611-D0DD40743AA0}" destId="{6DF8128B-3253-0D4C-B7EC-6BA821E94581}" srcOrd="0" destOrd="0" presId="urn:microsoft.com/office/officeart/2005/8/layout/vList2"/>
+    <dgm:cxn modelId="{192A8806-9A74-884D-9DD0-AED11ECB64E0}" type="presOf" srcId="{FC032F45-C702-F44F-A5DF-1AEC8E683657}" destId="{500B5B37-7E8D-1645-A380-08755AE3FE7A}" srcOrd="0" destOrd="0" presId="urn:microsoft.com/office/officeart/2005/8/layout/vList2"/>
+    <dgm:cxn modelId="{F70472EF-E6EF-ED46-BFF1-F834B900499E}" type="presOf" srcId="{A1F09EC1-832F-184B-B1A6-A9A846893F10}" destId="{66D20C69-28B9-4F44-BA03-A32A664F4ABF}" srcOrd="0" destOrd="0" presId="urn:microsoft.com/office/officeart/2005/8/layout/vList2"/>
     <dgm:cxn modelId="{BEAF522A-E78C-C54F-AF6F-50696E02BB67}" type="presParOf" srcId="{C9042CC7-5625-D94C-B0F8-E78BAC8150C4}" destId="{6DF8128B-3253-0D4C-B7EC-6BA821E94581}" srcOrd="0" destOrd="0" presId="urn:microsoft.com/office/officeart/2005/8/layout/vList2"/>
     <dgm:cxn modelId="{F2927895-CA62-D542-801E-2334213ED4E0}" type="presParOf" srcId="{C9042CC7-5625-D94C-B0F8-E78BAC8150C4}" destId="{94AA05AA-8CFE-644B-A610-C409F3C79580}" srcOrd="1" destOrd="0" presId="urn:microsoft.com/office/officeart/2005/8/layout/vList2"/>
     <dgm:cxn modelId="{7545E06F-7B9F-B149-AF97-7CB2DB54ECFF}" type="presParOf" srcId="{C9042CC7-5625-D94C-B0F8-E78BAC8150C4}" destId="{66D20C69-28B9-4F44-BA03-A32A664F4ABF}" srcOrd="2" destOrd="0" presId="urn:microsoft.com/office/officeart/2005/8/layout/vList2"/>
@@ -1289,14 +3358,1101 @@
   </dgm:whole>
   <dgm:extLst>
     <a:ext uri="http://schemas.microsoft.com/office/drawing/2008/diagram">
-      <dsp:dataModelExt xmlns:dsp="http://schemas.microsoft.com/office/drawing/2008/diagram" relId="rId6" minVer="http://schemas.openxmlformats.org/drawingml/2006/diagram"/>
+      <dsp:dataModelExt xmlns="" xmlns:dsp="http://schemas.microsoft.com/office/drawing/2008/diagram" relId="rId6" minVer="http://schemas.openxmlformats.org/drawingml/2006/diagram"/>
     </a:ext>
   </dgm:extLst>
 </dgm:dataModel>
 </file>
 
+<file path=ppt/diagrams/data2.xml><?xml version="1.0" encoding="utf-8"?>
+<dgm:dataModel xmlns:dgm="http://schemas.openxmlformats.org/drawingml/2006/diagram" xmlns:a="http://schemas.openxmlformats.org/drawingml/2006/main">
+  <dgm:ptLst>
+    <dgm:pt modelId="{1145A9B3-0BF4-4E4F-9CE7-5CF62ACBF4E5}" type="doc">
+      <dgm:prSet loTypeId="urn:microsoft.com/office/officeart/2005/8/layout/hierarchy2" loCatId="hierarchy" qsTypeId="urn:microsoft.com/office/officeart/2005/8/quickstyle/simple1" qsCatId="simple" csTypeId="urn:microsoft.com/office/officeart/2005/8/colors/accent0_3" csCatId="mainScheme" phldr="1"/>
+      <dgm:spPr/>
+      <dgm:t>
+        <a:bodyPr/>
+        <a:lstStyle/>
+        <a:p>
+          <a:endParaRPr lang="de-DE"/>
+        </a:p>
+      </dgm:t>
+    </dgm:pt>
+    <dgm:pt modelId="{679BAF53-DF0A-4909-905E-B99464171DDE}">
+      <dgm:prSet phldrT="[Text]"/>
+      <dgm:spPr/>
+      <dgm:t>
+        <a:bodyPr/>
+        <a:lstStyle/>
+        <a:p>
+          <a:r>
+            <a:rPr lang="de-DE" b="1" dirty="0" smtClean="0">
+              <a:solidFill>
+                <a:schemeClr val="accent3"/>
+              </a:solidFill>
+            </a:rPr>
+            <a:t>Raumschiffe</a:t>
+          </a:r>
+          <a:endParaRPr lang="de-DE" b="1" dirty="0">
+            <a:solidFill>
+              <a:schemeClr val="accent3"/>
+            </a:solidFill>
+          </a:endParaRPr>
+        </a:p>
+      </dgm:t>
+    </dgm:pt>
+    <dgm:pt modelId="{9DA08E0F-19B6-4916-B05D-CC24037BF967}" type="parTrans" cxnId="{3C1B9603-BD05-404D-83FF-B5B5D61E270C}">
+      <dgm:prSet/>
+      <dgm:spPr/>
+      <dgm:t>
+        <a:bodyPr/>
+        <a:lstStyle/>
+        <a:p>
+          <a:endParaRPr lang="de-DE"/>
+        </a:p>
+      </dgm:t>
+    </dgm:pt>
+    <dgm:pt modelId="{F161F72C-9949-4764-9610-B707D0E494A2}" type="sibTrans" cxnId="{3C1B9603-BD05-404D-83FF-B5B5D61E270C}">
+      <dgm:prSet/>
+      <dgm:spPr/>
+      <dgm:t>
+        <a:bodyPr/>
+        <a:lstStyle/>
+        <a:p>
+          <a:endParaRPr lang="de-DE"/>
+        </a:p>
+      </dgm:t>
+    </dgm:pt>
+    <dgm:pt modelId="{CDF9332D-4C5D-43D7-B07D-A917774389D0}">
+      <dgm:prSet phldrT="[Text]"/>
+      <dgm:spPr>
+        <a:solidFill>
+          <a:schemeClr val="tx1">
+            <a:lumMod val="65000"/>
+            <a:lumOff val="35000"/>
+          </a:schemeClr>
+        </a:solidFill>
+        <a:ln>
+          <a:solidFill>
+            <a:schemeClr val="tx1">
+              <a:lumMod val="65000"/>
+              <a:lumOff val="35000"/>
+            </a:schemeClr>
+          </a:solidFill>
+        </a:ln>
+      </dgm:spPr>
+      <dgm:t>
+        <a:bodyPr/>
+        <a:lstStyle/>
+        <a:p>
+          <a:r>
+            <a:rPr lang="de-DE" dirty="0" err="1" smtClean="0"/>
+            <a:t>Millenium</a:t>
+          </a:r>
+          <a:r>
+            <a:rPr lang="de-DE" dirty="0" smtClean="0"/>
+            <a:t> Falke</a:t>
+          </a:r>
+          <a:endParaRPr lang="de-DE" dirty="0"/>
+        </a:p>
+      </dgm:t>
+    </dgm:pt>
+    <dgm:pt modelId="{3C0B111B-39C8-4D37-A58C-9048B18316B9}" type="parTrans" cxnId="{CBFC82C7-CEB6-4F39-AE80-FE16F52C4B89}">
+      <dgm:prSet/>
+      <dgm:spPr/>
+      <dgm:t>
+        <a:bodyPr/>
+        <a:lstStyle/>
+        <a:p>
+          <a:endParaRPr lang="de-DE"/>
+        </a:p>
+      </dgm:t>
+    </dgm:pt>
+    <dgm:pt modelId="{CD8315EE-349A-4390-8CCA-4A40AE25BCAB}" type="sibTrans" cxnId="{CBFC82C7-CEB6-4F39-AE80-FE16F52C4B89}">
+      <dgm:prSet/>
+      <dgm:spPr/>
+      <dgm:t>
+        <a:bodyPr/>
+        <a:lstStyle/>
+        <a:p>
+          <a:endParaRPr lang="de-DE"/>
+        </a:p>
+      </dgm:t>
+    </dgm:pt>
+    <dgm:pt modelId="{2D72AF26-92E3-46DA-8BF9-63C7B73A572D}">
+      <dgm:prSet phldrT="[Text]"/>
+      <dgm:spPr>
+        <a:solidFill>
+          <a:schemeClr val="tx1">
+            <a:lumMod val="65000"/>
+            <a:lumOff val="35000"/>
+          </a:schemeClr>
+        </a:solidFill>
+        <a:ln>
+          <a:solidFill>
+            <a:schemeClr val="tx1">
+              <a:lumMod val="65000"/>
+              <a:lumOff val="35000"/>
+            </a:schemeClr>
+          </a:solidFill>
+        </a:ln>
+      </dgm:spPr>
+      <dgm:t>
+        <a:bodyPr/>
+        <a:lstStyle/>
+        <a:p>
+          <a:r>
+            <a:rPr lang="de-DE" smtClean="0"/>
+            <a:t>Corellian Corvette</a:t>
+          </a:r>
+          <a:endParaRPr lang="de-DE" dirty="0"/>
+        </a:p>
+      </dgm:t>
+    </dgm:pt>
+    <dgm:pt modelId="{63BE575C-5564-4F38-8FD3-D78171167FC5}" type="parTrans" cxnId="{4AD08E4C-A67A-4133-82DC-2006CFD94FD8}">
+      <dgm:prSet/>
+      <dgm:spPr/>
+      <dgm:t>
+        <a:bodyPr/>
+        <a:lstStyle/>
+        <a:p>
+          <a:endParaRPr lang="de-DE"/>
+        </a:p>
+      </dgm:t>
+    </dgm:pt>
+    <dgm:pt modelId="{5F42AFC6-B7F6-437D-A6F5-C4026EAFAAAB}" type="sibTrans" cxnId="{4AD08E4C-A67A-4133-82DC-2006CFD94FD8}">
+      <dgm:prSet/>
+      <dgm:spPr/>
+      <dgm:t>
+        <a:bodyPr/>
+        <a:lstStyle/>
+        <a:p>
+          <a:endParaRPr lang="de-DE"/>
+        </a:p>
+      </dgm:t>
+    </dgm:pt>
+    <dgm:pt modelId="{4B786275-CF06-4CCF-84B4-63A41504A67F}">
+      <dgm:prSet phldrT="[Text]"/>
+      <dgm:spPr>
+        <a:solidFill>
+          <a:schemeClr val="tx1">
+            <a:lumMod val="65000"/>
+            <a:lumOff val="35000"/>
+          </a:schemeClr>
+        </a:solidFill>
+        <a:ln>
+          <a:solidFill>
+            <a:schemeClr val="tx1">
+              <a:lumMod val="65000"/>
+              <a:lumOff val="35000"/>
+            </a:schemeClr>
+          </a:solidFill>
+        </a:ln>
+      </dgm:spPr>
+      <dgm:t>
+        <a:bodyPr/>
+        <a:lstStyle/>
+        <a:p>
+          <a:r>
+            <a:rPr lang="de-DE" dirty="0" smtClean="0"/>
+            <a:t>X-Wing</a:t>
+          </a:r>
+          <a:endParaRPr lang="de-DE" dirty="0"/>
+        </a:p>
+      </dgm:t>
+    </dgm:pt>
+    <dgm:pt modelId="{C8C320D0-D646-4061-99F7-1EEA0D9F745E}" type="parTrans" cxnId="{F7DD35E3-8769-4682-987C-A4090B9B746B}">
+      <dgm:prSet/>
+      <dgm:spPr/>
+      <dgm:t>
+        <a:bodyPr/>
+        <a:lstStyle/>
+        <a:p>
+          <a:endParaRPr lang="de-DE"/>
+        </a:p>
+      </dgm:t>
+    </dgm:pt>
+    <dgm:pt modelId="{829F0ACC-60FA-4BCB-AFBE-CA47E624DF77}" type="sibTrans" cxnId="{F7DD35E3-8769-4682-987C-A4090B9B746B}">
+      <dgm:prSet/>
+      <dgm:spPr/>
+      <dgm:t>
+        <a:bodyPr/>
+        <a:lstStyle/>
+        <a:p>
+          <a:endParaRPr lang="de-DE"/>
+        </a:p>
+      </dgm:t>
+    </dgm:pt>
+    <dgm:pt modelId="{D8FEF294-2E69-428F-B35A-C20BC0CF039A}" type="pres">
+      <dgm:prSet presAssocID="{1145A9B3-0BF4-4E4F-9CE7-5CF62ACBF4E5}" presName="diagram" presStyleCnt="0">
+        <dgm:presLayoutVars>
+          <dgm:chPref val="1"/>
+          <dgm:dir/>
+          <dgm:animOne val="branch"/>
+          <dgm:animLvl val="lvl"/>
+          <dgm:resizeHandles val="exact"/>
+        </dgm:presLayoutVars>
+      </dgm:prSet>
+      <dgm:spPr/>
+      <dgm:t>
+        <a:bodyPr/>
+        <a:lstStyle/>
+        <a:p>
+          <a:endParaRPr lang="de-DE"/>
+        </a:p>
+      </dgm:t>
+    </dgm:pt>
+    <dgm:pt modelId="{DA4CCC87-F361-42A4-BC42-83D044CFC97F}" type="pres">
+      <dgm:prSet presAssocID="{679BAF53-DF0A-4909-905E-B99464171DDE}" presName="root1" presStyleCnt="0"/>
+      <dgm:spPr/>
+    </dgm:pt>
+    <dgm:pt modelId="{C75D0122-D169-4A5D-BACD-EA64BBC3CCAE}" type="pres">
+      <dgm:prSet presAssocID="{679BAF53-DF0A-4909-905E-B99464171DDE}" presName="LevelOneTextNode" presStyleLbl="node0" presStyleIdx="0" presStyleCnt="1" custScaleX="119599" custLinFactNeighborX="-51970" custLinFactNeighborY="1845">
+        <dgm:presLayoutVars>
+          <dgm:chPref val="3"/>
+        </dgm:presLayoutVars>
+      </dgm:prSet>
+      <dgm:spPr/>
+      <dgm:t>
+        <a:bodyPr/>
+        <a:lstStyle/>
+        <a:p>
+          <a:endParaRPr lang="de-DE"/>
+        </a:p>
+      </dgm:t>
+    </dgm:pt>
+    <dgm:pt modelId="{F09C38B2-C737-4F83-B165-DF49DB651A56}" type="pres">
+      <dgm:prSet presAssocID="{679BAF53-DF0A-4909-905E-B99464171DDE}" presName="level2hierChild" presStyleCnt="0"/>
+      <dgm:spPr/>
+    </dgm:pt>
+    <dgm:pt modelId="{A8B7D96C-1BA3-4687-BBA3-DEE34480BE68}" type="pres">
+      <dgm:prSet presAssocID="{C8C320D0-D646-4061-99F7-1EEA0D9F745E}" presName="conn2-1" presStyleLbl="parChTrans1D2" presStyleIdx="0" presStyleCnt="3"/>
+      <dgm:spPr/>
+      <dgm:t>
+        <a:bodyPr/>
+        <a:lstStyle/>
+        <a:p>
+          <a:endParaRPr lang="de-DE"/>
+        </a:p>
+      </dgm:t>
+    </dgm:pt>
+    <dgm:pt modelId="{76BB8620-9193-49B8-AE20-831F6998328F}" type="pres">
+      <dgm:prSet presAssocID="{C8C320D0-D646-4061-99F7-1EEA0D9F745E}" presName="connTx" presStyleLbl="parChTrans1D2" presStyleIdx="0" presStyleCnt="3"/>
+      <dgm:spPr/>
+      <dgm:t>
+        <a:bodyPr/>
+        <a:lstStyle/>
+        <a:p>
+          <a:endParaRPr lang="de-DE"/>
+        </a:p>
+      </dgm:t>
+    </dgm:pt>
+    <dgm:pt modelId="{24BC0BF3-0E7B-4399-AAD9-0CFCA0AC1117}" type="pres">
+      <dgm:prSet presAssocID="{4B786275-CF06-4CCF-84B4-63A41504A67F}" presName="root2" presStyleCnt="0"/>
+      <dgm:spPr/>
+    </dgm:pt>
+    <dgm:pt modelId="{0E218A77-85BC-4AED-9D08-C539C0523879}" type="pres">
+      <dgm:prSet presAssocID="{4B786275-CF06-4CCF-84B4-63A41504A67F}" presName="LevelTwoTextNode" presStyleLbl="node2" presStyleIdx="0" presStyleCnt="3">
+        <dgm:presLayoutVars>
+          <dgm:chPref val="3"/>
+        </dgm:presLayoutVars>
+      </dgm:prSet>
+      <dgm:spPr/>
+      <dgm:t>
+        <a:bodyPr/>
+        <a:lstStyle/>
+        <a:p>
+          <a:endParaRPr lang="de-DE"/>
+        </a:p>
+      </dgm:t>
+    </dgm:pt>
+    <dgm:pt modelId="{435B20C2-19C3-45A8-A905-F4D53649EE4F}" type="pres">
+      <dgm:prSet presAssocID="{4B786275-CF06-4CCF-84B4-63A41504A67F}" presName="level3hierChild" presStyleCnt="0"/>
+      <dgm:spPr/>
+    </dgm:pt>
+    <dgm:pt modelId="{62E927D6-E600-4C6D-BE37-7B45124BB4ED}" type="pres">
+      <dgm:prSet presAssocID="{3C0B111B-39C8-4D37-A58C-9048B18316B9}" presName="conn2-1" presStyleLbl="parChTrans1D2" presStyleIdx="1" presStyleCnt="3"/>
+      <dgm:spPr/>
+      <dgm:t>
+        <a:bodyPr/>
+        <a:lstStyle/>
+        <a:p>
+          <a:endParaRPr lang="de-DE"/>
+        </a:p>
+      </dgm:t>
+    </dgm:pt>
+    <dgm:pt modelId="{E57C4955-2536-48BA-B1FD-F94ED0D73CFC}" type="pres">
+      <dgm:prSet presAssocID="{3C0B111B-39C8-4D37-A58C-9048B18316B9}" presName="connTx" presStyleLbl="parChTrans1D2" presStyleIdx="1" presStyleCnt="3"/>
+      <dgm:spPr/>
+      <dgm:t>
+        <a:bodyPr/>
+        <a:lstStyle/>
+        <a:p>
+          <a:endParaRPr lang="de-DE"/>
+        </a:p>
+      </dgm:t>
+    </dgm:pt>
+    <dgm:pt modelId="{F77F096D-9523-43B2-922E-D77F7C172299}" type="pres">
+      <dgm:prSet presAssocID="{CDF9332D-4C5D-43D7-B07D-A917774389D0}" presName="root2" presStyleCnt="0"/>
+      <dgm:spPr/>
+    </dgm:pt>
+    <dgm:pt modelId="{0046321B-3DBD-4C9C-BC7A-D0DCB911EF74}" type="pres">
+      <dgm:prSet presAssocID="{CDF9332D-4C5D-43D7-B07D-A917774389D0}" presName="LevelTwoTextNode" presStyleLbl="node2" presStyleIdx="1" presStyleCnt="3">
+        <dgm:presLayoutVars>
+          <dgm:chPref val="3"/>
+        </dgm:presLayoutVars>
+      </dgm:prSet>
+      <dgm:spPr/>
+      <dgm:t>
+        <a:bodyPr/>
+        <a:lstStyle/>
+        <a:p>
+          <a:endParaRPr lang="de-DE"/>
+        </a:p>
+      </dgm:t>
+    </dgm:pt>
+    <dgm:pt modelId="{C1D7FFF0-D999-458D-AC75-B1BE565AA316}" type="pres">
+      <dgm:prSet presAssocID="{CDF9332D-4C5D-43D7-B07D-A917774389D0}" presName="level3hierChild" presStyleCnt="0"/>
+      <dgm:spPr/>
+    </dgm:pt>
+    <dgm:pt modelId="{713FE4F6-C40D-40C9-BF1F-5D3AFD86EE45}" type="pres">
+      <dgm:prSet presAssocID="{63BE575C-5564-4F38-8FD3-D78171167FC5}" presName="conn2-1" presStyleLbl="parChTrans1D2" presStyleIdx="2" presStyleCnt="3"/>
+      <dgm:spPr/>
+      <dgm:t>
+        <a:bodyPr/>
+        <a:lstStyle/>
+        <a:p>
+          <a:endParaRPr lang="de-DE"/>
+        </a:p>
+      </dgm:t>
+    </dgm:pt>
+    <dgm:pt modelId="{42789500-200B-4A9C-B281-51E287C10F8B}" type="pres">
+      <dgm:prSet presAssocID="{63BE575C-5564-4F38-8FD3-D78171167FC5}" presName="connTx" presStyleLbl="parChTrans1D2" presStyleIdx="2" presStyleCnt="3"/>
+      <dgm:spPr/>
+      <dgm:t>
+        <a:bodyPr/>
+        <a:lstStyle/>
+        <a:p>
+          <a:endParaRPr lang="de-DE"/>
+        </a:p>
+      </dgm:t>
+    </dgm:pt>
+    <dgm:pt modelId="{0D5D8526-E0D7-4314-836A-8FE79631C9B6}" type="pres">
+      <dgm:prSet presAssocID="{2D72AF26-92E3-46DA-8BF9-63C7B73A572D}" presName="root2" presStyleCnt="0"/>
+      <dgm:spPr/>
+    </dgm:pt>
+    <dgm:pt modelId="{DAF0A3FD-2E1F-4FD2-AC26-538C16B2C609}" type="pres">
+      <dgm:prSet presAssocID="{2D72AF26-92E3-46DA-8BF9-63C7B73A572D}" presName="LevelTwoTextNode" presStyleLbl="node2" presStyleIdx="2" presStyleCnt="3">
+        <dgm:presLayoutVars>
+          <dgm:chPref val="3"/>
+        </dgm:presLayoutVars>
+      </dgm:prSet>
+      <dgm:spPr/>
+      <dgm:t>
+        <a:bodyPr/>
+        <a:lstStyle/>
+        <a:p>
+          <a:endParaRPr lang="de-DE"/>
+        </a:p>
+      </dgm:t>
+    </dgm:pt>
+    <dgm:pt modelId="{DA23B724-81A3-4E5F-BC75-0B6D12767C26}" type="pres">
+      <dgm:prSet presAssocID="{2D72AF26-92E3-46DA-8BF9-63C7B73A572D}" presName="level3hierChild" presStyleCnt="0"/>
+      <dgm:spPr/>
+    </dgm:pt>
+  </dgm:ptLst>
+  <dgm:cxnLst>
+    <dgm:cxn modelId="{9E6F220F-6630-47E3-8817-555C5CAF6006}" type="presOf" srcId="{4B786275-CF06-4CCF-84B4-63A41504A67F}" destId="{0E218A77-85BC-4AED-9D08-C539C0523879}" srcOrd="0" destOrd="0" presId="urn:microsoft.com/office/officeart/2005/8/layout/hierarchy2"/>
+    <dgm:cxn modelId="{F4F30CB9-C3B0-4919-BAFE-456170947E5E}" type="presOf" srcId="{1145A9B3-0BF4-4E4F-9CE7-5CF62ACBF4E5}" destId="{D8FEF294-2E69-428F-B35A-C20BC0CF039A}" srcOrd="0" destOrd="0" presId="urn:microsoft.com/office/officeart/2005/8/layout/hierarchy2"/>
+    <dgm:cxn modelId="{CBFC82C7-CEB6-4F39-AE80-FE16F52C4B89}" srcId="{679BAF53-DF0A-4909-905E-B99464171DDE}" destId="{CDF9332D-4C5D-43D7-B07D-A917774389D0}" srcOrd="1" destOrd="0" parTransId="{3C0B111B-39C8-4D37-A58C-9048B18316B9}" sibTransId="{CD8315EE-349A-4390-8CCA-4A40AE25BCAB}"/>
+    <dgm:cxn modelId="{92CBE5B7-C525-4679-BE62-6658E3BD226C}" type="presOf" srcId="{3C0B111B-39C8-4D37-A58C-9048B18316B9}" destId="{E57C4955-2536-48BA-B1FD-F94ED0D73CFC}" srcOrd="1" destOrd="0" presId="urn:microsoft.com/office/officeart/2005/8/layout/hierarchy2"/>
+    <dgm:cxn modelId="{0A2D18F3-352B-4B5B-BE66-9D63CF190946}" type="presOf" srcId="{C8C320D0-D646-4061-99F7-1EEA0D9F745E}" destId="{A8B7D96C-1BA3-4687-BBA3-DEE34480BE68}" srcOrd="0" destOrd="0" presId="urn:microsoft.com/office/officeart/2005/8/layout/hierarchy2"/>
+    <dgm:cxn modelId="{8D29B39A-3A2F-439C-8952-1BDF5C00DC12}" type="presOf" srcId="{3C0B111B-39C8-4D37-A58C-9048B18316B9}" destId="{62E927D6-E600-4C6D-BE37-7B45124BB4ED}" srcOrd="0" destOrd="0" presId="urn:microsoft.com/office/officeart/2005/8/layout/hierarchy2"/>
+    <dgm:cxn modelId="{C1C90520-994C-473D-93BF-A4B229FC8825}" type="presOf" srcId="{63BE575C-5564-4F38-8FD3-D78171167FC5}" destId="{42789500-200B-4A9C-B281-51E287C10F8B}" srcOrd="1" destOrd="0" presId="urn:microsoft.com/office/officeart/2005/8/layout/hierarchy2"/>
+    <dgm:cxn modelId="{4AD08E4C-A67A-4133-82DC-2006CFD94FD8}" srcId="{679BAF53-DF0A-4909-905E-B99464171DDE}" destId="{2D72AF26-92E3-46DA-8BF9-63C7B73A572D}" srcOrd="2" destOrd="0" parTransId="{63BE575C-5564-4F38-8FD3-D78171167FC5}" sibTransId="{5F42AFC6-B7F6-437D-A6F5-C4026EAFAAAB}"/>
+    <dgm:cxn modelId="{7FA94559-C333-4922-89FF-D07BE5E2D75D}" type="presOf" srcId="{CDF9332D-4C5D-43D7-B07D-A917774389D0}" destId="{0046321B-3DBD-4C9C-BC7A-D0DCB911EF74}" srcOrd="0" destOrd="0" presId="urn:microsoft.com/office/officeart/2005/8/layout/hierarchy2"/>
+    <dgm:cxn modelId="{BC959850-F51F-4A3B-8004-87CE92E4726F}" type="presOf" srcId="{2D72AF26-92E3-46DA-8BF9-63C7B73A572D}" destId="{DAF0A3FD-2E1F-4FD2-AC26-538C16B2C609}" srcOrd="0" destOrd="0" presId="urn:microsoft.com/office/officeart/2005/8/layout/hierarchy2"/>
+    <dgm:cxn modelId="{F7DD35E3-8769-4682-987C-A4090B9B746B}" srcId="{679BAF53-DF0A-4909-905E-B99464171DDE}" destId="{4B786275-CF06-4CCF-84B4-63A41504A67F}" srcOrd="0" destOrd="0" parTransId="{C8C320D0-D646-4061-99F7-1EEA0D9F745E}" sibTransId="{829F0ACC-60FA-4BCB-AFBE-CA47E624DF77}"/>
+    <dgm:cxn modelId="{ECBC5FD1-2E7D-4E9C-B579-7E1CFADA69C6}" type="presOf" srcId="{63BE575C-5564-4F38-8FD3-D78171167FC5}" destId="{713FE4F6-C40D-40C9-BF1F-5D3AFD86EE45}" srcOrd="0" destOrd="0" presId="urn:microsoft.com/office/officeart/2005/8/layout/hierarchy2"/>
+    <dgm:cxn modelId="{3C1B9603-BD05-404D-83FF-B5B5D61E270C}" srcId="{1145A9B3-0BF4-4E4F-9CE7-5CF62ACBF4E5}" destId="{679BAF53-DF0A-4909-905E-B99464171DDE}" srcOrd="0" destOrd="0" parTransId="{9DA08E0F-19B6-4916-B05D-CC24037BF967}" sibTransId="{F161F72C-9949-4764-9610-B707D0E494A2}"/>
+    <dgm:cxn modelId="{36503D75-D669-4203-A30A-9747567DAF78}" type="presOf" srcId="{C8C320D0-D646-4061-99F7-1EEA0D9F745E}" destId="{76BB8620-9193-49B8-AE20-831F6998328F}" srcOrd="1" destOrd="0" presId="urn:microsoft.com/office/officeart/2005/8/layout/hierarchy2"/>
+    <dgm:cxn modelId="{F35A0444-AC66-49AF-B46E-F7BD39F7AF3E}" type="presOf" srcId="{679BAF53-DF0A-4909-905E-B99464171DDE}" destId="{C75D0122-D169-4A5D-BACD-EA64BBC3CCAE}" srcOrd="0" destOrd="0" presId="urn:microsoft.com/office/officeart/2005/8/layout/hierarchy2"/>
+    <dgm:cxn modelId="{3B12D705-4F42-490F-ADC0-E99E85D33DE4}" type="presParOf" srcId="{D8FEF294-2E69-428F-B35A-C20BC0CF039A}" destId="{DA4CCC87-F361-42A4-BC42-83D044CFC97F}" srcOrd="0" destOrd="0" presId="urn:microsoft.com/office/officeart/2005/8/layout/hierarchy2"/>
+    <dgm:cxn modelId="{B1C48902-3C1E-4BB0-A0FA-9F7E5C3DD5D8}" type="presParOf" srcId="{DA4CCC87-F361-42A4-BC42-83D044CFC97F}" destId="{C75D0122-D169-4A5D-BACD-EA64BBC3CCAE}" srcOrd="0" destOrd="0" presId="urn:microsoft.com/office/officeart/2005/8/layout/hierarchy2"/>
+    <dgm:cxn modelId="{A8BB4600-DE4E-480B-BFBF-331CEFBBDB1C}" type="presParOf" srcId="{DA4CCC87-F361-42A4-BC42-83D044CFC97F}" destId="{F09C38B2-C737-4F83-B165-DF49DB651A56}" srcOrd="1" destOrd="0" presId="urn:microsoft.com/office/officeart/2005/8/layout/hierarchy2"/>
+    <dgm:cxn modelId="{EF721F04-C0A8-431E-82FE-5EEC6B9B35A3}" type="presParOf" srcId="{F09C38B2-C737-4F83-B165-DF49DB651A56}" destId="{A8B7D96C-1BA3-4687-BBA3-DEE34480BE68}" srcOrd="0" destOrd="0" presId="urn:microsoft.com/office/officeart/2005/8/layout/hierarchy2"/>
+    <dgm:cxn modelId="{A4A9011B-D9DC-4E91-AA55-F0A1E5305F4B}" type="presParOf" srcId="{A8B7D96C-1BA3-4687-BBA3-DEE34480BE68}" destId="{76BB8620-9193-49B8-AE20-831F6998328F}" srcOrd="0" destOrd="0" presId="urn:microsoft.com/office/officeart/2005/8/layout/hierarchy2"/>
+    <dgm:cxn modelId="{7994717C-FDD9-4CA8-B1FC-20F961788188}" type="presParOf" srcId="{F09C38B2-C737-4F83-B165-DF49DB651A56}" destId="{24BC0BF3-0E7B-4399-AAD9-0CFCA0AC1117}" srcOrd="1" destOrd="0" presId="urn:microsoft.com/office/officeart/2005/8/layout/hierarchy2"/>
+    <dgm:cxn modelId="{8772FF11-6528-43BF-8B97-6E6F590A96D0}" type="presParOf" srcId="{24BC0BF3-0E7B-4399-AAD9-0CFCA0AC1117}" destId="{0E218A77-85BC-4AED-9D08-C539C0523879}" srcOrd="0" destOrd="0" presId="urn:microsoft.com/office/officeart/2005/8/layout/hierarchy2"/>
+    <dgm:cxn modelId="{7B543020-817B-4E60-8458-639D9FE3AB8C}" type="presParOf" srcId="{24BC0BF3-0E7B-4399-AAD9-0CFCA0AC1117}" destId="{435B20C2-19C3-45A8-A905-F4D53649EE4F}" srcOrd="1" destOrd="0" presId="urn:microsoft.com/office/officeart/2005/8/layout/hierarchy2"/>
+    <dgm:cxn modelId="{FEF2994F-62CF-4445-9EC2-CAA0319ADF87}" type="presParOf" srcId="{F09C38B2-C737-4F83-B165-DF49DB651A56}" destId="{62E927D6-E600-4C6D-BE37-7B45124BB4ED}" srcOrd="2" destOrd="0" presId="urn:microsoft.com/office/officeart/2005/8/layout/hierarchy2"/>
+    <dgm:cxn modelId="{E8DCA9EE-9982-45C7-9F29-BD07F83107A3}" type="presParOf" srcId="{62E927D6-E600-4C6D-BE37-7B45124BB4ED}" destId="{E57C4955-2536-48BA-B1FD-F94ED0D73CFC}" srcOrd="0" destOrd="0" presId="urn:microsoft.com/office/officeart/2005/8/layout/hierarchy2"/>
+    <dgm:cxn modelId="{E05C25C9-83FE-4F00-9658-26D8567CF61D}" type="presParOf" srcId="{F09C38B2-C737-4F83-B165-DF49DB651A56}" destId="{F77F096D-9523-43B2-922E-D77F7C172299}" srcOrd="3" destOrd="0" presId="urn:microsoft.com/office/officeart/2005/8/layout/hierarchy2"/>
+    <dgm:cxn modelId="{E583CCDD-0AF7-408F-BE7F-96F7EAB7B167}" type="presParOf" srcId="{F77F096D-9523-43B2-922E-D77F7C172299}" destId="{0046321B-3DBD-4C9C-BC7A-D0DCB911EF74}" srcOrd="0" destOrd="0" presId="urn:microsoft.com/office/officeart/2005/8/layout/hierarchy2"/>
+    <dgm:cxn modelId="{341C874C-353F-4D0B-9617-0435B24D6076}" type="presParOf" srcId="{F77F096D-9523-43B2-922E-D77F7C172299}" destId="{C1D7FFF0-D999-458D-AC75-B1BE565AA316}" srcOrd="1" destOrd="0" presId="urn:microsoft.com/office/officeart/2005/8/layout/hierarchy2"/>
+    <dgm:cxn modelId="{42B2572D-0113-4AE6-8BCA-D93C2CE1717A}" type="presParOf" srcId="{F09C38B2-C737-4F83-B165-DF49DB651A56}" destId="{713FE4F6-C40D-40C9-BF1F-5D3AFD86EE45}" srcOrd="4" destOrd="0" presId="urn:microsoft.com/office/officeart/2005/8/layout/hierarchy2"/>
+    <dgm:cxn modelId="{34E2E72B-0E9E-438A-98E1-65234559D47B}" type="presParOf" srcId="{713FE4F6-C40D-40C9-BF1F-5D3AFD86EE45}" destId="{42789500-200B-4A9C-B281-51E287C10F8B}" srcOrd="0" destOrd="0" presId="urn:microsoft.com/office/officeart/2005/8/layout/hierarchy2"/>
+    <dgm:cxn modelId="{26E15AB5-10B8-4E65-B382-1E5F746CCF68}" type="presParOf" srcId="{F09C38B2-C737-4F83-B165-DF49DB651A56}" destId="{0D5D8526-E0D7-4314-836A-8FE79631C9B6}" srcOrd="5" destOrd="0" presId="urn:microsoft.com/office/officeart/2005/8/layout/hierarchy2"/>
+    <dgm:cxn modelId="{AF463315-BAD2-47D3-A9DF-F14B9790D226}" type="presParOf" srcId="{0D5D8526-E0D7-4314-836A-8FE79631C9B6}" destId="{DAF0A3FD-2E1F-4FD2-AC26-538C16B2C609}" srcOrd="0" destOrd="0" presId="urn:microsoft.com/office/officeart/2005/8/layout/hierarchy2"/>
+    <dgm:cxn modelId="{0BA2D18F-5697-40AC-A145-B2796AE848E9}" type="presParOf" srcId="{0D5D8526-E0D7-4314-836A-8FE79631C9B6}" destId="{DA23B724-81A3-4E5F-BC75-0B6D12767C26}" srcOrd="1" destOrd="0" presId="urn:microsoft.com/office/officeart/2005/8/layout/hierarchy2"/>
+  </dgm:cxnLst>
+  <dgm:bg/>
+  <dgm:whole/>
+</dgm:dataModel>
+</file>
+
+<file path=ppt/diagrams/data3.xml><?xml version="1.0" encoding="utf-8"?>
+<dgm:dataModel xmlns:dgm="http://schemas.openxmlformats.org/drawingml/2006/diagram" xmlns:a="http://schemas.openxmlformats.org/drawingml/2006/main">
+  <dgm:ptLst>
+    <dgm:pt modelId="{4AF1FF3B-CE5B-4614-950F-3632279DB15D}" type="doc">
+      <dgm:prSet loTypeId="urn:microsoft.com/office/officeart/2005/8/layout/hProcess7" loCatId="process" qsTypeId="urn:microsoft.com/office/officeart/2005/8/quickstyle/simple1" qsCatId="simple" csTypeId="urn:microsoft.com/office/officeart/2005/8/colors/accent5_2" csCatId="accent5" phldr="1"/>
+      <dgm:spPr/>
+      <dgm:t>
+        <a:bodyPr/>
+        <a:lstStyle/>
+        <a:p>
+          <a:endParaRPr lang="de-DE"/>
+        </a:p>
+      </dgm:t>
+    </dgm:pt>
+    <dgm:pt modelId="{0E58C154-A63F-44CA-9C20-E705692E9268}">
+      <dgm:prSet phldrT="[Text]" custT="1"/>
+      <dgm:spPr/>
+      <dgm:t>
+        <a:bodyPr/>
+        <a:lstStyle/>
+        <a:p>
+          <a:r>
+            <a:rPr lang="de-DE" sz="2000" b="1" dirty="0" smtClean="0"/>
+            <a:t>Hitzeschild</a:t>
+          </a:r>
+          <a:endParaRPr lang="de-DE" sz="1700" b="1" dirty="0"/>
+        </a:p>
+      </dgm:t>
+    </dgm:pt>
+    <dgm:pt modelId="{2943B520-4E2B-4F25-A9BE-CA9CF1C8971E}" type="parTrans" cxnId="{B45A53DB-544E-4CF4-9581-E5658C066832}">
+      <dgm:prSet/>
+      <dgm:spPr/>
+      <dgm:t>
+        <a:bodyPr/>
+        <a:lstStyle/>
+        <a:p>
+          <a:endParaRPr lang="de-DE"/>
+        </a:p>
+      </dgm:t>
+    </dgm:pt>
+    <dgm:pt modelId="{2F808136-F33D-42A1-868C-A0A92D9C9A27}" type="sibTrans" cxnId="{B45A53DB-544E-4CF4-9581-E5658C066832}">
+      <dgm:prSet/>
+      <dgm:spPr/>
+      <dgm:t>
+        <a:bodyPr/>
+        <a:lstStyle/>
+        <a:p>
+          <a:endParaRPr lang="de-DE"/>
+        </a:p>
+      </dgm:t>
+    </dgm:pt>
+    <dgm:pt modelId="{2278775B-E42A-45BE-8D9D-9FA973ED94E6}">
+      <dgm:prSet phldrT="[Text]" custT="1"/>
+      <dgm:spPr/>
+      <dgm:t>
+        <a:bodyPr/>
+        <a:lstStyle/>
+        <a:p>
+          <a:r>
+            <a:rPr lang="de-DE" sz="2000" b="1" dirty="0" err="1" smtClean="0"/>
+            <a:t>Rumpfbau</a:t>
+          </a:r>
+          <a:r>
+            <a:rPr lang="de-DE" sz="2000" b="1" dirty="0" smtClean="0"/>
+            <a:t>-teil</a:t>
+          </a:r>
+          <a:endParaRPr lang="de-DE" sz="1700" b="1" dirty="0"/>
+        </a:p>
+      </dgm:t>
+    </dgm:pt>
+    <dgm:pt modelId="{99D90BDB-8FE4-45C2-9250-3D6D1B90E29A}" type="parTrans" cxnId="{9E04F375-B6A1-44FA-8D50-1B55A632EF5E}">
+      <dgm:prSet/>
+      <dgm:spPr/>
+      <dgm:t>
+        <a:bodyPr/>
+        <a:lstStyle/>
+        <a:p>
+          <a:endParaRPr lang="de-DE"/>
+        </a:p>
+      </dgm:t>
+    </dgm:pt>
+    <dgm:pt modelId="{FA51F08C-3C43-4B75-9CEE-BE199BE7C19A}" type="sibTrans" cxnId="{9E04F375-B6A1-44FA-8D50-1B55A632EF5E}">
+      <dgm:prSet/>
+      <dgm:spPr/>
+      <dgm:t>
+        <a:bodyPr/>
+        <a:lstStyle/>
+        <a:p>
+          <a:endParaRPr lang="de-DE"/>
+        </a:p>
+      </dgm:t>
+    </dgm:pt>
+    <dgm:pt modelId="{51C55DE0-C959-483A-BA1C-A88A6ECD2B86}">
+      <dgm:prSet phldrT="[Text]" custT="1"/>
+      <dgm:spPr/>
+      <dgm:t>
+        <a:bodyPr/>
+        <a:lstStyle/>
+        <a:p>
+          <a:r>
+            <a:rPr lang="de-DE" sz="2000" b="1" dirty="0" smtClean="0"/>
+            <a:t>Triebwerk</a:t>
+          </a:r>
+          <a:endParaRPr lang="de-DE" sz="1700" b="1" dirty="0"/>
+        </a:p>
+      </dgm:t>
+    </dgm:pt>
+    <dgm:pt modelId="{EF574319-42E3-4580-917E-8DCABBA48A5E}" type="parTrans" cxnId="{709924C2-8A6C-4365-960A-15A4D0437D19}">
+      <dgm:prSet/>
+      <dgm:spPr/>
+      <dgm:t>
+        <a:bodyPr/>
+        <a:lstStyle/>
+        <a:p>
+          <a:endParaRPr lang="de-DE"/>
+        </a:p>
+      </dgm:t>
+    </dgm:pt>
+    <dgm:pt modelId="{067FE8DA-F41D-49FB-892A-F34C423E4C15}" type="sibTrans" cxnId="{709924C2-8A6C-4365-960A-15A4D0437D19}">
+      <dgm:prSet/>
+      <dgm:spPr/>
+      <dgm:t>
+        <a:bodyPr/>
+        <a:lstStyle/>
+        <a:p>
+          <a:endParaRPr lang="de-DE"/>
+        </a:p>
+      </dgm:t>
+    </dgm:pt>
+    <dgm:pt modelId="{91991EB3-1B51-47EF-8468-67082B2187FC}">
+      <dgm:prSet phldrT="[Text]"/>
+      <dgm:spPr/>
+      <dgm:t>
+        <a:bodyPr/>
+        <a:lstStyle/>
+        <a:p>
+          <a:endParaRPr lang="de-DE" dirty="0"/>
+        </a:p>
+      </dgm:t>
+    </dgm:pt>
+    <dgm:pt modelId="{5012CF7F-2E0B-4B4A-BAD0-F05D5A88CCC5}" type="parTrans" cxnId="{CF5CD22F-EF42-4D80-8AB9-AF40BC446815}">
+      <dgm:prSet/>
+      <dgm:spPr/>
+      <dgm:t>
+        <a:bodyPr/>
+        <a:lstStyle/>
+        <a:p>
+          <a:endParaRPr lang="de-DE"/>
+        </a:p>
+      </dgm:t>
+    </dgm:pt>
+    <dgm:pt modelId="{CB3049F7-329D-40D4-A597-2F78015D6FFB}" type="sibTrans" cxnId="{CF5CD22F-EF42-4D80-8AB9-AF40BC446815}">
+      <dgm:prSet/>
+      <dgm:spPr/>
+      <dgm:t>
+        <a:bodyPr/>
+        <a:lstStyle/>
+        <a:p>
+          <a:endParaRPr lang="de-DE"/>
+        </a:p>
+      </dgm:t>
+    </dgm:pt>
+    <dgm:pt modelId="{C74C4B7A-0B90-43BA-9C51-33EFC7DA8114}">
+      <dgm:prSet phldrT="[Text]" custT="1"/>
+      <dgm:spPr/>
+      <dgm:t>
+        <a:bodyPr/>
+        <a:lstStyle/>
+        <a:p>
+          <a:r>
+            <a:rPr lang="de-DE" sz="2000" b="1" dirty="0" smtClean="0"/>
+            <a:t>Sonderbau-teil</a:t>
+          </a:r>
+          <a:endParaRPr lang="de-DE" sz="1700" b="1" dirty="0"/>
+        </a:p>
+      </dgm:t>
+    </dgm:pt>
+    <dgm:pt modelId="{6E69D5B1-31CD-42AD-8503-E80AFD98EDA8}" type="parTrans" cxnId="{E3307759-504D-4B48-966D-FDED7EA2F5B7}">
+      <dgm:prSet/>
+      <dgm:spPr/>
+      <dgm:t>
+        <a:bodyPr/>
+        <a:lstStyle/>
+        <a:p>
+          <a:endParaRPr lang="de-DE"/>
+        </a:p>
+      </dgm:t>
+    </dgm:pt>
+    <dgm:pt modelId="{34BE70AE-11B9-40AB-A85E-D9C1C041CDC2}" type="sibTrans" cxnId="{E3307759-504D-4B48-966D-FDED7EA2F5B7}">
+      <dgm:prSet/>
+      <dgm:spPr/>
+      <dgm:t>
+        <a:bodyPr/>
+        <a:lstStyle/>
+        <a:p>
+          <a:endParaRPr lang="de-DE"/>
+        </a:p>
+      </dgm:t>
+    </dgm:pt>
+    <dgm:pt modelId="{5FD0EDD7-8401-4A32-B212-DA25C9F93348}">
+      <dgm:prSet phldrT="[Text]"/>
+      <dgm:spPr/>
+      <dgm:t>
+        <a:bodyPr/>
+        <a:lstStyle/>
+        <a:p>
+          <a:endParaRPr lang="de-DE" dirty="0"/>
+        </a:p>
+      </dgm:t>
+    </dgm:pt>
+    <dgm:pt modelId="{779BB5F7-5BA4-40FF-A2C8-9AA043BCF58B}" type="parTrans" cxnId="{EA31927E-4797-4C90-B5CA-C28D86C19EE3}">
+      <dgm:prSet/>
+      <dgm:spPr/>
+      <dgm:t>
+        <a:bodyPr/>
+        <a:lstStyle/>
+        <a:p>
+          <a:endParaRPr lang="de-DE"/>
+        </a:p>
+      </dgm:t>
+    </dgm:pt>
+    <dgm:pt modelId="{50B74877-E4CF-4AB5-AC42-A6EF2727E187}" type="sibTrans" cxnId="{EA31927E-4797-4C90-B5CA-C28D86C19EE3}">
+      <dgm:prSet/>
+      <dgm:spPr/>
+      <dgm:t>
+        <a:bodyPr/>
+        <a:lstStyle/>
+        <a:p>
+          <a:endParaRPr lang="de-DE"/>
+        </a:p>
+      </dgm:t>
+    </dgm:pt>
+    <dgm:pt modelId="{24FD4D18-7986-4364-9B8B-7E5599E4672C}">
+      <dgm:prSet phldrT="[Text]"/>
+      <dgm:spPr/>
+      <dgm:t>
+        <a:bodyPr/>
+        <a:lstStyle/>
+        <a:p>
+          <a:endParaRPr lang="de-DE" dirty="0"/>
+        </a:p>
+      </dgm:t>
+    </dgm:pt>
+    <dgm:pt modelId="{9BE7B052-1077-4969-8712-CDBF5776E641}" type="parTrans" cxnId="{649AB2B7-52A9-47A6-9CB7-5C6527AFCFA9}">
+      <dgm:prSet/>
+      <dgm:spPr/>
+      <dgm:t>
+        <a:bodyPr/>
+        <a:lstStyle/>
+        <a:p>
+          <a:endParaRPr lang="de-DE"/>
+        </a:p>
+      </dgm:t>
+    </dgm:pt>
+    <dgm:pt modelId="{6C18B260-6631-41BF-A9A0-2707BB7C4AD2}" type="sibTrans" cxnId="{649AB2B7-52A9-47A6-9CB7-5C6527AFCFA9}">
+      <dgm:prSet/>
+      <dgm:spPr/>
+      <dgm:t>
+        <a:bodyPr/>
+        <a:lstStyle/>
+        <a:p>
+          <a:endParaRPr lang="de-DE"/>
+        </a:p>
+      </dgm:t>
+    </dgm:pt>
+    <dgm:pt modelId="{CEF114CA-85D2-4C1D-9BBA-7C1B921C5266}">
+      <dgm:prSet phldrT="[Text]"/>
+      <dgm:spPr/>
+      <dgm:t>
+        <a:bodyPr/>
+        <a:lstStyle/>
+        <a:p>
+          <a:endParaRPr lang="de-DE" dirty="0"/>
+        </a:p>
+      </dgm:t>
+    </dgm:pt>
+    <dgm:pt modelId="{F4D731F3-ACA0-496B-BED2-CE91A133E396}" type="parTrans" cxnId="{7998A02B-8765-410E-A459-5B437887AC9D}">
+      <dgm:prSet/>
+      <dgm:spPr/>
+      <dgm:t>
+        <a:bodyPr/>
+        <a:lstStyle/>
+        <a:p>
+          <a:endParaRPr lang="de-DE"/>
+        </a:p>
+      </dgm:t>
+    </dgm:pt>
+    <dgm:pt modelId="{9D0BFECA-B749-4E31-B8F7-C5DE9E295209}" type="sibTrans" cxnId="{7998A02B-8765-410E-A459-5B437887AC9D}">
+      <dgm:prSet/>
+      <dgm:spPr/>
+      <dgm:t>
+        <a:bodyPr/>
+        <a:lstStyle/>
+        <a:p>
+          <a:endParaRPr lang="de-DE"/>
+        </a:p>
+      </dgm:t>
+    </dgm:pt>
+    <dgm:pt modelId="{3167E5B4-C7F3-4780-8B70-D9EBD09DCF75}" type="pres">
+      <dgm:prSet presAssocID="{4AF1FF3B-CE5B-4614-950F-3632279DB15D}" presName="Name0" presStyleCnt="0">
+        <dgm:presLayoutVars>
+          <dgm:dir/>
+          <dgm:animLvl val="lvl"/>
+          <dgm:resizeHandles val="exact"/>
+        </dgm:presLayoutVars>
+      </dgm:prSet>
+      <dgm:spPr/>
+      <dgm:t>
+        <a:bodyPr/>
+        <a:lstStyle/>
+        <a:p>
+          <a:endParaRPr lang="de-DE"/>
+        </a:p>
+      </dgm:t>
+    </dgm:pt>
+    <dgm:pt modelId="{466D4958-F371-4DEC-BB2D-5AD5AC63F903}" type="pres">
+      <dgm:prSet presAssocID="{91991EB3-1B51-47EF-8468-67082B2187FC}" presName="compositeNode" presStyleCnt="0">
+        <dgm:presLayoutVars>
+          <dgm:bulletEnabled val="1"/>
+        </dgm:presLayoutVars>
+      </dgm:prSet>
+      <dgm:spPr/>
+    </dgm:pt>
+    <dgm:pt modelId="{9E2BF228-4FF6-45EE-824C-11F4F0469B35}" type="pres">
+      <dgm:prSet presAssocID="{91991EB3-1B51-47EF-8468-67082B2187FC}" presName="bgRect" presStyleLbl="node1" presStyleIdx="0" presStyleCnt="4"/>
+      <dgm:spPr/>
+      <dgm:t>
+        <a:bodyPr/>
+        <a:lstStyle/>
+        <a:p>
+          <a:endParaRPr lang="de-DE"/>
+        </a:p>
+      </dgm:t>
+    </dgm:pt>
+    <dgm:pt modelId="{BA3F6E6D-BBDB-4905-8ADB-07815939E197}" type="pres">
+      <dgm:prSet presAssocID="{91991EB3-1B51-47EF-8468-67082B2187FC}" presName="parentNode" presStyleLbl="node1" presStyleIdx="0" presStyleCnt="4">
+        <dgm:presLayoutVars>
+          <dgm:chMax val="0"/>
+          <dgm:bulletEnabled val="1"/>
+        </dgm:presLayoutVars>
+      </dgm:prSet>
+      <dgm:spPr/>
+      <dgm:t>
+        <a:bodyPr/>
+        <a:lstStyle/>
+        <a:p>
+          <a:endParaRPr lang="de-DE"/>
+        </a:p>
+      </dgm:t>
+    </dgm:pt>
+    <dgm:pt modelId="{BB4A4449-0391-4253-8310-E002CCDFC38A}" type="pres">
+      <dgm:prSet presAssocID="{91991EB3-1B51-47EF-8468-67082B2187FC}" presName="childNode" presStyleLbl="node1" presStyleIdx="0" presStyleCnt="4">
+        <dgm:presLayoutVars>
+          <dgm:bulletEnabled val="1"/>
+        </dgm:presLayoutVars>
+      </dgm:prSet>
+      <dgm:spPr/>
+      <dgm:t>
+        <a:bodyPr/>
+        <a:lstStyle/>
+        <a:p>
+          <a:endParaRPr lang="de-DE"/>
+        </a:p>
+      </dgm:t>
+    </dgm:pt>
+    <dgm:pt modelId="{AADD0205-3D09-4EFC-9DA7-27862F74DFDD}" type="pres">
+      <dgm:prSet presAssocID="{CB3049F7-329D-40D4-A597-2F78015D6FFB}" presName="hSp" presStyleCnt="0"/>
+      <dgm:spPr/>
+    </dgm:pt>
+    <dgm:pt modelId="{48504ED5-9C7F-4844-B720-F121CEE08EE1}" type="pres">
+      <dgm:prSet presAssocID="{CB3049F7-329D-40D4-A597-2F78015D6FFB}" presName="vProcSp" presStyleCnt="0"/>
+      <dgm:spPr/>
+    </dgm:pt>
+    <dgm:pt modelId="{F28698B6-4B4F-4728-AD4C-87161AE1918E}" type="pres">
+      <dgm:prSet presAssocID="{CB3049F7-329D-40D4-A597-2F78015D6FFB}" presName="vSp1" presStyleCnt="0"/>
+      <dgm:spPr/>
+    </dgm:pt>
+    <dgm:pt modelId="{C23B7BE5-DC16-46E8-91F5-FED2944D717E}" type="pres">
+      <dgm:prSet presAssocID="{CB3049F7-329D-40D4-A597-2F78015D6FFB}" presName="simulatedConn" presStyleLbl="solidFgAcc1" presStyleIdx="0" presStyleCnt="3"/>
+      <dgm:spPr/>
+    </dgm:pt>
+    <dgm:pt modelId="{AA2FD2C9-A45E-4D0C-B1AB-45C362B8AAA6}" type="pres">
+      <dgm:prSet presAssocID="{CB3049F7-329D-40D4-A597-2F78015D6FFB}" presName="vSp2" presStyleCnt="0"/>
+      <dgm:spPr/>
+    </dgm:pt>
+    <dgm:pt modelId="{4C8090D7-4234-4F4C-B8E3-4932DC2D5A3E}" type="pres">
+      <dgm:prSet presAssocID="{CB3049F7-329D-40D4-A597-2F78015D6FFB}" presName="sibTrans" presStyleCnt="0"/>
+      <dgm:spPr/>
+    </dgm:pt>
+    <dgm:pt modelId="{B12674CD-A0F0-434C-8991-FDDE242E83D5}" type="pres">
+      <dgm:prSet presAssocID="{24FD4D18-7986-4364-9B8B-7E5599E4672C}" presName="compositeNode" presStyleCnt="0">
+        <dgm:presLayoutVars>
+          <dgm:bulletEnabled val="1"/>
+        </dgm:presLayoutVars>
+      </dgm:prSet>
+      <dgm:spPr/>
+    </dgm:pt>
+    <dgm:pt modelId="{27C4E44A-4A29-46F0-A0A8-71D6BA3C05A4}" type="pres">
+      <dgm:prSet presAssocID="{24FD4D18-7986-4364-9B8B-7E5599E4672C}" presName="bgRect" presStyleLbl="node1" presStyleIdx="1" presStyleCnt="4"/>
+      <dgm:spPr/>
+      <dgm:t>
+        <a:bodyPr/>
+        <a:lstStyle/>
+        <a:p>
+          <a:endParaRPr lang="de-DE"/>
+        </a:p>
+      </dgm:t>
+    </dgm:pt>
+    <dgm:pt modelId="{1660E569-70DF-41C4-BD21-24D457A1EB97}" type="pres">
+      <dgm:prSet presAssocID="{24FD4D18-7986-4364-9B8B-7E5599E4672C}" presName="parentNode" presStyleLbl="node1" presStyleIdx="1" presStyleCnt="4">
+        <dgm:presLayoutVars>
+          <dgm:chMax val="0"/>
+          <dgm:bulletEnabled val="1"/>
+        </dgm:presLayoutVars>
+      </dgm:prSet>
+      <dgm:spPr/>
+      <dgm:t>
+        <a:bodyPr/>
+        <a:lstStyle/>
+        <a:p>
+          <a:endParaRPr lang="de-DE"/>
+        </a:p>
+      </dgm:t>
+    </dgm:pt>
+    <dgm:pt modelId="{8591A322-27DB-4BFA-8F61-D07230230541}" type="pres">
+      <dgm:prSet presAssocID="{24FD4D18-7986-4364-9B8B-7E5599E4672C}" presName="childNode" presStyleLbl="node1" presStyleIdx="1" presStyleCnt="4">
+        <dgm:presLayoutVars>
+          <dgm:bulletEnabled val="1"/>
+        </dgm:presLayoutVars>
+      </dgm:prSet>
+      <dgm:spPr/>
+      <dgm:t>
+        <a:bodyPr/>
+        <a:lstStyle/>
+        <a:p>
+          <a:endParaRPr lang="de-DE"/>
+        </a:p>
+      </dgm:t>
+    </dgm:pt>
+    <dgm:pt modelId="{4FC25CF5-E240-4AA1-8D0F-63194491695B}" type="pres">
+      <dgm:prSet presAssocID="{6C18B260-6631-41BF-A9A0-2707BB7C4AD2}" presName="hSp" presStyleCnt="0"/>
+      <dgm:spPr/>
+    </dgm:pt>
+    <dgm:pt modelId="{9EAE1A81-C92D-40AA-9267-0164085F8A53}" type="pres">
+      <dgm:prSet presAssocID="{6C18B260-6631-41BF-A9A0-2707BB7C4AD2}" presName="vProcSp" presStyleCnt="0"/>
+      <dgm:spPr/>
+    </dgm:pt>
+    <dgm:pt modelId="{FB332608-76CE-40C2-86CE-5A92327713FA}" type="pres">
+      <dgm:prSet presAssocID="{6C18B260-6631-41BF-A9A0-2707BB7C4AD2}" presName="vSp1" presStyleCnt="0"/>
+      <dgm:spPr/>
+    </dgm:pt>
+    <dgm:pt modelId="{0A15352A-2F96-49B5-A7ED-C078D0E0F800}" type="pres">
+      <dgm:prSet presAssocID="{6C18B260-6631-41BF-A9A0-2707BB7C4AD2}" presName="simulatedConn" presStyleLbl="solidFgAcc1" presStyleIdx="1" presStyleCnt="3"/>
+      <dgm:spPr/>
+    </dgm:pt>
+    <dgm:pt modelId="{9406A3D1-9094-4C97-B384-9B29FF309513}" type="pres">
+      <dgm:prSet presAssocID="{6C18B260-6631-41BF-A9A0-2707BB7C4AD2}" presName="vSp2" presStyleCnt="0"/>
+      <dgm:spPr/>
+    </dgm:pt>
+    <dgm:pt modelId="{92EB0C1E-F51E-4D30-B235-42AC442ED314}" type="pres">
+      <dgm:prSet presAssocID="{6C18B260-6631-41BF-A9A0-2707BB7C4AD2}" presName="sibTrans" presStyleCnt="0"/>
+      <dgm:spPr/>
+    </dgm:pt>
+    <dgm:pt modelId="{DFEECBAD-11F7-45CC-B506-644BB5E092EB}" type="pres">
+      <dgm:prSet presAssocID="{CEF114CA-85D2-4C1D-9BBA-7C1B921C5266}" presName="compositeNode" presStyleCnt="0">
+        <dgm:presLayoutVars>
+          <dgm:bulletEnabled val="1"/>
+        </dgm:presLayoutVars>
+      </dgm:prSet>
+      <dgm:spPr/>
+    </dgm:pt>
+    <dgm:pt modelId="{077E1FEA-BF70-4712-8614-E1B177C25C67}" type="pres">
+      <dgm:prSet presAssocID="{CEF114CA-85D2-4C1D-9BBA-7C1B921C5266}" presName="bgRect" presStyleLbl="node1" presStyleIdx="2" presStyleCnt="4"/>
+      <dgm:spPr/>
+      <dgm:t>
+        <a:bodyPr/>
+        <a:lstStyle/>
+        <a:p>
+          <a:endParaRPr lang="de-DE"/>
+        </a:p>
+      </dgm:t>
+    </dgm:pt>
+    <dgm:pt modelId="{66FF8856-294B-4108-9A45-2D40E5823AB8}" type="pres">
+      <dgm:prSet presAssocID="{CEF114CA-85D2-4C1D-9BBA-7C1B921C5266}" presName="parentNode" presStyleLbl="node1" presStyleIdx="2" presStyleCnt="4">
+        <dgm:presLayoutVars>
+          <dgm:chMax val="0"/>
+          <dgm:bulletEnabled val="1"/>
+        </dgm:presLayoutVars>
+      </dgm:prSet>
+      <dgm:spPr/>
+      <dgm:t>
+        <a:bodyPr/>
+        <a:lstStyle/>
+        <a:p>
+          <a:endParaRPr lang="de-DE"/>
+        </a:p>
+      </dgm:t>
+    </dgm:pt>
+    <dgm:pt modelId="{375DE524-AACA-46C4-9B5E-E95F09206637}" type="pres">
+      <dgm:prSet presAssocID="{CEF114CA-85D2-4C1D-9BBA-7C1B921C5266}" presName="childNode" presStyleLbl="node1" presStyleIdx="2" presStyleCnt="4">
+        <dgm:presLayoutVars>
+          <dgm:bulletEnabled val="1"/>
+        </dgm:presLayoutVars>
+      </dgm:prSet>
+      <dgm:spPr/>
+      <dgm:t>
+        <a:bodyPr/>
+        <a:lstStyle/>
+        <a:p>
+          <a:endParaRPr lang="de-DE"/>
+        </a:p>
+      </dgm:t>
+    </dgm:pt>
+    <dgm:pt modelId="{023FEBFE-992B-4818-811E-0EBBE14E8F8C}" type="pres">
+      <dgm:prSet presAssocID="{9D0BFECA-B749-4E31-B8F7-C5DE9E295209}" presName="hSp" presStyleCnt="0"/>
+      <dgm:spPr/>
+    </dgm:pt>
+    <dgm:pt modelId="{EED3CD46-ECD4-4592-B810-DA34CE046025}" type="pres">
+      <dgm:prSet presAssocID="{9D0BFECA-B749-4E31-B8F7-C5DE9E295209}" presName="vProcSp" presStyleCnt="0"/>
+      <dgm:spPr/>
+    </dgm:pt>
+    <dgm:pt modelId="{1A135FDA-72B0-4FB1-9933-3F7894096328}" type="pres">
+      <dgm:prSet presAssocID="{9D0BFECA-B749-4E31-B8F7-C5DE9E295209}" presName="vSp1" presStyleCnt="0"/>
+      <dgm:spPr/>
+    </dgm:pt>
+    <dgm:pt modelId="{40F41D45-E45D-42AF-8653-2C20403FA8D4}" type="pres">
+      <dgm:prSet presAssocID="{9D0BFECA-B749-4E31-B8F7-C5DE9E295209}" presName="simulatedConn" presStyleLbl="solidFgAcc1" presStyleIdx="2" presStyleCnt="3"/>
+      <dgm:spPr/>
+    </dgm:pt>
+    <dgm:pt modelId="{CE1E58A8-9213-4AC8-A9B3-995C4BEBC7B4}" type="pres">
+      <dgm:prSet presAssocID="{9D0BFECA-B749-4E31-B8F7-C5DE9E295209}" presName="vSp2" presStyleCnt="0"/>
+      <dgm:spPr/>
+    </dgm:pt>
+    <dgm:pt modelId="{A6578703-CCE2-41E1-8477-98975D1D5149}" type="pres">
+      <dgm:prSet presAssocID="{9D0BFECA-B749-4E31-B8F7-C5DE9E295209}" presName="sibTrans" presStyleCnt="0"/>
+      <dgm:spPr/>
+    </dgm:pt>
+    <dgm:pt modelId="{DDCD0420-27B7-4335-92B6-A7F78EF4CDBA}" type="pres">
+      <dgm:prSet presAssocID="{5FD0EDD7-8401-4A32-B212-DA25C9F93348}" presName="compositeNode" presStyleCnt="0">
+        <dgm:presLayoutVars>
+          <dgm:bulletEnabled val="1"/>
+        </dgm:presLayoutVars>
+      </dgm:prSet>
+      <dgm:spPr/>
+    </dgm:pt>
+    <dgm:pt modelId="{8A5591B4-1888-4A2F-8CFF-FF31D4148698}" type="pres">
+      <dgm:prSet presAssocID="{5FD0EDD7-8401-4A32-B212-DA25C9F93348}" presName="bgRect" presStyleLbl="node1" presStyleIdx="3" presStyleCnt="4"/>
+      <dgm:spPr/>
+      <dgm:t>
+        <a:bodyPr/>
+        <a:lstStyle/>
+        <a:p>
+          <a:endParaRPr lang="de-DE"/>
+        </a:p>
+      </dgm:t>
+    </dgm:pt>
+    <dgm:pt modelId="{62A5E28B-6F29-4A2C-8A95-F472BCE80175}" type="pres">
+      <dgm:prSet presAssocID="{5FD0EDD7-8401-4A32-B212-DA25C9F93348}" presName="parentNode" presStyleLbl="node1" presStyleIdx="3" presStyleCnt="4">
+        <dgm:presLayoutVars>
+          <dgm:chMax val="0"/>
+          <dgm:bulletEnabled val="1"/>
+        </dgm:presLayoutVars>
+      </dgm:prSet>
+      <dgm:spPr/>
+      <dgm:t>
+        <a:bodyPr/>
+        <a:lstStyle/>
+        <a:p>
+          <a:endParaRPr lang="de-DE"/>
+        </a:p>
+      </dgm:t>
+    </dgm:pt>
+    <dgm:pt modelId="{953E36B8-78FB-40F3-8CC3-0DA6F1E56E82}" type="pres">
+      <dgm:prSet presAssocID="{5FD0EDD7-8401-4A32-B212-DA25C9F93348}" presName="childNode" presStyleLbl="node1" presStyleIdx="3" presStyleCnt="4">
+        <dgm:presLayoutVars>
+          <dgm:bulletEnabled val="1"/>
+        </dgm:presLayoutVars>
+      </dgm:prSet>
+      <dgm:spPr/>
+      <dgm:t>
+        <a:bodyPr/>
+        <a:lstStyle/>
+        <a:p>
+          <a:endParaRPr lang="de-DE"/>
+        </a:p>
+      </dgm:t>
+    </dgm:pt>
+  </dgm:ptLst>
+  <dgm:cxnLst>
+    <dgm:cxn modelId="{EFC34EE1-D091-4107-A145-507BE8D59EB1}" type="presOf" srcId="{0E58C154-A63F-44CA-9C20-E705692E9268}" destId="{BB4A4449-0391-4253-8310-E002CCDFC38A}" srcOrd="0" destOrd="0" presId="urn:microsoft.com/office/officeart/2005/8/layout/hProcess7"/>
+    <dgm:cxn modelId="{1ACA82BB-47B2-4A7D-8B42-A64BC04FE940}" type="presOf" srcId="{CEF114CA-85D2-4C1D-9BBA-7C1B921C5266}" destId="{077E1FEA-BF70-4712-8614-E1B177C25C67}" srcOrd="0" destOrd="0" presId="urn:microsoft.com/office/officeart/2005/8/layout/hProcess7"/>
+    <dgm:cxn modelId="{9E04F375-B6A1-44FA-8D50-1B55A632EF5E}" srcId="{24FD4D18-7986-4364-9B8B-7E5599E4672C}" destId="{2278775B-E42A-45BE-8D9D-9FA973ED94E6}" srcOrd="0" destOrd="0" parTransId="{99D90BDB-8FE4-45C2-9250-3D6D1B90E29A}" sibTransId="{FA51F08C-3C43-4B75-9CEE-BE199BE7C19A}"/>
+    <dgm:cxn modelId="{709924C2-8A6C-4365-960A-15A4D0437D19}" srcId="{CEF114CA-85D2-4C1D-9BBA-7C1B921C5266}" destId="{51C55DE0-C959-483A-BA1C-A88A6ECD2B86}" srcOrd="0" destOrd="0" parTransId="{EF574319-42E3-4580-917E-8DCABBA48A5E}" sibTransId="{067FE8DA-F41D-49FB-892A-F34C423E4C15}"/>
+    <dgm:cxn modelId="{7998A02B-8765-410E-A459-5B437887AC9D}" srcId="{4AF1FF3B-CE5B-4614-950F-3632279DB15D}" destId="{CEF114CA-85D2-4C1D-9BBA-7C1B921C5266}" srcOrd="2" destOrd="0" parTransId="{F4D731F3-ACA0-496B-BED2-CE91A133E396}" sibTransId="{9D0BFECA-B749-4E31-B8F7-C5DE9E295209}"/>
+    <dgm:cxn modelId="{349AED3D-C3F4-4954-893F-A6047ED2C310}" type="presOf" srcId="{24FD4D18-7986-4364-9B8B-7E5599E4672C}" destId="{1660E569-70DF-41C4-BD21-24D457A1EB97}" srcOrd="1" destOrd="0" presId="urn:microsoft.com/office/officeart/2005/8/layout/hProcess7"/>
+    <dgm:cxn modelId="{FD97CE63-A0FD-4951-9B69-9C685D62685D}" type="presOf" srcId="{5FD0EDD7-8401-4A32-B212-DA25C9F93348}" destId="{8A5591B4-1888-4A2F-8CFF-FF31D4148698}" srcOrd="0" destOrd="0" presId="urn:microsoft.com/office/officeart/2005/8/layout/hProcess7"/>
+    <dgm:cxn modelId="{4510024E-3672-4BC8-8FE7-19700C19995E}" type="presOf" srcId="{24FD4D18-7986-4364-9B8B-7E5599E4672C}" destId="{27C4E44A-4A29-46F0-A0A8-71D6BA3C05A4}" srcOrd="0" destOrd="0" presId="urn:microsoft.com/office/officeart/2005/8/layout/hProcess7"/>
+    <dgm:cxn modelId="{5CBCEB9B-1496-429D-A7B7-71107178FF19}" type="presOf" srcId="{C74C4B7A-0B90-43BA-9C51-33EFC7DA8114}" destId="{953E36B8-78FB-40F3-8CC3-0DA6F1E56E82}" srcOrd="0" destOrd="0" presId="urn:microsoft.com/office/officeart/2005/8/layout/hProcess7"/>
+    <dgm:cxn modelId="{CF5CD22F-EF42-4D80-8AB9-AF40BC446815}" srcId="{4AF1FF3B-CE5B-4614-950F-3632279DB15D}" destId="{91991EB3-1B51-47EF-8468-67082B2187FC}" srcOrd="0" destOrd="0" parTransId="{5012CF7F-2E0B-4B4A-BAD0-F05D5A88CCC5}" sibTransId="{CB3049F7-329D-40D4-A597-2F78015D6FFB}"/>
+    <dgm:cxn modelId="{F1FC6F55-E0FD-41CF-B620-6F66F8FF3F92}" type="presOf" srcId="{91991EB3-1B51-47EF-8468-67082B2187FC}" destId="{9E2BF228-4FF6-45EE-824C-11F4F0469B35}" srcOrd="0" destOrd="0" presId="urn:microsoft.com/office/officeart/2005/8/layout/hProcess7"/>
+    <dgm:cxn modelId="{EAE55004-5389-404A-A302-D57F74D176B7}" type="presOf" srcId="{51C55DE0-C959-483A-BA1C-A88A6ECD2B86}" destId="{375DE524-AACA-46C4-9B5E-E95F09206637}" srcOrd="0" destOrd="0" presId="urn:microsoft.com/office/officeart/2005/8/layout/hProcess7"/>
+    <dgm:cxn modelId="{AC47A671-8FC6-426B-8086-8E160EF7C2BA}" type="presOf" srcId="{2278775B-E42A-45BE-8D9D-9FA973ED94E6}" destId="{8591A322-27DB-4BFA-8F61-D07230230541}" srcOrd="0" destOrd="0" presId="urn:microsoft.com/office/officeart/2005/8/layout/hProcess7"/>
+    <dgm:cxn modelId="{EA31927E-4797-4C90-B5CA-C28D86C19EE3}" srcId="{4AF1FF3B-CE5B-4614-950F-3632279DB15D}" destId="{5FD0EDD7-8401-4A32-B212-DA25C9F93348}" srcOrd="3" destOrd="0" parTransId="{779BB5F7-5BA4-40FF-A2C8-9AA043BCF58B}" sibTransId="{50B74877-E4CF-4AB5-AC42-A6EF2727E187}"/>
+    <dgm:cxn modelId="{C0941AD3-8261-4A77-BB7F-736144FA0242}" type="presOf" srcId="{91991EB3-1B51-47EF-8468-67082B2187FC}" destId="{BA3F6E6D-BBDB-4905-8ADB-07815939E197}" srcOrd="1" destOrd="0" presId="urn:microsoft.com/office/officeart/2005/8/layout/hProcess7"/>
+    <dgm:cxn modelId="{64CFB686-38F6-427B-A020-821FFAC6D63E}" type="presOf" srcId="{CEF114CA-85D2-4C1D-9BBA-7C1B921C5266}" destId="{66FF8856-294B-4108-9A45-2D40E5823AB8}" srcOrd="1" destOrd="0" presId="urn:microsoft.com/office/officeart/2005/8/layout/hProcess7"/>
+    <dgm:cxn modelId="{70A74B9E-6D7C-4F91-A0C1-BEB10A678FEA}" type="presOf" srcId="{4AF1FF3B-CE5B-4614-950F-3632279DB15D}" destId="{3167E5B4-C7F3-4780-8B70-D9EBD09DCF75}" srcOrd="0" destOrd="0" presId="urn:microsoft.com/office/officeart/2005/8/layout/hProcess7"/>
+    <dgm:cxn modelId="{B45A53DB-544E-4CF4-9581-E5658C066832}" srcId="{91991EB3-1B51-47EF-8468-67082B2187FC}" destId="{0E58C154-A63F-44CA-9C20-E705692E9268}" srcOrd="0" destOrd="0" parTransId="{2943B520-4E2B-4F25-A9BE-CA9CF1C8971E}" sibTransId="{2F808136-F33D-42A1-868C-A0A92D9C9A27}"/>
+    <dgm:cxn modelId="{649AB2B7-52A9-47A6-9CB7-5C6527AFCFA9}" srcId="{4AF1FF3B-CE5B-4614-950F-3632279DB15D}" destId="{24FD4D18-7986-4364-9B8B-7E5599E4672C}" srcOrd="1" destOrd="0" parTransId="{9BE7B052-1077-4969-8712-CDBF5776E641}" sibTransId="{6C18B260-6631-41BF-A9A0-2707BB7C4AD2}"/>
+    <dgm:cxn modelId="{E3307759-504D-4B48-966D-FDED7EA2F5B7}" srcId="{5FD0EDD7-8401-4A32-B212-DA25C9F93348}" destId="{C74C4B7A-0B90-43BA-9C51-33EFC7DA8114}" srcOrd="0" destOrd="0" parTransId="{6E69D5B1-31CD-42AD-8503-E80AFD98EDA8}" sibTransId="{34BE70AE-11B9-40AB-A85E-D9C1C041CDC2}"/>
+    <dgm:cxn modelId="{1E1AED20-8BE2-45D3-80BC-B839B9FE94BA}" type="presOf" srcId="{5FD0EDD7-8401-4A32-B212-DA25C9F93348}" destId="{62A5E28B-6F29-4A2C-8A95-F472BCE80175}" srcOrd="1" destOrd="0" presId="urn:microsoft.com/office/officeart/2005/8/layout/hProcess7"/>
+    <dgm:cxn modelId="{E062676B-A306-4436-9B2A-56651ED7C2E2}" type="presParOf" srcId="{3167E5B4-C7F3-4780-8B70-D9EBD09DCF75}" destId="{466D4958-F371-4DEC-BB2D-5AD5AC63F903}" srcOrd="0" destOrd="0" presId="urn:microsoft.com/office/officeart/2005/8/layout/hProcess7"/>
+    <dgm:cxn modelId="{1D74FF7E-2DD8-4481-973A-EB7681A5F94D}" type="presParOf" srcId="{466D4958-F371-4DEC-BB2D-5AD5AC63F903}" destId="{9E2BF228-4FF6-45EE-824C-11F4F0469B35}" srcOrd="0" destOrd="0" presId="urn:microsoft.com/office/officeart/2005/8/layout/hProcess7"/>
+    <dgm:cxn modelId="{00504CF4-2441-4FE6-A5D3-E15E03D5839E}" type="presParOf" srcId="{466D4958-F371-4DEC-BB2D-5AD5AC63F903}" destId="{BA3F6E6D-BBDB-4905-8ADB-07815939E197}" srcOrd="1" destOrd="0" presId="urn:microsoft.com/office/officeart/2005/8/layout/hProcess7"/>
+    <dgm:cxn modelId="{DF3859AB-FF7D-4BDE-967C-C12B68A0BFAE}" type="presParOf" srcId="{466D4958-F371-4DEC-BB2D-5AD5AC63F903}" destId="{BB4A4449-0391-4253-8310-E002CCDFC38A}" srcOrd="2" destOrd="0" presId="urn:microsoft.com/office/officeart/2005/8/layout/hProcess7"/>
+    <dgm:cxn modelId="{CDE4DBB8-B1B2-4F8C-8CF1-47082020BA07}" type="presParOf" srcId="{3167E5B4-C7F3-4780-8B70-D9EBD09DCF75}" destId="{AADD0205-3D09-4EFC-9DA7-27862F74DFDD}" srcOrd="1" destOrd="0" presId="urn:microsoft.com/office/officeart/2005/8/layout/hProcess7"/>
+    <dgm:cxn modelId="{5646A9AD-A47C-44AF-8A43-ACC667AEAEE5}" type="presParOf" srcId="{3167E5B4-C7F3-4780-8B70-D9EBD09DCF75}" destId="{48504ED5-9C7F-4844-B720-F121CEE08EE1}" srcOrd="2" destOrd="0" presId="urn:microsoft.com/office/officeart/2005/8/layout/hProcess7"/>
+    <dgm:cxn modelId="{8B1BC74F-8595-4A28-A64F-D519DB5A2163}" type="presParOf" srcId="{48504ED5-9C7F-4844-B720-F121CEE08EE1}" destId="{F28698B6-4B4F-4728-AD4C-87161AE1918E}" srcOrd="0" destOrd="0" presId="urn:microsoft.com/office/officeart/2005/8/layout/hProcess7"/>
+    <dgm:cxn modelId="{CB486A6D-0061-4C6A-8717-4F0D1DCFAF30}" type="presParOf" srcId="{48504ED5-9C7F-4844-B720-F121CEE08EE1}" destId="{C23B7BE5-DC16-46E8-91F5-FED2944D717E}" srcOrd="1" destOrd="0" presId="urn:microsoft.com/office/officeart/2005/8/layout/hProcess7"/>
+    <dgm:cxn modelId="{E41CA191-7ADB-4B34-956D-E40AEECE4950}" type="presParOf" srcId="{48504ED5-9C7F-4844-B720-F121CEE08EE1}" destId="{AA2FD2C9-A45E-4D0C-B1AB-45C362B8AAA6}" srcOrd="2" destOrd="0" presId="urn:microsoft.com/office/officeart/2005/8/layout/hProcess7"/>
+    <dgm:cxn modelId="{77C56124-2B27-4A24-9C38-7FE9858EBE5F}" type="presParOf" srcId="{3167E5B4-C7F3-4780-8B70-D9EBD09DCF75}" destId="{4C8090D7-4234-4F4C-B8E3-4932DC2D5A3E}" srcOrd="3" destOrd="0" presId="urn:microsoft.com/office/officeart/2005/8/layout/hProcess7"/>
+    <dgm:cxn modelId="{346C1420-FB3A-4608-9103-E3BBE8D3E44E}" type="presParOf" srcId="{3167E5B4-C7F3-4780-8B70-D9EBD09DCF75}" destId="{B12674CD-A0F0-434C-8991-FDDE242E83D5}" srcOrd="4" destOrd="0" presId="urn:microsoft.com/office/officeart/2005/8/layout/hProcess7"/>
+    <dgm:cxn modelId="{DC206F0F-60D3-4337-BE9A-E145A338DDAD}" type="presParOf" srcId="{B12674CD-A0F0-434C-8991-FDDE242E83D5}" destId="{27C4E44A-4A29-46F0-A0A8-71D6BA3C05A4}" srcOrd="0" destOrd="0" presId="urn:microsoft.com/office/officeart/2005/8/layout/hProcess7"/>
+    <dgm:cxn modelId="{0ADB1F31-F6A8-49A0-825D-936AF84DD291}" type="presParOf" srcId="{B12674CD-A0F0-434C-8991-FDDE242E83D5}" destId="{1660E569-70DF-41C4-BD21-24D457A1EB97}" srcOrd="1" destOrd="0" presId="urn:microsoft.com/office/officeart/2005/8/layout/hProcess7"/>
+    <dgm:cxn modelId="{F74E93B7-FD50-4FB6-A742-F9BE08E3AB34}" type="presParOf" srcId="{B12674CD-A0F0-434C-8991-FDDE242E83D5}" destId="{8591A322-27DB-4BFA-8F61-D07230230541}" srcOrd="2" destOrd="0" presId="urn:microsoft.com/office/officeart/2005/8/layout/hProcess7"/>
+    <dgm:cxn modelId="{8B058570-748E-4F05-871B-9E8460193787}" type="presParOf" srcId="{3167E5B4-C7F3-4780-8B70-D9EBD09DCF75}" destId="{4FC25CF5-E240-4AA1-8D0F-63194491695B}" srcOrd="5" destOrd="0" presId="urn:microsoft.com/office/officeart/2005/8/layout/hProcess7"/>
+    <dgm:cxn modelId="{BFF2DB25-735D-4A76-BC96-4A182E573F10}" type="presParOf" srcId="{3167E5B4-C7F3-4780-8B70-D9EBD09DCF75}" destId="{9EAE1A81-C92D-40AA-9267-0164085F8A53}" srcOrd="6" destOrd="0" presId="urn:microsoft.com/office/officeart/2005/8/layout/hProcess7"/>
+    <dgm:cxn modelId="{48360F4B-6265-4956-9643-20F46C1D8E2C}" type="presParOf" srcId="{9EAE1A81-C92D-40AA-9267-0164085F8A53}" destId="{FB332608-76CE-40C2-86CE-5A92327713FA}" srcOrd="0" destOrd="0" presId="urn:microsoft.com/office/officeart/2005/8/layout/hProcess7"/>
+    <dgm:cxn modelId="{51126EEF-EF5F-4CD7-9E74-8B7EA4C52AC5}" type="presParOf" srcId="{9EAE1A81-C92D-40AA-9267-0164085F8A53}" destId="{0A15352A-2F96-49B5-A7ED-C078D0E0F800}" srcOrd="1" destOrd="0" presId="urn:microsoft.com/office/officeart/2005/8/layout/hProcess7"/>
+    <dgm:cxn modelId="{EDC6B59C-73D6-4FE0-9E26-82143A4BE838}" type="presParOf" srcId="{9EAE1A81-C92D-40AA-9267-0164085F8A53}" destId="{9406A3D1-9094-4C97-B384-9B29FF309513}" srcOrd="2" destOrd="0" presId="urn:microsoft.com/office/officeart/2005/8/layout/hProcess7"/>
+    <dgm:cxn modelId="{958E65CF-DD50-4F5B-B0AB-C9AAE1BC75C9}" type="presParOf" srcId="{3167E5B4-C7F3-4780-8B70-D9EBD09DCF75}" destId="{92EB0C1E-F51E-4D30-B235-42AC442ED314}" srcOrd="7" destOrd="0" presId="urn:microsoft.com/office/officeart/2005/8/layout/hProcess7"/>
+    <dgm:cxn modelId="{538E418E-D282-4CCE-A6EC-C45F9754FBF7}" type="presParOf" srcId="{3167E5B4-C7F3-4780-8B70-D9EBD09DCF75}" destId="{DFEECBAD-11F7-45CC-B506-644BB5E092EB}" srcOrd="8" destOrd="0" presId="urn:microsoft.com/office/officeart/2005/8/layout/hProcess7"/>
+    <dgm:cxn modelId="{E8D1EFF7-D346-4E44-AE0D-DDAACFB16C0E}" type="presParOf" srcId="{DFEECBAD-11F7-45CC-B506-644BB5E092EB}" destId="{077E1FEA-BF70-4712-8614-E1B177C25C67}" srcOrd="0" destOrd="0" presId="urn:microsoft.com/office/officeart/2005/8/layout/hProcess7"/>
+    <dgm:cxn modelId="{E9C0D93C-7B11-41A8-8A87-69730100B052}" type="presParOf" srcId="{DFEECBAD-11F7-45CC-B506-644BB5E092EB}" destId="{66FF8856-294B-4108-9A45-2D40E5823AB8}" srcOrd="1" destOrd="0" presId="urn:microsoft.com/office/officeart/2005/8/layout/hProcess7"/>
+    <dgm:cxn modelId="{3E482958-96F2-4387-AA10-04556ECA8731}" type="presParOf" srcId="{DFEECBAD-11F7-45CC-B506-644BB5E092EB}" destId="{375DE524-AACA-46C4-9B5E-E95F09206637}" srcOrd="2" destOrd="0" presId="urn:microsoft.com/office/officeart/2005/8/layout/hProcess7"/>
+    <dgm:cxn modelId="{850C21EA-92A1-4D20-BEA6-E35FB23E2BE2}" type="presParOf" srcId="{3167E5B4-C7F3-4780-8B70-D9EBD09DCF75}" destId="{023FEBFE-992B-4818-811E-0EBBE14E8F8C}" srcOrd="9" destOrd="0" presId="urn:microsoft.com/office/officeart/2005/8/layout/hProcess7"/>
+    <dgm:cxn modelId="{268D8671-B742-425E-A04A-C2441266DC66}" type="presParOf" srcId="{3167E5B4-C7F3-4780-8B70-D9EBD09DCF75}" destId="{EED3CD46-ECD4-4592-B810-DA34CE046025}" srcOrd="10" destOrd="0" presId="urn:microsoft.com/office/officeart/2005/8/layout/hProcess7"/>
+    <dgm:cxn modelId="{D52134C5-DC2A-448C-A1E6-014289DD49A3}" type="presParOf" srcId="{EED3CD46-ECD4-4592-B810-DA34CE046025}" destId="{1A135FDA-72B0-4FB1-9933-3F7894096328}" srcOrd="0" destOrd="0" presId="urn:microsoft.com/office/officeart/2005/8/layout/hProcess7"/>
+    <dgm:cxn modelId="{A45F38B7-629C-42EE-B1A7-67BDD04C8129}" type="presParOf" srcId="{EED3CD46-ECD4-4592-B810-DA34CE046025}" destId="{40F41D45-E45D-42AF-8653-2C20403FA8D4}" srcOrd="1" destOrd="0" presId="urn:microsoft.com/office/officeart/2005/8/layout/hProcess7"/>
+    <dgm:cxn modelId="{DC95A2B9-F7AA-4935-9D5E-05C35C209F3B}" type="presParOf" srcId="{EED3CD46-ECD4-4592-B810-DA34CE046025}" destId="{CE1E58A8-9213-4AC8-A9B3-995C4BEBC7B4}" srcOrd="2" destOrd="0" presId="urn:microsoft.com/office/officeart/2005/8/layout/hProcess7"/>
+    <dgm:cxn modelId="{79CDD43B-68BA-4F78-B031-5186797AC1FE}" type="presParOf" srcId="{3167E5B4-C7F3-4780-8B70-D9EBD09DCF75}" destId="{A6578703-CCE2-41E1-8477-98975D1D5149}" srcOrd="11" destOrd="0" presId="urn:microsoft.com/office/officeart/2005/8/layout/hProcess7"/>
+    <dgm:cxn modelId="{C76E0DF9-D65D-4D37-A80E-E5A5BEF20926}" type="presParOf" srcId="{3167E5B4-C7F3-4780-8B70-D9EBD09DCF75}" destId="{DDCD0420-27B7-4335-92B6-A7F78EF4CDBA}" srcOrd="12" destOrd="0" presId="urn:microsoft.com/office/officeart/2005/8/layout/hProcess7"/>
+    <dgm:cxn modelId="{B18E8D28-11B5-4CB0-9DDE-922367A526D3}" type="presParOf" srcId="{DDCD0420-27B7-4335-92B6-A7F78EF4CDBA}" destId="{8A5591B4-1888-4A2F-8CFF-FF31D4148698}" srcOrd="0" destOrd="0" presId="urn:microsoft.com/office/officeart/2005/8/layout/hProcess7"/>
+    <dgm:cxn modelId="{6E6820F1-ECE8-465F-AF78-6CEC09E6EBB1}" type="presParOf" srcId="{DDCD0420-27B7-4335-92B6-A7F78EF4CDBA}" destId="{62A5E28B-6F29-4A2C-8A95-F472BCE80175}" srcOrd="1" destOrd="0" presId="urn:microsoft.com/office/officeart/2005/8/layout/hProcess7"/>
+    <dgm:cxn modelId="{55445EFD-B4F9-405B-83A7-D5BA63E6A7BE}" type="presParOf" srcId="{DDCD0420-27B7-4335-92B6-A7F78EF4CDBA}" destId="{953E36B8-78FB-40F3-8CC3-0DA6F1E56E82}" srcOrd="2" destOrd="0" presId="urn:microsoft.com/office/officeart/2005/8/layout/hProcess7"/>
+  </dgm:cxnLst>
+  <dgm:bg/>
+  <dgm:whole/>
+</dgm:dataModel>
+</file>
+
 <file path=ppt/diagrams/drawing1.xml><?xml version="1.0" encoding="utf-8"?>
-<dsp:drawing xmlns:dgm="http://schemas.openxmlformats.org/drawingml/2006/diagram" xmlns:dsp="http://schemas.microsoft.com/office/drawing/2008/diagram" xmlns:a="http://schemas.openxmlformats.org/drawingml/2006/main">
+<dsp:drawing xmlns:dgm="http://schemas.openxmlformats.org/drawingml/2006/diagram" xmlns:a="http://schemas.openxmlformats.org/drawingml/2006/main" xmlns:dsp="http://schemas.microsoft.com/office/drawing/2008/diagram">
   <dsp:spTree>
     <dsp:nvGrpSpPr>
       <dsp:cNvPr id="0" name=""/>
@@ -1384,8 +4540,8 @@
         </a:p>
       </dsp:txBody>
       <dsp:txXfrm>
-        <a:off x="55030" y="64111"/>
-        <a:ext cx="7500416" cy="1017235"/>
+        <a:off x="0" y="9081"/>
+        <a:ext cx="7610476" cy="1127295"/>
       </dsp:txXfrm>
     </dsp:sp>
     <dsp:sp modelId="{66D20C69-28B9-4F44-BA03-A32A664F4ABF}">
@@ -1469,8 +4625,8 @@
         </a:p>
       </dsp:txBody>
       <dsp:txXfrm>
-        <a:off x="55030" y="1326766"/>
-        <a:ext cx="7500416" cy="1017235"/>
+        <a:off x="0" y="1271736"/>
+        <a:ext cx="7610476" cy="1127295"/>
       </dsp:txXfrm>
     </dsp:sp>
     <dsp:sp modelId="{500B5B37-7E8D-1645-A380-08755AE3FE7A}">
@@ -1554,8 +4710,8 @@
         </a:p>
       </dsp:txBody>
       <dsp:txXfrm>
-        <a:off x="55030" y="2589421"/>
-        <a:ext cx="7500416" cy="1017235"/>
+        <a:off x="0" y="2534391"/>
+        <a:ext cx="7610476" cy="1127295"/>
       </dsp:txXfrm>
     </dsp:sp>
   </dsp:spTree>
@@ -1729,6 +4885,665 @@
 </dgm:layoutDef>
 </file>
 
+<file path=ppt/diagrams/layout2.xml><?xml version="1.0" encoding="utf-8"?>
+<dgm:layoutDef xmlns:dgm="http://schemas.openxmlformats.org/drawingml/2006/diagram" xmlns:a="http://schemas.openxmlformats.org/drawingml/2006/main" uniqueId="urn:microsoft.com/office/officeart/2005/8/layout/hierarchy2">
+  <dgm:title val=""/>
+  <dgm:desc val=""/>
+  <dgm:catLst>
+    <dgm:cat type="hierarchy" pri="5000"/>
+  </dgm:catLst>
+  <dgm:sampData>
+    <dgm:dataModel>
+      <dgm:ptLst>
+        <dgm:pt modelId="0" type="doc"/>
+        <dgm:pt modelId="1">
+          <dgm:prSet phldr="1"/>
+        </dgm:pt>
+        <dgm:pt modelId="2">
+          <dgm:prSet phldr="1"/>
+        </dgm:pt>
+        <dgm:pt modelId="21">
+          <dgm:prSet phldr="1"/>
+        </dgm:pt>
+        <dgm:pt modelId="22">
+          <dgm:prSet phldr="1"/>
+        </dgm:pt>
+        <dgm:pt modelId="3">
+          <dgm:prSet phldr="1"/>
+        </dgm:pt>
+        <dgm:pt modelId="31">
+          <dgm:prSet phldr="1"/>
+        </dgm:pt>
+      </dgm:ptLst>
+      <dgm:cxnLst>
+        <dgm:cxn modelId="4" srcId="0" destId="1" srcOrd="0" destOrd="0"/>
+        <dgm:cxn modelId="5" srcId="1" destId="2" srcOrd="0" destOrd="0"/>
+        <dgm:cxn modelId="6" srcId="1" destId="3" srcOrd="1" destOrd="0"/>
+        <dgm:cxn modelId="23" srcId="2" destId="21" srcOrd="0" destOrd="0"/>
+        <dgm:cxn modelId="24" srcId="2" destId="22" srcOrd="1" destOrd="0"/>
+        <dgm:cxn modelId="33" srcId="3" destId="31" srcOrd="0" destOrd="0"/>
+      </dgm:cxnLst>
+      <dgm:bg/>
+      <dgm:whole/>
+    </dgm:dataModel>
+  </dgm:sampData>
+  <dgm:styleData>
+    <dgm:dataModel>
+      <dgm:ptLst>
+        <dgm:pt modelId="0" type="doc"/>
+        <dgm:pt modelId="1"/>
+        <dgm:pt modelId="11"/>
+        <dgm:pt modelId="12"/>
+      </dgm:ptLst>
+      <dgm:cxnLst>
+        <dgm:cxn modelId="2" srcId="0" destId="1" srcOrd="0" destOrd="0"/>
+        <dgm:cxn modelId="13" srcId="1" destId="11" srcOrd="0" destOrd="0"/>
+        <dgm:cxn modelId="14" srcId="1" destId="12" srcOrd="1" destOrd="0"/>
+      </dgm:cxnLst>
+      <dgm:bg/>
+      <dgm:whole/>
+    </dgm:dataModel>
+  </dgm:styleData>
+  <dgm:clrData>
+    <dgm:dataModel>
+      <dgm:ptLst>
+        <dgm:pt modelId="0" type="doc"/>
+        <dgm:pt modelId="1"/>
+        <dgm:pt modelId="2"/>
+        <dgm:pt modelId="21"/>
+        <dgm:pt modelId="211"/>
+        <dgm:pt modelId="3"/>
+        <dgm:pt modelId="31"/>
+        <dgm:pt modelId="311"/>
+      </dgm:ptLst>
+      <dgm:cxnLst>
+        <dgm:cxn modelId="4" srcId="0" destId="1" srcOrd="0" destOrd="0"/>
+        <dgm:cxn modelId="5" srcId="1" destId="2" srcOrd="0" destOrd="0"/>
+        <dgm:cxn modelId="6" srcId="1" destId="3" srcOrd="1" destOrd="0"/>
+        <dgm:cxn modelId="23" srcId="2" destId="21" srcOrd="0" destOrd="0"/>
+        <dgm:cxn modelId="24" srcId="21" destId="211" srcOrd="0" destOrd="0"/>
+        <dgm:cxn modelId="33" srcId="3" destId="31" srcOrd="0" destOrd="0"/>
+        <dgm:cxn modelId="34" srcId="31" destId="311" srcOrd="0" destOrd="0"/>
+      </dgm:cxnLst>
+      <dgm:bg/>
+      <dgm:whole/>
+    </dgm:dataModel>
+  </dgm:clrData>
+  <dgm:layoutNode name="diagram">
+    <dgm:varLst>
+      <dgm:chPref val="1"/>
+      <dgm:dir/>
+      <dgm:animOne val="branch"/>
+      <dgm:animLvl val="lvl"/>
+      <dgm:resizeHandles val="exact"/>
+    </dgm:varLst>
+    <dgm:choose name="Name0">
+      <dgm:if name="Name1" func="var" arg="dir" op="equ" val="norm">
+        <dgm:alg type="hierChild">
+          <dgm:param type="linDir" val="fromT"/>
+          <dgm:param type="chAlign" val="l"/>
+        </dgm:alg>
+      </dgm:if>
+      <dgm:else name="Name2">
+        <dgm:alg type="hierChild">
+          <dgm:param type="linDir" val="fromT"/>
+          <dgm:param type="chAlign" val="r"/>
+        </dgm:alg>
+      </dgm:else>
+    </dgm:choose>
+    <dgm:shape xmlns:r="http://schemas.openxmlformats.org/officeDocument/2006/relationships" r:blip="">
+      <dgm:adjLst/>
+    </dgm:shape>
+    <dgm:presOf/>
+    <dgm:constrLst>
+      <dgm:constr type="h" for="des" ptType="node" refType="h"/>
+      <dgm:constr type="w" for="des" ptType="node" refType="h" refFor="des" refPtType="node" fact="2"/>
+      <dgm:constr type="sibSp" refType="h" refFor="des" refPtType="node" op="equ" fact="0.15"/>
+      <dgm:constr type="sibSp" for="des" forName="level2hierChild" refType="h" refFor="des" refPtType="node" op="equ" fact="0.15"/>
+      <dgm:constr type="sibSp" for="des" forName="level3hierChild" refType="h" refFor="des" refPtType="node" op="equ" fact="0.15"/>
+      <dgm:constr type="sp" for="des" forName="root1" refType="w" refFor="des" refPtType="node" fact="0.4"/>
+      <dgm:constr type="sp" for="des" forName="root2" refType="sp" refFor="des" refForName="root1" op="equ"/>
+      <dgm:constr type="primFontSz" for="des" ptType="node" op="equ" val="65"/>
+      <dgm:constr type="primFontSz" for="des" forName="connTx" op="equ" val="55"/>
+      <dgm:constr type="primFontSz" for="des" forName="connTx" refType="primFontSz" refFor="des" refPtType="node" op="lte" fact="0.8"/>
+    </dgm:constrLst>
+    <dgm:ruleLst/>
+    <dgm:forEach name="Name3" axis="ch">
+      <dgm:forEach name="Name4" axis="self" ptType="node">
+        <dgm:layoutNode name="root1">
+          <dgm:choose name="Name5">
+            <dgm:if name="Name6" func="var" arg="dir" op="equ" val="norm">
+              <dgm:alg type="hierRoot">
+                <dgm:param type="hierAlign" val="lCtrCh"/>
+              </dgm:alg>
+            </dgm:if>
+            <dgm:else name="Name7">
+              <dgm:alg type="hierRoot">
+                <dgm:param type="hierAlign" val="rCtrCh"/>
+              </dgm:alg>
+            </dgm:else>
+          </dgm:choose>
+          <dgm:shape xmlns:r="http://schemas.openxmlformats.org/officeDocument/2006/relationships" r:blip="">
+            <dgm:adjLst/>
+          </dgm:shape>
+          <dgm:presOf/>
+          <dgm:constrLst/>
+          <dgm:ruleLst/>
+          <dgm:layoutNode name="LevelOneTextNode" styleLbl="node0">
+            <dgm:varLst>
+              <dgm:chPref val="3"/>
+            </dgm:varLst>
+            <dgm:alg type="tx"/>
+            <dgm:shape xmlns:r="http://schemas.openxmlformats.org/officeDocument/2006/relationships" type="roundRect" r:blip="">
+              <dgm:adjLst>
+                <dgm:adj idx="1" val="0.1"/>
+              </dgm:adjLst>
+            </dgm:shape>
+            <dgm:presOf axis="self"/>
+            <dgm:constrLst>
+              <dgm:constr type="tMarg" refType="primFontSz" fact="0.05"/>
+              <dgm:constr type="bMarg" refType="primFontSz" fact="0.05"/>
+              <dgm:constr type="lMarg" refType="primFontSz" fact="0.05"/>
+              <dgm:constr type="rMarg" refType="primFontSz" fact="0.05"/>
+            </dgm:constrLst>
+            <dgm:ruleLst>
+              <dgm:rule type="primFontSz" val="5" fact="NaN" max="NaN"/>
+            </dgm:ruleLst>
+          </dgm:layoutNode>
+          <dgm:layoutNode name="level2hierChild">
+            <dgm:choose name="Name8">
+              <dgm:if name="Name9" func="var" arg="dir" op="equ" val="norm">
+                <dgm:alg type="hierChild">
+                  <dgm:param type="linDir" val="fromT"/>
+                  <dgm:param type="chAlign" val="l"/>
+                </dgm:alg>
+              </dgm:if>
+              <dgm:else name="Name10">
+                <dgm:alg type="hierChild">
+                  <dgm:param type="linDir" val="fromT"/>
+                  <dgm:param type="chAlign" val="r"/>
+                </dgm:alg>
+              </dgm:else>
+            </dgm:choose>
+            <dgm:shape xmlns:r="http://schemas.openxmlformats.org/officeDocument/2006/relationships" r:blip="">
+              <dgm:adjLst/>
+            </dgm:shape>
+            <dgm:presOf/>
+            <dgm:constrLst/>
+            <dgm:ruleLst/>
+            <dgm:forEach name="repeat" axis="ch">
+              <dgm:forEach name="Name11" axis="self" ptType="parTrans" cnt="1">
+                <dgm:layoutNode name="conn2-1">
+                  <dgm:choose name="Name12">
+                    <dgm:if name="Name13" func="var" arg="dir" op="equ" val="norm">
+                      <dgm:alg type="conn">
+                        <dgm:param type="dim" val="1D"/>
+                        <dgm:param type="begPts" val="midR"/>
+                        <dgm:param type="endPts" val="midL"/>
+                        <dgm:param type="endSty" val="noArr"/>
+                      </dgm:alg>
+                    </dgm:if>
+                    <dgm:else name="Name14">
+                      <dgm:alg type="conn">
+                        <dgm:param type="dim" val="1D"/>
+                        <dgm:param type="begPts" val="midL"/>
+                        <dgm:param type="endPts" val="midR"/>
+                        <dgm:param type="endSty" val="noArr"/>
+                      </dgm:alg>
+                    </dgm:else>
+                  </dgm:choose>
+                  <dgm:shape xmlns:r="http://schemas.openxmlformats.org/officeDocument/2006/relationships" type="conn" r:blip="">
+                    <dgm:adjLst/>
+                  </dgm:shape>
+                  <dgm:presOf axis="self"/>
+                  <dgm:constrLst>
+                    <dgm:constr type="w" val="1"/>
+                    <dgm:constr type="h" val="5"/>
+                    <dgm:constr type="connDist"/>
+                    <dgm:constr type="begPad"/>
+                    <dgm:constr type="endPad"/>
+                    <dgm:constr type="userA" for="ch" refType="connDist"/>
+                  </dgm:constrLst>
+                  <dgm:ruleLst/>
+                  <dgm:layoutNode name="connTx">
+                    <dgm:alg type="tx">
+                      <dgm:param type="autoTxRot" val="grav"/>
+                    </dgm:alg>
+                    <dgm:shape xmlns:r="http://schemas.openxmlformats.org/officeDocument/2006/relationships" type="rect" r:blip="" hideGeom="1">
+                      <dgm:adjLst/>
+                    </dgm:shape>
+                    <dgm:presOf axis="self"/>
+                    <dgm:constrLst>
+                      <dgm:constr type="userA"/>
+                      <dgm:constr type="w" refType="userA" fact="0.05"/>
+                      <dgm:constr type="h" refType="userA" fact="0.05"/>
+                      <dgm:constr type="lMarg" val="1"/>
+                      <dgm:constr type="rMarg" val="1"/>
+                      <dgm:constr type="tMarg"/>
+                      <dgm:constr type="bMarg"/>
+                    </dgm:constrLst>
+                    <dgm:ruleLst>
+                      <dgm:rule type="h" val="NaN" fact="0.25" max="NaN"/>
+                      <dgm:rule type="w" val="NaN" fact="0.8" max="NaN"/>
+                      <dgm:rule type="primFontSz" val="5" fact="NaN" max="NaN"/>
+                    </dgm:ruleLst>
+                  </dgm:layoutNode>
+                </dgm:layoutNode>
+              </dgm:forEach>
+              <dgm:forEach name="Name15" axis="self" ptType="node">
+                <dgm:layoutNode name="root2">
+                  <dgm:choose name="Name16">
+                    <dgm:if name="Name17" func="var" arg="dir" op="equ" val="norm">
+                      <dgm:alg type="hierRoot">
+                        <dgm:param type="hierAlign" val="lCtrCh"/>
+                      </dgm:alg>
+                    </dgm:if>
+                    <dgm:else name="Name18">
+                      <dgm:alg type="hierRoot">
+                        <dgm:param type="hierAlign" val="rCtrCh"/>
+                      </dgm:alg>
+                    </dgm:else>
+                  </dgm:choose>
+                  <dgm:shape xmlns:r="http://schemas.openxmlformats.org/officeDocument/2006/relationships" r:blip="">
+                    <dgm:adjLst/>
+                  </dgm:shape>
+                  <dgm:presOf/>
+                  <dgm:constrLst/>
+                  <dgm:ruleLst/>
+                  <dgm:layoutNode name="LevelTwoTextNode">
+                    <dgm:varLst>
+                      <dgm:chPref val="3"/>
+                    </dgm:varLst>
+                    <dgm:alg type="tx"/>
+                    <dgm:shape xmlns:r="http://schemas.openxmlformats.org/officeDocument/2006/relationships" type="roundRect" r:blip="">
+                      <dgm:adjLst>
+                        <dgm:adj idx="1" val="0.1"/>
+                      </dgm:adjLst>
+                    </dgm:shape>
+                    <dgm:presOf axis="self"/>
+                    <dgm:constrLst>
+                      <dgm:constr type="tMarg" refType="primFontSz" fact="0.05"/>
+                      <dgm:constr type="bMarg" refType="primFontSz" fact="0.05"/>
+                      <dgm:constr type="lMarg" refType="primFontSz" fact="0.05"/>
+                      <dgm:constr type="rMarg" refType="primFontSz" fact="0.05"/>
+                    </dgm:constrLst>
+                    <dgm:ruleLst>
+                      <dgm:rule type="primFontSz" val="5" fact="NaN" max="NaN"/>
+                    </dgm:ruleLst>
+                  </dgm:layoutNode>
+                  <dgm:layoutNode name="level3hierChild">
+                    <dgm:choose name="Name19">
+                      <dgm:if name="Name20" func="var" arg="dir" op="equ" val="norm">
+                        <dgm:alg type="hierChild">
+                          <dgm:param type="linDir" val="fromT"/>
+                          <dgm:param type="chAlign" val="l"/>
+                        </dgm:alg>
+                      </dgm:if>
+                      <dgm:else name="Name21">
+                        <dgm:alg type="hierChild">
+                          <dgm:param type="linDir" val="fromT"/>
+                          <dgm:param type="chAlign" val="r"/>
+                        </dgm:alg>
+                      </dgm:else>
+                    </dgm:choose>
+                    <dgm:shape xmlns:r="http://schemas.openxmlformats.org/officeDocument/2006/relationships" r:blip="">
+                      <dgm:adjLst/>
+                    </dgm:shape>
+                    <dgm:presOf/>
+                    <dgm:constrLst/>
+                    <dgm:ruleLst/>
+                    <dgm:forEach name="Name22" ref="repeat"/>
+                  </dgm:layoutNode>
+                </dgm:layoutNode>
+              </dgm:forEach>
+            </dgm:forEach>
+          </dgm:layoutNode>
+        </dgm:layoutNode>
+      </dgm:forEach>
+    </dgm:forEach>
+  </dgm:layoutNode>
+</dgm:layoutDef>
+</file>
+
+<file path=ppt/diagrams/layout3.xml><?xml version="1.0" encoding="utf-8"?>
+<dgm:layoutDef xmlns:dgm="http://schemas.openxmlformats.org/drawingml/2006/diagram" xmlns:a="http://schemas.openxmlformats.org/drawingml/2006/main" uniqueId="urn:microsoft.com/office/officeart/2005/8/layout/hProcess7">
+  <dgm:title val=""/>
+  <dgm:desc val=""/>
+  <dgm:catLst>
+    <dgm:cat type="process" pri="21000"/>
+    <dgm:cat type="list" pri="9000"/>
+  </dgm:catLst>
+  <dgm:sampData>
+    <dgm:dataModel>
+      <dgm:ptLst>
+        <dgm:pt modelId="0" type="doc"/>
+        <dgm:pt modelId="1">
+          <dgm:prSet phldr="1"/>
+        </dgm:pt>
+        <dgm:pt modelId="11">
+          <dgm:prSet phldr="1"/>
+        </dgm:pt>
+        <dgm:pt modelId="2">
+          <dgm:prSet phldr="1"/>
+        </dgm:pt>
+        <dgm:pt modelId="21">
+          <dgm:prSet phldr="1"/>
+        </dgm:pt>
+        <dgm:pt modelId="3">
+          <dgm:prSet phldr="1"/>
+        </dgm:pt>
+        <dgm:pt modelId="31">
+          <dgm:prSet phldr="1"/>
+        </dgm:pt>
+      </dgm:ptLst>
+      <dgm:cxnLst>
+        <dgm:cxn modelId="4" srcId="0" destId="1" srcOrd="0" destOrd="0"/>
+        <dgm:cxn modelId="5" srcId="0" destId="2" srcOrd="1" destOrd="0"/>
+        <dgm:cxn modelId="6" srcId="0" destId="3" srcOrd="2" destOrd="0"/>
+        <dgm:cxn modelId="13" srcId="1" destId="11" srcOrd="0" destOrd="0"/>
+        <dgm:cxn modelId="23" srcId="2" destId="21" srcOrd="0" destOrd="0"/>
+        <dgm:cxn modelId="33" srcId="3" destId="31" srcOrd="0" destOrd="0"/>
+      </dgm:cxnLst>
+      <dgm:bg/>
+      <dgm:whole/>
+    </dgm:dataModel>
+  </dgm:sampData>
+  <dgm:styleData>
+    <dgm:dataModel>
+      <dgm:ptLst>
+        <dgm:pt modelId="0" type="doc"/>
+        <dgm:pt modelId="1"/>
+        <dgm:pt modelId="11"/>
+        <dgm:pt modelId="2"/>
+        <dgm:pt modelId="21"/>
+      </dgm:ptLst>
+      <dgm:cxnLst>
+        <dgm:cxn modelId="4" srcId="0" destId="1" srcOrd="0" destOrd="0"/>
+        <dgm:cxn modelId="5" srcId="0" destId="2" srcOrd="1" destOrd="0"/>
+        <dgm:cxn modelId="13" srcId="1" destId="11" srcOrd="0" destOrd="0"/>
+        <dgm:cxn modelId="23" srcId="2" destId="21" srcOrd="0" destOrd="0"/>
+      </dgm:cxnLst>
+      <dgm:bg/>
+      <dgm:whole/>
+    </dgm:dataModel>
+  </dgm:styleData>
+  <dgm:clrData>
+    <dgm:dataModel>
+      <dgm:ptLst>
+        <dgm:pt modelId="0" type="doc"/>
+        <dgm:pt modelId="1"/>
+        <dgm:pt modelId="11"/>
+        <dgm:pt modelId="2"/>
+        <dgm:pt modelId="21"/>
+        <dgm:pt modelId="3"/>
+        <dgm:pt modelId="31"/>
+        <dgm:pt modelId="4"/>
+        <dgm:pt modelId="41"/>
+      </dgm:ptLst>
+      <dgm:cxnLst>
+        <dgm:cxn modelId="5" srcId="0" destId="1" srcOrd="0" destOrd="0"/>
+        <dgm:cxn modelId="6" srcId="0" destId="2" srcOrd="1" destOrd="0"/>
+        <dgm:cxn modelId="7" srcId="0" destId="3" srcOrd="2" destOrd="0"/>
+        <dgm:cxn modelId="8" srcId="0" destId="4" srcOrd="3" destOrd="0"/>
+        <dgm:cxn modelId="13" srcId="1" destId="11" srcOrd="0" destOrd="0"/>
+        <dgm:cxn modelId="23" srcId="2" destId="21" srcOrd="0" destOrd="0"/>
+        <dgm:cxn modelId="33" srcId="3" destId="31" srcOrd="0" destOrd="0"/>
+        <dgm:cxn modelId="43" srcId="4" destId="41" srcOrd="0" destOrd="0"/>
+      </dgm:cxnLst>
+      <dgm:bg/>
+      <dgm:whole/>
+    </dgm:dataModel>
+  </dgm:clrData>
+  <dgm:layoutNode name="Name0">
+    <dgm:varLst>
+      <dgm:dir/>
+      <dgm:animLvl val="lvl"/>
+      <dgm:resizeHandles val="exact"/>
+    </dgm:varLst>
+    <dgm:choose name="Name1">
+      <dgm:if name="Name2" func="var" arg="dir" op="equ" val="norm">
+        <dgm:alg type="lin">
+          <dgm:param type="linDir" val="fromL"/>
+          <dgm:param type="nodeVertAlign" val="t"/>
+        </dgm:alg>
+      </dgm:if>
+      <dgm:else name="Name3">
+        <dgm:alg type="lin">
+          <dgm:param type="linDir" val="fromR"/>
+          <dgm:param type="nodeVertAlign" val="t"/>
+        </dgm:alg>
+      </dgm:else>
+    </dgm:choose>
+    <dgm:shape xmlns:r="http://schemas.openxmlformats.org/officeDocument/2006/relationships" r:blip="">
+      <dgm:adjLst/>
+    </dgm:shape>
+    <dgm:presOf/>
+    <dgm:constrLst>
+      <dgm:constr type="h" for="ch" forName="compositeNode" refType="h"/>
+      <dgm:constr type="w" for="ch" forName="compositeNode" refType="w"/>
+      <dgm:constr type="w" for="ch" forName="hSp" refType="w" refFor="ch" refForName="compositeNode" fact="-0.035"/>
+      <dgm:constr type="w" for="des" forName="simulatedConn" refType="w" refFor="ch" refForName="compositeNode" fact="0.15"/>
+      <dgm:constr type="h" for="des" forName="simulatedConn" refType="w" refFor="des" refForName="simulatedConn"/>
+      <dgm:constr type="h" for="des" forName="vSp1" refType="w" refFor="ch" refForName="compositeNode" fact="0.8"/>
+      <dgm:constr type="h" for="des" forName="vSp2" refType="w" refFor="ch" refForName="compositeNode" fact="0.07"/>
+      <dgm:constr type="w" for="ch" forName="vProcSp" refType="w" refFor="des" refForName="simulatedConn" op="equ"/>
+      <dgm:constr type="h" for="ch" forName="vProcSp" refType="h" refFor="ch" refForName="compositeNode" op="equ"/>
+      <dgm:constr type="w" for="ch" forName="sibTrans" refType="w" refFor="ch" refForName="compositeNode" fact="-0.08"/>
+      <dgm:constr type="primFontSz" for="des" forName="parentNode" op="equ"/>
+      <dgm:constr type="primFontSz" for="des" forName="childNode" op="equ"/>
+    </dgm:constrLst>
+    <dgm:ruleLst/>
+    <dgm:forEach name="Name4" axis="ch" ptType="node">
+      <dgm:layoutNode name="compositeNode">
+        <dgm:varLst>
+          <dgm:bulletEnabled val="1"/>
+        </dgm:varLst>
+        <dgm:alg type="composite"/>
+        <dgm:choose name="Name5">
+          <dgm:if name="Name6" func="var" arg="dir" op="equ" val="norm">
+            <dgm:constrLst>
+              <dgm:constr type="h" refType="w" op="lte" fact="1.2"/>
+              <dgm:constr type="w" for="ch" forName="bgRect" refType="w"/>
+              <dgm:constr type="h" for="ch" forName="bgRect" refType="h"/>
+              <dgm:constr type="t" for="ch" forName="bgRect"/>
+              <dgm:constr type="l" for="ch" forName="bgRect"/>
+              <dgm:constr type="w" for="ch" forName="parentNode" refType="w" refFor="ch" refForName="bgRect" fact="0.2"/>
+              <dgm:constr type="h" for="ch" forName="parentNode" refType="h" fact="0.82"/>
+              <dgm:constr type="t" for="ch" forName="parentNode"/>
+              <dgm:constr type="l" for="ch" forName="parentNode"/>
+              <dgm:constr type="r" for="ch" forName="childNode" refType="r" refFor="ch" refForName="bgRect" fact="0.945"/>
+              <dgm:constr type="h" for="ch" forName="childNode" refType="h" refFor="ch" refForName="bgRect" op="equ"/>
+              <dgm:constr type="t" for="ch" forName="childNode"/>
+              <dgm:constr type="l" for="ch" forName="childNode" refType="r" refFor="ch" refForName="parentNode"/>
+            </dgm:constrLst>
+          </dgm:if>
+          <dgm:else name="Name7">
+            <dgm:constrLst>
+              <dgm:constr type="h" refType="w" op="lte" fact="1.2"/>
+              <dgm:constr type="w" for="ch" forName="bgRect" refType="w"/>
+              <dgm:constr type="h" for="ch" forName="bgRect" refType="h"/>
+              <dgm:constr type="t" for="ch" forName="bgRect"/>
+              <dgm:constr type="r" for="ch" forName="bgRect" refType="w"/>
+              <dgm:constr type="w" for="ch" forName="parentNode" refType="w" refFor="ch" refForName="bgRect" fact="0.2"/>
+              <dgm:constr type="h" for="ch" forName="parentNode" refType="h" fact="0.82"/>
+              <dgm:constr type="t" for="ch" forName="parentNode"/>
+              <dgm:constr type="r" for="ch" forName="parentNode" refType="w"/>
+              <dgm:constr type="h" for="ch" forName="childNode" refType="h" refFor="ch" refForName="bgRect"/>
+              <dgm:constr type="t" for="ch" forName="childNode"/>
+              <dgm:constr type="r" for="ch" forName="childNode" refType="l" refFor="ch" refForName="parentNode"/>
+              <dgm:constr type="l" for="ch" forName="childNode" refType="w" refFor="ch" refForName="bgRect" fact="0.055"/>
+            </dgm:constrLst>
+          </dgm:else>
+        </dgm:choose>
+        <dgm:ruleLst>
+          <dgm:rule type="w" for="ch" forName="childNode" val="NaN" fact="NaN" max="30"/>
+        </dgm:ruleLst>
+        <dgm:layoutNode name="bgRect" styleLbl="node1">
+          <dgm:alg type="sp"/>
+          <dgm:shape xmlns:r="http://schemas.openxmlformats.org/officeDocument/2006/relationships" type="roundRect" r:blip="" zOrderOff="-1">
+            <dgm:adjLst>
+              <dgm:adj idx="1" val="0.05"/>
+            </dgm:adjLst>
+          </dgm:shape>
+          <dgm:presOf axis="self"/>
+          <dgm:constrLst/>
+          <dgm:ruleLst/>
+        </dgm:layoutNode>
+        <dgm:layoutNode name="parentNode" styleLbl="node1">
+          <dgm:varLst>
+            <dgm:chMax val="0"/>
+            <dgm:bulletEnabled val="1"/>
+          </dgm:varLst>
+          <dgm:choose name="Name8">
+            <dgm:if name="Name9" func="var" arg="dir" op="equ" val="norm">
+              <dgm:alg type="tx">
+                <dgm:param type="autoTxRot" val="grav"/>
+                <dgm:param type="txAnchorVert" val="t"/>
+                <dgm:param type="parTxLTRAlign" val="r"/>
+                <dgm:param type="parTxRTLAlign" val="r"/>
+              </dgm:alg>
+              <dgm:shape xmlns:r="http://schemas.openxmlformats.org/officeDocument/2006/relationships" rot="270" type="rect" r:blip="" hideGeom="1">
+                <dgm:adjLst/>
+              </dgm:shape>
+              <dgm:presOf axis="self"/>
+              <dgm:constrLst>
+                <dgm:constr type="primFontSz" val="65"/>
+                <dgm:constr type="lMarg"/>
+                <dgm:constr type="rMarg" refType="primFontSz" fact="0.35"/>
+                <dgm:constr type="tMarg" refType="primFontSz" fact="0.27"/>
+                <dgm:constr type="bMarg"/>
+              </dgm:constrLst>
+            </dgm:if>
+            <dgm:else name="Name10">
+              <dgm:alg type="tx">
+                <dgm:param type="autoTxRot" val="grav"/>
+                <dgm:param type="txAnchorVert" val="t"/>
+                <dgm:param type="parTxLTRAlign" val="l"/>
+                <dgm:param type="parTxRTLAlign" val="l"/>
+              </dgm:alg>
+              <dgm:shape xmlns:r="http://schemas.openxmlformats.org/officeDocument/2006/relationships" rot="90" type="rect" r:blip="" hideGeom="1">
+                <dgm:adjLst/>
+              </dgm:shape>
+              <dgm:presOf axis="self"/>
+              <dgm:constrLst>
+                <dgm:constr type="primFontSz" val="65"/>
+                <dgm:constr type="lMarg" refType="primFontSz" fact="0.35"/>
+                <dgm:constr type="rMarg"/>
+                <dgm:constr type="tMarg" refType="primFontSz" fact="0.27"/>
+                <dgm:constr type="bMarg"/>
+              </dgm:constrLst>
+            </dgm:else>
+          </dgm:choose>
+          <dgm:ruleLst>
+            <dgm:rule type="primFontSz" val="5" fact="NaN" max="NaN"/>
+          </dgm:ruleLst>
+        </dgm:layoutNode>
+        <dgm:choose name="Name11">
+          <dgm:if name="Name12" axis="ch" ptType="node" func="cnt" op="gte" val="1">
+            <dgm:layoutNode name="childNode" styleLbl="node1" moveWith="bgRect">
+              <dgm:varLst>
+                <dgm:bulletEnabled val="1"/>
+              </dgm:varLst>
+              <dgm:alg type="tx">
+                <dgm:param type="parTxLTRAlign" val="l"/>
+                <dgm:param type="parTxRTLAlign" val="r"/>
+                <dgm:param type="txAnchorVert" val="t"/>
+              </dgm:alg>
+              <dgm:shape xmlns:r="http://schemas.openxmlformats.org/officeDocument/2006/relationships" type="rect" r:blip="" hideGeom="1">
+                <dgm:adjLst/>
+              </dgm:shape>
+              <dgm:presOf axis="des" ptType="node"/>
+              <dgm:constrLst>
+                <dgm:constr type="primFontSz" val="65"/>
+                <dgm:constr type="lMarg"/>
+                <dgm:constr type="bMarg"/>
+                <dgm:constr type="tMarg" refType="primFontSz" fact="0.27"/>
+                <dgm:constr type="rMarg"/>
+              </dgm:constrLst>
+              <dgm:ruleLst>
+                <dgm:rule type="primFontSz" val="5" fact="NaN" max="NaN"/>
+              </dgm:ruleLst>
+            </dgm:layoutNode>
+          </dgm:if>
+          <dgm:else name="Name13"/>
+        </dgm:choose>
+      </dgm:layoutNode>
+      <dgm:forEach name="Name14" axis="followSib" ptType="sibTrans" cnt="1">
+        <dgm:layoutNode name="hSp">
+          <dgm:alg type="sp"/>
+          <dgm:shape xmlns:r="http://schemas.openxmlformats.org/officeDocument/2006/relationships" r:blip="">
+            <dgm:adjLst/>
+          </dgm:shape>
+          <dgm:presOf/>
+          <dgm:constrLst/>
+          <dgm:ruleLst/>
+        </dgm:layoutNode>
+        <dgm:layoutNode name="vProcSp" moveWith="bgRect">
+          <dgm:alg type="lin">
+            <dgm:param type="linDir" val="fromT"/>
+          </dgm:alg>
+          <dgm:shape xmlns:r="http://schemas.openxmlformats.org/officeDocument/2006/relationships" r:blip="">
+            <dgm:adjLst/>
+          </dgm:shape>
+          <dgm:presOf/>
+          <dgm:constrLst>
+            <dgm:constr type="w" for="ch" forName="vSp1" refType="w"/>
+            <dgm:constr type="w" for="ch" forName="simulatedConn" refType="w"/>
+            <dgm:constr type="w" for="ch" forName="vSp2" refType="w"/>
+          </dgm:constrLst>
+          <dgm:ruleLst/>
+          <dgm:layoutNode name="vSp1">
+            <dgm:alg type="sp"/>
+            <dgm:shape xmlns:r="http://schemas.openxmlformats.org/officeDocument/2006/relationships" r:blip="">
+              <dgm:adjLst/>
+            </dgm:shape>
+            <dgm:presOf/>
+            <dgm:constrLst/>
+            <dgm:ruleLst/>
+          </dgm:layoutNode>
+          <dgm:layoutNode name="simulatedConn" styleLbl="solidFgAcc1">
+            <dgm:alg type="sp"/>
+            <dgm:choose name="Name15">
+              <dgm:if name="Name16" func="var" arg="dir" op="equ" val="norm">
+                <dgm:shape xmlns:r="http://schemas.openxmlformats.org/officeDocument/2006/relationships" rot="90" type="flowChartExtract" r:blip="">
+                  <dgm:adjLst/>
+                </dgm:shape>
+              </dgm:if>
+              <dgm:else name="Name17">
+                <dgm:shape xmlns:r="http://schemas.openxmlformats.org/officeDocument/2006/relationships" rot="-90" type="flowChartExtract" r:blip="">
+                  <dgm:adjLst/>
+                </dgm:shape>
+              </dgm:else>
+            </dgm:choose>
+            <dgm:presOf/>
+            <dgm:constrLst/>
+            <dgm:ruleLst/>
+          </dgm:layoutNode>
+          <dgm:layoutNode name="vSp2">
+            <dgm:alg type="sp"/>
+            <dgm:shape xmlns:r="http://schemas.openxmlformats.org/officeDocument/2006/relationships" r:blip="">
+              <dgm:adjLst/>
+            </dgm:shape>
+            <dgm:presOf/>
+            <dgm:constrLst/>
+            <dgm:ruleLst/>
+          </dgm:layoutNode>
+        </dgm:layoutNode>
+        <dgm:layoutNode name="sibTrans">
+          <dgm:alg type="sp"/>
+          <dgm:shape xmlns:r="http://schemas.openxmlformats.org/officeDocument/2006/relationships" r:blip="">
+            <dgm:adjLst/>
+          </dgm:shape>
+          <dgm:presOf/>
+          <dgm:constrLst/>
+          <dgm:ruleLst/>
+        </dgm:layoutNode>
+      </dgm:forEach>
+    </dgm:forEach>
+  </dgm:layoutNode>
+</dgm:layoutDef>
+</file>
+
 <file path=ppt/diagrams/quickStyle1.xml><?xml version="1.0" encoding="utf-8"?>
 <dgm:styleDef xmlns:dgm="http://schemas.openxmlformats.org/drawingml/2006/diagram" xmlns:a="http://schemas.openxmlformats.org/drawingml/2006/main" uniqueId="urn:microsoft.com/office/officeart/2005/8/quickstyle/simple4">
   <dgm:title val=""/>
@@ -2735,6 +6550,2074 @@
         <a:scrgbClr r="0" g="0" b="0"/>
       </a:fillRef>
       <a:effectRef idx="2">
+        <a:scrgbClr r="0" g="0" b="0"/>
+      </a:effectRef>
+      <a:fontRef idx="minor"/>
+    </dgm:style>
+  </dgm:styleLbl>
+  <dgm:styleLbl name="revTx">
+    <dgm:scene3d>
+      <a:camera prst="orthographicFront"/>
+      <a:lightRig rig="threePt" dir="t"/>
+    </dgm:scene3d>
+    <dgm:sp3d/>
+    <dgm:txPr/>
+    <dgm:style>
+      <a:lnRef idx="0">
+        <a:scrgbClr r="0" g="0" b="0"/>
+      </a:lnRef>
+      <a:fillRef idx="0">
+        <a:scrgbClr r="0" g="0" b="0"/>
+      </a:fillRef>
+      <a:effectRef idx="0">
+        <a:scrgbClr r="0" g="0" b="0"/>
+      </a:effectRef>
+      <a:fontRef idx="minor"/>
+    </dgm:style>
+  </dgm:styleLbl>
+</dgm:styleDef>
+</file>
+
+<file path=ppt/diagrams/quickStyle2.xml><?xml version="1.0" encoding="utf-8"?>
+<dgm:styleDef xmlns:dgm="http://schemas.openxmlformats.org/drawingml/2006/diagram" xmlns:a="http://schemas.openxmlformats.org/drawingml/2006/main" uniqueId="urn:microsoft.com/office/officeart/2005/8/quickstyle/simple1">
+  <dgm:title val=""/>
+  <dgm:desc val=""/>
+  <dgm:catLst>
+    <dgm:cat type="simple" pri="10100"/>
+  </dgm:catLst>
+  <dgm:scene3d>
+    <a:camera prst="orthographicFront"/>
+    <a:lightRig rig="threePt" dir="t"/>
+  </dgm:scene3d>
+  <dgm:styleLbl name="node0">
+    <dgm:scene3d>
+      <a:camera prst="orthographicFront"/>
+      <a:lightRig rig="threePt" dir="t"/>
+    </dgm:scene3d>
+    <dgm:sp3d/>
+    <dgm:txPr/>
+    <dgm:style>
+      <a:lnRef idx="2">
+        <a:scrgbClr r="0" g="0" b="0"/>
+      </a:lnRef>
+      <a:fillRef idx="1">
+        <a:scrgbClr r="0" g="0" b="0"/>
+      </a:fillRef>
+      <a:effectRef idx="0">
+        <a:scrgbClr r="0" g="0" b="0"/>
+      </a:effectRef>
+      <a:fontRef idx="minor">
+        <a:schemeClr val="lt1"/>
+      </a:fontRef>
+    </dgm:style>
+  </dgm:styleLbl>
+  <dgm:styleLbl name="lnNode1">
+    <dgm:scene3d>
+      <a:camera prst="orthographicFront"/>
+      <a:lightRig rig="threePt" dir="t"/>
+    </dgm:scene3d>
+    <dgm:sp3d/>
+    <dgm:txPr/>
+    <dgm:style>
+      <a:lnRef idx="2">
+        <a:scrgbClr r="0" g="0" b="0"/>
+      </a:lnRef>
+      <a:fillRef idx="1">
+        <a:scrgbClr r="0" g="0" b="0"/>
+      </a:fillRef>
+      <a:effectRef idx="0">
+        <a:scrgbClr r="0" g="0" b="0"/>
+      </a:effectRef>
+      <a:fontRef idx="minor">
+        <a:schemeClr val="lt1"/>
+      </a:fontRef>
+    </dgm:style>
+  </dgm:styleLbl>
+  <dgm:styleLbl name="vennNode1">
+    <dgm:scene3d>
+      <a:camera prst="orthographicFront"/>
+      <a:lightRig rig="threePt" dir="t"/>
+    </dgm:scene3d>
+    <dgm:sp3d/>
+    <dgm:txPr/>
+    <dgm:style>
+      <a:lnRef idx="2">
+        <a:scrgbClr r="0" g="0" b="0"/>
+      </a:lnRef>
+      <a:fillRef idx="1">
+        <a:scrgbClr r="0" g="0" b="0"/>
+      </a:fillRef>
+      <a:effectRef idx="0">
+        <a:scrgbClr r="0" g="0" b="0"/>
+      </a:effectRef>
+      <a:fontRef idx="minor">
+        <a:schemeClr val="tx1"/>
+      </a:fontRef>
+    </dgm:style>
+  </dgm:styleLbl>
+  <dgm:styleLbl name="alignNode1">
+    <dgm:scene3d>
+      <a:camera prst="orthographicFront"/>
+      <a:lightRig rig="threePt" dir="t"/>
+    </dgm:scene3d>
+    <dgm:sp3d/>
+    <dgm:txPr/>
+    <dgm:style>
+      <a:lnRef idx="2">
+        <a:scrgbClr r="0" g="0" b="0"/>
+      </a:lnRef>
+      <a:fillRef idx="1">
+        <a:scrgbClr r="0" g="0" b="0"/>
+      </a:fillRef>
+      <a:effectRef idx="0">
+        <a:scrgbClr r="0" g="0" b="0"/>
+      </a:effectRef>
+      <a:fontRef idx="minor">
+        <a:schemeClr val="lt1"/>
+      </a:fontRef>
+    </dgm:style>
+  </dgm:styleLbl>
+  <dgm:styleLbl name="node1">
+    <dgm:scene3d>
+      <a:camera prst="orthographicFront"/>
+      <a:lightRig rig="threePt" dir="t"/>
+    </dgm:scene3d>
+    <dgm:sp3d/>
+    <dgm:txPr/>
+    <dgm:style>
+      <a:lnRef idx="2">
+        <a:scrgbClr r="0" g="0" b="0"/>
+      </a:lnRef>
+      <a:fillRef idx="1">
+        <a:scrgbClr r="0" g="0" b="0"/>
+      </a:fillRef>
+      <a:effectRef idx="0">
+        <a:scrgbClr r="0" g="0" b="0"/>
+      </a:effectRef>
+      <a:fontRef idx="minor">
+        <a:schemeClr val="lt1"/>
+      </a:fontRef>
+    </dgm:style>
+  </dgm:styleLbl>
+  <dgm:styleLbl name="node2">
+    <dgm:scene3d>
+      <a:camera prst="orthographicFront"/>
+      <a:lightRig rig="threePt" dir="t"/>
+    </dgm:scene3d>
+    <dgm:sp3d/>
+    <dgm:txPr/>
+    <dgm:style>
+      <a:lnRef idx="2">
+        <a:scrgbClr r="0" g="0" b="0"/>
+      </a:lnRef>
+      <a:fillRef idx="1">
+        <a:scrgbClr r="0" g="0" b="0"/>
+      </a:fillRef>
+      <a:effectRef idx="0">
+        <a:scrgbClr r="0" g="0" b="0"/>
+      </a:effectRef>
+      <a:fontRef idx="minor">
+        <a:schemeClr val="lt1"/>
+      </a:fontRef>
+    </dgm:style>
+  </dgm:styleLbl>
+  <dgm:styleLbl name="node3">
+    <dgm:scene3d>
+      <a:camera prst="orthographicFront"/>
+      <a:lightRig rig="threePt" dir="t"/>
+    </dgm:scene3d>
+    <dgm:sp3d/>
+    <dgm:txPr/>
+    <dgm:style>
+      <a:lnRef idx="2">
+        <a:scrgbClr r="0" g="0" b="0"/>
+      </a:lnRef>
+      <a:fillRef idx="1">
+        <a:scrgbClr r="0" g="0" b="0"/>
+      </a:fillRef>
+      <a:effectRef idx="0">
+        <a:scrgbClr r="0" g="0" b="0"/>
+      </a:effectRef>
+      <a:fontRef idx="minor">
+        <a:schemeClr val="lt1"/>
+      </a:fontRef>
+    </dgm:style>
+  </dgm:styleLbl>
+  <dgm:styleLbl name="node4">
+    <dgm:scene3d>
+      <a:camera prst="orthographicFront"/>
+      <a:lightRig rig="threePt" dir="t"/>
+    </dgm:scene3d>
+    <dgm:sp3d/>
+    <dgm:txPr/>
+    <dgm:style>
+      <a:lnRef idx="2">
+        <a:scrgbClr r="0" g="0" b="0"/>
+      </a:lnRef>
+      <a:fillRef idx="1">
+        <a:scrgbClr r="0" g="0" b="0"/>
+      </a:fillRef>
+      <a:effectRef idx="0">
+        <a:scrgbClr r="0" g="0" b="0"/>
+      </a:effectRef>
+      <a:fontRef idx="minor">
+        <a:schemeClr val="lt1"/>
+      </a:fontRef>
+    </dgm:style>
+  </dgm:styleLbl>
+  <dgm:styleLbl name="fgImgPlace1">
+    <dgm:scene3d>
+      <a:camera prst="orthographicFront"/>
+      <a:lightRig rig="threePt" dir="t"/>
+    </dgm:scene3d>
+    <dgm:sp3d/>
+    <dgm:txPr/>
+    <dgm:style>
+      <a:lnRef idx="2">
+        <a:scrgbClr r="0" g="0" b="0"/>
+      </a:lnRef>
+      <a:fillRef idx="1">
+        <a:scrgbClr r="0" g="0" b="0"/>
+      </a:fillRef>
+      <a:effectRef idx="0">
+        <a:scrgbClr r="0" g="0" b="0"/>
+      </a:effectRef>
+      <a:fontRef idx="minor"/>
+    </dgm:style>
+  </dgm:styleLbl>
+  <dgm:styleLbl name="alignImgPlace1">
+    <dgm:scene3d>
+      <a:camera prst="orthographicFront"/>
+      <a:lightRig rig="threePt" dir="t"/>
+    </dgm:scene3d>
+    <dgm:sp3d/>
+    <dgm:txPr/>
+    <dgm:style>
+      <a:lnRef idx="2">
+        <a:scrgbClr r="0" g="0" b="0"/>
+      </a:lnRef>
+      <a:fillRef idx="1">
+        <a:scrgbClr r="0" g="0" b="0"/>
+      </a:fillRef>
+      <a:effectRef idx="0">
+        <a:scrgbClr r="0" g="0" b="0"/>
+      </a:effectRef>
+      <a:fontRef idx="minor"/>
+    </dgm:style>
+  </dgm:styleLbl>
+  <dgm:styleLbl name="bgImgPlace1">
+    <dgm:scene3d>
+      <a:camera prst="orthographicFront"/>
+      <a:lightRig rig="threePt" dir="t"/>
+    </dgm:scene3d>
+    <dgm:sp3d/>
+    <dgm:txPr/>
+    <dgm:style>
+      <a:lnRef idx="2">
+        <a:scrgbClr r="0" g="0" b="0"/>
+      </a:lnRef>
+      <a:fillRef idx="1">
+        <a:scrgbClr r="0" g="0" b="0"/>
+      </a:fillRef>
+      <a:effectRef idx="0">
+        <a:scrgbClr r="0" g="0" b="0"/>
+      </a:effectRef>
+      <a:fontRef idx="minor"/>
+    </dgm:style>
+  </dgm:styleLbl>
+  <dgm:styleLbl name="sibTrans2D1">
+    <dgm:scene3d>
+      <a:camera prst="orthographicFront"/>
+      <a:lightRig rig="threePt" dir="t"/>
+    </dgm:scene3d>
+    <dgm:sp3d/>
+    <dgm:txPr/>
+    <dgm:style>
+      <a:lnRef idx="0">
+        <a:scrgbClr r="0" g="0" b="0"/>
+      </a:lnRef>
+      <a:fillRef idx="1">
+        <a:scrgbClr r="0" g="0" b="0"/>
+      </a:fillRef>
+      <a:effectRef idx="0">
+        <a:scrgbClr r="0" g="0" b="0"/>
+      </a:effectRef>
+      <a:fontRef idx="minor">
+        <a:schemeClr val="lt1"/>
+      </a:fontRef>
+    </dgm:style>
+  </dgm:styleLbl>
+  <dgm:styleLbl name="fgSibTrans2D1">
+    <dgm:scene3d>
+      <a:camera prst="orthographicFront"/>
+      <a:lightRig rig="threePt" dir="t"/>
+    </dgm:scene3d>
+    <dgm:sp3d/>
+    <dgm:txPr/>
+    <dgm:style>
+      <a:lnRef idx="0">
+        <a:scrgbClr r="0" g="0" b="0"/>
+      </a:lnRef>
+      <a:fillRef idx="1">
+        <a:scrgbClr r="0" g="0" b="0"/>
+      </a:fillRef>
+      <a:effectRef idx="0">
+        <a:scrgbClr r="0" g="0" b="0"/>
+      </a:effectRef>
+      <a:fontRef idx="minor">
+        <a:schemeClr val="lt1"/>
+      </a:fontRef>
+    </dgm:style>
+  </dgm:styleLbl>
+  <dgm:styleLbl name="bgSibTrans2D1">
+    <dgm:scene3d>
+      <a:camera prst="orthographicFront"/>
+      <a:lightRig rig="threePt" dir="t"/>
+    </dgm:scene3d>
+    <dgm:sp3d/>
+    <dgm:txPr/>
+    <dgm:style>
+      <a:lnRef idx="0">
+        <a:scrgbClr r="0" g="0" b="0"/>
+      </a:lnRef>
+      <a:fillRef idx="1">
+        <a:scrgbClr r="0" g="0" b="0"/>
+      </a:fillRef>
+      <a:effectRef idx="0">
+        <a:scrgbClr r="0" g="0" b="0"/>
+      </a:effectRef>
+      <a:fontRef idx="minor">
+        <a:schemeClr val="lt1"/>
+      </a:fontRef>
+    </dgm:style>
+  </dgm:styleLbl>
+  <dgm:styleLbl name="sibTrans1D1">
+    <dgm:scene3d>
+      <a:camera prst="orthographicFront"/>
+      <a:lightRig rig="threePt" dir="t"/>
+    </dgm:scene3d>
+    <dgm:sp3d/>
+    <dgm:txPr/>
+    <dgm:style>
+      <a:lnRef idx="1">
+        <a:scrgbClr r="0" g="0" b="0"/>
+      </a:lnRef>
+      <a:fillRef idx="0">
+        <a:scrgbClr r="0" g="0" b="0"/>
+      </a:fillRef>
+      <a:effectRef idx="0">
+        <a:scrgbClr r="0" g="0" b="0"/>
+      </a:effectRef>
+      <a:fontRef idx="minor"/>
+    </dgm:style>
+  </dgm:styleLbl>
+  <dgm:styleLbl name="callout">
+    <dgm:scene3d>
+      <a:camera prst="orthographicFront"/>
+      <a:lightRig rig="threePt" dir="t"/>
+    </dgm:scene3d>
+    <dgm:sp3d/>
+    <dgm:txPr/>
+    <dgm:style>
+      <a:lnRef idx="2">
+        <a:scrgbClr r="0" g="0" b="0"/>
+      </a:lnRef>
+      <a:fillRef idx="1">
+        <a:scrgbClr r="0" g="0" b="0"/>
+      </a:fillRef>
+      <a:effectRef idx="0">
+        <a:scrgbClr r="0" g="0" b="0"/>
+      </a:effectRef>
+      <a:fontRef idx="minor"/>
+    </dgm:style>
+  </dgm:styleLbl>
+  <dgm:styleLbl name="asst0">
+    <dgm:scene3d>
+      <a:camera prst="orthographicFront"/>
+      <a:lightRig rig="threePt" dir="t"/>
+    </dgm:scene3d>
+    <dgm:sp3d/>
+    <dgm:txPr/>
+    <dgm:style>
+      <a:lnRef idx="2">
+        <a:scrgbClr r="0" g="0" b="0"/>
+      </a:lnRef>
+      <a:fillRef idx="1">
+        <a:scrgbClr r="0" g="0" b="0"/>
+      </a:fillRef>
+      <a:effectRef idx="0">
+        <a:scrgbClr r="0" g="0" b="0"/>
+      </a:effectRef>
+      <a:fontRef idx="minor">
+        <a:schemeClr val="lt1"/>
+      </a:fontRef>
+    </dgm:style>
+  </dgm:styleLbl>
+  <dgm:styleLbl name="asst1">
+    <dgm:scene3d>
+      <a:camera prst="orthographicFront"/>
+      <a:lightRig rig="threePt" dir="t"/>
+    </dgm:scene3d>
+    <dgm:sp3d/>
+    <dgm:txPr/>
+    <dgm:style>
+      <a:lnRef idx="2">
+        <a:scrgbClr r="0" g="0" b="0"/>
+      </a:lnRef>
+      <a:fillRef idx="1">
+        <a:scrgbClr r="0" g="0" b="0"/>
+      </a:fillRef>
+      <a:effectRef idx="0">
+        <a:scrgbClr r="0" g="0" b="0"/>
+      </a:effectRef>
+      <a:fontRef idx="minor">
+        <a:schemeClr val="lt1"/>
+      </a:fontRef>
+    </dgm:style>
+  </dgm:styleLbl>
+  <dgm:styleLbl name="asst2">
+    <dgm:scene3d>
+      <a:camera prst="orthographicFront"/>
+      <a:lightRig rig="threePt" dir="t"/>
+    </dgm:scene3d>
+    <dgm:sp3d/>
+    <dgm:txPr/>
+    <dgm:style>
+      <a:lnRef idx="2">
+        <a:scrgbClr r="0" g="0" b="0"/>
+      </a:lnRef>
+      <a:fillRef idx="1">
+        <a:scrgbClr r="0" g="0" b="0"/>
+      </a:fillRef>
+      <a:effectRef idx="0">
+        <a:scrgbClr r="0" g="0" b="0"/>
+      </a:effectRef>
+      <a:fontRef idx="minor">
+        <a:schemeClr val="lt1"/>
+      </a:fontRef>
+    </dgm:style>
+  </dgm:styleLbl>
+  <dgm:styleLbl name="asst3">
+    <dgm:scene3d>
+      <a:camera prst="orthographicFront"/>
+      <a:lightRig rig="threePt" dir="t"/>
+    </dgm:scene3d>
+    <dgm:sp3d/>
+    <dgm:txPr/>
+    <dgm:style>
+      <a:lnRef idx="2">
+        <a:scrgbClr r="0" g="0" b="0"/>
+      </a:lnRef>
+      <a:fillRef idx="1">
+        <a:scrgbClr r="0" g="0" b="0"/>
+      </a:fillRef>
+      <a:effectRef idx="0">
+        <a:scrgbClr r="0" g="0" b="0"/>
+      </a:effectRef>
+      <a:fontRef idx="minor">
+        <a:schemeClr val="lt1"/>
+      </a:fontRef>
+    </dgm:style>
+  </dgm:styleLbl>
+  <dgm:styleLbl name="asst4">
+    <dgm:scene3d>
+      <a:camera prst="orthographicFront"/>
+      <a:lightRig rig="threePt" dir="t"/>
+    </dgm:scene3d>
+    <dgm:sp3d/>
+    <dgm:txPr/>
+    <dgm:style>
+      <a:lnRef idx="2">
+        <a:scrgbClr r="0" g="0" b="0"/>
+      </a:lnRef>
+      <a:fillRef idx="1">
+        <a:scrgbClr r="0" g="0" b="0"/>
+      </a:fillRef>
+      <a:effectRef idx="0">
+        <a:scrgbClr r="0" g="0" b="0"/>
+      </a:effectRef>
+      <a:fontRef idx="minor">
+        <a:schemeClr val="lt1"/>
+      </a:fontRef>
+    </dgm:style>
+  </dgm:styleLbl>
+  <dgm:styleLbl name="parChTrans2D1">
+    <dgm:scene3d>
+      <a:camera prst="orthographicFront"/>
+      <a:lightRig rig="threePt" dir="t"/>
+    </dgm:scene3d>
+    <dgm:sp3d/>
+    <dgm:txPr/>
+    <dgm:style>
+      <a:lnRef idx="2">
+        <a:scrgbClr r="0" g="0" b="0"/>
+      </a:lnRef>
+      <a:fillRef idx="1">
+        <a:scrgbClr r="0" g="0" b="0"/>
+      </a:fillRef>
+      <a:effectRef idx="0">
+        <a:scrgbClr r="0" g="0" b="0"/>
+      </a:effectRef>
+      <a:fontRef idx="minor">
+        <a:schemeClr val="lt1"/>
+      </a:fontRef>
+    </dgm:style>
+  </dgm:styleLbl>
+  <dgm:styleLbl name="parChTrans2D2">
+    <dgm:scene3d>
+      <a:camera prst="orthographicFront"/>
+      <a:lightRig rig="threePt" dir="t"/>
+    </dgm:scene3d>
+    <dgm:sp3d/>
+    <dgm:txPr/>
+    <dgm:style>
+      <a:lnRef idx="2">
+        <a:scrgbClr r="0" g="0" b="0"/>
+      </a:lnRef>
+      <a:fillRef idx="1">
+        <a:scrgbClr r="0" g="0" b="0"/>
+      </a:fillRef>
+      <a:effectRef idx="0">
+        <a:scrgbClr r="0" g="0" b="0"/>
+      </a:effectRef>
+      <a:fontRef idx="minor">
+        <a:schemeClr val="lt1"/>
+      </a:fontRef>
+    </dgm:style>
+  </dgm:styleLbl>
+  <dgm:styleLbl name="parChTrans2D3">
+    <dgm:scene3d>
+      <a:camera prst="orthographicFront"/>
+      <a:lightRig rig="threePt" dir="t"/>
+    </dgm:scene3d>
+    <dgm:sp3d/>
+    <dgm:txPr/>
+    <dgm:style>
+      <a:lnRef idx="2">
+        <a:scrgbClr r="0" g="0" b="0"/>
+      </a:lnRef>
+      <a:fillRef idx="1">
+        <a:scrgbClr r="0" g="0" b="0"/>
+      </a:fillRef>
+      <a:effectRef idx="0">
+        <a:scrgbClr r="0" g="0" b="0"/>
+      </a:effectRef>
+      <a:fontRef idx="minor">
+        <a:schemeClr val="lt1"/>
+      </a:fontRef>
+    </dgm:style>
+  </dgm:styleLbl>
+  <dgm:styleLbl name="parChTrans2D4">
+    <dgm:scene3d>
+      <a:camera prst="orthographicFront"/>
+      <a:lightRig rig="threePt" dir="t"/>
+    </dgm:scene3d>
+    <dgm:sp3d/>
+    <dgm:txPr/>
+    <dgm:style>
+      <a:lnRef idx="2">
+        <a:scrgbClr r="0" g="0" b="0"/>
+      </a:lnRef>
+      <a:fillRef idx="1">
+        <a:scrgbClr r="0" g="0" b="0"/>
+      </a:fillRef>
+      <a:effectRef idx="0">
+        <a:scrgbClr r="0" g="0" b="0"/>
+      </a:effectRef>
+      <a:fontRef idx="minor">
+        <a:schemeClr val="lt1"/>
+      </a:fontRef>
+    </dgm:style>
+  </dgm:styleLbl>
+  <dgm:styleLbl name="parChTrans1D1">
+    <dgm:scene3d>
+      <a:camera prst="orthographicFront"/>
+      <a:lightRig rig="threePt" dir="t"/>
+    </dgm:scene3d>
+    <dgm:sp3d/>
+    <dgm:txPr/>
+    <dgm:style>
+      <a:lnRef idx="2">
+        <a:scrgbClr r="0" g="0" b="0"/>
+      </a:lnRef>
+      <a:fillRef idx="0">
+        <a:scrgbClr r="0" g="0" b="0"/>
+      </a:fillRef>
+      <a:effectRef idx="0">
+        <a:scrgbClr r="0" g="0" b="0"/>
+      </a:effectRef>
+      <a:fontRef idx="minor"/>
+    </dgm:style>
+  </dgm:styleLbl>
+  <dgm:styleLbl name="parChTrans1D2">
+    <dgm:scene3d>
+      <a:camera prst="orthographicFront"/>
+      <a:lightRig rig="threePt" dir="t"/>
+    </dgm:scene3d>
+    <dgm:sp3d/>
+    <dgm:txPr/>
+    <dgm:style>
+      <a:lnRef idx="2">
+        <a:scrgbClr r="0" g="0" b="0"/>
+      </a:lnRef>
+      <a:fillRef idx="0">
+        <a:scrgbClr r="0" g="0" b="0"/>
+      </a:fillRef>
+      <a:effectRef idx="0">
+        <a:scrgbClr r="0" g="0" b="0"/>
+      </a:effectRef>
+      <a:fontRef idx="minor"/>
+    </dgm:style>
+  </dgm:styleLbl>
+  <dgm:styleLbl name="parChTrans1D3">
+    <dgm:scene3d>
+      <a:camera prst="orthographicFront"/>
+      <a:lightRig rig="threePt" dir="t"/>
+    </dgm:scene3d>
+    <dgm:sp3d/>
+    <dgm:txPr/>
+    <dgm:style>
+      <a:lnRef idx="2">
+        <a:scrgbClr r="0" g="0" b="0"/>
+      </a:lnRef>
+      <a:fillRef idx="0">
+        <a:scrgbClr r="0" g="0" b="0"/>
+      </a:fillRef>
+      <a:effectRef idx="0">
+        <a:scrgbClr r="0" g="0" b="0"/>
+      </a:effectRef>
+      <a:fontRef idx="minor"/>
+    </dgm:style>
+  </dgm:styleLbl>
+  <dgm:styleLbl name="parChTrans1D4">
+    <dgm:scene3d>
+      <a:camera prst="orthographicFront"/>
+      <a:lightRig rig="threePt" dir="t"/>
+    </dgm:scene3d>
+    <dgm:sp3d/>
+    <dgm:txPr/>
+    <dgm:style>
+      <a:lnRef idx="2">
+        <a:scrgbClr r="0" g="0" b="0"/>
+      </a:lnRef>
+      <a:fillRef idx="0">
+        <a:scrgbClr r="0" g="0" b="0"/>
+      </a:fillRef>
+      <a:effectRef idx="0">
+        <a:scrgbClr r="0" g="0" b="0"/>
+      </a:effectRef>
+      <a:fontRef idx="minor"/>
+    </dgm:style>
+  </dgm:styleLbl>
+  <dgm:styleLbl name="fgAcc1">
+    <dgm:scene3d>
+      <a:camera prst="orthographicFront"/>
+      <a:lightRig rig="threePt" dir="t"/>
+    </dgm:scene3d>
+    <dgm:sp3d/>
+    <dgm:txPr/>
+    <dgm:style>
+      <a:lnRef idx="2">
+        <a:scrgbClr r="0" g="0" b="0"/>
+      </a:lnRef>
+      <a:fillRef idx="1">
+        <a:scrgbClr r="0" g="0" b="0"/>
+      </a:fillRef>
+      <a:effectRef idx="0">
+        <a:scrgbClr r="0" g="0" b="0"/>
+      </a:effectRef>
+      <a:fontRef idx="minor"/>
+    </dgm:style>
+  </dgm:styleLbl>
+  <dgm:styleLbl name="conFgAcc1">
+    <dgm:scene3d>
+      <a:camera prst="orthographicFront"/>
+      <a:lightRig rig="threePt" dir="t"/>
+    </dgm:scene3d>
+    <dgm:sp3d/>
+    <dgm:txPr/>
+    <dgm:style>
+      <a:lnRef idx="2">
+        <a:scrgbClr r="0" g="0" b="0"/>
+      </a:lnRef>
+      <a:fillRef idx="1">
+        <a:scrgbClr r="0" g="0" b="0"/>
+      </a:fillRef>
+      <a:effectRef idx="0">
+        <a:scrgbClr r="0" g="0" b="0"/>
+      </a:effectRef>
+      <a:fontRef idx="minor"/>
+    </dgm:style>
+  </dgm:styleLbl>
+  <dgm:styleLbl name="alignAcc1">
+    <dgm:scene3d>
+      <a:camera prst="orthographicFront"/>
+      <a:lightRig rig="threePt" dir="t"/>
+    </dgm:scene3d>
+    <dgm:sp3d/>
+    <dgm:txPr/>
+    <dgm:style>
+      <a:lnRef idx="2">
+        <a:scrgbClr r="0" g="0" b="0"/>
+      </a:lnRef>
+      <a:fillRef idx="1">
+        <a:scrgbClr r="0" g="0" b="0"/>
+      </a:fillRef>
+      <a:effectRef idx="0">
+        <a:scrgbClr r="0" g="0" b="0"/>
+      </a:effectRef>
+      <a:fontRef idx="minor"/>
+    </dgm:style>
+  </dgm:styleLbl>
+  <dgm:styleLbl name="trAlignAcc1">
+    <dgm:scene3d>
+      <a:camera prst="orthographicFront"/>
+      <a:lightRig rig="threePt" dir="t"/>
+    </dgm:scene3d>
+    <dgm:sp3d/>
+    <dgm:txPr/>
+    <dgm:style>
+      <a:lnRef idx="1">
+        <a:scrgbClr r="0" g="0" b="0"/>
+      </a:lnRef>
+      <a:fillRef idx="1">
+        <a:scrgbClr r="0" g="0" b="0"/>
+      </a:fillRef>
+      <a:effectRef idx="0">
+        <a:scrgbClr r="0" g="0" b="0"/>
+      </a:effectRef>
+      <a:fontRef idx="minor"/>
+    </dgm:style>
+  </dgm:styleLbl>
+  <dgm:styleLbl name="bgAcc1">
+    <dgm:scene3d>
+      <a:camera prst="orthographicFront"/>
+      <a:lightRig rig="threePt" dir="t"/>
+    </dgm:scene3d>
+    <dgm:sp3d/>
+    <dgm:txPr/>
+    <dgm:style>
+      <a:lnRef idx="2">
+        <a:scrgbClr r="0" g="0" b="0"/>
+      </a:lnRef>
+      <a:fillRef idx="1">
+        <a:scrgbClr r="0" g="0" b="0"/>
+      </a:fillRef>
+      <a:effectRef idx="0">
+        <a:scrgbClr r="0" g="0" b="0"/>
+      </a:effectRef>
+      <a:fontRef idx="minor"/>
+    </dgm:style>
+  </dgm:styleLbl>
+  <dgm:styleLbl name="solidFgAcc1">
+    <dgm:scene3d>
+      <a:camera prst="orthographicFront"/>
+      <a:lightRig rig="threePt" dir="t"/>
+    </dgm:scene3d>
+    <dgm:sp3d/>
+    <dgm:txPr/>
+    <dgm:style>
+      <a:lnRef idx="2">
+        <a:scrgbClr r="0" g="0" b="0"/>
+      </a:lnRef>
+      <a:fillRef idx="1">
+        <a:scrgbClr r="0" g="0" b="0"/>
+      </a:fillRef>
+      <a:effectRef idx="0">
+        <a:scrgbClr r="0" g="0" b="0"/>
+      </a:effectRef>
+      <a:fontRef idx="minor"/>
+    </dgm:style>
+  </dgm:styleLbl>
+  <dgm:styleLbl name="solidAlignAcc1">
+    <dgm:scene3d>
+      <a:camera prst="orthographicFront"/>
+      <a:lightRig rig="threePt" dir="t"/>
+    </dgm:scene3d>
+    <dgm:sp3d/>
+    <dgm:txPr/>
+    <dgm:style>
+      <a:lnRef idx="2">
+        <a:scrgbClr r="0" g="0" b="0"/>
+      </a:lnRef>
+      <a:fillRef idx="1">
+        <a:scrgbClr r="0" g="0" b="0"/>
+      </a:fillRef>
+      <a:effectRef idx="0">
+        <a:scrgbClr r="0" g="0" b="0"/>
+      </a:effectRef>
+      <a:fontRef idx="minor"/>
+    </dgm:style>
+  </dgm:styleLbl>
+  <dgm:styleLbl name="solidBgAcc1">
+    <dgm:scene3d>
+      <a:camera prst="orthographicFront"/>
+      <a:lightRig rig="threePt" dir="t"/>
+    </dgm:scene3d>
+    <dgm:sp3d/>
+    <dgm:txPr/>
+    <dgm:style>
+      <a:lnRef idx="2">
+        <a:scrgbClr r="0" g="0" b="0"/>
+      </a:lnRef>
+      <a:fillRef idx="1">
+        <a:scrgbClr r="0" g="0" b="0"/>
+      </a:fillRef>
+      <a:effectRef idx="0">
+        <a:scrgbClr r="0" g="0" b="0"/>
+      </a:effectRef>
+      <a:fontRef idx="minor"/>
+    </dgm:style>
+  </dgm:styleLbl>
+  <dgm:styleLbl name="fgAccFollowNode1">
+    <dgm:scene3d>
+      <a:camera prst="orthographicFront"/>
+      <a:lightRig rig="threePt" dir="t"/>
+    </dgm:scene3d>
+    <dgm:sp3d/>
+    <dgm:txPr/>
+    <dgm:style>
+      <a:lnRef idx="2">
+        <a:scrgbClr r="0" g="0" b="0"/>
+      </a:lnRef>
+      <a:fillRef idx="1">
+        <a:scrgbClr r="0" g="0" b="0"/>
+      </a:fillRef>
+      <a:effectRef idx="0">
+        <a:scrgbClr r="0" g="0" b="0"/>
+      </a:effectRef>
+      <a:fontRef idx="minor"/>
+    </dgm:style>
+  </dgm:styleLbl>
+  <dgm:styleLbl name="alignAccFollowNode1">
+    <dgm:scene3d>
+      <a:camera prst="orthographicFront"/>
+      <a:lightRig rig="threePt" dir="t"/>
+    </dgm:scene3d>
+    <dgm:sp3d/>
+    <dgm:txPr/>
+    <dgm:style>
+      <a:lnRef idx="2">
+        <a:scrgbClr r="0" g="0" b="0"/>
+      </a:lnRef>
+      <a:fillRef idx="1">
+        <a:scrgbClr r="0" g="0" b="0"/>
+      </a:fillRef>
+      <a:effectRef idx="0">
+        <a:scrgbClr r="0" g="0" b="0"/>
+      </a:effectRef>
+      <a:fontRef idx="minor"/>
+    </dgm:style>
+  </dgm:styleLbl>
+  <dgm:styleLbl name="bgAccFollowNode1">
+    <dgm:scene3d>
+      <a:camera prst="orthographicFront"/>
+      <a:lightRig rig="threePt" dir="t"/>
+    </dgm:scene3d>
+    <dgm:sp3d/>
+    <dgm:txPr/>
+    <dgm:style>
+      <a:lnRef idx="2">
+        <a:scrgbClr r="0" g="0" b="0"/>
+      </a:lnRef>
+      <a:fillRef idx="1">
+        <a:scrgbClr r="0" g="0" b="0"/>
+      </a:fillRef>
+      <a:effectRef idx="0">
+        <a:scrgbClr r="0" g="0" b="0"/>
+      </a:effectRef>
+      <a:fontRef idx="minor"/>
+    </dgm:style>
+  </dgm:styleLbl>
+  <dgm:styleLbl name="fgAcc0">
+    <dgm:scene3d>
+      <a:camera prst="orthographicFront"/>
+      <a:lightRig rig="threePt" dir="t"/>
+    </dgm:scene3d>
+    <dgm:sp3d/>
+    <dgm:txPr/>
+    <dgm:style>
+      <a:lnRef idx="2">
+        <a:scrgbClr r="0" g="0" b="0"/>
+      </a:lnRef>
+      <a:fillRef idx="1">
+        <a:scrgbClr r="0" g="0" b="0"/>
+      </a:fillRef>
+      <a:effectRef idx="0">
+        <a:scrgbClr r="0" g="0" b="0"/>
+      </a:effectRef>
+      <a:fontRef idx="minor"/>
+    </dgm:style>
+  </dgm:styleLbl>
+  <dgm:styleLbl name="fgAcc2">
+    <dgm:scene3d>
+      <a:camera prst="orthographicFront"/>
+      <a:lightRig rig="threePt" dir="t"/>
+    </dgm:scene3d>
+    <dgm:sp3d/>
+    <dgm:txPr/>
+    <dgm:style>
+      <a:lnRef idx="2">
+        <a:scrgbClr r="0" g="0" b="0"/>
+      </a:lnRef>
+      <a:fillRef idx="1">
+        <a:scrgbClr r="0" g="0" b="0"/>
+      </a:fillRef>
+      <a:effectRef idx="0">
+        <a:scrgbClr r="0" g="0" b="0"/>
+      </a:effectRef>
+      <a:fontRef idx="minor"/>
+    </dgm:style>
+  </dgm:styleLbl>
+  <dgm:styleLbl name="fgAcc3">
+    <dgm:scene3d>
+      <a:camera prst="orthographicFront"/>
+      <a:lightRig rig="threePt" dir="t"/>
+    </dgm:scene3d>
+    <dgm:sp3d/>
+    <dgm:txPr/>
+    <dgm:style>
+      <a:lnRef idx="2">
+        <a:scrgbClr r="0" g="0" b="0"/>
+      </a:lnRef>
+      <a:fillRef idx="1">
+        <a:scrgbClr r="0" g="0" b="0"/>
+      </a:fillRef>
+      <a:effectRef idx="0">
+        <a:scrgbClr r="0" g="0" b="0"/>
+      </a:effectRef>
+      <a:fontRef idx="minor"/>
+    </dgm:style>
+  </dgm:styleLbl>
+  <dgm:styleLbl name="fgAcc4">
+    <dgm:scene3d>
+      <a:camera prst="orthographicFront"/>
+      <a:lightRig rig="threePt" dir="t"/>
+    </dgm:scene3d>
+    <dgm:sp3d/>
+    <dgm:txPr/>
+    <dgm:style>
+      <a:lnRef idx="2">
+        <a:scrgbClr r="0" g="0" b="0"/>
+      </a:lnRef>
+      <a:fillRef idx="1">
+        <a:scrgbClr r="0" g="0" b="0"/>
+      </a:fillRef>
+      <a:effectRef idx="0">
+        <a:scrgbClr r="0" g="0" b="0"/>
+      </a:effectRef>
+      <a:fontRef idx="minor"/>
+    </dgm:style>
+  </dgm:styleLbl>
+  <dgm:styleLbl name="bgShp">
+    <dgm:scene3d>
+      <a:camera prst="orthographicFront"/>
+      <a:lightRig rig="threePt" dir="t"/>
+    </dgm:scene3d>
+    <dgm:sp3d/>
+    <dgm:txPr/>
+    <dgm:style>
+      <a:lnRef idx="0">
+        <a:scrgbClr r="0" g="0" b="0"/>
+      </a:lnRef>
+      <a:fillRef idx="1">
+        <a:scrgbClr r="0" g="0" b="0"/>
+      </a:fillRef>
+      <a:effectRef idx="0">
+        <a:scrgbClr r="0" g="0" b="0"/>
+      </a:effectRef>
+      <a:fontRef idx="minor"/>
+    </dgm:style>
+  </dgm:styleLbl>
+  <dgm:styleLbl name="dkBgShp">
+    <dgm:scene3d>
+      <a:camera prst="orthographicFront"/>
+      <a:lightRig rig="threePt" dir="t"/>
+    </dgm:scene3d>
+    <dgm:sp3d/>
+    <dgm:txPr/>
+    <dgm:style>
+      <a:lnRef idx="0">
+        <a:scrgbClr r="0" g="0" b="0"/>
+      </a:lnRef>
+      <a:fillRef idx="1">
+        <a:scrgbClr r="0" g="0" b="0"/>
+      </a:fillRef>
+      <a:effectRef idx="0">
+        <a:scrgbClr r="0" g="0" b="0"/>
+      </a:effectRef>
+      <a:fontRef idx="minor"/>
+    </dgm:style>
+  </dgm:styleLbl>
+  <dgm:styleLbl name="trBgShp">
+    <dgm:scene3d>
+      <a:camera prst="orthographicFront"/>
+      <a:lightRig rig="threePt" dir="t"/>
+    </dgm:scene3d>
+    <dgm:sp3d/>
+    <dgm:txPr/>
+    <dgm:style>
+      <a:lnRef idx="0">
+        <a:scrgbClr r="0" g="0" b="0"/>
+      </a:lnRef>
+      <a:fillRef idx="1">
+        <a:scrgbClr r="0" g="0" b="0"/>
+      </a:fillRef>
+      <a:effectRef idx="0">
+        <a:scrgbClr r="0" g="0" b="0"/>
+      </a:effectRef>
+      <a:fontRef idx="minor"/>
+    </dgm:style>
+  </dgm:styleLbl>
+  <dgm:styleLbl name="fgShp">
+    <dgm:scene3d>
+      <a:camera prst="orthographicFront"/>
+      <a:lightRig rig="threePt" dir="t"/>
+    </dgm:scene3d>
+    <dgm:sp3d/>
+    <dgm:txPr/>
+    <dgm:style>
+      <a:lnRef idx="2">
+        <a:scrgbClr r="0" g="0" b="0"/>
+      </a:lnRef>
+      <a:fillRef idx="1">
+        <a:scrgbClr r="0" g="0" b="0"/>
+      </a:fillRef>
+      <a:effectRef idx="0">
+        <a:scrgbClr r="0" g="0" b="0"/>
+      </a:effectRef>
+      <a:fontRef idx="minor"/>
+    </dgm:style>
+  </dgm:styleLbl>
+  <dgm:styleLbl name="revTx">
+    <dgm:scene3d>
+      <a:camera prst="orthographicFront"/>
+      <a:lightRig rig="threePt" dir="t"/>
+    </dgm:scene3d>
+    <dgm:sp3d/>
+    <dgm:txPr/>
+    <dgm:style>
+      <a:lnRef idx="0">
+        <a:scrgbClr r="0" g="0" b="0"/>
+      </a:lnRef>
+      <a:fillRef idx="0">
+        <a:scrgbClr r="0" g="0" b="0"/>
+      </a:fillRef>
+      <a:effectRef idx="0">
+        <a:scrgbClr r="0" g="0" b="0"/>
+      </a:effectRef>
+      <a:fontRef idx="minor"/>
+    </dgm:style>
+  </dgm:styleLbl>
+</dgm:styleDef>
+</file>
+
+<file path=ppt/diagrams/quickStyle3.xml><?xml version="1.0" encoding="utf-8"?>
+<dgm:styleDef xmlns:dgm="http://schemas.openxmlformats.org/drawingml/2006/diagram" xmlns:a="http://schemas.openxmlformats.org/drawingml/2006/main" uniqueId="urn:microsoft.com/office/officeart/2005/8/quickstyle/simple1">
+  <dgm:title val=""/>
+  <dgm:desc val=""/>
+  <dgm:catLst>
+    <dgm:cat type="simple" pri="10100"/>
+  </dgm:catLst>
+  <dgm:scene3d>
+    <a:camera prst="orthographicFront"/>
+    <a:lightRig rig="threePt" dir="t"/>
+  </dgm:scene3d>
+  <dgm:styleLbl name="node0">
+    <dgm:scene3d>
+      <a:camera prst="orthographicFront"/>
+      <a:lightRig rig="threePt" dir="t"/>
+    </dgm:scene3d>
+    <dgm:sp3d/>
+    <dgm:txPr/>
+    <dgm:style>
+      <a:lnRef idx="2">
+        <a:scrgbClr r="0" g="0" b="0"/>
+      </a:lnRef>
+      <a:fillRef idx="1">
+        <a:scrgbClr r="0" g="0" b="0"/>
+      </a:fillRef>
+      <a:effectRef idx="0">
+        <a:scrgbClr r="0" g="0" b="0"/>
+      </a:effectRef>
+      <a:fontRef idx="minor">
+        <a:schemeClr val="lt1"/>
+      </a:fontRef>
+    </dgm:style>
+  </dgm:styleLbl>
+  <dgm:styleLbl name="lnNode1">
+    <dgm:scene3d>
+      <a:camera prst="orthographicFront"/>
+      <a:lightRig rig="threePt" dir="t"/>
+    </dgm:scene3d>
+    <dgm:sp3d/>
+    <dgm:txPr/>
+    <dgm:style>
+      <a:lnRef idx="2">
+        <a:scrgbClr r="0" g="0" b="0"/>
+      </a:lnRef>
+      <a:fillRef idx="1">
+        <a:scrgbClr r="0" g="0" b="0"/>
+      </a:fillRef>
+      <a:effectRef idx="0">
+        <a:scrgbClr r="0" g="0" b="0"/>
+      </a:effectRef>
+      <a:fontRef idx="minor">
+        <a:schemeClr val="lt1"/>
+      </a:fontRef>
+    </dgm:style>
+  </dgm:styleLbl>
+  <dgm:styleLbl name="vennNode1">
+    <dgm:scene3d>
+      <a:camera prst="orthographicFront"/>
+      <a:lightRig rig="threePt" dir="t"/>
+    </dgm:scene3d>
+    <dgm:sp3d/>
+    <dgm:txPr/>
+    <dgm:style>
+      <a:lnRef idx="2">
+        <a:scrgbClr r="0" g="0" b="0"/>
+      </a:lnRef>
+      <a:fillRef idx="1">
+        <a:scrgbClr r="0" g="0" b="0"/>
+      </a:fillRef>
+      <a:effectRef idx="0">
+        <a:scrgbClr r="0" g="0" b="0"/>
+      </a:effectRef>
+      <a:fontRef idx="minor">
+        <a:schemeClr val="tx1"/>
+      </a:fontRef>
+    </dgm:style>
+  </dgm:styleLbl>
+  <dgm:styleLbl name="alignNode1">
+    <dgm:scene3d>
+      <a:camera prst="orthographicFront"/>
+      <a:lightRig rig="threePt" dir="t"/>
+    </dgm:scene3d>
+    <dgm:sp3d/>
+    <dgm:txPr/>
+    <dgm:style>
+      <a:lnRef idx="2">
+        <a:scrgbClr r="0" g="0" b="0"/>
+      </a:lnRef>
+      <a:fillRef idx="1">
+        <a:scrgbClr r="0" g="0" b="0"/>
+      </a:fillRef>
+      <a:effectRef idx="0">
+        <a:scrgbClr r="0" g="0" b="0"/>
+      </a:effectRef>
+      <a:fontRef idx="minor">
+        <a:schemeClr val="lt1"/>
+      </a:fontRef>
+    </dgm:style>
+  </dgm:styleLbl>
+  <dgm:styleLbl name="node1">
+    <dgm:scene3d>
+      <a:camera prst="orthographicFront"/>
+      <a:lightRig rig="threePt" dir="t"/>
+    </dgm:scene3d>
+    <dgm:sp3d/>
+    <dgm:txPr/>
+    <dgm:style>
+      <a:lnRef idx="2">
+        <a:scrgbClr r="0" g="0" b="0"/>
+      </a:lnRef>
+      <a:fillRef idx="1">
+        <a:scrgbClr r="0" g="0" b="0"/>
+      </a:fillRef>
+      <a:effectRef idx="0">
+        <a:scrgbClr r="0" g="0" b="0"/>
+      </a:effectRef>
+      <a:fontRef idx="minor">
+        <a:schemeClr val="lt1"/>
+      </a:fontRef>
+    </dgm:style>
+  </dgm:styleLbl>
+  <dgm:styleLbl name="node2">
+    <dgm:scene3d>
+      <a:camera prst="orthographicFront"/>
+      <a:lightRig rig="threePt" dir="t"/>
+    </dgm:scene3d>
+    <dgm:sp3d/>
+    <dgm:txPr/>
+    <dgm:style>
+      <a:lnRef idx="2">
+        <a:scrgbClr r="0" g="0" b="0"/>
+      </a:lnRef>
+      <a:fillRef idx="1">
+        <a:scrgbClr r="0" g="0" b="0"/>
+      </a:fillRef>
+      <a:effectRef idx="0">
+        <a:scrgbClr r="0" g="0" b="0"/>
+      </a:effectRef>
+      <a:fontRef idx="minor">
+        <a:schemeClr val="lt1"/>
+      </a:fontRef>
+    </dgm:style>
+  </dgm:styleLbl>
+  <dgm:styleLbl name="node3">
+    <dgm:scene3d>
+      <a:camera prst="orthographicFront"/>
+      <a:lightRig rig="threePt" dir="t"/>
+    </dgm:scene3d>
+    <dgm:sp3d/>
+    <dgm:txPr/>
+    <dgm:style>
+      <a:lnRef idx="2">
+        <a:scrgbClr r="0" g="0" b="0"/>
+      </a:lnRef>
+      <a:fillRef idx="1">
+        <a:scrgbClr r="0" g="0" b="0"/>
+      </a:fillRef>
+      <a:effectRef idx="0">
+        <a:scrgbClr r="0" g="0" b="0"/>
+      </a:effectRef>
+      <a:fontRef idx="minor">
+        <a:schemeClr val="lt1"/>
+      </a:fontRef>
+    </dgm:style>
+  </dgm:styleLbl>
+  <dgm:styleLbl name="node4">
+    <dgm:scene3d>
+      <a:camera prst="orthographicFront"/>
+      <a:lightRig rig="threePt" dir="t"/>
+    </dgm:scene3d>
+    <dgm:sp3d/>
+    <dgm:txPr/>
+    <dgm:style>
+      <a:lnRef idx="2">
+        <a:scrgbClr r="0" g="0" b="0"/>
+      </a:lnRef>
+      <a:fillRef idx="1">
+        <a:scrgbClr r="0" g="0" b="0"/>
+      </a:fillRef>
+      <a:effectRef idx="0">
+        <a:scrgbClr r="0" g="0" b="0"/>
+      </a:effectRef>
+      <a:fontRef idx="minor">
+        <a:schemeClr val="lt1"/>
+      </a:fontRef>
+    </dgm:style>
+  </dgm:styleLbl>
+  <dgm:styleLbl name="fgImgPlace1">
+    <dgm:scene3d>
+      <a:camera prst="orthographicFront"/>
+      <a:lightRig rig="threePt" dir="t"/>
+    </dgm:scene3d>
+    <dgm:sp3d/>
+    <dgm:txPr/>
+    <dgm:style>
+      <a:lnRef idx="2">
+        <a:scrgbClr r="0" g="0" b="0"/>
+      </a:lnRef>
+      <a:fillRef idx="1">
+        <a:scrgbClr r="0" g="0" b="0"/>
+      </a:fillRef>
+      <a:effectRef idx="0">
+        <a:scrgbClr r="0" g="0" b="0"/>
+      </a:effectRef>
+      <a:fontRef idx="minor"/>
+    </dgm:style>
+  </dgm:styleLbl>
+  <dgm:styleLbl name="alignImgPlace1">
+    <dgm:scene3d>
+      <a:camera prst="orthographicFront"/>
+      <a:lightRig rig="threePt" dir="t"/>
+    </dgm:scene3d>
+    <dgm:sp3d/>
+    <dgm:txPr/>
+    <dgm:style>
+      <a:lnRef idx="2">
+        <a:scrgbClr r="0" g="0" b="0"/>
+      </a:lnRef>
+      <a:fillRef idx="1">
+        <a:scrgbClr r="0" g="0" b="0"/>
+      </a:fillRef>
+      <a:effectRef idx="0">
+        <a:scrgbClr r="0" g="0" b="0"/>
+      </a:effectRef>
+      <a:fontRef idx="minor"/>
+    </dgm:style>
+  </dgm:styleLbl>
+  <dgm:styleLbl name="bgImgPlace1">
+    <dgm:scene3d>
+      <a:camera prst="orthographicFront"/>
+      <a:lightRig rig="threePt" dir="t"/>
+    </dgm:scene3d>
+    <dgm:sp3d/>
+    <dgm:txPr/>
+    <dgm:style>
+      <a:lnRef idx="2">
+        <a:scrgbClr r="0" g="0" b="0"/>
+      </a:lnRef>
+      <a:fillRef idx="1">
+        <a:scrgbClr r="0" g="0" b="0"/>
+      </a:fillRef>
+      <a:effectRef idx="0">
+        <a:scrgbClr r="0" g="0" b="0"/>
+      </a:effectRef>
+      <a:fontRef idx="minor"/>
+    </dgm:style>
+  </dgm:styleLbl>
+  <dgm:styleLbl name="sibTrans2D1">
+    <dgm:scene3d>
+      <a:camera prst="orthographicFront"/>
+      <a:lightRig rig="threePt" dir="t"/>
+    </dgm:scene3d>
+    <dgm:sp3d/>
+    <dgm:txPr/>
+    <dgm:style>
+      <a:lnRef idx="0">
+        <a:scrgbClr r="0" g="0" b="0"/>
+      </a:lnRef>
+      <a:fillRef idx="1">
+        <a:scrgbClr r="0" g="0" b="0"/>
+      </a:fillRef>
+      <a:effectRef idx="0">
+        <a:scrgbClr r="0" g="0" b="0"/>
+      </a:effectRef>
+      <a:fontRef idx="minor">
+        <a:schemeClr val="lt1"/>
+      </a:fontRef>
+    </dgm:style>
+  </dgm:styleLbl>
+  <dgm:styleLbl name="fgSibTrans2D1">
+    <dgm:scene3d>
+      <a:camera prst="orthographicFront"/>
+      <a:lightRig rig="threePt" dir="t"/>
+    </dgm:scene3d>
+    <dgm:sp3d/>
+    <dgm:txPr/>
+    <dgm:style>
+      <a:lnRef idx="0">
+        <a:scrgbClr r="0" g="0" b="0"/>
+      </a:lnRef>
+      <a:fillRef idx="1">
+        <a:scrgbClr r="0" g="0" b="0"/>
+      </a:fillRef>
+      <a:effectRef idx="0">
+        <a:scrgbClr r="0" g="0" b="0"/>
+      </a:effectRef>
+      <a:fontRef idx="minor">
+        <a:schemeClr val="lt1"/>
+      </a:fontRef>
+    </dgm:style>
+  </dgm:styleLbl>
+  <dgm:styleLbl name="bgSibTrans2D1">
+    <dgm:scene3d>
+      <a:camera prst="orthographicFront"/>
+      <a:lightRig rig="threePt" dir="t"/>
+    </dgm:scene3d>
+    <dgm:sp3d/>
+    <dgm:txPr/>
+    <dgm:style>
+      <a:lnRef idx="0">
+        <a:scrgbClr r="0" g="0" b="0"/>
+      </a:lnRef>
+      <a:fillRef idx="1">
+        <a:scrgbClr r="0" g="0" b="0"/>
+      </a:fillRef>
+      <a:effectRef idx="0">
+        <a:scrgbClr r="0" g="0" b="0"/>
+      </a:effectRef>
+      <a:fontRef idx="minor">
+        <a:schemeClr val="lt1"/>
+      </a:fontRef>
+    </dgm:style>
+  </dgm:styleLbl>
+  <dgm:styleLbl name="sibTrans1D1">
+    <dgm:scene3d>
+      <a:camera prst="orthographicFront"/>
+      <a:lightRig rig="threePt" dir="t"/>
+    </dgm:scene3d>
+    <dgm:sp3d/>
+    <dgm:txPr/>
+    <dgm:style>
+      <a:lnRef idx="1">
+        <a:scrgbClr r="0" g="0" b="0"/>
+      </a:lnRef>
+      <a:fillRef idx="0">
+        <a:scrgbClr r="0" g="0" b="0"/>
+      </a:fillRef>
+      <a:effectRef idx="0">
+        <a:scrgbClr r="0" g="0" b="0"/>
+      </a:effectRef>
+      <a:fontRef idx="minor"/>
+    </dgm:style>
+  </dgm:styleLbl>
+  <dgm:styleLbl name="callout">
+    <dgm:scene3d>
+      <a:camera prst="orthographicFront"/>
+      <a:lightRig rig="threePt" dir="t"/>
+    </dgm:scene3d>
+    <dgm:sp3d/>
+    <dgm:txPr/>
+    <dgm:style>
+      <a:lnRef idx="2">
+        <a:scrgbClr r="0" g="0" b="0"/>
+      </a:lnRef>
+      <a:fillRef idx="1">
+        <a:scrgbClr r="0" g="0" b="0"/>
+      </a:fillRef>
+      <a:effectRef idx="0">
+        <a:scrgbClr r="0" g="0" b="0"/>
+      </a:effectRef>
+      <a:fontRef idx="minor"/>
+    </dgm:style>
+  </dgm:styleLbl>
+  <dgm:styleLbl name="asst0">
+    <dgm:scene3d>
+      <a:camera prst="orthographicFront"/>
+      <a:lightRig rig="threePt" dir="t"/>
+    </dgm:scene3d>
+    <dgm:sp3d/>
+    <dgm:txPr/>
+    <dgm:style>
+      <a:lnRef idx="2">
+        <a:scrgbClr r="0" g="0" b="0"/>
+      </a:lnRef>
+      <a:fillRef idx="1">
+        <a:scrgbClr r="0" g="0" b="0"/>
+      </a:fillRef>
+      <a:effectRef idx="0">
+        <a:scrgbClr r="0" g="0" b="0"/>
+      </a:effectRef>
+      <a:fontRef idx="minor">
+        <a:schemeClr val="lt1"/>
+      </a:fontRef>
+    </dgm:style>
+  </dgm:styleLbl>
+  <dgm:styleLbl name="asst1">
+    <dgm:scene3d>
+      <a:camera prst="orthographicFront"/>
+      <a:lightRig rig="threePt" dir="t"/>
+    </dgm:scene3d>
+    <dgm:sp3d/>
+    <dgm:txPr/>
+    <dgm:style>
+      <a:lnRef idx="2">
+        <a:scrgbClr r="0" g="0" b="0"/>
+      </a:lnRef>
+      <a:fillRef idx="1">
+        <a:scrgbClr r="0" g="0" b="0"/>
+      </a:fillRef>
+      <a:effectRef idx="0">
+        <a:scrgbClr r="0" g="0" b="0"/>
+      </a:effectRef>
+      <a:fontRef idx="minor">
+        <a:schemeClr val="lt1"/>
+      </a:fontRef>
+    </dgm:style>
+  </dgm:styleLbl>
+  <dgm:styleLbl name="asst2">
+    <dgm:scene3d>
+      <a:camera prst="orthographicFront"/>
+      <a:lightRig rig="threePt" dir="t"/>
+    </dgm:scene3d>
+    <dgm:sp3d/>
+    <dgm:txPr/>
+    <dgm:style>
+      <a:lnRef idx="2">
+        <a:scrgbClr r="0" g="0" b="0"/>
+      </a:lnRef>
+      <a:fillRef idx="1">
+        <a:scrgbClr r="0" g="0" b="0"/>
+      </a:fillRef>
+      <a:effectRef idx="0">
+        <a:scrgbClr r="0" g="0" b="0"/>
+      </a:effectRef>
+      <a:fontRef idx="minor">
+        <a:schemeClr val="lt1"/>
+      </a:fontRef>
+    </dgm:style>
+  </dgm:styleLbl>
+  <dgm:styleLbl name="asst3">
+    <dgm:scene3d>
+      <a:camera prst="orthographicFront"/>
+      <a:lightRig rig="threePt" dir="t"/>
+    </dgm:scene3d>
+    <dgm:sp3d/>
+    <dgm:txPr/>
+    <dgm:style>
+      <a:lnRef idx="2">
+        <a:scrgbClr r="0" g="0" b="0"/>
+      </a:lnRef>
+      <a:fillRef idx="1">
+        <a:scrgbClr r="0" g="0" b="0"/>
+      </a:fillRef>
+      <a:effectRef idx="0">
+        <a:scrgbClr r="0" g="0" b="0"/>
+      </a:effectRef>
+      <a:fontRef idx="minor">
+        <a:schemeClr val="lt1"/>
+      </a:fontRef>
+    </dgm:style>
+  </dgm:styleLbl>
+  <dgm:styleLbl name="asst4">
+    <dgm:scene3d>
+      <a:camera prst="orthographicFront"/>
+      <a:lightRig rig="threePt" dir="t"/>
+    </dgm:scene3d>
+    <dgm:sp3d/>
+    <dgm:txPr/>
+    <dgm:style>
+      <a:lnRef idx="2">
+        <a:scrgbClr r="0" g="0" b="0"/>
+      </a:lnRef>
+      <a:fillRef idx="1">
+        <a:scrgbClr r="0" g="0" b="0"/>
+      </a:fillRef>
+      <a:effectRef idx="0">
+        <a:scrgbClr r="0" g="0" b="0"/>
+      </a:effectRef>
+      <a:fontRef idx="minor">
+        <a:schemeClr val="lt1"/>
+      </a:fontRef>
+    </dgm:style>
+  </dgm:styleLbl>
+  <dgm:styleLbl name="parChTrans2D1">
+    <dgm:scene3d>
+      <a:camera prst="orthographicFront"/>
+      <a:lightRig rig="threePt" dir="t"/>
+    </dgm:scene3d>
+    <dgm:sp3d/>
+    <dgm:txPr/>
+    <dgm:style>
+      <a:lnRef idx="2">
+        <a:scrgbClr r="0" g="0" b="0"/>
+      </a:lnRef>
+      <a:fillRef idx="1">
+        <a:scrgbClr r="0" g="0" b="0"/>
+      </a:fillRef>
+      <a:effectRef idx="0">
+        <a:scrgbClr r="0" g="0" b="0"/>
+      </a:effectRef>
+      <a:fontRef idx="minor">
+        <a:schemeClr val="lt1"/>
+      </a:fontRef>
+    </dgm:style>
+  </dgm:styleLbl>
+  <dgm:styleLbl name="parChTrans2D2">
+    <dgm:scene3d>
+      <a:camera prst="orthographicFront"/>
+      <a:lightRig rig="threePt" dir="t"/>
+    </dgm:scene3d>
+    <dgm:sp3d/>
+    <dgm:txPr/>
+    <dgm:style>
+      <a:lnRef idx="2">
+        <a:scrgbClr r="0" g="0" b="0"/>
+      </a:lnRef>
+      <a:fillRef idx="1">
+        <a:scrgbClr r="0" g="0" b="0"/>
+      </a:fillRef>
+      <a:effectRef idx="0">
+        <a:scrgbClr r="0" g="0" b="0"/>
+      </a:effectRef>
+      <a:fontRef idx="minor">
+        <a:schemeClr val="lt1"/>
+      </a:fontRef>
+    </dgm:style>
+  </dgm:styleLbl>
+  <dgm:styleLbl name="parChTrans2D3">
+    <dgm:scene3d>
+      <a:camera prst="orthographicFront"/>
+      <a:lightRig rig="threePt" dir="t"/>
+    </dgm:scene3d>
+    <dgm:sp3d/>
+    <dgm:txPr/>
+    <dgm:style>
+      <a:lnRef idx="2">
+        <a:scrgbClr r="0" g="0" b="0"/>
+      </a:lnRef>
+      <a:fillRef idx="1">
+        <a:scrgbClr r="0" g="0" b="0"/>
+      </a:fillRef>
+      <a:effectRef idx="0">
+        <a:scrgbClr r="0" g="0" b="0"/>
+      </a:effectRef>
+      <a:fontRef idx="minor">
+        <a:schemeClr val="lt1"/>
+      </a:fontRef>
+    </dgm:style>
+  </dgm:styleLbl>
+  <dgm:styleLbl name="parChTrans2D4">
+    <dgm:scene3d>
+      <a:camera prst="orthographicFront"/>
+      <a:lightRig rig="threePt" dir="t"/>
+    </dgm:scene3d>
+    <dgm:sp3d/>
+    <dgm:txPr/>
+    <dgm:style>
+      <a:lnRef idx="2">
+        <a:scrgbClr r="0" g="0" b="0"/>
+      </a:lnRef>
+      <a:fillRef idx="1">
+        <a:scrgbClr r="0" g="0" b="0"/>
+      </a:fillRef>
+      <a:effectRef idx="0">
+        <a:scrgbClr r="0" g="0" b="0"/>
+      </a:effectRef>
+      <a:fontRef idx="minor">
+        <a:schemeClr val="lt1"/>
+      </a:fontRef>
+    </dgm:style>
+  </dgm:styleLbl>
+  <dgm:styleLbl name="parChTrans1D1">
+    <dgm:scene3d>
+      <a:camera prst="orthographicFront"/>
+      <a:lightRig rig="threePt" dir="t"/>
+    </dgm:scene3d>
+    <dgm:sp3d/>
+    <dgm:txPr/>
+    <dgm:style>
+      <a:lnRef idx="2">
+        <a:scrgbClr r="0" g="0" b="0"/>
+      </a:lnRef>
+      <a:fillRef idx="0">
+        <a:scrgbClr r="0" g="0" b="0"/>
+      </a:fillRef>
+      <a:effectRef idx="0">
+        <a:scrgbClr r="0" g="0" b="0"/>
+      </a:effectRef>
+      <a:fontRef idx="minor"/>
+    </dgm:style>
+  </dgm:styleLbl>
+  <dgm:styleLbl name="parChTrans1D2">
+    <dgm:scene3d>
+      <a:camera prst="orthographicFront"/>
+      <a:lightRig rig="threePt" dir="t"/>
+    </dgm:scene3d>
+    <dgm:sp3d/>
+    <dgm:txPr/>
+    <dgm:style>
+      <a:lnRef idx="2">
+        <a:scrgbClr r="0" g="0" b="0"/>
+      </a:lnRef>
+      <a:fillRef idx="0">
+        <a:scrgbClr r="0" g="0" b="0"/>
+      </a:fillRef>
+      <a:effectRef idx="0">
+        <a:scrgbClr r="0" g="0" b="0"/>
+      </a:effectRef>
+      <a:fontRef idx="minor"/>
+    </dgm:style>
+  </dgm:styleLbl>
+  <dgm:styleLbl name="parChTrans1D3">
+    <dgm:scene3d>
+      <a:camera prst="orthographicFront"/>
+      <a:lightRig rig="threePt" dir="t"/>
+    </dgm:scene3d>
+    <dgm:sp3d/>
+    <dgm:txPr/>
+    <dgm:style>
+      <a:lnRef idx="2">
+        <a:scrgbClr r="0" g="0" b="0"/>
+      </a:lnRef>
+      <a:fillRef idx="0">
+        <a:scrgbClr r="0" g="0" b="0"/>
+      </a:fillRef>
+      <a:effectRef idx="0">
+        <a:scrgbClr r="0" g="0" b="0"/>
+      </a:effectRef>
+      <a:fontRef idx="minor"/>
+    </dgm:style>
+  </dgm:styleLbl>
+  <dgm:styleLbl name="parChTrans1D4">
+    <dgm:scene3d>
+      <a:camera prst="orthographicFront"/>
+      <a:lightRig rig="threePt" dir="t"/>
+    </dgm:scene3d>
+    <dgm:sp3d/>
+    <dgm:txPr/>
+    <dgm:style>
+      <a:lnRef idx="2">
+        <a:scrgbClr r="0" g="0" b="0"/>
+      </a:lnRef>
+      <a:fillRef idx="0">
+        <a:scrgbClr r="0" g="0" b="0"/>
+      </a:fillRef>
+      <a:effectRef idx="0">
+        <a:scrgbClr r="0" g="0" b="0"/>
+      </a:effectRef>
+      <a:fontRef idx="minor"/>
+    </dgm:style>
+  </dgm:styleLbl>
+  <dgm:styleLbl name="fgAcc1">
+    <dgm:scene3d>
+      <a:camera prst="orthographicFront"/>
+      <a:lightRig rig="threePt" dir="t"/>
+    </dgm:scene3d>
+    <dgm:sp3d/>
+    <dgm:txPr/>
+    <dgm:style>
+      <a:lnRef idx="2">
+        <a:scrgbClr r="0" g="0" b="0"/>
+      </a:lnRef>
+      <a:fillRef idx="1">
+        <a:scrgbClr r="0" g="0" b="0"/>
+      </a:fillRef>
+      <a:effectRef idx="0">
+        <a:scrgbClr r="0" g="0" b="0"/>
+      </a:effectRef>
+      <a:fontRef idx="minor"/>
+    </dgm:style>
+  </dgm:styleLbl>
+  <dgm:styleLbl name="conFgAcc1">
+    <dgm:scene3d>
+      <a:camera prst="orthographicFront"/>
+      <a:lightRig rig="threePt" dir="t"/>
+    </dgm:scene3d>
+    <dgm:sp3d/>
+    <dgm:txPr/>
+    <dgm:style>
+      <a:lnRef idx="2">
+        <a:scrgbClr r="0" g="0" b="0"/>
+      </a:lnRef>
+      <a:fillRef idx="1">
+        <a:scrgbClr r="0" g="0" b="0"/>
+      </a:fillRef>
+      <a:effectRef idx="0">
+        <a:scrgbClr r="0" g="0" b="0"/>
+      </a:effectRef>
+      <a:fontRef idx="minor"/>
+    </dgm:style>
+  </dgm:styleLbl>
+  <dgm:styleLbl name="alignAcc1">
+    <dgm:scene3d>
+      <a:camera prst="orthographicFront"/>
+      <a:lightRig rig="threePt" dir="t"/>
+    </dgm:scene3d>
+    <dgm:sp3d/>
+    <dgm:txPr/>
+    <dgm:style>
+      <a:lnRef idx="2">
+        <a:scrgbClr r="0" g="0" b="0"/>
+      </a:lnRef>
+      <a:fillRef idx="1">
+        <a:scrgbClr r="0" g="0" b="0"/>
+      </a:fillRef>
+      <a:effectRef idx="0">
+        <a:scrgbClr r="0" g="0" b="0"/>
+      </a:effectRef>
+      <a:fontRef idx="minor"/>
+    </dgm:style>
+  </dgm:styleLbl>
+  <dgm:styleLbl name="trAlignAcc1">
+    <dgm:scene3d>
+      <a:camera prst="orthographicFront"/>
+      <a:lightRig rig="threePt" dir="t"/>
+    </dgm:scene3d>
+    <dgm:sp3d/>
+    <dgm:txPr/>
+    <dgm:style>
+      <a:lnRef idx="1">
+        <a:scrgbClr r="0" g="0" b="0"/>
+      </a:lnRef>
+      <a:fillRef idx="1">
+        <a:scrgbClr r="0" g="0" b="0"/>
+      </a:fillRef>
+      <a:effectRef idx="0">
+        <a:scrgbClr r="0" g="0" b="0"/>
+      </a:effectRef>
+      <a:fontRef idx="minor"/>
+    </dgm:style>
+  </dgm:styleLbl>
+  <dgm:styleLbl name="bgAcc1">
+    <dgm:scene3d>
+      <a:camera prst="orthographicFront"/>
+      <a:lightRig rig="threePt" dir="t"/>
+    </dgm:scene3d>
+    <dgm:sp3d/>
+    <dgm:txPr/>
+    <dgm:style>
+      <a:lnRef idx="2">
+        <a:scrgbClr r="0" g="0" b="0"/>
+      </a:lnRef>
+      <a:fillRef idx="1">
+        <a:scrgbClr r="0" g="0" b="0"/>
+      </a:fillRef>
+      <a:effectRef idx="0">
+        <a:scrgbClr r="0" g="0" b="0"/>
+      </a:effectRef>
+      <a:fontRef idx="minor"/>
+    </dgm:style>
+  </dgm:styleLbl>
+  <dgm:styleLbl name="solidFgAcc1">
+    <dgm:scene3d>
+      <a:camera prst="orthographicFront"/>
+      <a:lightRig rig="threePt" dir="t"/>
+    </dgm:scene3d>
+    <dgm:sp3d/>
+    <dgm:txPr/>
+    <dgm:style>
+      <a:lnRef idx="2">
+        <a:scrgbClr r="0" g="0" b="0"/>
+      </a:lnRef>
+      <a:fillRef idx="1">
+        <a:scrgbClr r="0" g="0" b="0"/>
+      </a:fillRef>
+      <a:effectRef idx="0">
+        <a:scrgbClr r="0" g="0" b="0"/>
+      </a:effectRef>
+      <a:fontRef idx="minor"/>
+    </dgm:style>
+  </dgm:styleLbl>
+  <dgm:styleLbl name="solidAlignAcc1">
+    <dgm:scene3d>
+      <a:camera prst="orthographicFront"/>
+      <a:lightRig rig="threePt" dir="t"/>
+    </dgm:scene3d>
+    <dgm:sp3d/>
+    <dgm:txPr/>
+    <dgm:style>
+      <a:lnRef idx="2">
+        <a:scrgbClr r="0" g="0" b="0"/>
+      </a:lnRef>
+      <a:fillRef idx="1">
+        <a:scrgbClr r="0" g="0" b="0"/>
+      </a:fillRef>
+      <a:effectRef idx="0">
+        <a:scrgbClr r="0" g="0" b="0"/>
+      </a:effectRef>
+      <a:fontRef idx="minor"/>
+    </dgm:style>
+  </dgm:styleLbl>
+  <dgm:styleLbl name="solidBgAcc1">
+    <dgm:scene3d>
+      <a:camera prst="orthographicFront"/>
+      <a:lightRig rig="threePt" dir="t"/>
+    </dgm:scene3d>
+    <dgm:sp3d/>
+    <dgm:txPr/>
+    <dgm:style>
+      <a:lnRef idx="2">
+        <a:scrgbClr r="0" g="0" b="0"/>
+      </a:lnRef>
+      <a:fillRef idx="1">
+        <a:scrgbClr r="0" g="0" b="0"/>
+      </a:fillRef>
+      <a:effectRef idx="0">
+        <a:scrgbClr r="0" g="0" b="0"/>
+      </a:effectRef>
+      <a:fontRef idx="minor"/>
+    </dgm:style>
+  </dgm:styleLbl>
+  <dgm:styleLbl name="fgAccFollowNode1">
+    <dgm:scene3d>
+      <a:camera prst="orthographicFront"/>
+      <a:lightRig rig="threePt" dir="t"/>
+    </dgm:scene3d>
+    <dgm:sp3d/>
+    <dgm:txPr/>
+    <dgm:style>
+      <a:lnRef idx="2">
+        <a:scrgbClr r="0" g="0" b="0"/>
+      </a:lnRef>
+      <a:fillRef idx="1">
+        <a:scrgbClr r="0" g="0" b="0"/>
+      </a:fillRef>
+      <a:effectRef idx="0">
+        <a:scrgbClr r="0" g="0" b="0"/>
+      </a:effectRef>
+      <a:fontRef idx="minor"/>
+    </dgm:style>
+  </dgm:styleLbl>
+  <dgm:styleLbl name="alignAccFollowNode1">
+    <dgm:scene3d>
+      <a:camera prst="orthographicFront"/>
+      <a:lightRig rig="threePt" dir="t"/>
+    </dgm:scene3d>
+    <dgm:sp3d/>
+    <dgm:txPr/>
+    <dgm:style>
+      <a:lnRef idx="2">
+        <a:scrgbClr r="0" g="0" b="0"/>
+      </a:lnRef>
+      <a:fillRef idx="1">
+        <a:scrgbClr r="0" g="0" b="0"/>
+      </a:fillRef>
+      <a:effectRef idx="0">
+        <a:scrgbClr r="0" g="0" b="0"/>
+      </a:effectRef>
+      <a:fontRef idx="minor"/>
+    </dgm:style>
+  </dgm:styleLbl>
+  <dgm:styleLbl name="bgAccFollowNode1">
+    <dgm:scene3d>
+      <a:camera prst="orthographicFront"/>
+      <a:lightRig rig="threePt" dir="t"/>
+    </dgm:scene3d>
+    <dgm:sp3d/>
+    <dgm:txPr/>
+    <dgm:style>
+      <a:lnRef idx="2">
+        <a:scrgbClr r="0" g="0" b="0"/>
+      </a:lnRef>
+      <a:fillRef idx="1">
+        <a:scrgbClr r="0" g="0" b="0"/>
+      </a:fillRef>
+      <a:effectRef idx="0">
+        <a:scrgbClr r="0" g="0" b="0"/>
+      </a:effectRef>
+      <a:fontRef idx="minor"/>
+    </dgm:style>
+  </dgm:styleLbl>
+  <dgm:styleLbl name="fgAcc0">
+    <dgm:scene3d>
+      <a:camera prst="orthographicFront"/>
+      <a:lightRig rig="threePt" dir="t"/>
+    </dgm:scene3d>
+    <dgm:sp3d/>
+    <dgm:txPr/>
+    <dgm:style>
+      <a:lnRef idx="2">
+        <a:scrgbClr r="0" g="0" b="0"/>
+      </a:lnRef>
+      <a:fillRef idx="1">
+        <a:scrgbClr r="0" g="0" b="0"/>
+      </a:fillRef>
+      <a:effectRef idx="0">
+        <a:scrgbClr r="0" g="0" b="0"/>
+      </a:effectRef>
+      <a:fontRef idx="minor"/>
+    </dgm:style>
+  </dgm:styleLbl>
+  <dgm:styleLbl name="fgAcc2">
+    <dgm:scene3d>
+      <a:camera prst="orthographicFront"/>
+      <a:lightRig rig="threePt" dir="t"/>
+    </dgm:scene3d>
+    <dgm:sp3d/>
+    <dgm:txPr/>
+    <dgm:style>
+      <a:lnRef idx="2">
+        <a:scrgbClr r="0" g="0" b="0"/>
+      </a:lnRef>
+      <a:fillRef idx="1">
+        <a:scrgbClr r="0" g="0" b="0"/>
+      </a:fillRef>
+      <a:effectRef idx="0">
+        <a:scrgbClr r="0" g="0" b="0"/>
+      </a:effectRef>
+      <a:fontRef idx="minor"/>
+    </dgm:style>
+  </dgm:styleLbl>
+  <dgm:styleLbl name="fgAcc3">
+    <dgm:scene3d>
+      <a:camera prst="orthographicFront"/>
+      <a:lightRig rig="threePt" dir="t"/>
+    </dgm:scene3d>
+    <dgm:sp3d/>
+    <dgm:txPr/>
+    <dgm:style>
+      <a:lnRef idx="2">
+        <a:scrgbClr r="0" g="0" b="0"/>
+      </a:lnRef>
+      <a:fillRef idx="1">
+        <a:scrgbClr r="0" g="0" b="0"/>
+      </a:fillRef>
+      <a:effectRef idx="0">
+        <a:scrgbClr r="0" g="0" b="0"/>
+      </a:effectRef>
+      <a:fontRef idx="minor"/>
+    </dgm:style>
+  </dgm:styleLbl>
+  <dgm:styleLbl name="fgAcc4">
+    <dgm:scene3d>
+      <a:camera prst="orthographicFront"/>
+      <a:lightRig rig="threePt" dir="t"/>
+    </dgm:scene3d>
+    <dgm:sp3d/>
+    <dgm:txPr/>
+    <dgm:style>
+      <a:lnRef idx="2">
+        <a:scrgbClr r="0" g="0" b="0"/>
+      </a:lnRef>
+      <a:fillRef idx="1">
+        <a:scrgbClr r="0" g="0" b="0"/>
+      </a:fillRef>
+      <a:effectRef idx="0">
+        <a:scrgbClr r="0" g="0" b="0"/>
+      </a:effectRef>
+      <a:fontRef idx="minor"/>
+    </dgm:style>
+  </dgm:styleLbl>
+  <dgm:styleLbl name="bgShp">
+    <dgm:scene3d>
+      <a:camera prst="orthographicFront"/>
+      <a:lightRig rig="threePt" dir="t"/>
+    </dgm:scene3d>
+    <dgm:sp3d/>
+    <dgm:txPr/>
+    <dgm:style>
+      <a:lnRef idx="0">
+        <a:scrgbClr r="0" g="0" b="0"/>
+      </a:lnRef>
+      <a:fillRef idx="1">
+        <a:scrgbClr r="0" g="0" b="0"/>
+      </a:fillRef>
+      <a:effectRef idx="0">
+        <a:scrgbClr r="0" g="0" b="0"/>
+      </a:effectRef>
+      <a:fontRef idx="minor"/>
+    </dgm:style>
+  </dgm:styleLbl>
+  <dgm:styleLbl name="dkBgShp">
+    <dgm:scene3d>
+      <a:camera prst="orthographicFront"/>
+      <a:lightRig rig="threePt" dir="t"/>
+    </dgm:scene3d>
+    <dgm:sp3d/>
+    <dgm:txPr/>
+    <dgm:style>
+      <a:lnRef idx="0">
+        <a:scrgbClr r="0" g="0" b="0"/>
+      </a:lnRef>
+      <a:fillRef idx="1">
+        <a:scrgbClr r="0" g="0" b="0"/>
+      </a:fillRef>
+      <a:effectRef idx="0">
+        <a:scrgbClr r="0" g="0" b="0"/>
+      </a:effectRef>
+      <a:fontRef idx="minor"/>
+    </dgm:style>
+  </dgm:styleLbl>
+  <dgm:styleLbl name="trBgShp">
+    <dgm:scene3d>
+      <a:camera prst="orthographicFront"/>
+      <a:lightRig rig="threePt" dir="t"/>
+    </dgm:scene3d>
+    <dgm:sp3d/>
+    <dgm:txPr/>
+    <dgm:style>
+      <a:lnRef idx="0">
+        <a:scrgbClr r="0" g="0" b="0"/>
+      </a:lnRef>
+      <a:fillRef idx="1">
+        <a:scrgbClr r="0" g="0" b="0"/>
+      </a:fillRef>
+      <a:effectRef idx="0">
+        <a:scrgbClr r="0" g="0" b="0"/>
+      </a:effectRef>
+      <a:fontRef idx="minor"/>
+    </dgm:style>
+  </dgm:styleLbl>
+  <dgm:styleLbl name="fgShp">
+    <dgm:scene3d>
+      <a:camera prst="orthographicFront"/>
+      <a:lightRig rig="threePt" dir="t"/>
+    </dgm:scene3d>
+    <dgm:sp3d/>
+    <dgm:txPr/>
+    <dgm:style>
+      <a:lnRef idx="2">
+        <a:scrgbClr r="0" g="0" b="0"/>
+      </a:lnRef>
+      <a:fillRef idx="1">
+        <a:scrgbClr r="0" g="0" b="0"/>
+      </a:fillRef>
+      <a:effectRef idx="0">
         <a:scrgbClr r="0" g="0" b="0"/>
       </a:effectRef>
       <a:fontRef idx="minor"/>
@@ -2845,7 +8728,8 @@
           <a:p>
             <a:fld id="{27667466-E0D7-FD4B-BBEF-602BF6B185FF}" type="datetimeFigureOut">
               <a:rPr lang="de-DE" smtClean="0"/>
-              <a:t>28.10.11</a:t>
+              <a:pPr/>
+              <a:t>06.11.2011</a:t>
             </a:fld>
             <a:endParaRPr lang="de-DE"/>
           </a:p>
@@ -2911,6 +8795,7 @@
           <a:p>
             <a:fld id="{30D02C27-43FD-3A42-AF0F-8FCD144E9A8E}" type="slidenum">
               <a:rPr lang="de-DE" smtClean="0"/>
+              <a:pPr/>
               <a:t>‹Nr.›</a:t>
             </a:fld>
             <a:endParaRPr lang="de-DE"/>
@@ -2920,7 +8805,7 @@
     </p:spTree>
     <p:extLst>
       <p:ext uri="{BB962C8B-B14F-4D97-AF65-F5344CB8AC3E}">
-        <p14:creationId xmlns:p14="http://schemas.microsoft.com/office/powerpoint/2010/main" val="2682229056"/>
+        <p14:creationId xmlns:p14="http://schemas.microsoft.com/office/powerpoint/2010/main" xmlns="" val="2682229056"/>
       </p:ext>
     </p:extLst>
   </p:cSld>
@@ -3011,7 +8896,8 @@
           <a:p>
             <a:fld id="{358CF69D-E791-E447-927B-A50D3ED4596D}" type="datetimeFigureOut">
               <a:rPr lang="de-DE" smtClean="0"/>
-              <a:t>28.10.11</a:t>
+              <a:pPr/>
+              <a:t>06.11.2011</a:t>
             </a:fld>
             <a:endParaRPr lang="de-DE"/>
           </a:p>
@@ -3170,6 +9056,7 @@
           <a:p>
             <a:fld id="{31B766F0-CE08-5549-8B9A-6DE57C03B1D9}" type="slidenum">
               <a:rPr lang="de-DE" smtClean="0"/>
+              <a:pPr/>
               <a:t>‹Nr.›</a:t>
             </a:fld>
             <a:endParaRPr lang="de-DE"/>
@@ -3179,7 +9066,7 @@
     </p:spTree>
     <p:extLst>
       <p:ext uri="{BB962C8B-B14F-4D97-AF65-F5344CB8AC3E}">
-        <p14:creationId xmlns:p14="http://schemas.microsoft.com/office/powerpoint/2010/main" val="1828122596"/>
+        <p14:creationId xmlns:p14="http://schemas.microsoft.com/office/powerpoint/2010/main" xmlns="" val="1828122596"/>
       </p:ext>
     </p:extLst>
   </p:cSld>
@@ -3345,6 +9232,7 @@
           <a:p>
             <a:fld id="{31B766F0-CE08-5549-8B9A-6DE57C03B1D9}" type="slidenum">
               <a:rPr lang="de-DE" smtClean="0"/>
+              <a:pPr/>
               <a:t>3</a:t>
             </a:fld>
             <a:endParaRPr lang="de-DE"/>
@@ -3354,9 +9242,337 @@
     </p:spTree>
     <p:extLst>
       <p:ext uri="{BB962C8B-B14F-4D97-AF65-F5344CB8AC3E}">
-        <p14:creationId xmlns:p14="http://schemas.microsoft.com/office/powerpoint/2010/main" val="279481230"/>
+        <p14:creationId xmlns:p14="http://schemas.microsoft.com/office/powerpoint/2010/main" xmlns="" val="279481230"/>
       </p:ext>
     </p:extLst>
+  </p:cSld>
+  <p:clrMapOvr>
+    <a:masterClrMapping/>
+  </p:clrMapOvr>
+</p:notes>
+</file>
+
+<file path=ppt/notesSlides/notesSlide2.xml><?xml version="1.0" encoding="utf-8"?>
+<p:notes xmlns:a="http://schemas.openxmlformats.org/drawingml/2006/main" xmlns:r="http://schemas.openxmlformats.org/officeDocument/2006/relationships" xmlns:p="http://schemas.openxmlformats.org/presentationml/2006/main">
+  <p:cSld>
+    <p:spTree>
+      <p:nvGrpSpPr>
+        <p:cNvPr id="1" name=""/>
+        <p:cNvGrpSpPr/>
+        <p:nvPr/>
+      </p:nvGrpSpPr>
+      <p:grpSpPr>
+        <a:xfrm>
+          <a:off x="0" y="0"/>
+          <a:ext cx="0" cy="0"/>
+          <a:chOff x="0" y="0"/>
+          <a:chExt cx="0" cy="0"/>
+        </a:xfrm>
+      </p:grpSpPr>
+      <p:sp>
+        <p:nvSpPr>
+          <p:cNvPr id="2" name="Folienbildplatzhalter 1"/>
+          <p:cNvSpPr>
+            <a:spLocks noGrp="1" noRot="1" noChangeAspect="1"/>
+          </p:cNvSpPr>
+          <p:nvPr>
+            <p:ph type="sldImg"/>
+          </p:nvPr>
+        </p:nvSpPr>
+        <p:spPr/>
+      </p:sp>
+      <p:sp>
+        <p:nvSpPr>
+          <p:cNvPr id="3" name="Notizenplatzhalter 2"/>
+          <p:cNvSpPr>
+            <a:spLocks noGrp="1"/>
+          </p:cNvSpPr>
+          <p:nvPr>
+            <p:ph type="body" idx="1"/>
+          </p:nvPr>
+        </p:nvSpPr>
+        <p:spPr/>
+        <p:txBody>
+          <a:bodyPr>
+            <a:normAutofit/>
+          </a:bodyPr>
+          <a:lstStyle/>
+          <a:p>
+            <a:endParaRPr lang="de-DE"/>
+          </a:p>
+        </p:txBody>
+      </p:sp>
+      <p:sp>
+        <p:nvSpPr>
+          <p:cNvPr id="4" name="Foliennummernplatzhalter 3"/>
+          <p:cNvSpPr>
+            <a:spLocks noGrp="1"/>
+          </p:cNvSpPr>
+          <p:nvPr>
+            <p:ph type="sldNum" sz="quarter" idx="10"/>
+          </p:nvPr>
+        </p:nvSpPr>
+        <p:spPr/>
+        <p:txBody>
+          <a:bodyPr/>
+          <a:lstStyle/>
+          <a:p>
+            <a:fld id="{31B766F0-CE08-5549-8B9A-6DE57C03B1D9}" type="slidenum">
+              <a:rPr lang="de-DE" smtClean="0"/>
+              <a:pPr/>
+              <a:t>4</a:t>
+            </a:fld>
+            <a:endParaRPr lang="de-DE"/>
+          </a:p>
+        </p:txBody>
+      </p:sp>
+    </p:spTree>
+  </p:cSld>
+  <p:clrMapOvr>
+    <a:masterClrMapping/>
+  </p:clrMapOvr>
+</p:notes>
+</file>
+
+<file path=ppt/notesSlides/notesSlide3.xml><?xml version="1.0" encoding="utf-8"?>
+<p:notes xmlns:a="http://schemas.openxmlformats.org/drawingml/2006/main" xmlns:r="http://schemas.openxmlformats.org/officeDocument/2006/relationships" xmlns:p="http://schemas.openxmlformats.org/presentationml/2006/main">
+  <p:cSld>
+    <p:spTree>
+      <p:nvGrpSpPr>
+        <p:cNvPr id="1" name=""/>
+        <p:cNvGrpSpPr/>
+        <p:nvPr/>
+      </p:nvGrpSpPr>
+      <p:grpSpPr>
+        <a:xfrm>
+          <a:off x="0" y="0"/>
+          <a:ext cx="0" cy="0"/>
+          <a:chOff x="0" y="0"/>
+          <a:chExt cx="0" cy="0"/>
+        </a:xfrm>
+      </p:grpSpPr>
+      <p:sp>
+        <p:nvSpPr>
+          <p:cNvPr id="2" name="Folienbildplatzhalter 1"/>
+          <p:cNvSpPr>
+            <a:spLocks noGrp="1" noRot="1" noChangeAspect="1"/>
+          </p:cNvSpPr>
+          <p:nvPr>
+            <p:ph type="sldImg"/>
+          </p:nvPr>
+        </p:nvSpPr>
+        <p:spPr/>
+      </p:sp>
+      <p:sp>
+        <p:nvSpPr>
+          <p:cNvPr id="3" name="Notizenplatzhalter 2"/>
+          <p:cNvSpPr>
+            <a:spLocks noGrp="1"/>
+          </p:cNvSpPr>
+          <p:nvPr>
+            <p:ph type="body" idx="1"/>
+          </p:nvPr>
+        </p:nvSpPr>
+        <p:spPr/>
+        <p:txBody>
+          <a:bodyPr>
+            <a:normAutofit/>
+          </a:bodyPr>
+          <a:lstStyle/>
+          <a:p>
+            <a:endParaRPr lang="de-DE"/>
+          </a:p>
+        </p:txBody>
+      </p:sp>
+      <p:sp>
+        <p:nvSpPr>
+          <p:cNvPr id="4" name="Foliennummernplatzhalter 3"/>
+          <p:cNvSpPr>
+            <a:spLocks noGrp="1"/>
+          </p:cNvSpPr>
+          <p:nvPr>
+            <p:ph type="sldNum" sz="quarter" idx="10"/>
+          </p:nvPr>
+        </p:nvSpPr>
+        <p:spPr/>
+        <p:txBody>
+          <a:bodyPr/>
+          <a:lstStyle/>
+          <a:p>
+            <a:fld id="{31B766F0-CE08-5549-8B9A-6DE57C03B1D9}" type="slidenum">
+              <a:rPr lang="de-DE" smtClean="0"/>
+              <a:pPr/>
+              <a:t>5</a:t>
+            </a:fld>
+            <a:endParaRPr lang="de-DE"/>
+          </a:p>
+        </p:txBody>
+      </p:sp>
+    </p:spTree>
+  </p:cSld>
+  <p:clrMapOvr>
+    <a:masterClrMapping/>
+  </p:clrMapOvr>
+</p:notes>
+</file>
+
+<file path=ppt/notesSlides/notesSlide4.xml><?xml version="1.0" encoding="utf-8"?>
+<p:notes xmlns:a="http://schemas.openxmlformats.org/drawingml/2006/main" xmlns:r="http://schemas.openxmlformats.org/officeDocument/2006/relationships" xmlns:p="http://schemas.openxmlformats.org/presentationml/2006/main">
+  <p:cSld>
+    <p:spTree>
+      <p:nvGrpSpPr>
+        <p:cNvPr id="1" name=""/>
+        <p:cNvGrpSpPr/>
+        <p:nvPr/>
+      </p:nvGrpSpPr>
+      <p:grpSpPr>
+        <a:xfrm>
+          <a:off x="0" y="0"/>
+          <a:ext cx="0" cy="0"/>
+          <a:chOff x="0" y="0"/>
+          <a:chExt cx="0" cy="0"/>
+        </a:xfrm>
+      </p:grpSpPr>
+      <p:sp>
+        <p:nvSpPr>
+          <p:cNvPr id="2" name="Folienbildplatzhalter 1"/>
+          <p:cNvSpPr>
+            <a:spLocks noGrp="1" noRot="1" noChangeAspect="1"/>
+          </p:cNvSpPr>
+          <p:nvPr>
+            <p:ph type="sldImg"/>
+          </p:nvPr>
+        </p:nvSpPr>
+        <p:spPr/>
+      </p:sp>
+      <p:sp>
+        <p:nvSpPr>
+          <p:cNvPr id="3" name="Notizenplatzhalter 2"/>
+          <p:cNvSpPr>
+            <a:spLocks noGrp="1"/>
+          </p:cNvSpPr>
+          <p:nvPr>
+            <p:ph type="body" idx="1"/>
+          </p:nvPr>
+        </p:nvSpPr>
+        <p:spPr/>
+        <p:txBody>
+          <a:bodyPr>
+            <a:normAutofit/>
+          </a:bodyPr>
+          <a:lstStyle/>
+          <a:p>
+            <a:endParaRPr lang="de-DE"/>
+          </a:p>
+        </p:txBody>
+      </p:sp>
+      <p:sp>
+        <p:nvSpPr>
+          <p:cNvPr id="4" name="Foliennummernplatzhalter 3"/>
+          <p:cNvSpPr>
+            <a:spLocks noGrp="1"/>
+          </p:cNvSpPr>
+          <p:nvPr>
+            <p:ph type="sldNum" sz="quarter" idx="10"/>
+          </p:nvPr>
+        </p:nvSpPr>
+        <p:spPr/>
+        <p:txBody>
+          <a:bodyPr/>
+          <a:lstStyle/>
+          <a:p>
+            <a:fld id="{31B766F0-CE08-5549-8B9A-6DE57C03B1D9}" type="slidenum">
+              <a:rPr lang="de-DE" smtClean="0"/>
+              <a:pPr/>
+              <a:t>6</a:t>
+            </a:fld>
+            <a:endParaRPr lang="de-DE"/>
+          </a:p>
+        </p:txBody>
+      </p:sp>
+    </p:spTree>
+  </p:cSld>
+  <p:clrMapOvr>
+    <a:masterClrMapping/>
+  </p:clrMapOvr>
+</p:notes>
+</file>
+
+<file path=ppt/notesSlides/notesSlide5.xml><?xml version="1.0" encoding="utf-8"?>
+<p:notes xmlns:a="http://schemas.openxmlformats.org/drawingml/2006/main" xmlns:r="http://schemas.openxmlformats.org/officeDocument/2006/relationships" xmlns:p="http://schemas.openxmlformats.org/presentationml/2006/main">
+  <p:cSld>
+    <p:spTree>
+      <p:nvGrpSpPr>
+        <p:cNvPr id="1" name=""/>
+        <p:cNvGrpSpPr/>
+        <p:nvPr/>
+      </p:nvGrpSpPr>
+      <p:grpSpPr>
+        <a:xfrm>
+          <a:off x="0" y="0"/>
+          <a:ext cx="0" cy="0"/>
+          <a:chOff x="0" y="0"/>
+          <a:chExt cx="0" cy="0"/>
+        </a:xfrm>
+      </p:grpSpPr>
+      <p:sp>
+        <p:nvSpPr>
+          <p:cNvPr id="2" name="Folienbildplatzhalter 1"/>
+          <p:cNvSpPr>
+            <a:spLocks noGrp="1" noRot="1" noChangeAspect="1"/>
+          </p:cNvSpPr>
+          <p:nvPr>
+            <p:ph type="sldImg"/>
+          </p:nvPr>
+        </p:nvSpPr>
+        <p:spPr/>
+      </p:sp>
+      <p:sp>
+        <p:nvSpPr>
+          <p:cNvPr id="3" name="Notizenplatzhalter 2"/>
+          <p:cNvSpPr>
+            <a:spLocks noGrp="1"/>
+          </p:cNvSpPr>
+          <p:nvPr>
+            <p:ph type="body" idx="1"/>
+          </p:nvPr>
+        </p:nvSpPr>
+        <p:spPr/>
+        <p:txBody>
+          <a:bodyPr>
+            <a:normAutofit/>
+          </a:bodyPr>
+          <a:lstStyle/>
+          <a:p>
+            <a:endParaRPr lang="de-DE"/>
+          </a:p>
+        </p:txBody>
+      </p:sp>
+      <p:sp>
+        <p:nvSpPr>
+          <p:cNvPr id="4" name="Foliennummernplatzhalter 3"/>
+          <p:cNvSpPr>
+            <a:spLocks noGrp="1"/>
+          </p:cNvSpPr>
+          <p:nvPr>
+            <p:ph type="sldNum" sz="quarter" idx="10"/>
+          </p:nvPr>
+        </p:nvSpPr>
+        <p:spPr/>
+        <p:txBody>
+          <a:bodyPr/>
+          <a:lstStyle/>
+          <a:p>
+            <a:fld id="{31B766F0-CE08-5549-8B9A-6DE57C03B1D9}" type="slidenum">
+              <a:rPr lang="de-DE" smtClean="0"/>
+              <a:pPr/>
+              <a:t>7</a:t>
+            </a:fld>
+            <a:endParaRPr lang="de-DE"/>
+          </a:p>
+        </p:txBody>
+      </p:sp>
+    </p:spTree>
   </p:cSld>
   <p:clrMapOvr>
     <a:masterClrMapping/>
@@ -3629,6 +9845,7 @@
           <a:p>
             <a:fld id="{4A822907-8A9D-4F6B-98F6-913902AD56B5}" type="slidenum">
               <a:rPr lang="en-US" smtClean="0"/>
+              <a:pPr/>
               <a:t>‹Nr.›</a:t>
             </a:fld>
             <a:endParaRPr lang="en-US"/>
@@ -3954,6 +10171,7 @@
           <a:p>
             <a:fld id="{4A822907-8A9D-4F6B-98F6-913902AD56B5}" type="slidenum">
               <a:rPr lang="en-US" smtClean="0"/>
+              <a:pPr/>
               <a:t>‹Nr.›</a:t>
             </a:fld>
             <a:endParaRPr lang="en-US"/>
@@ -5121,6 +11339,7 @@
           <a:p>
             <a:fld id="{4A822907-8A9D-4F6B-98F6-913902AD56B5}" type="slidenum">
               <a:rPr lang="en-US" smtClean="0"/>
+              <a:pPr/>
               <a:t>‹Nr.›</a:t>
             </a:fld>
             <a:endParaRPr lang="en-US"/>
@@ -5304,6 +11523,7 @@
           <a:p>
             <a:fld id="{4A822907-8A9D-4F6B-98F6-913902AD56B5}" type="slidenum">
               <a:rPr lang="en-US" smtClean="0"/>
+              <a:pPr/>
               <a:t>‹Nr.›</a:t>
             </a:fld>
             <a:endParaRPr lang="en-US"/>
@@ -5477,6 +11697,7 @@
           <a:p>
             <a:fld id="{4A822907-8A9D-4F6B-98F6-913902AD56B5}" type="slidenum">
               <a:rPr lang="en-US" smtClean="0"/>
+              <a:pPr/>
               <a:t>‹Nr.›</a:t>
             </a:fld>
             <a:endParaRPr lang="en-US"/>
@@ -6061,6 +12282,7 @@
           <a:p>
             <a:fld id="{4A822907-8A9D-4F6B-98F6-913902AD56B5}" type="slidenum">
               <a:rPr lang="en-US" smtClean="0"/>
+              <a:pPr/>
               <a:t>‹Nr.›</a:t>
             </a:fld>
             <a:endParaRPr lang="en-US"/>
@@ -6357,6 +12579,7 @@
           <a:p>
             <a:fld id="{4A822907-8A9D-4F6B-98F6-913902AD56B5}" type="slidenum">
               <a:rPr lang="en-US" smtClean="0"/>
+              <a:pPr/>
               <a:t>‹Nr.›</a:t>
             </a:fld>
             <a:endParaRPr lang="en-US"/>
@@ -6796,6 +13019,7 @@
           <a:p>
             <a:fld id="{4A822907-8A9D-4F6B-98F6-913902AD56B5}" type="slidenum">
               <a:rPr lang="en-US" smtClean="0"/>
+              <a:pPr/>
               <a:t>‹Nr.›</a:t>
             </a:fld>
             <a:endParaRPr lang="en-US"/>
@@ -7141,6 +13365,7 @@
           <a:p>
             <a:fld id="{4A822907-8A9D-4F6B-98F6-913902AD56B5}" type="slidenum">
               <a:rPr lang="en-US" smtClean="0"/>
+              <a:pPr/>
               <a:t>‹Nr.›</a:t>
             </a:fld>
             <a:endParaRPr lang="en-US"/>
@@ -7235,6 +13460,7 @@
           <a:p>
             <a:fld id="{4A822907-8A9D-4F6B-98F6-913902AD56B5}" type="slidenum">
               <a:rPr lang="en-US" smtClean="0"/>
+              <a:pPr/>
               <a:t>‹Nr.›</a:t>
             </a:fld>
             <a:endParaRPr lang="en-US"/>
@@ -7576,6 +13802,7 @@
           <a:p>
             <a:fld id="{4A822907-8A9D-4F6B-98F6-913902AD56B5}" type="slidenum">
               <a:rPr lang="en-US" smtClean="0"/>
+              <a:pPr/>
               <a:t>‹Nr.›</a:t>
             </a:fld>
             <a:endParaRPr lang="en-US"/>
@@ -7830,6 +14057,7 @@
           <a:p>
             <a:fld id="{4A822907-8A9D-4F6B-98F6-913902AD56B5}" type="slidenum">
               <a:rPr lang="en-US" smtClean="0"/>
+              <a:pPr/>
               <a:t>‹Nr.›</a:t>
             </a:fld>
             <a:endParaRPr lang="en-US"/>
@@ -8357,7 +14585,414 @@
     </p:spTree>
     <p:extLst>
       <p:ext uri="{BB962C8B-B14F-4D97-AF65-F5344CB8AC3E}">
-        <p14:creationId xmlns:p14="http://schemas.microsoft.com/office/powerpoint/2010/main" val="329152661"/>
+        <p14:creationId xmlns:p14="http://schemas.microsoft.com/office/powerpoint/2010/main" xmlns="" val="329152661"/>
+      </p:ext>
+    </p:extLst>
+  </p:cSld>
+  <p:clrMapOvr>
+    <a:masterClrMapping/>
+  </p:clrMapOvr>
+  <p:timing>
+    <p:tnLst>
+      <p:par>
+        <p:cTn id="1" dur="indefinite" restart="never" nodeType="tmRoot"/>
+      </p:par>
+    </p:tnLst>
+  </p:timing>
+</p:sld>
+</file>
+
+<file path=ppt/slides/slide10.xml><?xml version="1.0" encoding="utf-8"?>
+<p:sld xmlns:a="http://schemas.openxmlformats.org/drawingml/2006/main" xmlns:r="http://schemas.openxmlformats.org/officeDocument/2006/relationships" xmlns:p="http://schemas.openxmlformats.org/presentationml/2006/main">
+  <p:cSld>
+    <p:spTree>
+      <p:nvGrpSpPr>
+        <p:cNvPr id="1" name=""/>
+        <p:cNvGrpSpPr/>
+        <p:nvPr/>
+      </p:nvGrpSpPr>
+      <p:grpSpPr>
+        <a:xfrm>
+          <a:off x="0" y="0"/>
+          <a:ext cx="0" cy="0"/>
+          <a:chOff x="0" y="0"/>
+          <a:chExt cx="0" cy="0"/>
+        </a:xfrm>
+      </p:grpSpPr>
+      <p:sp>
+        <p:nvSpPr>
+          <p:cNvPr id="2" name="Titel 1"/>
+          <p:cNvSpPr>
+            <a:spLocks noGrp="1"/>
+          </p:cNvSpPr>
+          <p:nvPr>
+            <p:ph type="title"/>
+          </p:nvPr>
+        </p:nvSpPr>
+        <p:spPr/>
+        <p:txBody>
+          <a:bodyPr/>
+          <a:lstStyle/>
+          <a:p>
+            <a:r>
+              <a:rPr lang="de-DE" dirty="0" smtClean="0">
+                <a:solidFill>
+                  <a:srgbClr val="E4C402"/>
+                </a:solidFill>
+              </a:rPr>
+              <a:t>Implementierung</a:t>
+            </a:r>
+            <a:endParaRPr lang="de-DE" dirty="0">
+              <a:solidFill>
+                <a:srgbClr val="E4C402"/>
+              </a:solidFill>
+            </a:endParaRPr>
+          </a:p>
+        </p:txBody>
+      </p:sp>
+      <p:sp>
+        <p:nvSpPr>
+          <p:cNvPr id="3" name="Datumsplatzhalter 2"/>
+          <p:cNvSpPr>
+            <a:spLocks noGrp="1"/>
+          </p:cNvSpPr>
+          <p:nvPr>
+            <p:ph type="dt" sz="half" idx="10"/>
+          </p:nvPr>
+        </p:nvSpPr>
+        <p:spPr/>
+        <p:txBody>
+          <a:bodyPr/>
+          <a:lstStyle/>
+          <a:p>
+            <a:r>
+              <a:rPr lang="de-DE" smtClean="0"/>
+              <a:t>04.11.11</a:t>
+            </a:r>
+            <a:endParaRPr lang="en-US"/>
+          </a:p>
+        </p:txBody>
+      </p:sp>
+      <p:sp>
+        <p:nvSpPr>
+          <p:cNvPr id="4" name="Fußzeilenplatzhalter 3"/>
+          <p:cNvSpPr>
+            <a:spLocks noGrp="1"/>
+          </p:cNvSpPr>
+          <p:nvPr>
+            <p:ph type="ftr" sz="quarter" idx="11"/>
+          </p:nvPr>
+        </p:nvSpPr>
+        <p:spPr/>
+        <p:txBody>
+          <a:bodyPr/>
+          <a:lstStyle/>
+          <a:p>
+            <a:r>
+              <a:rPr lang="de-DE" smtClean="0"/>
+              <a:t>Star Greg</a:t>
+            </a:r>
+            <a:endParaRPr lang="en-US"/>
+          </a:p>
+        </p:txBody>
+      </p:sp>
+      <p:sp>
+        <p:nvSpPr>
+          <p:cNvPr id="5" name="Foliennummernplatzhalter 4"/>
+          <p:cNvSpPr>
+            <a:spLocks noGrp="1"/>
+          </p:cNvSpPr>
+          <p:nvPr>
+            <p:ph type="sldNum" sz="quarter" idx="12"/>
+          </p:nvPr>
+        </p:nvSpPr>
+        <p:spPr/>
+        <p:txBody>
+          <a:bodyPr/>
+          <a:lstStyle/>
+          <a:p>
+            <a:fld id="{4A822907-8A9D-4F6B-98F6-913902AD56B5}" type="slidenum">
+              <a:rPr lang="en-US" smtClean="0"/>
+              <a:pPr/>
+              <a:t>10</a:t>
+            </a:fld>
+            <a:endParaRPr lang="en-US"/>
+          </a:p>
+        </p:txBody>
+      </p:sp>
+    </p:spTree>
+    <p:extLst>
+      <p:ext uri="{BB962C8B-B14F-4D97-AF65-F5344CB8AC3E}">
+        <p14:creationId xmlns:p14="http://schemas.microsoft.com/office/powerpoint/2010/main" xmlns="" val="2161015239"/>
+      </p:ext>
+    </p:extLst>
+  </p:cSld>
+  <p:clrMapOvr>
+    <a:masterClrMapping/>
+  </p:clrMapOvr>
+</p:sld>
+</file>
+
+<file path=ppt/slides/slide11.xml><?xml version="1.0" encoding="utf-8"?>
+<p:sld xmlns:a="http://schemas.openxmlformats.org/drawingml/2006/main" xmlns:r="http://schemas.openxmlformats.org/officeDocument/2006/relationships" xmlns:p="http://schemas.openxmlformats.org/presentationml/2006/main">
+  <p:cSld>
+    <p:spTree>
+      <p:nvGrpSpPr>
+        <p:cNvPr id="1" name=""/>
+        <p:cNvGrpSpPr/>
+        <p:nvPr/>
+      </p:nvGrpSpPr>
+      <p:grpSpPr>
+        <a:xfrm>
+          <a:off x="0" y="0"/>
+          <a:ext cx="0" cy="0"/>
+          <a:chOff x="0" y="0"/>
+          <a:chExt cx="0" cy="0"/>
+        </a:xfrm>
+      </p:grpSpPr>
+      <p:sp>
+        <p:nvSpPr>
+          <p:cNvPr id="2" name="Titel 1"/>
+          <p:cNvSpPr>
+            <a:spLocks noGrp="1"/>
+          </p:cNvSpPr>
+          <p:nvPr>
+            <p:ph type="title"/>
+          </p:nvPr>
+        </p:nvSpPr>
+        <p:spPr/>
+        <p:txBody>
+          <a:bodyPr/>
+          <a:lstStyle/>
+          <a:p>
+            <a:endParaRPr lang="de-DE"/>
+          </a:p>
+        </p:txBody>
+      </p:sp>
+      <p:sp>
+        <p:nvSpPr>
+          <p:cNvPr id="3" name="Inhaltsplatzhalter 2"/>
+          <p:cNvSpPr>
+            <a:spLocks noGrp="1"/>
+          </p:cNvSpPr>
+          <p:nvPr>
+            <p:ph idx="1"/>
+          </p:nvPr>
+        </p:nvSpPr>
+        <p:spPr/>
+        <p:txBody>
+          <a:bodyPr/>
+          <a:lstStyle/>
+          <a:p>
+            <a:endParaRPr lang="de-DE"/>
+          </a:p>
+        </p:txBody>
+      </p:sp>
+      <p:sp>
+        <p:nvSpPr>
+          <p:cNvPr id="4" name="Datumsplatzhalter 3"/>
+          <p:cNvSpPr>
+            <a:spLocks noGrp="1"/>
+          </p:cNvSpPr>
+          <p:nvPr>
+            <p:ph type="dt" sz="half" idx="10"/>
+          </p:nvPr>
+        </p:nvSpPr>
+        <p:spPr/>
+        <p:txBody>
+          <a:bodyPr/>
+          <a:lstStyle/>
+          <a:p>
+            <a:r>
+              <a:rPr lang="de-DE" smtClean="0"/>
+              <a:t>04.11.11</a:t>
+            </a:r>
+            <a:endParaRPr lang="en-US"/>
+          </a:p>
+        </p:txBody>
+      </p:sp>
+      <p:sp>
+        <p:nvSpPr>
+          <p:cNvPr id="5" name="Fußzeilenplatzhalter 4"/>
+          <p:cNvSpPr>
+            <a:spLocks noGrp="1"/>
+          </p:cNvSpPr>
+          <p:nvPr>
+            <p:ph type="ftr" sz="quarter" idx="11"/>
+          </p:nvPr>
+        </p:nvSpPr>
+        <p:spPr/>
+        <p:txBody>
+          <a:bodyPr/>
+          <a:lstStyle/>
+          <a:p>
+            <a:r>
+              <a:rPr lang="de-DE" smtClean="0"/>
+              <a:t>Star Greg</a:t>
+            </a:r>
+            <a:endParaRPr lang="en-US"/>
+          </a:p>
+        </p:txBody>
+      </p:sp>
+      <p:sp>
+        <p:nvSpPr>
+          <p:cNvPr id="6" name="Foliennummernplatzhalter 5"/>
+          <p:cNvSpPr>
+            <a:spLocks noGrp="1"/>
+          </p:cNvSpPr>
+          <p:nvPr>
+            <p:ph type="sldNum" sz="quarter" idx="12"/>
+          </p:nvPr>
+        </p:nvSpPr>
+        <p:spPr/>
+        <p:txBody>
+          <a:bodyPr/>
+          <a:lstStyle/>
+          <a:p>
+            <a:fld id="{4A822907-8A9D-4F6B-98F6-913902AD56B5}" type="slidenum">
+              <a:rPr lang="en-US" smtClean="0"/>
+              <a:pPr/>
+              <a:t>11</a:t>
+            </a:fld>
+            <a:endParaRPr lang="en-US"/>
+          </a:p>
+        </p:txBody>
+      </p:sp>
+    </p:spTree>
+    <p:extLst>
+      <p:ext uri="{BB962C8B-B14F-4D97-AF65-F5344CB8AC3E}">
+        <p14:creationId xmlns:p14="http://schemas.microsoft.com/office/powerpoint/2010/main" xmlns="" val="296993480"/>
+      </p:ext>
+    </p:extLst>
+  </p:cSld>
+  <p:clrMapOvr>
+    <a:masterClrMapping/>
+  </p:clrMapOvr>
+</p:sld>
+</file>
+
+<file path=ppt/slides/slide12.xml><?xml version="1.0" encoding="utf-8"?>
+<p:sld xmlns:a="http://schemas.openxmlformats.org/drawingml/2006/main" xmlns:r="http://schemas.openxmlformats.org/officeDocument/2006/relationships" xmlns:p="http://schemas.openxmlformats.org/presentationml/2006/main">
+  <p:cSld>
+    <p:spTree>
+      <p:nvGrpSpPr>
+        <p:cNvPr id="1" name=""/>
+        <p:cNvGrpSpPr/>
+        <p:nvPr/>
+      </p:nvGrpSpPr>
+      <p:grpSpPr>
+        <a:xfrm>
+          <a:off x="0" y="0"/>
+          <a:ext cx="0" cy="0"/>
+          <a:chOff x="0" y="0"/>
+          <a:chExt cx="0" cy="0"/>
+        </a:xfrm>
+      </p:grpSpPr>
+      <p:sp>
+        <p:nvSpPr>
+          <p:cNvPr id="2" name="Titel 1"/>
+          <p:cNvSpPr>
+            <a:spLocks noGrp="1"/>
+          </p:cNvSpPr>
+          <p:nvPr>
+            <p:ph type="title"/>
+          </p:nvPr>
+        </p:nvSpPr>
+        <p:spPr/>
+        <p:txBody>
+          <a:bodyPr/>
+          <a:lstStyle/>
+          <a:p>
+            <a:r>
+              <a:rPr lang="de-DE" dirty="0" smtClean="0">
+                <a:solidFill>
+                  <a:srgbClr val="E4C402"/>
+                </a:solidFill>
+              </a:rPr>
+              <a:t>Vielen Dank für Eure Aufmerksamkeit!</a:t>
+            </a:r>
+            <a:endParaRPr lang="de-DE" dirty="0">
+              <a:solidFill>
+                <a:srgbClr val="E4C402"/>
+              </a:solidFill>
+            </a:endParaRPr>
+          </a:p>
+        </p:txBody>
+      </p:sp>
+      <p:sp>
+        <p:nvSpPr>
+          <p:cNvPr id="3" name="Datumsplatzhalter 2"/>
+          <p:cNvSpPr>
+            <a:spLocks noGrp="1"/>
+          </p:cNvSpPr>
+          <p:nvPr>
+            <p:ph type="dt" sz="half" idx="10"/>
+          </p:nvPr>
+        </p:nvSpPr>
+        <p:spPr/>
+        <p:txBody>
+          <a:bodyPr/>
+          <a:lstStyle/>
+          <a:p>
+            <a:r>
+              <a:rPr lang="de-DE" smtClean="0"/>
+              <a:t>04.11.11</a:t>
+            </a:r>
+            <a:endParaRPr lang="en-US"/>
+          </a:p>
+        </p:txBody>
+      </p:sp>
+      <p:sp>
+        <p:nvSpPr>
+          <p:cNvPr id="4" name="Fußzeilenplatzhalter 3"/>
+          <p:cNvSpPr>
+            <a:spLocks noGrp="1"/>
+          </p:cNvSpPr>
+          <p:nvPr>
+            <p:ph type="ftr" sz="quarter" idx="11"/>
+          </p:nvPr>
+        </p:nvSpPr>
+        <p:spPr/>
+        <p:txBody>
+          <a:bodyPr/>
+          <a:lstStyle/>
+          <a:p>
+            <a:r>
+              <a:rPr lang="de-DE" smtClean="0"/>
+              <a:t>Star Greg</a:t>
+            </a:r>
+            <a:endParaRPr lang="en-US"/>
+          </a:p>
+        </p:txBody>
+      </p:sp>
+      <p:sp>
+        <p:nvSpPr>
+          <p:cNvPr id="5" name="Foliennummernplatzhalter 4"/>
+          <p:cNvSpPr>
+            <a:spLocks noGrp="1"/>
+          </p:cNvSpPr>
+          <p:nvPr>
+            <p:ph type="sldNum" sz="quarter" idx="12"/>
+          </p:nvPr>
+        </p:nvSpPr>
+        <p:spPr/>
+        <p:txBody>
+          <a:bodyPr/>
+          <a:lstStyle/>
+          <a:p>
+            <a:fld id="{4A822907-8A9D-4F6B-98F6-913902AD56B5}" type="slidenum">
+              <a:rPr lang="en-US" smtClean="0"/>
+              <a:pPr/>
+              <a:t>12</a:t>
+            </a:fld>
+            <a:endParaRPr lang="en-US"/>
+          </a:p>
+        </p:txBody>
+      </p:sp>
+    </p:spTree>
+    <p:extLst>
+      <p:ext uri="{BB962C8B-B14F-4D97-AF65-F5344CB8AC3E}">
+        <p14:creationId xmlns:p14="http://schemas.microsoft.com/office/powerpoint/2010/main" xmlns="" val="2161015239"/>
       </p:ext>
     </p:extLst>
   </p:cSld>
@@ -8425,7 +15060,7 @@
             <p:ph idx="1"/>
             <p:extLst>
               <p:ext uri="{D42A27DB-BD31-4B8C-83A1-F6EECF244321}">
-                <p14:modId xmlns:p14="http://schemas.microsoft.com/office/powerpoint/2010/main" val="3109782851"/>
+                <p14:modId xmlns:p14="http://schemas.microsoft.com/office/powerpoint/2010/main" xmlns="" val="3109782851"/>
               </p:ext>
             </p:extLst>
           </p:nvPr>
@@ -8503,6 +15138,7 @@
           <a:p>
             <a:fld id="{4A822907-8A9D-4F6B-98F6-913902AD56B5}" type="slidenum">
               <a:rPr lang="en-US" smtClean="0"/>
+              <a:pPr/>
               <a:t>2</a:t>
             </a:fld>
             <a:endParaRPr lang="en-US"/>
@@ -8512,13 +15148,20 @@
     </p:spTree>
     <p:extLst>
       <p:ext uri="{BB962C8B-B14F-4D97-AF65-F5344CB8AC3E}">
-        <p14:creationId xmlns:p14="http://schemas.microsoft.com/office/powerpoint/2010/main" val="3228059911"/>
+        <p14:creationId xmlns:p14="http://schemas.microsoft.com/office/powerpoint/2010/main" xmlns="" val="3228059911"/>
       </p:ext>
     </p:extLst>
   </p:cSld>
   <p:clrMapOvr>
     <a:masterClrMapping/>
   </p:clrMapOvr>
+  <p:timing>
+    <p:tnLst>
+      <p:par>
+        <p:cTn id="1" dur="indefinite" restart="never" nodeType="tmRoot"/>
+      </p:par>
+    </p:tnLst>
+  </p:timing>
 </p:sld>
 </file>
 
@@ -8633,6 +15276,7 @@
           <a:p>
             <a:fld id="{4A822907-8A9D-4F6B-98F6-913902AD56B5}" type="slidenum">
               <a:rPr lang="en-US" smtClean="0"/>
+              <a:pPr/>
               <a:t>3</a:t>
             </a:fld>
             <a:endParaRPr lang="en-US"/>
@@ -8642,13 +15286,20 @@
     </p:spTree>
     <p:extLst>
       <p:ext uri="{BB962C8B-B14F-4D97-AF65-F5344CB8AC3E}">
-        <p14:creationId xmlns:p14="http://schemas.microsoft.com/office/powerpoint/2010/main" val="3279203025"/>
+        <p14:creationId xmlns:p14="http://schemas.microsoft.com/office/powerpoint/2010/main" xmlns="" val="3279203025"/>
       </p:ext>
     </p:extLst>
   </p:cSld>
   <p:clrMapOvr>
     <a:masterClrMapping/>
   </p:clrMapOvr>
+  <p:timing>
+    <p:tnLst>
+      <p:par>
+        <p:cTn id="1" dur="indefinite" restart="never" nodeType="tmRoot"/>
+      </p:par>
+    </p:tnLst>
+  </p:timing>
 </p:sld>
 </file>
 
@@ -8669,6 +15320,84 @@
           <a:chExt cx="0" cy="0"/>
         </a:xfrm>
       </p:grpSpPr>
+      <p:graphicFrame>
+        <p:nvGraphicFramePr>
+          <p:cNvPr id="8" name="Diagramm 7"/>
+          <p:cNvGraphicFramePr/>
+          <p:nvPr/>
+        </p:nvGraphicFramePr>
+        <p:xfrm>
+          <a:off x="331773" y="1853076"/>
+          <a:ext cx="6570733" cy="2896949"/>
+        </p:xfrm>
+        <a:graphic>
+          <a:graphicData uri="http://schemas.openxmlformats.org/drawingml/2006/diagram">
+            <dgm:relIds xmlns:dgm="http://schemas.openxmlformats.org/drawingml/2006/diagram" xmlns:r="http://schemas.openxmlformats.org/officeDocument/2006/relationships" r:dm="rId3" r:lo="rId4" r:qs="rId5" r:cs="rId6"/>
+          </a:graphicData>
+        </a:graphic>
+      </p:graphicFrame>
+      <p:sp>
+        <p:nvSpPr>
+          <p:cNvPr id="22" name="Pfeil nach oben 21"/>
+          <p:cNvSpPr/>
+          <p:nvPr/>
+        </p:nvSpPr>
+        <p:spPr>
+          <a:xfrm>
+            <a:off x="1035780" y="4215950"/>
+            <a:ext cx="582626" cy="776835"/>
+          </a:xfrm>
+          <a:prstGeom prst="upArrow">
+            <a:avLst/>
+          </a:prstGeom>
+        </p:spPr>
+        <p:style>
+          <a:lnRef idx="1">
+            <a:schemeClr val="accent5"/>
+          </a:lnRef>
+          <a:fillRef idx="3">
+            <a:schemeClr val="accent5"/>
+          </a:fillRef>
+          <a:effectRef idx="2">
+            <a:schemeClr val="accent5"/>
+          </a:effectRef>
+          <a:fontRef idx="minor">
+            <a:schemeClr val="lt1"/>
+          </a:fontRef>
+        </p:style>
+        <p:txBody>
+          <a:bodyPr rtlCol="0" anchor="ctr"/>
+          <a:lstStyle/>
+          <a:p>
+            <a:pPr algn="ctr"/>
+            <a:endParaRPr lang="de-DE"/>
+          </a:p>
+        </p:txBody>
+      </p:sp>
+      <p:pic>
+        <p:nvPicPr>
+          <p:cNvPr id="7" name="Grafik 6" descr="Einkauf_XWing.jpg"/>
+          <p:cNvPicPr>
+            <a:picLocks noChangeAspect="1"/>
+          </p:cNvPicPr>
+          <p:nvPr/>
+        </p:nvPicPr>
+        <p:blipFill>
+          <a:blip r:embed="rId7" cstate="print"/>
+          <a:stretch>
+            <a:fillRect/>
+          </a:stretch>
+        </p:blipFill>
+        <p:spPr>
+          <a:xfrm>
+            <a:off x="6418096" y="1628578"/>
+            <a:ext cx="1729155" cy="1327125"/>
+          </a:xfrm>
+          <a:prstGeom prst="rect">
+            <a:avLst/>
+          </a:prstGeom>
+        </p:spPr>
+      </p:pic>
       <p:sp>
         <p:nvSpPr>
           <p:cNvPr id="2" name="Titel 1"/>
@@ -8679,31 +15408,21 @@
             <p:ph type="title"/>
           </p:nvPr>
         </p:nvSpPr>
-        <p:spPr/>
+        <p:spPr>
+          <a:xfrm>
+            <a:off x="8092" y="589784"/>
+            <a:ext cx="8913813" cy="914400"/>
+          </a:xfrm>
+        </p:spPr>
         <p:txBody>
           <a:bodyPr/>
           <a:lstStyle/>
           <a:p>
-            <a:endParaRPr lang="de-DE"/>
-          </a:p>
-        </p:txBody>
-      </p:sp>
-      <p:sp>
-        <p:nvSpPr>
-          <p:cNvPr id="3" name="Inhaltsplatzhalter 2"/>
-          <p:cNvSpPr>
-            <a:spLocks noGrp="1"/>
-          </p:cNvSpPr>
-          <p:nvPr>
-            <p:ph idx="1"/>
-          </p:nvPr>
-        </p:nvSpPr>
-        <p:spPr/>
-        <p:txBody>
-          <a:bodyPr/>
-          <a:lstStyle/>
-          <a:p>
-            <a:endParaRPr lang="de-DE"/>
+            <a:r>
+              <a:rPr lang="de-DE" dirty="0" smtClean="0"/>
+              <a:t>Einblick in die Spielwelt</a:t>
+            </a:r>
+            <a:endParaRPr lang="de-DE" dirty="0"/>
           </a:p>
         </p:txBody>
       </p:sp>
@@ -8770,22 +15489,501 @@
           <a:p>
             <a:fld id="{4A822907-8A9D-4F6B-98F6-913902AD56B5}" type="slidenum">
               <a:rPr lang="en-US" smtClean="0"/>
+              <a:pPr/>
               <a:t>4</a:t>
             </a:fld>
             <a:endParaRPr lang="en-US"/>
+          </a:p>
+        </p:txBody>
+      </p:sp>
+      <p:pic>
+        <p:nvPicPr>
+          <p:cNvPr id="1026" name="Picture 2" descr="C:\Users\Britta\Desktop\Fallstudie\50 Mockups\Einkauf_Corvette.jpg"/>
+          <p:cNvPicPr>
+            <a:picLocks noChangeAspect="1" noChangeArrowheads="1"/>
+          </p:cNvPicPr>
+          <p:nvPr/>
+        </p:nvPicPr>
+        <p:blipFill>
+          <a:blip r:embed="rId8" cstate="print"/>
+          <a:srcRect/>
+          <a:stretch>
+            <a:fillRect/>
+          </a:stretch>
+        </p:blipFill>
+        <p:spPr bwMode="auto">
+          <a:xfrm>
+            <a:off x="6296716" y="4049703"/>
+            <a:ext cx="2139668" cy="1449196"/>
+          </a:xfrm>
+          <a:prstGeom prst="rect">
+            <a:avLst/>
+          </a:prstGeom>
+          <a:noFill/>
+        </p:spPr>
+      </p:pic>
+      <p:pic>
+        <p:nvPicPr>
+          <p:cNvPr id="1028" name="Picture 4" descr="C:\Users\Britta\Desktop\Fallstudie\50 Mockups\Einkauf_Millenium.gif"/>
+          <p:cNvPicPr>
+            <a:picLocks noChangeAspect="1" noChangeArrowheads="1"/>
+          </p:cNvPicPr>
+          <p:nvPr/>
+        </p:nvPicPr>
+        <p:blipFill>
+          <a:blip r:embed="rId9"/>
+          <a:srcRect/>
+          <a:stretch>
+            <a:fillRect/>
+          </a:stretch>
+        </p:blipFill>
+        <p:spPr bwMode="auto">
+          <a:xfrm>
+            <a:off x="6213768" y="2903082"/>
+            <a:ext cx="2443282" cy="1282828"/>
+          </a:xfrm>
+          <a:prstGeom prst="rect">
+            <a:avLst/>
+          </a:prstGeom>
+          <a:noFill/>
+        </p:spPr>
+      </p:pic>
+      <p:graphicFrame>
+        <p:nvGraphicFramePr>
+          <p:cNvPr id="17" name="Diagramm 16"/>
+          <p:cNvGraphicFramePr/>
+          <p:nvPr/>
+        </p:nvGraphicFramePr>
+        <p:xfrm>
+          <a:off x="391114" y="5874819"/>
+          <a:ext cx="8048879" cy="720190"/>
+        </p:xfrm>
+        <a:graphic>
+          <a:graphicData uri="http://schemas.openxmlformats.org/drawingml/2006/diagram">
+            <dgm:relIds xmlns:dgm="http://schemas.openxmlformats.org/drawingml/2006/diagram" xmlns:r="http://schemas.openxmlformats.org/officeDocument/2006/relationships" r:dm="rId10" r:lo="rId11" r:qs="rId12" r:cs="rId13"/>
+          </a:graphicData>
+        </a:graphic>
+      </p:graphicFrame>
+      <p:grpSp>
+        <p:nvGrpSpPr>
+          <p:cNvPr id="18" name="Gruppieren 17"/>
+          <p:cNvGrpSpPr/>
+          <p:nvPr/>
+        </p:nvGrpSpPr>
+        <p:grpSpPr>
+          <a:xfrm>
+            <a:off x="399584" y="4782392"/>
+            <a:ext cx="1979474" cy="849171"/>
+            <a:chOff x="24278" y="973063"/>
+            <a:chExt cx="1882369" cy="752069"/>
+          </a:xfrm>
+        </p:grpSpPr>
+        <p:sp>
+          <p:nvSpPr>
+            <p:cNvPr id="19" name="Abgerundetes Rechteck 18"/>
+            <p:cNvSpPr/>
+            <p:nvPr/>
+          </p:nvSpPr>
+          <p:spPr>
+            <a:xfrm>
+              <a:off x="24278" y="973063"/>
+              <a:ext cx="1882369" cy="752069"/>
+            </a:xfrm>
+            <a:prstGeom prst="roundRect">
+              <a:avLst>
+                <a:gd name="adj" fmla="val 10000"/>
+              </a:avLst>
+            </a:prstGeom>
+            <a:solidFill>
+              <a:schemeClr val="accent5"/>
+            </a:solidFill>
+          </p:spPr>
+          <p:style>
+            <a:lnRef idx="2">
+              <a:schemeClr val="lt2">
+                <a:hueOff val="0"/>
+                <a:satOff val="0"/>
+                <a:lumOff val="0"/>
+                <a:alphaOff val="0"/>
+              </a:schemeClr>
+            </a:lnRef>
+            <a:fillRef idx="1">
+              <a:schemeClr val="dk2">
+                <a:hueOff val="0"/>
+                <a:satOff val="0"/>
+                <a:lumOff val="0"/>
+                <a:alphaOff val="0"/>
+              </a:schemeClr>
+            </a:fillRef>
+            <a:effectRef idx="0">
+              <a:schemeClr val="dk2">
+                <a:hueOff val="0"/>
+                <a:satOff val="0"/>
+                <a:lumOff val="0"/>
+                <a:alphaOff val="0"/>
+              </a:schemeClr>
+            </a:effectRef>
+            <a:fontRef idx="minor">
+              <a:schemeClr val="lt1"/>
+            </a:fontRef>
+          </p:style>
+        </p:sp>
+        <p:sp>
+          <p:nvSpPr>
+            <p:cNvPr id="20" name="Abgerundetes Rechteck 4"/>
+            <p:cNvSpPr/>
+            <p:nvPr/>
+          </p:nvSpPr>
+          <p:spPr>
+            <a:xfrm>
+              <a:off x="49966" y="991432"/>
+              <a:ext cx="1836270" cy="708014"/>
+            </a:xfrm>
+            <a:prstGeom prst="rect">
+              <a:avLst/>
+            </a:prstGeom>
+            <a:solidFill>
+              <a:schemeClr val="accent5"/>
+            </a:solidFill>
+          </p:spPr>
+          <p:style>
+            <a:lnRef idx="0">
+              <a:scrgbClr r="0" g="0" b="0"/>
+            </a:lnRef>
+            <a:fillRef idx="0">
+              <a:scrgbClr r="0" g="0" b="0"/>
+            </a:fillRef>
+            <a:effectRef idx="0">
+              <a:scrgbClr r="0" g="0" b="0"/>
+            </a:effectRef>
+            <a:fontRef idx="minor">
+              <a:schemeClr val="lt1"/>
+            </a:fontRef>
+          </p:style>
+          <p:txBody>
+            <a:bodyPr spcFirstLastPara="0" vert="horz" wrap="square" lIns="17145" tIns="17145" rIns="17145" bIns="17145" numCol="1" spcCol="1270" anchor="ctr" anchorCtr="0">
+              <a:noAutofit/>
+            </a:bodyPr>
+            <a:lstStyle/>
+            <a:p>
+              <a:pPr lvl="0" algn="ctr" defTabSz="1200150">
+                <a:lnSpc>
+                  <a:spcPct val="90000"/>
+                </a:lnSpc>
+                <a:spcBef>
+                  <a:spcPct val="0"/>
+                </a:spcBef>
+                <a:spcAft>
+                  <a:spcPct val="35000"/>
+                </a:spcAft>
+              </a:pPr>
+              <a:r>
+                <a:rPr lang="de-DE" sz="2700" b="1" kern="1200" dirty="0" smtClean="0">
+                  <a:solidFill>
+                    <a:schemeClr val="bg1"/>
+                  </a:solidFill>
+                </a:rPr>
+                <a:t>Bauteile</a:t>
+              </a:r>
+              <a:endParaRPr lang="de-DE" sz="2700" b="1" kern="1200" dirty="0">
+                <a:solidFill>
+                  <a:schemeClr val="bg1"/>
+                </a:solidFill>
+              </a:endParaRPr>
+            </a:p>
+          </p:txBody>
+        </p:sp>
+      </p:grpSp>
+      <p:sp>
+        <p:nvSpPr>
+          <p:cNvPr id="23" name="Inhaltsplatzhalter 2"/>
+          <p:cNvSpPr txBox="1">
+            <a:spLocks/>
+          </p:cNvSpPr>
+          <p:nvPr/>
+        </p:nvSpPr>
+        <p:spPr>
+          <a:xfrm>
+            <a:off x="331773" y="5874819"/>
+            <a:ext cx="8318612" cy="821342"/>
+          </a:xfrm>
+          <a:prstGeom prst="rect">
+            <a:avLst/>
+          </a:prstGeom>
+          <a:solidFill>
+            <a:schemeClr val="bg1">
+              <a:lumMod val="75000"/>
+            </a:schemeClr>
+          </a:solidFill>
+        </p:spPr>
+        <p:style>
+          <a:lnRef idx="2">
+            <a:schemeClr val="dk1"/>
+          </a:lnRef>
+          <a:fillRef idx="1">
+            <a:schemeClr val="lt1"/>
+          </a:fillRef>
+          <a:effectRef idx="0">
+            <a:schemeClr val="dk1"/>
+          </a:effectRef>
+          <a:fontRef idx="minor">
+            <a:schemeClr val="dk1"/>
+          </a:fontRef>
+        </p:style>
+        <p:txBody>
+          <a:bodyPr vert="horz" lIns="91440" tIns="45720" rIns="91440" bIns="45720" rtlCol="0">
+            <a:normAutofit/>
+          </a:bodyPr>
+          <a:lstStyle/>
+          <a:p>
+            <a:pPr>
+              <a:lnSpc>
+                <a:spcPct val="150000"/>
+              </a:lnSpc>
+            </a:pPr>
+            <a:r>
+              <a:rPr lang="de-DE" sz="2400" b="1" dirty="0" smtClean="0"/>
+              <a:t>Bauteilpreise</a:t>
+            </a:r>
+            <a:r>
+              <a:rPr lang="de-DE" sz="2400" dirty="0" smtClean="0"/>
+              <a:t> und </a:t>
+            </a:r>
+            <a:r>
+              <a:rPr lang="de-DE" sz="2400" b="1" dirty="0" smtClean="0"/>
+              <a:t>Raumschiffnachfrage</a:t>
+            </a:r>
+            <a:r>
+              <a:rPr lang="de-DE" sz="2400" dirty="0" smtClean="0"/>
+              <a:t> schwanken!</a:t>
+            </a:r>
           </a:p>
         </p:txBody>
       </p:sp>
     </p:spTree>
     <p:extLst>
       <p:ext uri="{BB962C8B-B14F-4D97-AF65-F5344CB8AC3E}">
-        <p14:creationId xmlns:p14="http://schemas.microsoft.com/office/powerpoint/2010/main" val="1874153870"/>
+        <p14:creationId xmlns:p14="http://schemas.microsoft.com/office/powerpoint/2010/main" xmlns="" val="1874153870"/>
       </p:ext>
     </p:extLst>
   </p:cSld>
   <p:clrMapOvr>
     <a:masterClrMapping/>
   </p:clrMapOvr>
+  <p:transition/>
+  <p:timing>
+    <p:tnLst>
+      <p:par>
+        <p:cTn id="1" dur="indefinite" restart="never" nodeType="tmRoot">
+          <p:childTnLst>
+            <p:seq concurrent="1" nextAc="seek">
+              <p:cTn id="2" dur="indefinite" nodeType="mainSeq">
+                <p:childTnLst>
+                  <p:par>
+                    <p:cTn id="3" fill="hold">
+                      <p:stCondLst>
+                        <p:cond delay="indefinite"/>
+                      </p:stCondLst>
+                      <p:childTnLst>
+                        <p:par>
+                          <p:cTn id="4" fill="hold">
+                            <p:stCondLst>
+                              <p:cond delay="0"/>
+                            </p:stCondLst>
+                            <p:childTnLst>
+                              <p:par>
+                                <p:cTn id="5" presetID="3" presetClass="entr" presetSubtype="10" fill="hold" grpId="0" nodeType="clickEffect">
+                                  <p:stCondLst>
+                                    <p:cond delay="0"/>
+                                  </p:stCondLst>
+                                  <p:childTnLst>
+                                    <p:set>
+                                      <p:cBhvr>
+                                        <p:cTn id="6" dur="1" fill="hold">
+                                          <p:stCondLst>
+                                            <p:cond delay="0"/>
+                                          </p:stCondLst>
+                                        </p:cTn>
+                                        <p:tgtEl>
+                                          <p:spTgt spid="22"/>
+                                        </p:tgtEl>
+                                        <p:attrNameLst>
+                                          <p:attrName>style.visibility</p:attrName>
+                                        </p:attrNameLst>
+                                      </p:cBhvr>
+                                      <p:to>
+                                        <p:strVal val="visible"/>
+                                      </p:to>
+                                    </p:set>
+                                    <p:animEffect transition="in" filter="blinds(horizontal)">
+                                      <p:cBhvr>
+                                        <p:cTn id="7" dur="500"/>
+                                        <p:tgtEl>
+                                          <p:spTgt spid="22"/>
+                                        </p:tgtEl>
+                                      </p:cBhvr>
+                                    </p:animEffect>
+                                  </p:childTnLst>
+                                </p:cTn>
+                              </p:par>
+                              <p:par>
+                                <p:cTn id="8" presetID="3" presetClass="entr" presetSubtype="10" fill="hold" nodeType="withEffect">
+                                  <p:stCondLst>
+                                    <p:cond delay="0"/>
+                                  </p:stCondLst>
+                                  <p:childTnLst>
+                                    <p:set>
+                                      <p:cBhvr>
+                                        <p:cTn id="9" dur="1" fill="hold">
+                                          <p:stCondLst>
+                                            <p:cond delay="0"/>
+                                          </p:stCondLst>
+                                        </p:cTn>
+                                        <p:tgtEl>
+                                          <p:spTgt spid="18"/>
+                                        </p:tgtEl>
+                                        <p:attrNameLst>
+                                          <p:attrName>style.visibility</p:attrName>
+                                        </p:attrNameLst>
+                                      </p:cBhvr>
+                                      <p:to>
+                                        <p:strVal val="visible"/>
+                                      </p:to>
+                                    </p:set>
+                                    <p:animEffect transition="in" filter="blinds(horizontal)">
+                                      <p:cBhvr>
+                                        <p:cTn id="10" dur="500"/>
+                                        <p:tgtEl>
+                                          <p:spTgt spid="18"/>
+                                        </p:tgtEl>
+                                      </p:cBhvr>
+                                    </p:animEffect>
+                                  </p:childTnLst>
+                                </p:cTn>
+                              </p:par>
+                              <p:par>
+                                <p:cTn id="11" presetID="3" presetClass="entr" presetSubtype="10" fill="hold" grpId="0" nodeType="withEffect">
+                                  <p:stCondLst>
+                                    <p:cond delay="0"/>
+                                  </p:stCondLst>
+                                  <p:childTnLst>
+                                    <p:set>
+                                      <p:cBhvr>
+                                        <p:cTn id="12" dur="1" fill="hold">
+                                          <p:stCondLst>
+                                            <p:cond delay="0"/>
+                                          </p:stCondLst>
+                                        </p:cTn>
+                                        <p:tgtEl>
+                                          <p:spTgt spid="17"/>
+                                        </p:tgtEl>
+                                        <p:attrNameLst>
+                                          <p:attrName>style.visibility</p:attrName>
+                                        </p:attrNameLst>
+                                      </p:cBhvr>
+                                      <p:to>
+                                        <p:strVal val="visible"/>
+                                      </p:to>
+                                    </p:set>
+                                    <p:animEffect transition="in" filter="blinds(horizontal)">
+                                      <p:cBhvr>
+                                        <p:cTn id="13" dur="500"/>
+                                        <p:tgtEl>
+                                          <p:spTgt spid="17"/>
+                                        </p:tgtEl>
+                                      </p:cBhvr>
+                                    </p:animEffect>
+                                  </p:childTnLst>
+                                </p:cTn>
+                              </p:par>
+                            </p:childTnLst>
+                          </p:cTn>
+                        </p:par>
+                      </p:childTnLst>
+                    </p:cTn>
+                  </p:par>
+                  <p:par>
+                    <p:cTn id="14" fill="hold">
+                      <p:stCondLst>
+                        <p:cond delay="indefinite"/>
+                      </p:stCondLst>
+                      <p:childTnLst>
+                        <p:par>
+                          <p:cTn id="15" fill="hold">
+                            <p:stCondLst>
+                              <p:cond delay="0"/>
+                            </p:stCondLst>
+                            <p:childTnLst>
+                              <p:par>
+                                <p:cTn id="16" presetID="3" presetClass="entr" presetSubtype="10" fill="hold" grpId="0" nodeType="clickEffect">
+                                  <p:stCondLst>
+                                    <p:cond delay="0"/>
+                                  </p:stCondLst>
+                                  <p:childTnLst>
+                                    <p:set>
+                                      <p:cBhvr>
+                                        <p:cTn id="17" dur="1" fill="hold">
+                                          <p:stCondLst>
+                                            <p:cond delay="0"/>
+                                          </p:stCondLst>
+                                        </p:cTn>
+                                        <p:tgtEl>
+                                          <p:spTgt spid="23"/>
+                                        </p:tgtEl>
+                                        <p:attrNameLst>
+                                          <p:attrName>style.visibility</p:attrName>
+                                        </p:attrNameLst>
+                                      </p:cBhvr>
+                                      <p:to>
+                                        <p:strVal val="visible"/>
+                                      </p:to>
+                                    </p:set>
+                                    <p:animEffect transition="in" filter="blinds(horizontal)">
+                                      <p:cBhvr>
+                                        <p:cTn id="18" dur="500"/>
+                                        <p:tgtEl>
+                                          <p:spTgt spid="23"/>
+                                        </p:tgtEl>
+                                      </p:cBhvr>
+                                    </p:animEffect>
+                                  </p:childTnLst>
+                                </p:cTn>
+                              </p:par>
+                            </p:childTnLst>
+                          </p:cTn>
+                        </p:par>
+                      </p:childTnLst>
+                    </p:cTn>
+                  </p:par>
+                </p:childTnLst>
+              </p:cTn>
+              <p:prevCondLst>
+                <p:cond evt="onPrev" delay="0">
+                  <p:tgtEl>
+                    <p:sldTgt/>
+                  </p:tgtEl>
+                </p:cond>
+              </p:prevCondLst>
+              <p:nextCondLst>
+                <p:cond evt="onNext" delay="0">
+                  <p:tgtEl>
+                    <p:sldTgt/>
+                  </p:tgtEl>
+                </p:cond>
+              </p:nextCondLst>
+            </p:seq>
+          </p:childTnLst>
+        </p:cTn>
+      </p:par>
+    </p:tnLst>
+    <p:bldLst>
+      <p:bldP spid="22" grpId="0" animBg="1"/>
+      <p:bldGraphic spid="17" grpId="0">
+        <p:bldAsOne/>
+      </p:bldGraphic>
+      <p:bldP spid="23" grpId="0" animBg="1"/>
+    </p:bldLst>
+  </p:timing>
 </p:sld>
 </file>
 
@@ -8818,36 +16016,22 @@
         </p:nvSpPr>
         <p:spPr/>
         <p:txBody>
-          <a:bodyPr/>
+          <a:bodyPr>
+            <a:normAutofit/>
+          </a:bodyPr>
           <a:lstStyle/>
           <a:p>
             <a:r>
-              <a:rPr lang="de-DE" dirty="0" err="1" smtClean="0">
-                <a:solidFill>
-                  <a:srgbClr val="E4C402"/>
-                </a:solidFill>
-              </a:rPr>
-              <a:t>Use</a:t>
+              <a:rPr lang="de-DE" dirty="0" smtClean="0"/>
+              <a:t>Lager</a:t>
             </a:r>
-            <a:r>
-              <a:rPr lang="de-DE" dirty="0" smtClean="0">
-                <a:solidFill>
-                  <a:srgbClr val="E4C402"/>
-                </a:solidFill>
-              </a:rPr>
-              <a:t> Case</a:t>
-            </a:r>
-            <a:endParaRPr lang="de-DE" dirty="0">
-              <a:solidFill>
-                <a:srgbClr val="E4C402"/>
-              </a:solidFill>
-            </a:endParaRPr>
+            <a:endParaRPr lang="de-DE" dirty="0"/>
           </a:p>
         </p:txBody>
       </p:sp>
       <p:sp>
         <p:nvSpPr>
-          <p:cNvPr id="3" name="Datumsplatzhalter 2"/>
+          <p:cNvPr id="4" name="Datumsplatzhalter 3"/>
           <p:cNvSpPr>
             <a:spLocks noGrp="1"/>
           </p:cNvSpPr>
@@ -8870,7 +16054,7 @@
       </p:sp>
       <p:sp>
         <p:nvSpPr>
-          <p:cNvPr id="4" name="Fußzeilenplatzhalter 3"/>
+          <p:cNvPr id="5" name="Fußzeilenplatzhalter 4"/>
           <p:cNvSpPr>
             <a:spLocks noGrp="1"/>
           </p:cNvSpPr>
@@ -8893,7 +16077,7 @@
       </p:sp>
       <p:sp>
         <p:nvSpPr>
-          <p:cNvPr id="5" name="Foliennummernplatzhalter 4"/>
+          <p:cNvPr id="6" name="Foliennummernplatzhalter 5"/>
           <p:cNvSpPr>
             <a:spLocks noGrp="1"/>
           </p:cNvSpPr>
@@ -8908,22 +16092,63 @@
           <a:p>
             <a:fld id="{4A822907-8A9D-4F6B-98F6-913902AD56B5}" type="slidenum">
               <a:rPr lang="en-US" smtClean="0"/>
+              <a:pPr/>
               <a:t>5</a:t>
             </a:fld>
             <a:endParaRPr lang="en-US"/>
+          </a:p>
+        </p:txBody>
+      </p:sp>
+      <p:sp>
+        <p:nvSpPr>
+          <p:cNvPr id="12" name="Inhaltsplatzhalter 11"/>
+          <p:cNvSpPr>
+            <a:spLocks noGrp="1"/>
+          </p:cNvSpPr>
+          <p:nvPr>
+            <p:ph idx="1"/>
+          </p:nvPr>
+        </p:nvSpPr>
+        <p:spPr/>
+        <p:txBody>
+          <a:bodyPr/>
+          <a:lstStyle/>
+          <a:p>
+            <a:r>
+              <a:rPr lang="de-DE" dirty="0" smtClean="0"/>
+              <a:t>Nichtverbaute Bauteile und nichtverkaufte Raumschiffe werden gelagert</a:t>
+            </a:r>
+          </a:p>
+          <a:p>
+            <a:r>
+              <a:rPr lang="de-DE" b="1" dirty="0" smtClean="0"/>
+              <a:t>Kosten</a:t>
+            </a:r>
+            <a:r>
+              <a:rPr lang="de-DE" dirty="0" smtClean="0"/>
+              <a:t> für Lagerung</a:t>
+            </a:r>
+            <a:endParaRPr lang="de-DE" dirty="0"/>
           </a:p>
         </p:txBody>
       </p:sp>
     </p:spTree>
     <p:extLst>
       <p:ext uri="{BB962C8B-B14F-4D97-AF65-F5344CB8AC3E}">
-        <p14:creationId xmlns:p14="http://schemas.microsoft.com/office/powerpoint/2010/main" val="2161015239"/>
+        <p14:creationId xmlns:p14="http://schemas.microsoft.com/office/powerpoint/2010/main" xmlns="" val="1874153870"/>
       </p:ext>
     </p:extLst>
   </p:cSld>
   <p:clrMapOvr>
     <a:masterClrMapping/>
   </p:clrMapOvr>
+  <p:timing>
+    <p:tnLst>
+      <p:par>
+        <p:cTn id="1" dur="indefinite" restart="never" nodeType="tmRoot"/>
+      </p:par>
+    </p:tnLst>
+  </p:timing>
 </p:sld>
 </file>
 
@@ -8956,54 +16181,22 @@
         </p:nvSpPr>
         <p:spPr/>
         <p:txBody>
-          <a:bodyPr/>
+          <a:bodyPr>
+            <a:normAutofit/>
+          </a:bodyPr>
           <a:lstStyle/>
           <a:p>
-            <a:endParaRPr lang="de-DE"/>
+            <a:r>
+              <a:rPr lang="de-DE" dirty="0" smtClean="0"/>
+              <a:t>Personal </a:t>
+            </a:r>
+            <a:endParaRPr lang="de-DE" dirty="0"/>
           </a:p>
         </p:txBody>
       </p:sp>
       <p:sp>
         <p:nvSpPr>
-          <p:cNvPr id="3" name="Inhaltsplatzhalter 2"/>
-          <p:cNvSpPr>
-            <a:spLocks noGrp="1"/>
-          </p:cNvSpPr>
-          <p:nvPr>
-            <p:ph sz="half" idx="1"/>
-          </p:nvPr>
-        </p:nvSpPr>
-        <p:spPr/>
-        <p:txBody>
-          <a:bodyPr/>
-          <a:lstStyle/>
-          <a:p>
-            <a:endParaRPr lang="de-DE"/>
-          </a:p>
-        </p:txBody>
-      </p:sp>
-      <p:sp>
-        <p:nvSpPr>
-          <p:cNvPr id="4" name="Inhaltsplatzhalter 3"/>
-          <p:cNvSpPr>
-            <a:spLocks noGrp="1"/>
-          </p:cNvSpPr>
-          <p:nvPr>
-            <p:ph sz="half" idx="2"/>
-          </p:nvPr>
-        </p:nvSpPr>
-        <p:spPr/>
-        <p:txBody>
-          <a:bodyPr/>
-          <a:lstStyle/>
-          <a:p>
-            <a:endParaRPr lang="de-DE"/>
-          </a:p>
-        </p:txBody>
-      </p:sp>
-      <p:sp>
-        <p:nvSpPr>
-          <p:cNvPr id="5" name="Datumsplatzhalter 4"/>
+          <p:cNvPr id="4" name="Datumsplatzhalter 3"/>
           <p:cNvSpPr>
             <a:spLocks noGrp="1"/>
           </p:cNvSpPr>
@@ -9026,7 +16219,7 @@
       </p:sp>
       <p:sp>
         <p:nvSpPr>
-          <p:cNvPr id="6" name="Fußzeilenplatzhalter 5"/>
+          <p:cNvPr id="5" name="Fußzeilenplatzhalter 4"/>
           <p:cNvSpPr>
             <a:spLocks noGrp="1"/>
           </p:cNvSpPr>
@@ -9049,7 +16242,7 @@
       </p:sp>
       <p:sp>
         <p:nvSpPr>
-          <p:cNvPr id="7" name="Foliennummernplatzhalter 6"/>
+          <p:cNvPr id="6" name="Foliennummernplatzhalter 5"/>
           <p:cNvSpPr>
             <a:spLocks noGrp="1"/>
           </p:cNvSpPr>
@@ -9064,22 +16257,794 @@
           <a:p>
             <a:fld id="{4A822907-8A9D-4F6B-98F6-913902AD56B5}" type="slidenum">
               <a:rPr lang="en-US" smtClean="0"/>
+              <a:pPr/>
               <a:t>6</a:t>
             </a:fld>
             <a:endParaRPr lang="en-US"/>
+          </a:p>
+        </p:txBody>
+      </p:sp>
+      <p:sp>
+        <p:nvSpPr>
+          <p:cNvPr id="8" name="Inhaltsplatzhalter 2"/>
+          <p:cNvSpPr>
+            <a:spLocks noGrp="1"/>
+          </p:cNvSpPr>
+          <p:nvPr>
+            <p:ph idx="1"/>
+          </p:nvPr>
+        </p:nvSpPr>
+        <p:spPr>
+          <a:xfrm>
+            <a:off x="364142" y="5235546"/>
+            <a:ext cx="8318612" cy="1333530"/>
+          </a:xfrm>
+          <a:solidFill>
+            <a:schemeClr val="bg1">
+              <a:lumMod val="75000"/>
+            </a:schemeClr>
+          </a:solidFill>
+        </p:spPr>
+        <p:style>
+          <a:lnRef idx="2">
+            <a:schemeClr val="dk1"/>
+          </a:lnRef>
+          <a:fillRef idx="1">
+            <a:schemeClr val="lt1"/>
+          </a:fillRef>
+          <a:effectRef idx="0">
+            <a:schemeClr val="dk1"/>
+          </a:effectRef>
+          <a:fontRef idx="minor">
+            <a:schemeClr val="dk1"/>
+          </a:fontRef>
+        </p:style>
+        <p:txBody>
+          <a:bodyPr>
+            <a:normAutofit/>
+          </a:bodyPr>
+          <a:lstStyle/>
+          <a:p>
+            <a:r>
+              <a:rPr lang="de-DE" dirty="0" smtClean="0"/>
+              <a:t>die Qualitätsstufen steuern </a:t>
+            </a:r>
+            <a:r>
+              <a:rPr lang="de-DE" b="1" dirty="0" smtClean="0"/>
+              <a:t>möglichen Zusatzkosten, </a:t>
+            </a:r>
+            <a:r>
+              <a:rPr lang="de-DE" dirty="0" smtClean="0"/>
+              <a:t>die bei der Produktion anfallen </a:t>
+            </a:r>
+          </a:p>
+          <a:p>
+            <a:r>
+              <a:rPr lang="de-DE" dirty="0" smtClean="0"/>
+              <a:t>Personalkosten </a:t>
+            </a:r>
+            <a:r>
+              <a:rPr lang="de-DE" b="1" dirty="0" smtClean="0"/>
+              <a:t>schwanken</a:t>
+            </a:r>
+          </a:p>
+        </p:txBody>
+      </p:sp>
+      <p:pic>
+        <p:nvPicPr>
+          <p:cNvPr id="10243" name="Picture 3" descr="http://images2.wikia.nocookie.net/__cb20090429161102/starwars/images/3/3b/B1_YCDSW.jpg"/>
+          <p:cNvPicPr>
+            <a:picLocks noChangeAspect="1" noChangeArrowheads="1"/>
+          </p:cNvPicPr>
+          <p:nvPr/>
+        </p:nvPicPr>
+        <p:blipFill>
+          <a:blip r:embed="rId3" cstate="print"/>
+          <a:srcRect/>
+          <a:stretch>
+            <a:fillRect/>
+          </a:stretch>
+        </p:blipFill>
+        <p:spPr bwMode="auto">
+          <a:xfrm>
+            <a:off x="3927938" y="2412136"/>
+            <a:ext cx="1639382" cy="1879910"/>
+          </a:xfrm>
+          <a:prstGeom prst="rect">
+            <a:avLst/>
+          </a:prstGeom>
+          <a:noFill/>
+        </p:spPr>
+      </p:pic>
+      <p:pic>
+        <p:nvPicPr>
+          <p:cNvPr id="10247" name="Picture 7" descr="http://www.tutikepek.eoldal.hu/img/mid/238/droidika--harci-.jpg"/>
+          <p:cNvPicPr>
+            <a:picLocks noChangeAspect="1" noChangeArrowheads="1"/>
+          </p:cNvPicPr>
+          <p:nvPr/>
+        </p:nvPicPr>
+        <p:blipFill>
+          <a:blip r:embed="rId4"/>
+          <a:srcRect/>
+          <a:stretch>
+            <a:fillRect/>
+          </a:stretch>
+        </p:blipFill>
+        <p:spPr bwMode="auto">
+          <a:xfrm>
+            <a:off x="6936142" y="2396324"/>
+            <a:ext cx="1493139" cy="2087672"/>
+          </a:xfrm>
+          <a:prstGeom prst="rect">
+            <a:avLst/>
+          </a:prstGeom>
+          <a:noFill/>
+        </p:spPr>
+      </p:pic>
+      <p:pic>
+        <p:nvPicPr>
+          <p:cNvPr id="13" name="Grafik 12" descr="41IXITCtVwL._SL500_AA300_.jpg"/>
+          <p:cNvPicPr>
+            <a:picLocks noChangeAspect="1"/>
+          </p:cNvPicPr>
+          <p:nvPr/>
+        </p:nvPicPr>
+        <p:blipFill>
+          <a:blip r:embed="rId5" cstate="print"/>
+          <a:stretch>
+            <a:fillRect/>
+          </a:stretch>
+        </p:blipFill>
+        <p:spPr>
+          <a:xfrm>
+            <a:off x="812312" y="2428692"/>
+            <a:ext cx="1921008" cy="1921008"/>
+          </a:xfrm>
+          <a:prstGeom prst="rect">
+            <a:avLst/>
+          </a:prstGeom>
+        </p:spPr>
+      </p:pic>
+      <p:pic>
+        <p:nvPicPr>
+          <p:cNvPr id="18" name="Picture 9" descr="180px-Symbol_star_gold.svg.png (180×185)"/>
+          <p:cNvPicPr>
+            <a:picLocks noChangeAspect="1" noChangeArrowheads="1"/>
+          </p:cNvPicPr>
+          <p:nvPr/>
+        </p:nvPicPr>
+        <p:blipFill>
+          <a:blip r:embed="rId6" cstate="print"/>
+          <a:srcRect/>
+          <a:stretch>
+            <a:fillRect/>
+          </a:stretch>
+        </p:blipFill>
+        <p:spPr bwMode="auto">
+          <a:xfrm>
+            <a:off x="6281037" y="2545693"/>
+            <a:ext cx="560432" cy="576000"/>
+          </a:xfrm>
+          <a:prstGeom prst="rect">
+            <a:avLst/>
+          </a:prstGeom>
+          <a:noFill/>
+        </p:spPr>
+      </p:pic>
+      <p:pic>
+        <p:nvPicPr>
+          <p:cNvPr id="21" name="Picture 9" descr="180px-Symbol_star_gold.svg.png (180×185)"/>
+          <p:cNvPicPr>
+            <a:picLocks noChangeAspect="1" noChangeArrowheads="1"/>
+          </p:cNvPicPr>
+          <p:nvPr/>
+        </p:nvPicPr>
+        <p:blipFill>
+          <a:blip r:embed="rId6" cstate="print"/>
+          <a:srcRect/>
+          <a:stretch>
+            <a:fillRect/>
+          </a:stretch>
+        </p:blipFill>
+        <p:spPr bwMode="auto">
+          <a:xfrm>
+            <a:off x="6281037" y="3705785"/>
+            <a:ext cx="560432" cy="576000"/>
+          </a:xfrm>
+          <a:prstGeom prst="rect">
+            <a:avLst/>
+          </a:prstGeom>
+          <a:noFill/>
+        </p:spPr>
+      </p:pic>
+      <p:pic>
+        <p:nvPicPr>
+          <p:cNvPr id="22" name="Picture 9" descr="180px-Symbol_star_gold.svg.png (180×185)"/>
+          <p:cNvPicPr>
+            <a:picLocks noChangeAspect="1" noChangeArrowheads="1"/>
+          </p:cNvPicPr>
+          <p:nvPr/>
+        </p:nvPicPr>
+        <p:blipFill>
+          <a:blip r:embed="rId6" cstate="print"/>
+          <a:srcRect/>
+          <a:stretch>
+            <a:fillRect/>
+          </a:stretch>
+        </p:blipFill>
+        <p:spPr bwMode="auto">
+          <a:xfrm>
+            <a:off x="6281037" y="3121693"/>
+            <a:ext cx="560432" cy="576000"/>
+          </a:xfrm>
+          <a:prstGeom prst="rect">
+            <a:avLst/>
+          </a:prstGeom>
+          <a:noFill/>
+        </p:spPr>
+      </p:pic>
+      <p:pic>
+        <p:nvPicPr>
+          <p:cNvPr id="23" name="Picture 9" descr="180px-Symbol_star_gold.svg.png (180×185)"/>
+          <p:cNvPicPr>
+            <a:picLocks noChangeAspect="1" noChangeArrowheads="1"/>
+          </p:cNvPicPr>
+          <p:nvPr/>
+        </p:nvPicPr>
+        <p:blipFill>
+          <a:blip r:embed="rId6" cstate="print"/>
+          <a:srcRect/>
+          <a:stretch>
+            <a:fillRect/>
+          </a:stretch>
+        </p:blipFill>
+        <p:spPr bwMode="auto">
+          <a:xfrm>
+            <a:off x="3367506" y="2545693"/>
+            <a:ext cx="560432" cy="576000"/>
+          </a:xfrm>
+          <a:prstGeom prst="rect">
+            <a:avLst/>
+          </a:prstGeom>
+          <a:noFill/>
+        </p:spPr>
+      </p:pic>
+      <p:pic>
+        <p:nvPicPr>
+          <p:cNvPr id="24" name="Picture 9" descr="180px-Symbol_star_gold.svg.png (180×185)"/>
+          <p:cNvPicPr>
+            <a:picLocks noChangeAspect="1" noChangeArrowheads="1"/>
+          </p:cNvPicPr>
+          <p:nvPr/>
+        </p:nvPicPr>
+        <p:blipFill>
+          <a:blip r:embed="rId6" cstate="print"/>
+          <a:srcRect/>
+          <a:stretch>
+            <a:fillRect/>
+          </a:stretch>
+        </p:blipFill>
+        <p:spPr bwMode="auto">
+          <a:xfrm>
+            <a:off x="3367506" y="3129785"/>
+            <a:ext cx="560432" cy="576000"/>
+          </a:xfrm>
+          <a:prstGeom prst="rect">
+            <a:avLst/>
+          </a:prstGeom>
+          <a:noFill/>
+        </p:spPr>
+      </p:pic>
+      <p:pic>
+        <p:nvPicPr>
+          <p:cNvPr id="25" name="Picture 9" descr="180px-Symbol_star_gold.svg.png (180×185)"/>
+          <p:cNvPicPr>
+            <a:picLocks noChangeAspect="1" noChangeArrowheads="1"/>
+          </p:cNvPicPr>
+          <p:nvPr/>
+        </p:nvPicPr>
+        <p:blipFill>
+          <a:blip r:embed="rId6" cstate="print"/>
+          <a:srcRect/>
+          <a:stretch>
+            <a:fillRect/>
+          </a:stretch>
+        </p:blipFill>
+        <p:spPr bwMode="auto">
+          <a:xfrm>
+            <a:off x="532096" y="2553785"/>
+            <a:ext cx="560432" cy="576000"/>
+          </a:xfrm>
+          <a:prstGeom prst="rect">
+            <a:avLst/>
+          </a:prstGeom>
+          <a:noFill/>
+        </p:spPr>
+      </p:pic>
+      <p:sp>
+        <p:nvSpPr>
+          <p:cNvPr id="26" name="Textfeld 25"/>
+          <p:cNvSpPr txBox="1"/>
+          <p:nvPr/>
+        </p:nvSpPr>
+        <p:spPr>
+          <a:xfrm>
+            <a:off x="364142" y="4483996"/>
+            <a:ext cx="2540899" cy="461665"/>
+          </a:xfrm>
+          <a:prstGeom prst="rect">
+            <a:avLst/>
+          </a:prstGeom>
+          <a:solidFill>
+            <a:schemeClr val="tx1">
+              <a:lumMod val="65000"/>
+              <a:lumOff val="35000"/>
+            </a:schemeClr>
+          </a:solidFill>
+          <a:ln w="19050">
+            <a:solidFill>
+              <a:schemeClr val="tx1">
+                <a:lumMod val="65000"/>
+                <a:lumOff val="35000"/>
+              </a:schemeClr>
+            </a:solidFill>
+          </a:ln>
+        </p:spPr>
+        <p:txBody>
+          <a:bodyPr wrap="square" rtlCol="0">
+            <a:spAutoFit/>
+          </a:bodyPr>
+          <a:lstStyle/>
+          <a:p>
+            <a:pPr algn="ctr"/>
+            <a:r>
+              <a:rPr lang="de-DE" sz="2400" b="1" dirty="0" smtClean="0">
+                <a:solidFill>
+                  <a:schemeClr val="accent3"/>
+                </a:solidFill>
+              </a:rPr>
+              <a:t>R2D2</a:t>
+            </a:r>
+            <a:endParaRPr lang="de-DE" b="1" dirty="0">
+              <a:solidFill>
+                <a:schemeClr val="accent3"/>
+              </a:solidFill>
+            </a:endParaRPr>
+          </a:p>
+        </p:txBody>
+      </p:sp>
+      <p:sp>
+        <p:nvSpPr>
+          <p:cNvPr id="27" name="Rechteck 26"/>
+          <p:cNvSpPr/>
+          <p:nvPr/>
+        </p:nvSpPr>
+        <p:spPr>
+          <a:xfrm>
+            <a:off x="364142" y="2428692"/>
+            <a:ext cx="2540899" cy="2055304"/>
+          </a:xfrm>
+          <a:prstGeom prst="rect">
+            <a:avLst/>
+          </a:prstGeom>
+          <a:noFill/>
+          <a:ln>
+            <a:solidFill>
+              <a:schemeClr val="tx1">
+                <a:lumMod val="50000"/>
+                <a:lumOff val="50000"/>
+              </a:schemeClr>
+            </a:solidFill>
+          </a:ln>
+        </p:spPr>
+        <p:style>
+          <a:lnRef idx="1">
+            <a:schemeClr val="accent1"/>
+          </a:lnRef>
+          <a:fillRef idx="3">
+            <a:schemeClr val="accent1"/>
+          </a:fillRef>
+          <a:effectRef idx="2">
+            <a:schemeClr val="accent1"/>
+          </a:effectRef>
+          <a:fontRef idx="minor">
+            <a:schemeClr val="lt1"/>
+          </a:fontRef>
+        </p:style>
+        <p:txBody>
+          <a:bodyPr rtlCol="0" anchor="ctr"/>
+          <a:lstStyle/>
+          <a:p>
+            <a:pPr algn="ctr"/>
+            <a:endParaRPr lang="de-DE"/>
+          </a:p>
+        </p:txBody>
+      </p:sp>
+      <p:sp>
+        <p:nvSpPr>
+          <p:cNvPr id="28" name="Rechteck 27"/>
+          <p:cNvSpPr/>
+          <p:nvPr/>
+        </p:nvSpPr>
+        <p:spPr>
+          <a:xfrm>
+            <a:off x="3252998" y="2428692"/>
+            <a:ext cx="2540899" cy="2055304"/>
+          </a:xfrm>
+          <a:prstGeom prst="rect">
+            <a:avLst/>
+          </a:prstGeom>
+          <a:noFill/>
+          <a:ln>
+            <a:solidFill>
+              <a:schemeClr val="tx1">
+                <a:lumMod val="50000"/>
+                <a:lumOff val="50000"/>
+              </a:schemeClr>
+            </a:solidFill>
+          </a:ln>
+        </p:spPr>
+        <p:style>
+          <a:lnRef idx="1">
+            <a:schemeClr val="accent1"/>
+          </a:lnRef>
+          <a:fillRef idx="3">
+            <a:schemeClr val="accent1"/>
+          </a:fillRef>
+          <a:effectRef idx="2">
+            <a:schemeClr val="accent1"/>
+          </a:effectRef>
+          <a:fontRef idx="minor">
+            <a:schemeClr val="lt1"/>
+          </a:fontRef>
+        </p:style>
+        <p:txBody>
+          <a:bodyPr rtlCol="0" anchor="ctr"/>
+          <a:lstStyle/>
+          <a:p>
+            <a:pPr algn="ctr"/>
+            <a:endParaRPr lang="de-DE"/>
+          </a:p>
+        </p:txBody>
+      </p:sp>
+      <p:sp>
+        <p:nvSpPr>
+          <p:cNvPr id="29" name="Rechteck 28"/>
+          <p:cNvSpPr/>
+          <p:nvPr/>
+        </p:nvSpPr>
+        <p:spPr>
+          <a:xfrm>
+            <a:off x="6124322" y="2420600"/>
+            <a:ext cx="2540899" cy="2055304"/>
+          </a:xfrm>
+          <a:prstGeom prst="rect">
+            <a:avLst/>
+          </a:prstGeom>
+          <a:noFill/>
+          <a:ln>
+            <a:solidFill>
+              <a:schemeClr val="tx1">
+                <a:lumMod val="50000"/>
+                <a:lumOff val="50000"/>
+              </a:schemeClr>
+            </a:solidFill>
+          </a:ln>
+        </p:spPr>
+        <p:style>
+          <a:lnRef idx="1">
+            <a:schemeClr val="accent1"/>
+          </a:lnRef>
+          <a:fillRef idx="3">
+            <a:schemeClr val="accent1"/>
+          </a:fillRef>
+          <a:effectRef idx="2">
+            <a:schemeClr val="accent1"/>
+          </a:effectRef>
+          <a:fontRef idx="minor">
+            <a:schemeClr val="lt1"/>
+          </a:fontRef>
+        </p:style>
+        <p:txBody>
+          <a:bodyPr rtlCol="0" anchor="ctr"/>
+          <a:lstStyle/>
+          <a:p>
+            <a:pPr algn="ctr"/>
+            <a:endParaRPr lang="de-DE"/>
+          </a:p>
+        </p:txBody>
+      </p:sp>
+      <p:sp>
+        <p:nvSpPr>
+          <p:cNvPr id="30" name="Textfeld 29"/>
+          <p:cNvSpPr txBox="1"/>
+          <p:nvPr/>
+        </p:nvSpPr>
+        <p:spPr>
+          <a:xfrm>
+            <a:off x="3252998" y="4483996"/>
+            <a:ext cx="2540899" cy="461665"/>
+          </a:xfrm>
+          <a:prstGeom prst="rect">
+            <a:avLst/>
+          </a:prstGeom>
+          <a:solidFill>
+            <a:schemeClr val="tx1">
+              <a:lumMod val="65000"/>
+              <a:lumOff val="35000"/>
+            </a:schemeClr>
+          </a:solidFill>
+          <a:ln w="19050">
+            <a:solidFill>
+              <a:schemeClr val="tx1">
+                <a:lumMod val="65000"/>
+                <a:lumOff val="35000"/>
+              </a:schemeClr>
+            </a:solidFill>
+          </a:ln>
+        </p:spPr>
+        <p:txBody>
+          <a:bodyPr wrap="square" rtlCol="0">
+            <a:spAutoFit/>
+          </a:bodyPr>
+          <a:lstStyle/>
+          <a:p>
+            <a:pPr algn="ctr"/>
+            <a:r>
+              <a:rPr lang="de-DE" sz="2400" b="1" dirty="0" err="1" smtClean="0">
+                <a:solidFill>
+                  <a:schemeClr val="accent3"/>
+                </a:solidFill>
+              </a:rPr>
+              <a:t>Kampfdroide</a:t>
+            </a:r>
+            <a:endParaRPr lang="de-DE" b="1" dirty="0">
+              <a:solidFill>
+                <a:schemeClr val="accent3"/>
+              </a:solidFill>
+            </a:endParaRPr>
+          </a:p>
+        </p:txBody>
+      </p:sp>
+      <p:sp>
+        <p:nvSpPr>
+          <p:cNvPr id="31" name="Textfeld 30"/>
+          <p:cNvSpPr txBox="1"/>
+          <p:nvPr/>
+        </p:nvSpPr>
+        <p:spPr>
+          <a:xfrm>
+            <a:off x="6124322" y="4483996"/>
+            <a:ext cx="2540899" cy="461665"/>
+          </a:xfrm>
+          <a:prstGeom prst="rect">
+            <a:avLst/>
+          </a:prstGeom>
+          <a:solidFill>
+            <a:schemeClr val="tx1">
+              <a:lumMod val="65000"/>
+              <a:lumOff val="35000"/>
+            </a:schemeClr>
+          </a:solidFill>
+          <a:ln w="19050">
+            <a:solidFill>
+              <a:schemeClr val="tx1">
+                <a:lumMod val="65000"/>
+                <a:lumOff val="35000"/>
+              </a:schemeClr>
+            </a:solidFill>
+          </a:ln>
+        </p:spPr>
+        <p:txBody>
+          <a:bodyPr wrap="square" rtlCol="0">
+            <a:spAutoFit/>
+          </a:bodyPr>
+          <a:lstStyle/>
+          <a:p>
+            <a:pPr algn="ctr"/>
+            <a:r>
+              <a:rPr lang="de-DE" sz="2400" b="1" dirty="0" err="1" smtClean="0">
+                <a:solidFill>
+                  <a:schemeClr val="accent3"/>
+                </a:solidFill>
+              </a:rPr>
+              <a:t>Droideka</a:t>
+            </a:r>
+            <a:endParaRPr lang="de-DE" b="1" dirty="0">
+              <a:solidFill>
+                <a:schemeClr val="accent3"/>
+              </a:solidFill>
+            </a:endParaRPr>
           </a:p>
         </p:txBody>
       </p:sp>
     </p:spTree>
     <p:extLst>
       <p:ext uri="{BB962C8B-B14F-4D97-AF65-F5344CB8AC3E}">
-        <p14:creationId xmlns:p14="http://schemas.microsoft.com/office/powerpoint/2010/main" val="39829115"/>
+        <p14:creationId xmlns:p14="http://schemas.microsoft.com/office/powerpoint/2010/main" xmlns="" val="1874153870"/>
       </p:ext>
     </p:extLst>
   </p:cSld>
   <p:clrMapOvr>
     <a:masterClrMapping/>
   </p:clrMapOvr>
+  <p:timing>
+    <p:tnLst>
+      <p:par>
+        <p:cTn id="1" dur="indefinite" restart="never" nodeType="tmRoot">
+          <p:childTnLst>
+            <p:seq concurrent="1" nextAc="seek">
+              <p:cTn id="2" dur="indefinite" nodeType="mainSeq">
+                <p:childTnLst>
+                  <p:par>
+                    <p:cTn id="3" fill="hold">
+                      <p:stCondLst>
+                        <p:cond delay="indefinite"/>
+                      </p:stCondLst>
+                      <p:childTnLst>
+                        <p:par>
+                          <p:cTn id="4" fill="hold">
+                            <p:stCondLst>
+                              <p:cond delay="0"/>
+                            </p:stCondLst>
+                            <p:childTnLst>
+                              <p:par>
+                                <p:cTn id="5" presetID="3" presetClass="entr" presetSubtype="10" fill="hold" grpId="0" nodeType="clickEffect">
+                                  <p:stCondLst>
+                                    <p:cond delay="0"/>
+                                  </p:stCondLst>
+                                  <p:childTnLst>
+                                    <p:set>
+                                      <p:cBhvr>
+                                        <p:cTn id="6" dur="1" fill="hold">
+                                          <p:stCondLst>
+                                            <p:cond delay="0"/>
+                                          </p:stCondLst>
+                                        </p:cTn>
+                                        <p:tgtEl>
+                                          <p:spTgt spid="8">
+                                            <p:bg/>
+                                          </p:spTgt>
+                                        </p:tgtEl>
+                                        <p:attrNameLst>
+                                          <p:attrName>style.visibility</p:attrName>
+                                        </p:attrNameLst>
+                                      </p:cBhvr>
+                                      <p:to>
+                                        <p:strVal val="visible"/>
+                                      </p:to>
+                                    </p:set>
+                                    <p:animEffect transition="in" filter="blinds(horizontal)">
+                                      <p:cBhvr>
+                                        <p:cTn id="7" dur="500"/>
+                                        <p:tgtEl>
+                                          <p:spTgt spid="8">
+                                            <p:bg/>
+                                          </p:spTgt>
+                                        </p:tgtEl>
+                                      </p:cBhvr>
+                                    </p:animEffect>
+                                  </p:childTnLst>
+                                </p:cTn>
+                              </p:par>
+                              <p:par>
+                                <p:cTn id="8" presetID="3" presetClass="entr" presetSubtype="10" fill="hold" grpId="0" nodeType="withEffect">
+                                  <p:stCondLst>
+                                    <p:cond delay="0"/>
+                                  </p:stCondLst>
+                                  <p:childTnLst>
+                                    <p:set>
+                                      <p:cBhvr>
+                                        <p:cTn id="9" dur="1" fill="hold">
+                                          <p:stCondLst>
+                                            <p:cond delay="0"/>
+                                          </p:stCondLst>
+                                        </p:cTn>
+                                        <p:tgtEl>
+                                          <p:spTgt spid="8">
+                                            <p:txEl>
+                                              <p:pRg st="0" end="0"/>
+                                            </p:txEl>
+                                          </p:spTgt>
+                                        </p:tgtEl>
+                                        <p:attrNameLst>
+                                          <p:attrName>style.visibility</p:attrName>
+                                        </p:attrNameLst>
+                                      </p:cBhvr>
+                                      <p:to>
+                                        <p:strVal val="visible"/>
+                                      </p:to>
+                                    </p:set>
+                                    <p:animEffect transition="in" filter="blinds(horizontal)">
+                                      <p:cBhvr>
+                                        <p:cTn id="10" dur="500"/>
+                                        <p:tgtEl>
+                                          <p:spTgt spid="8">
+                                            <p:txEl>
+                                              <p:pRg st="0" end="0"/>
+                                            </p:txEl>
+                                          </p:spTgt>
+                                        </p:tgtEl>
+                                      </p:cBhvr>
+                                    </p:animEffect>
+                                  </p:childTnLst>
+                                </p:cTn>
+                              </p:par>
+                              <p:par>
+                                <p:cTn id="11" presetID="3" presetClass="entr" presetSubtype="10" fill="hold" grpId="0" nodeType="withEffect">
+                                  <p:stCondLst>
+                                    <p:cond delay="0"/>
+                                  </p:stCondLst>
+                                  <p:childTnLst>
+                                    <p:set>
+                                      <p:cBhvr>
+                                        <p:cTn id="12" dur="1" fill="hold">
+                                          <p:stCondLst>
+                                            <p:cond delay="0"/>
+                                          </p:stCondLst>
+                                        </p:cTn>
+                                        <p:tgtEl>
+                                          <p:spTgt spid="8">
+                                            <p:txEl>
+                                              <p:pRg st="1" end="1"/>
+                                            </p:txEl>
+                                          </p:spTgt>
+                                        </p:tgtEl>
+                                        <p:attrNameLst>
+                                          <p:attrName>style.visibility</p:attrName>
+                                        </p:attrNameLst>
+                                      </p:cBhvr>
+                                      <p:to>
+                                        <p:strVal val="visible"/>
+                                      </p:to>
+                                    </p:set>
+                                    <p:animEffect transition="in" filter="blinds(horizontal)">
+                                      <p:cBhvr>
+                                        <p:cTn id="13" dur="500"/>
+                                        <p:tgtEl>
+                                          <p:spTgt spid="8">
+                                            <p:txEl>
+                                              <p:pRg st="1" end="1"/>
+                                            </p:txEl>
+                                          </p:spTgt>
+                                        </p:tgtEl>
+                                      </p:cBhvr>
+                                    </p:animEffect>
+                                  </p:childTnLst>
+                                </p:cTn>
+                              </p:par>
+                            </p:childTnLst>
+                          </p:cTn>
+                        </p:par>
+                      </p:childTnLst>
+                    </p:cTn>
+                  </p:par>
+                </p:childTnLst>
+              </p:cTn>
+              <p:prevCondLst>
+                <p:cond evt="onPrev" delay="0">
+                  <p:tgtEl>
+                    <p:sldTgt/>
+                  </p:tgtEl>
+                </p:cond>
+              </p:prevCondLst>
+              <p:nextCondLst>
+                <p:cond evt="onNext" delay="0">
+                  <p:tgtEl>
+                    <p:sldTgt/>
+                  </p:tgtEl>
+                </p:cond>
+              </p:nextCondLst>
+            </p:seq>
+          </p:childTnLst>
+        </p:cTn>
+      </p:par>
+    </p:tnLst>
+    <p:bldLst>
+      <p:bldP spid="8" grpId="0" uiExpand="1" build="p" animBg="1"/>
+    </p:bldLst>
+  </p:timing>
 </p:sld>
 </file>
 
@@ -9112,28 +17077,22 @@
         </p:nvSpPr>
         <p:spPr/>
         <p:txBody>
-          <a:bodyPr/>
+          <a:bodyPr>
+            <a:normAutofit/>
+          </a:bodyPr>
           <a:lstStyle/>
           <a:p>
             <a:r>
-              <a:rPr lang="de-DE" dirty="0" smtClean="0">
-                <a:solidFill>
-                  <a:srgbClr val="E4C402"/>
-                </a:solidFill>
-              </a:rPr>
-              <a:t>Implementierung</a:t>
+              <a:rPr lang="de-DE" dirty="0" smtClean="0"/>
+              <a:t>Preisschwankungen</a:t>
             </a:r>
-            <a:endParaRPr lang="de-DE" dirty="0">
-              <a:solidFill>
-                <a:srgbClr val="E4C402"/>
-              </a:solidFill>
-            </a:endParaRPr>
+            <a:endParaRPr lang="de-DE" dirty="0"/>
           </a:p>
         </p:txBody>
       </p:sp>
       <p:sp>
         <p:nvSpPr>
-          <p:cNvPr id="3" name="Datumsplatzhalter 2"/>
+          <p:cNvPr id="4" name="Datumsplatzhalter 3"/>
           <p:cNvSpPr>
             <a:spLocks noGrp="1"/>
           </p:cNvSpPr>
@@ -9156,7 +17115,7 @@
       </p:sp>
       <p:sp>
         <p:nvSpPr>
-          <p:cNvPr id="4" name="Fußzeilenplatzhalter 3"/>
+          <p:cNvPr id="5" name="Fußzeilenplatzhalter 4"/>
           <p:cNvSpPr>
             <a:spLocks noGrp="1"/>
           </p:cNvSpPr>
@@ -9179,7 +17138,7 @@
       </p:sp>
       <p:sp>
         <p:nvSpPr>
-          <p:cNvPr id="5" name="Foliennummernplatzhalter 4"/>
+          <p:cNvPr id="6" name="Foliennummernplatzhalter 5"/>
           <p:cNvSpPr>
             <a:spLocks noGrp="1"/>
           </p:cNvSpPr>
@@ -9194,22 +17153,226 @@
           <a:p>
             <a:fld id="{4A822907-8A9D-4F6B-98F6-913902AD56B5}" type="slidenum">
               <a:rPr lang="en-US" smtClean="0"/>
+              <a:pPr/>
               <a:t>7</a:t>
             </a:fld>
             <a:endParaRPr lang="en-US"/>
+          </a:p>
+        </p:txBody>
+      </p:sp>
+      <p:sp>
+        <p:nvSpPr>
+          <p:cNvPr id="8" name="Inhaltsplatzhalter 2"/>
+          <p:cNvSpPr>
+            <a:spLocks noGrp="1"/>
+          </p:cNvSpPr>
+          <p:nvPr>
+            <p:ph idx="1"/>
+          </p:nvPr>
+        </p:nvSpPr>
+        <p:spPr>
+          <a:xfrm>
+            <a:off x="275129" y="2214563"/>
+            <a:ext cx="9144000" cy="4354512"/>
+          </a:xfrm>
+        </p:spPr>
+        <p:txBody>
+          <a:bodyPr>
+            <a:normAutofit/>
+          </a:bodyPr>
+          <a:lstStyle/>
+          <a:p>
+            <a:pPr marL="457200" indent="-457200">
+              <a:buFont typeface="+mj-lt"/>
+              <a:buAutoNum type="arabicPeriod"/>
+            </a:pPr>
+            <a:r>
+              <a:rPr lang="de-DE" b="1" dirty="0" smtClean="0"/>
+              <a:t>durch Konjunkturverlauf (Raumschiffnachfrage </a:t>
+            </a:r>
+            <a:r>
+              <a:rPr lang="de-DE" b="1" dirty="0" smtClean="0"/>
+              <a:t>&amp;</a:t>
+            </a:r>
+            <a:r>
+              <a:rPr lang="de-DE" b="1" dirty="0" smtClean="0"/>
+              <a:t> </a:t>
+            </a:r>
+            <a:r>
+              <a:rPr lang="de-DE" b="1" dirty="0" smtClean="0"/>
+              <a:t>Personalkosten)</a:t>
+            </a:r>
+          </a:p>
+          <a:p>
+            <a:pPr marL="457200" indent="-457200">
+              <a:buFont typeface="+mj-lt"/>
+              <a:buAutoNum type="arabicPeriod"/>
+            </a:pPr>
+            <a:endParaRPr lang="de-DE" b="1" dirty="0" smtClean="0"/>
+          </a:p>
+          <a:p>
+            <a:pPr marL="457200" indent="-457200">
+              <a:buFont typeface="+mj-lt"/>
+              <a:buAutoNum type="arabicPeriod"/>
+            </a:pPr>
+            <a:endParaRPr lang="de-DE" b="1" dirty="0" smtClean="0"/>
+          </a:p>
+          <a:p>
+            <a:pPr marL="457200" indent="-457200">
+              <a:buFont typeface="+mj-lt"/>
+              <a:buAutoNum type="arabicPeriod"/>
+            </a:pPr>
+            <a:endParaRPr lang="de-DE" b="1" dirty="0" smtClean="0"/>
+          </a:p>
+          <a:p>
+            <a:pPr marL="457200" indent="-457200">
+              <a:buFont typeface="+mj-lt"/>
+              <a:buAutoNum type="arabicPeriod"/>
+            </a:pPr>
+            <a:endParaRPr lang="de-DE" b="1" dirty="0" smtClean="0"/>
+          </a:p>
+          <a:p>
+            <a:pPr marL="457200" indent="-457200">
+              <a:buFont typeface="+mj-lt"/>
+              <a:buAutoNum type="arabicPeriod"/>
+            </a:pPr>
+            <a:endParaRPr lang="de-DE" b="1" dirty="0" smtClean="0"/>
+          </a:p>
+          <a:p>
+            <a:pPr marL="457200" indent="-457200">
+              <a:buFont typeface="+mj-lt"/>
+              <a:buAutoNum type="arabicPeriod"/>
+            </a:pPr>
+            <a:endParaRPr lang="de-DE" b="1" dirty="0" smtClean="0"/>
+          </a:p>
+          <a:p>
+            <a:pPr marL="457200" indent="-457200">
+              <a:buFont typeface="+mj-lt"/>
+              <a:buAutoNum type="arabicPeriod"/>
+            </a:pPr>
+            <a:r>
+              <a:rPr lang="de-DE" b="1" dirty="0" smtClean="0"/>
+              <a:t>durch Einkäufe der Unternehmen (Bauteilpreise)  </a:t>
+            </a:r>
+          </a:p>
+          <a:p>
+            <a:endParaRPr lang="de-DE" b="1" dirty="0" smtClean="0"/>
+          </a:p>
+        </p:txBody>
+      </p:sp>
+      <p:graphicFrame>
+        <p:nvGraphicFramePr>
+          <p:cNvPr id="9" name="Diagramm 8"/>
+          <p:cNvGraphicFramePr/>
+          <p:nvPr/>
+        </p:nvGraphicFramePr>
+        <p:xfrm>
+          <a:off x="837219" y="2327181"/>
+          <a:ext cx="6357937" cy="4530819"/>
+        </p:xfrm>
+        <a:graphic>
+          <a:graphicData uri="http://schemas.openxmlformats.org/drawingml/2006/chart">
+            <c:chart xmlns:c="http://schemas.openxmlformats.org/drawingml/2006/chart" xmlns:r="http://schemas.openxmlformats.org/officeDocument/2006/relationships" r:id="rId3"/>
+          </a:graphicData>
+        </a:graphic>
+      </p:graphicFrame>
+      <p:sp>
+        <p:nvSpPr>
+          <p:cNvPr id="11" name="Textfeld 10"/>
+          <p:cNvSpPr txBox="1"/>
+          <p:nvPr/>
+        </p:nvSpPr>
+        <p:spPr>
+          <a:xfrm>
+            <a:off x="6013719" y="3406747"/>
+            <a:ext cx="2474826" cy="1477328"/>
+          </a:xfrm>
+          <a:prstGeom prst="rect">
+            <a:avLst/>
+          </a:prstGeom>
+          <a:noFill/>
+        </p:spPr>
+        <p:txBody>
+          <a:bodyPr wrap="square" rtlCol="0">
+            <a:spAutoFit/>
+          </a:bodyPr>
+          <a:lstStyle/>
+          <a:p>
+            <a:r>
+              <a:rPr lang="de-DE" b="1" dirty="0" smtClean="0">
+                <a:solidFill>
+                  <a:schemeClr val="accent1"/>
+                </a:solidFill>
+              </a:rPr>
+              <a:t>X-Wing</a:t>
+            </a:r>
+          </a:p>
+          <a:p>
+            <a:endParaRPr lang="de-DE" dirty="0" smtClean="0"/>
+          </a:p>
+          <a:p>
+            <a:r>
+              <a:rPr lang="de-DE" b="1" dirty="0" err="1" smtClean="0">
+                <a:solidFill>
+                  <a:schemeClr val="accent2"/>
+                </a:solidFill>
+              </a:rPr>
+              <a:t>Correlian</a:t>
+            </a:r>
+            <a:r>
+              <a:rPr lang="de-DE" b="1" dirty="0" smtClean="0">
+                <a:solidFill>
+                  <a:schemeClr val="accent2"/>
+                </a:solidFill>
+              </a:rPr>
+              <a:t> Corvette</a:t>
+            </a:r>
+          </a:p>
+          <a:p>
+            <a:endParaRPr lang="de-DE" dirty="0" smtClean="0"/>
+          </a:p>
+          <a:p>
+            <a:r>
+              <a:rPr lang="de-DE" b="1" dirty="0" err="1" smtClean="0">
+                <a:solidFill>
+                  <a:schemeClr val="accent3"/>
+                </a:solidFill>
+              </a:rPr>
+              <a:t>Millenium</a:t>
+            </a:r>
+            <a:r>
+              <a:rPr lang="de-DE" b="1" dirty="0" smtClean="0">
+                <a:solidFill>
+                  <a:schemeClr val="accent3"/>
+                </a:solidFill>
+              </a:rPr>
+              <a:t> Falke</a:t>
+            </a:r>
+            <a:endParaRPr lang="de-DE" b="1" dirty="0">
+              <a:solidFill>
+                <a:schemeClr val="accent3"/>
+              </a:solidFill>
+            </a:endParaRPr>
           </a:p>
         </p:txBody>
       </p:sp>
     </p:spTree>
     <p:extLst>
       <p:ext uri="{BB962C8B-B14F-4D97-AF65-F5344CB8AC3E}">
-        <p14:creationId xmlns:p14="http://schemas.microsoft.com/office/powerpoint/2010/main" val="2161015239"/>
+        <p14:creationId xmlns:p14="http://schemas.microsoft.com/office/powerpoint/2010/main" xmlns="" val="1874153870"/>
       </p:ext>
     </p:extLst>
   </p:cSld>
   <p:clrMapOvr>
     <a:masterClrMapping/>
   </p:clrMapOvr>
+  <p:timing>
+    <p:tnLst>
+      <p:par>
+        <p:cTn id="1" dur="indefinite" restart="never" nodeType="tmRoot"/>
+      </p:par>
+    </p:tnLst>
+  </p:timing>
 </p:sld>
 </file>
 
@@ -9245,32 +17408,33 @@
           <a:bodyPr/>
           <a:lstStyle/>
           <a:p>
-            <a:endParaRPr lang="de-DE"/>
+            <a:r>
+              <a:rPr lang="de-DE" dirty="0" err="1" smtClean="0">
+                <a:solidFill>
+                  <a:srgbClr val="E4C402"/>
+                </a:solidFill>
+              </a:rPr>
+              <a:t>Use</a:t>
+            </a:r>
+            <a:r>
+              <a:rPr lang="de-DE" dirty="0" smtClean="0">
+                <a:solidFill>
+                  <a:srgbClr val="E4C402"/>
+                </a:solidFill>
+              </a:rPr>
+              <a:t> Case</a:t>
+            </a:r>
+            <a:endParaRPr lang="de-DE" dirty="0">
+              <a:solidFill>
+                <a:srgbClr val="E4C402"/>
+              </a:solidFill>
+            </a:endParaRPr>
           </a:p>
         </p:txBody>
       </p:sp>
       <p:sp>
         <p:nvSpPr>
-          <p:cNvPr id="3" name="Inhaltsplatzhalter 2"/>
-          <p:cNvSpPr>
-            <a:spLocks noGrp="1"/>
-          </p:cNvSpPr>
-          <p:nvPr>
-            <p:ph idx="1"/>
-          </p:nvPr>
-        </p:nvSpPr>
-        <p:spPr/>
-        <p:txBody>
-          <a:bodyPr/>
-          <a:lstStyle/>
-          <a:p>
-            <a:endParaRPr lang="de-DE"/>
-          </a:p>
-        </p:txBody>
-      </p:sp>
-      <p:sp>
-        <p:nvSpPr>
-          <p:cNvPr id="4" name="Datumsplatzhalter 3"/>
+          <p:cNvPr id="3" name="Datumsplatzhalter 2"/>
           <p:cNvSpPr>
             <a:spLocks noGrp="1"/>
           </p:cNvSpPr>
@@ -9293,7 +17457,7 @@
       </p:sp>
       <p:sp>
         <p:nvSpPr>
-          <p:cNvPr id="5" name="Fußzeilenplatzhalter 4"/>
+          <p:cNvPr id="4" name="Fußzeilenplatzhalter 3"/>
           <p:cNvSpPr>
             <a:spLocks noGrp="1"/>
           </p:cNvSpPr>
@@ -9316,7 +17480,7 @@
       </p:sp>
       <p:sp>
         <p:nvSpPr>
-          <p:cNvPr id="6" name="Foliennummernplatzhalter 5"/>
+          <p:cNvPr id="5" name="Foliennummernplatzhalter 4"/>
           <p:cNvSpPr>
             <a:spLocks noGrp="1"/>
           </p:cNvSpPr>
@@ -9331,6 +17495,7 @@
           <a:p>
             <a:fld id="{4A822907-8A9D-4F6B-98F6-913902AD56B5}" type="slidenum">
               <a:rPr lang="en-US" smtClean="0"/>
+              <a:pPr/>
               <a:t>8</a:t>
             </a:fld>
             <a:endParaRPr lang="en-US"/>
@@ -9340,13 +17505,20 @@
     </p:spTree>
     <p:extLst>
       <p:ext uri="{BB962C8B-B14F-4D97-AF65-F5344CB8AC3E}">
-        <p14:creationId xmlns:p14="http://schemas.microsoft.com/office/powerpoint/2010/main" val="296993480"/>
+        <p14:creationId xmlns:p14="http://schemas.microsoft.com/office/powerpoint/2010/main" xmlns="" val="2161015239"/>
       </p:ext>
     </p:extLst>
   </p:cSld>
   <p:clrMapOvr>
     <a:masterClrMapping/>
   </p:clrMapOvr>
+  <p:timing>
+    <p:tnLst>
+      <p:par>
+        <p:cTn id="1" dur="indefinite" restart="never" nodeType="tmRoot"/>
+      </p:par>
+    </p:tnLst>
+  </p:timing>
 </p:sld>
 </file>
 
@@ -9382,25 +17554,51 @@
           <a:bodyPr/>
           <a:lstStyle/>
           <a:p>
-            <a:r>
-              <a:rPr lang="de-DE" dirty="0" smtClean="0">
-                <a:solidFill>
-                  <a:srgbClr val="E4C402"/>
-                </a:solidFill>
-              </a:rPr>
-              <a:t>Vielen Dank für Eure Aufmerksamkeit!</a:t>
-            </a:r>
-            <a:endParaRPr lang="de-DE" dirty="0">
-              <a:solidFill>
-                <a:srgbClr val="E4C402"/>
-              </a:solidFill>
-            </a:endParaRPr>
+            <a:endParaRPr lang="de-DE"/>
           </a:p>
         </p:txBody>
       </p:sp>
       <p:sp>
         <p:nvSpPr>
-          <p:cNvPr id="3" name="Datumsplatzhalter 2"/>
+          <p:cNvPr id="3" name="Inhaltsplatzhalter 2"/>
+          <p:cNvSpPr>
+            <a:spLocks noGrp="1"/>
+          </p:cNvSpPr>
+          <p:nvPr>
+            <p:ph sz="half" idx="1"/>
+          </p:nvPr>
+        </p:nvSpPr>
+        <p:spPr/>
+        <p:txBody>
+          <a:bodyPr/>
+          <a:lstStyle/>
+          <a:p>
+            <a:endParaRPr lang="de-DE"/>
+          </a:p>
+        </p:txBody>
+      </p:sp>
+      <p:sp>
+        <p:nvSpPr>
+          <p:cNvPr id="4" name="Inhaltsplatzhalter 3"/>
+          <p:cNvSpPr>
+            <a:spLocks noGrp="1"/>
+          </p:cNvSpPr>
+          <p:nvPr>
+            <p:ph sz="half" idx="2"/>
+          </p:nvPr>
+        </p:nvSpPr>
+        <p:spPr/>
+        <p:txBody>
+          <a:bodyPr/>
+          <a:lstStyle/>
+          <a:p>
+            <a:endParaRPr lang="de-DE"/>
+          </a:p>
+        </p:txBody>
+      </p:sp>
+      <p:sp>
+        <p:nvSpPr>
+          <p:cNvPr id="5" name="Datumsplatzhalter 4"/>
           <p:cNvSpPr>
             <a:spLocks noGrp="1"/>
           </p:cNvSpPr>
@@ -9423,7 +17621,7 @@
       </p:sp>
       <p:sp>
         <p:nvSpPr>
-          <p:cNvPr id="4" name="Fußzeilenplatzhalter 3"/>
+          <p:cNvPr id="6" name="Fußzeilenplatzhalter 5"/>
           <p:cNvSpPr>
             <a:spLocks noGrp="1"/>
           </p:cNvSpPr>
@@ -9446,7 +17644,7 @@
       </p:sp>
       <p:sp>
         <p:nvSpPr>
-          <p:cNvPr id="5" name="Foliennummernplatzhalter 4"/>
+          <p:cNvPr id="7" name="Foliennummernplatzhalter 6"/>
           <p:cNvSpPr>
             <a:spLocks noGrp="1"/>
           </p:cNvSpPr>
@@ -9461,6 +17659,7 @@
           <a:p>
             <a:fld id="{4A822907-8A9D-4F6B-98F6-913902AD56B5}" type="slidenum">
               <a:rPr lang="en-US" smtClean="0"/>
+              <a:pPr/>
               <a:t>9</a:t>
             </a:fld>
             <a:endParaRPr lang="en-US"/>
@@ -9470,13 +17669,20 @@
     </p:spTree>
     <p:extLst>
       <p:ext uri="{BB962C8B-B14F-4D97-AF65-F5344CB8AC3E}">
-        <p14:creationId xmlns:p14="http://schemas.microsoft.com/office/powerpoint/2010/main" val="2161015239"/>
+        <p14:creationId xmlns:p14="http://schemas.microsoft.com/office/powerpoint/2010/main" xmlns="" val="39829115"/>
       </p:ext>
     </p:extLst>
   </p:cSld>
   <p:clrMapOvr>
     <a:masterClrMapping/>
   </p:clrMapOvr>
+  <p:timing>
+    <p:tnLst>
+      <p:par>
+        <p:cTn id="1" dur="indefinite" restart="never" nodeType="tmRoot"/>
+      </p:par>
+    </p:tnLst>
+  </p:timing>
 </p:sld>
 </file>
 
